--- a/1. 산출문서/화면설계서(실전)/화면설계서_서식(1조. HappyVirus) (실전).pptx
+++ b/1. 산출문서/화면설계서(실전)/화면설계서_서식(1조. HappyVirus) (실전).pptx
@@ -5,28 +5,30 @@
     <p:sldMasterId id="2147483660" r:id="rId1"/>
   </p:sldMasterIdLst>
   <p:notesMasterIdLst>
-    <p:notesMasterId r:id="rId21"/>
+    <p:notesMasterId r:id="rId23"/>
   </p:notesMasterIdLst>
   <p:sldIdLst>
     <p:sldId id="257" r:id="rId2"/>
     <p:sldId id="299" r:id="rId3"/>
     <p:sldId id="314" r:id="rId4"/>
     <p:sldId id="313" r:id="rId5"/>
-    <p:sldId id="351" r:id="rId6"/>
-    <p:sldId id="359" r:id="rId7"/>
-    <p:sldId id="350" r:id="rId8"/>
-    <p:sldId id="349" r:id="rId9"/>
-    <p:sldId id="352" r:id="rId10"/>
-    <p:sldId id="362" r:id="rId11"/>
-    <p:sldId id="354" r:id="rId12"/>
-    <p:sldId id="355" r:id="rId13"/>
-    <p:sldId id="356" r:id="rId14"/>
-    <p:sldId id="360" r:id="rId15"/>
-    <p:sldId id="357" r:id="rId16"/>
-    <p:sldId id="361" r:id="rId17"/>
-    <p:sldId id="358" r:id="rId18"/>
-    <p:sldId id="363" r:id="rId19"/>
-    <p:sldId id="338" r:id="rId20"/>
+    <p:sldId id="364" r:id="rId6"/>
+    <p:sldId id="392" r:id="rId7"/>
+    <p:sldId id="379" r:id="rId8"/>
+    <p:sldId id="393" r:id="rId9"/>
+    <p:sldId id="394" r:id="rId10"/>
+    <p:sldId id="380" r:id="rId11"/>
+    <p:sldId id="381" r:id="rId12"/>
+    <p:sldId id="382" r:id="rId13"/>
+    <p:sldId id="391" r:id="rId14"/>
+    <p:sldId id="384" r:id="rId15"/>
+    <p:sldId id="385" r:id="rId16"/>
+    <p:sldId id="390" r:id="rId17"/>
+    <p:sldId id="386" r:id="rId18"/>
+    <p:sldId id="387" r:id="rId19"/>
+    <p:sldId id="388" r:id="rId20"/>
+    <p:sldId id="389" r:id="rId21"/>
+    <p:sldId id="338" r:id="rId22"/>
   </p:sldIdLst>
   <p:sldSz cx="9906000" cy="6858000" type="A4"/>
   <p:notesSz cx="6858000" cy="9144000"/>
@@ -215,7 +217,7 @@
           <a:p>
             <a:fld id="{A7E5D514-4841-4DBD-89D8-5BD5E2EF99F8}" type="datetimeFigureOut">
               <a:rPr lang="ko-KR" altLang="en-US" smtClean="0"/>
-              <a:t>2023-01-26</a:t>
+              <a:t>2023-01-27</a:t>
             </a:fld>
             <a:endParaRPr lang="ko-KR" altLang="en-US"/>
           </a:p>
@@ -691,7 +693,7 @@
     </p:spTree>
     <p:extLst>
       <p:ext uri="{BB962C8B-B14F-4D97-AF65-F5344CB8AC3E}">
-        <p14:creationId xmlns:p14="http://schemas.microsoft.com/office/powerpoint/2010/main" val="1972965825"/>
+        <p14:creationId xmlns:p14="http://schemas.microsoft.com/office/powerpoint/2010/main" val="2500363284"/>
       </p:ext>
     </p:extLst>
   </p:cSld>
@@ -812,7 +814,7 @@
     </p:spTree>
     <p:extLst>
       <p:ext uri="{BB962C8B-B14F-4D97-AF65-F5344CB8AC3E}">
-        <p14:creationId xmlns:p14="http://schemas.microsoft.com/office/powerpoint/2010/main" val="3784061003"/>
+        <p14:creationId xmlns:p14="http://schemas.microsoft.com/office/powerpoint/2010/main" val="2426007080"/>
       </p:ext>
     </p:extLst>
   </p:cSld>
@@ -933,7 +935,7 @@
     </p:spTree>
     <p:extLst>
       <p:ext uri="{BB962C8B-B14F-4D97-AF65-F5344CB8AC3E}">
-        <p14:creationId xmlns:p14="http://schemas.microsoft.com/office/powerpoint/2010/main" val="2526184602"/>
+        <p14:creationId xmlns:p14="http://schemas.microsoft.com/office/powerpoint/2010/main" val="1093541201"/>
       </p:ext>
     </p:extLst>
   </p:cSld>
@@ -1054,7 +1056,7 @@
     </p:spTree>
     <p:extLst>
       <p:ext uri="{BB962C8B-B14F-4D97-AF65-F5344CB8AC3E}">
-        <p14:creationId xmlns:p14="http://schemas.microsoft.com/office/powerpoint/2010/main" val="2161406120"/>
+        <p14:creationId xmlns:p14="http://schemas.microsoft.com/office/powerpoint/2010/main" val="3415562735"/>
       </p:ext>
     </p:extLst>
   </p:cSld>
@@ -1175,7 +1177,7 @@
     </p:spTree>
     <p:extLst>
       <p:ext uri="{BB962C8B-B14F-4D97-AF65-F5344CB8AC3E}">
-        <p14:creationId xmlns:p14="http://schemas.microsoft.com/office/powerpoint/2010/main" val="3224501731"/>
+        <p14:creationId xmlns:p14="http://schemas.microsoft.com/office/powerpoint/2010/main" val="1171228699"/>
       </p:ext>
     </p:extLst>
   </p:cSld>
@@ -1296,7 +1298,7 @@
     </p:spTree>
     <p:extLst>
       <p:ext uri="{BB962C8B-B14F-4D97-AF65-F5344CB8AC3E}">
-        <p14:creationId xmlns:p14="http://schemas.microsoft.com/office/powerpoint/2010/main" val="4054258923"/>
+        <p14:creationId xmlns:p14="http://schemas.microsoft.com/office/powerpoint/2010/main" val="1278200739"/>
       </p:ext>
     </p:extLst>
   </p:cSld>
@@ -1417,7 +1419,7 @@
     </p:spTree>
     <p:extLst>
       <p:ext uri="{BB962C8B-B14F-4D97-AF65-F5344CB8AC3E}">
-        <p14:creationId xmlns:p14="http://schemas.microsoft.com/office/powerpoint/2010/main" val="4287455378"/>
+        <p14:creationId xmlns:p14="http://schemas.microsoft.com/office/powerpoint/2010/main" val="2356931476"/>
       </p:ext>
     </p:extLst>
   </p:cSld>
@@ -1538,7 +1540,7 @@
     </p:spTree>
     <p:extLst>
       <p:ext uri="{BB962C8B-B14F-4D97-AF65-F5344CB8AC3E}">
-        <p14:creationId xmlns:p14="http://schemas.microsoft.com/office/powerpoint/2010/main" val="2516557379"/>
+        <p14:creationId xmlns:p14="http://schemas.microsoft.com/office/powerpoint/2010/main" val="969610627"/>
       </p:ext>
     </p:extLst>
   </p:cSld>
@@ -1659,7 +1661,128 @@
     </p:spTree>
     <p:extLst>
       <p:ext uri="{BB962C8B-B14F-4D97-AF65-F5344CB8AC3E}">
-        <p14:creationId xmlns:p14="http://schemas.microsoft.com/office/powerpoint/2010/main" val="3368185008"/>
+        <p14:creationId xmlns:p14="http://schemas.microsoft.com/office/powerpoint/2010/main" val="1584150242"/>
+      </p:ext>
+    </p:extLst>
+  </p:cSld>
+  <p:clrMapOvr>
+    <a:masterClrMapping/>
+  </p:clrMapOvr>
+</p:notes>
+</file>
+
+<file path=ppt/notesSlides/notesSlide19.xml><?xml version="1.0" encoding="utf-8"?>
+<p:notes xmlns:a="http://schemas.openxmlformats.org/drawingml/2006/main" xmlns:r="http://schemas.openxmlformats.org/officeDocument/2006/relationships" xmlns:p="http://schemas.openxmlformats.org/presentationml/2006/main">
+  <p:cSld>
+    <p:spTree>
+      <p:nvGrpSpPr>
+        <p:cNvPr id="1" name=""/>
+        <p:cNvGrpSpPr/>
+        <p:nvPr/>
+      </p:nvGrpSpPr>
+      <p:grpSpPr>
+        <a:xfrm>
+          <a:off x="0" y="0"/>
+          <a:ext cx="0" cy="0"/>
+          <a:chOff x="0" y="0"/>
+          <a:chExt cx="0" cy="0"/>
+        </a:xfrm>
+      </p:grpSpPr>
+      <p:sp>
+        <p:nvSpPr>
+          <p:cNvPr id="2" name="Slide Image Placeholder 1"/>
+          <p:cNvSpPr>
+            <a:spLocks noGrp="1" noRot="1" noChangeAspect="1"/>
+          </p:cNvSpPr>
+          <p:nvPr>
+            <p:ph type="sldImg"/>
+          </p:nvPr>
+        </p:nvSpPr>
+        <p:spPr/>
+      </p:sp>
+      <p:sp>
+        <p:nvSpPr>
+          <p:cNvPr id="3" name="Notes Placeholder 2"/>
+          <p:cNvSpPr>
+            <a:spLocks noGrp="1"/>
+          </p:cNvSpPr>
+          <p:nvPr>
+            <p:ph type="body" idx="1"/>
+          </p:nvPr>
+        </p:nvSpPr>
+        <p:spPr/>
+        <p:txBody>
+          <a:bodyPr/>
+          <a:lstStyle/>
+          <a:p>
+            <a:pPr marL="0" marR="0" lvl="0" indent="0" algn="l" defTabSz="914400" rtl="0" eaLnBrk="1" fontAlgn="auto" latinLnBrk="1" hangingPunct="1">
+              <a:lnSpc>
+                <a:spcPct val="100000"/>
+              </a:lnSpc>
+              <a:spcBef>
+                <a:spcPts val="0"/>
+              </a:spcBef>
+              <a:spcAft>
+                <a:spcPts val="0"/>
+              </a:spcAft>
+              <a:buClrTx/>
+              <a:buSzTx/>
+              <a:buFontTx/>
+              <a:buNone/>
+              <a:tabLst/>
+              <a:defRPr/>
+            </a:pPr>
+            <a:r>
+              <a:rPr lang="ko-KR" altLang="en-US" sz="1800" b="1" kern="0" spc="0" dirty="0">
+                <a:solidFill>
+                  <a:srgbClr val="000000"/>
+                </a:solidFill>
+                <a:effectLst/>
+                <a:latin typeface="맑은 고딕" panose="020B0503020000020004" pitchFamily="50" charset="-127"/>
+                <a:ea typeface="맑은 고딕" panose="020B0503020000020004" pitchFamily="50" charset="-127"/>
+              </a:rPr>
+              <a:t>①②③④⑤⑥⑦⑧⑨⑩</a:t>
+            </a:r>
+            <a:endParaRPr lang="ko-KR" altLang="en-US" sz="1800" kern="0" spc="0" dirty="0">
+              <a:solidFill>
+                <a:srgbClr val="000000"/>
+              </a:solidFill>
+              <a:effectLst/>
+              <a:latin typeface="함초롬바탕" panose="02030604000101010101" pitchFamily="18" charset="-127"/>
+            </a:endParaRPr>
+          </a:p>
+          <a:p>
+            <a:endParaRPr lang="ko-KR" altLang="en-US" dirty="0"/>
+          </a:p>
+        </p:txBody>
+      </p:sp>
+      <p:sp>
+        <p:nvSpPr>
+          <p:cNvPr id="4" name="Slide Number Placeholder 3"/>
+          <p:cNvSpPr>
+            <a:spLocks noGrp="1"/>
+          </p:cNvSpPr>
+          <p:nvPr>
+            <p:ph type="sldNum" sz="quarter" idx="5"/>
+          </p:nvPr>
+        </p:nvSpPr>
+        <p:spPr/>
+        <p:txBody>
+          <a:bodyPr/>
+          <a:lstStyle/>
+          <a:p>
+            <a:fld id="{1985F44E-32DA-4EDE-89B1-77AAF1A9E03E}" type="slidenum">
+              <a:rPr lang="ko-KR" altLang="en-US" smtClean="0"/>
+              <a:t>20</a:t>
+            </a:fld>
+            <a:endParaRPr lang="ko-KR" altLang="en-US"/>
+          </a:p>
+        </p:txBody>
+      </p:sp>
+    </p:spTree>
+    <p:extLst>
+      <p:ext uri="{BB962C8B-B14F-4D97-AF65-F5344CB8AC3E}">
+        <p14:creationId xmlns:p14="http://schemas.microsoft.com/office/powerpoint/2010/main" val="2436578437"/>
       </p:ext>
     </p:extLst>
   </p:cSld>
@@ -1758,6 +1881,127 @@
     <p:extLst>
       <p:ext uri="{BB962C8B-B14F-4D97-AF65-F5344CB8AC3E}">
         <p14:creationId xmlns:p14="http://schemas.microsoft.com/office/powerpoint/2010/main" val="1088798523"/>
+      </p:ext>
+    </p:extLst>
+  </p:cSld>
+  <p:clrMapOvr>
+    <a:masterClrMapping/>
+  </p:clrMapOvr>
+</p:notes>
+</file>
+
+<file path=ppt/notesSlides/notesSlide20.xml><?xml version="1.0" encoding="utf-8"?>
+<p:notes xmlns:a="http://schemas.openxmlformats.org/drawingml/2006/main" xmlns:r="http://schemas.openxmlformats.org/officeDocument/2006/relationships" xmlns:p="http://schemas.openxmlformats.org/presentationml/2006/main">
+  <p:cSld>
+    <p:spTree>
+      <p:nvGrpSpPr>
+        <p:cNvPr id="1" name=""/>
+        <p:cNvGrpSpPr/>
+        <p:nvPr/>
+      </p:nvGrpSpPr>
+      <p:grpSpPr>
+        <a:xfrm>
+          <a:off x="0" y="0"/>
+          <a:ext cx="0" cy="0"/>
+          <a:chOff x="0" y="0"/>
+          <a:chExt cx="0" cy="0"/>
+        </a:xfrm>
+      </p:grpSpPr>
+      <p:sp>
+        <p:nvSpPr>
+          <p:cNvPr id="2" name="Slide Image Placeholder 1"/>
+          <p:cNvSpPr>
+            <a:spLocks noGrp="1" noRot="1" noChangeAspect="1"/>
+          </p:cNvSpPr>
+          <p:nvPr>
+            <p:ph type="sldImg"/>
+          </p:nvPr>
+        </p:nvSpPr>
+        <p:spPr/>
+      </p:sp>
+      <p:sp>
+        <p:nvSpPr>
+          <p:cNvPr id="3" name="Notes Placeholder 2"/>
+          <p:cNvSpPr>
+            <a:spLocks noGrp="1"/>
+          </p:cNvSpPr>
+          <p:nvPr>
+            <p:ph type="body" idx="1"/>
+          </p:nvPr>
+        </p:nvSpPr>
+        <p:spPr/>
+        <p:txBody>
+          <a:bodyPr/>
+          <a:lstStyle/>
+          <a:p>
+            <a:pPr marL="0" marR="0" lvl="0" indent="0" algn="l" defTabSz="914400" rtl="0" eaLnBrk="1" fontAlgn="auto" latinLnBrk="1" hangingPunct="1">
+              <a:lnSpc>
+                <a:spcPct val="100000"/>
+              </a:lnSpc>
+              <a:spcBef>
+                <a:spcPts val="0"/>
+              </a:spcBef>
+              <a:spcAft>
+                <a:spcPts val="0"/>
+              </a:spcAft>
+              <a:buClrTx/>
+              <a:buSzTx/>
+              <a:buFontTx/>
+              <a:buNone/>
+              <a:tabLst/>
+              <a:defRPr/>
+            </a:pPr>
+            <a:r>
+              <a:rPr lang="ko-KR" altLang="en-US" sz="1800" b="1" kern="0" spc="0" dirty="0">
+                <a:solidFill>
+                  <a:srgbClr val="000000"/>
+                </a:solidFill>
+                <a:effectLst/>
+                <a:latin typeface="맑은 고딕" panose="020B0503020000020004" pitchFamily="50" charset="-127"/>
+                <a:ea typeface="맑은 고딕" panose="020B0503020000020004" pitchFamily="50" charset="-127"/>
+              </a:rPr>
+              <a:t>①②③④⑤⑥⑦⑧⑨⑩</a:t>
+            </a:r>
+            <a:endParaRPr lang="ko-KR" altLang="en-US" sz="1800" kern="0" spc="0" dirty="0">
+              <a:solidFill>
+                <a:srgbClr val="000000"/>
+              </a:solidFill>
+              <a:effectLst/>
+              <a:latin typeface="함초롬바탕" panose="02030604000101010101" pitchFamily="18" charset="-127"/>
+            </a:endParaRPr>
+          </a:p>
+          <a:p>
+            <a:endParaRPr lang="ko-KR" altLang="en-US" dirty="0"/>
+          </a:p>
+        </p:txBody>
+      </p:sp>
+      <p:sp>
+        <p:nvSpPr>
+          <p:cNvPr id="4" name="Slide Number Placeholder 3"/>
+          <p:cNvSpPr>
+            <a:spLocks noGrp="1"/>
+          </p:cNvSpPr>
+          <p:nvPr>
+            <p:ph type="sldNum" sz="quarter" idx="5"/>
+          </p:nvPr>
+        </p:nvSpPr>
+        <p:spPr/>
+        <p:txBody>
+          <a:bodyPr/>
+          <a:lstStyle/>
+          <a:p>
+            <a:fld id="{1985F44E-32DA-4EDE-89B1-77AAF1A9E03E}" type="slidenum">
+              <a:rPr lang="ko-KR" altLang="en-US" smtClean="0"/>
+              <a:t>21</a:t>
+            </a:fld>
+            <a:endParaRPr lang="ko-KR" altLang="en-US"/>
+          </a:p>
+        </p:txBody>
+      </p:sp>
+    </p:spTree>
+    <p:extLst>
+      <p:ext uri="{BB962C8B-B14F-4D97-AF65-F5344CB8AC3E}">
+        <p14:creationId xmlns:p14="http://schemas.microsoft.com/office/powerpoint/2010/main" val="3368185008"/>
       </p:ext>
     </p:extLst>
   </p:cSld>
@@ -1999,7 +2243,7 @@
     </p:spTree>
     <p:extLst>
       <p:ext uri="{BB962C8B-B14F-4D97-AF65-F5344CB8AC3E}">
-        <p14:creationId xmlns:p14="http://schemas.microsoft.com/office/powerpoint/2010/main" val="2025823500"/>
+        <p14:creationId xmlns:p14="http://schemas.microsoft.com/office/powerpoint/2010/main" val="3812515752"/>
       </p:ext>
     </p:extLst>
   </p:cSld>
@@ -2120,7 +2364,7 @@
     </p:spTree>
     <p:extLst>
       <p:ext uri="{BB962C8B-B14F-4D97-AF65-F5344CB8AC3E}">
-        <p14:creationId xmlns:p14="http://schemas.microsoft.com/office/powerpoint/2010/main" val="2825870750"/>
+        <p14:creationId xmlns:p14="http://schemas.microsoft.com/office/powerpoint/2010/main" val="3309679586"/>
       </p:ext>
     </p:extLst>
   </p:cSld>
@@ -2241,7 +2485,7 @@
     </p:spTree>
     <p:extLst>
       <p:ext uri="{BB962C8B-B14F-4D97-AF65-F5344CB8AC3E}">
-        <p14:creationId xmlns:p14="http://schemas.microsoft.com/office/powerpoint/2010/main" val="18299977"/>
+        <p14:creationId xmlns:p14="http://schemas.microsoft.com/office/powerpoint/2010/main" val="3363137446"/>
       </p:ext>
     </p:extLst>
   </p:cSld>
@@ -2362,7 +2606,7 @@
     </p:spTree>
     <p:extLst>
       <p:ext uri="{BB962C8B-B14F-4D97-AF65-F5344CB8AC3E}">
-        <p14:creationId xmlns:p14="http://schemas.microsoft.com/office/powerpoint/2010/main" val="841439595"/>
+        <p14:creationId xmlns:p14="http://schemas.microsoft.com/office/powerpoint/2010/main" val="263653387"/>
       </p:ext>
     </p:extLst>
   </p:cSld>
@@ -2483,7 +2727,7 @@
     </p:spTree>
     <p:extLst>
       <p:ext uri="{BB962C8B-B14F-4D97-AF65-F5344CB8AC3E}">
-        <p14:creationId xmlns:p14="http://schemas.microsoft.com/office/powerpoint/2010/main" val="3183458379"/>
+        <p14:creationId xmlns:p14="http://schemas.microsoft.com/office/powerpoint/2010/main" val="469808312"/>
       </p:ext>
     </p:extLst>
   </p:cSld>
@@ -2604,7 +2848,7 @@
     </p:spTree>
     <p:extLst>
       <p:ext uri="{BB962C8B-B14F-4D97-AF65-F5344CB8AC3E}">
-        <p14:creationId xmlns:p14="http://schemas.microsoft.com/office/powerpoint/2010/main" val="4140286163"/>
+        <p14:creationId xmlns:p14="http://schemas.microsoft.com/office/powerpoint/2010/main" val="2789228470"/>
       </p:ext>
     </p:extLst>
   </p:cSld>
@@ -2745,7 +2989,7 @@
           <a:p>
             <a:fld id="{C0F51B65-CB5E-424A-A210-7B3C910D82A4}" type="datetimeFigureOut">
               <a:rPr lang="ko-KR" altLang="en-US" smtClean="0"/>
-              <a:t>2023-01-26</a:t>
+              <a:t>2023-01-27</a:t>
             </a:fld>
             <a:endParaRPr lang="ko-KR" altLang="en-US"/>
           </a:p>
@@ -2915,7 +3159,7 @@
           <a:p>
             <a:fld id="{C0F51B65-CB5E-424A-A210-7B3C910D82A4}" type="datetimeFigureOut">
               <a:rPr lang="ko-KR" altLang="en-US" smtClean="0"/>
-              <a:t>2023-01-26</a:t>
+              <a:t>2023-01-27</a:t>
             </a:fld>
             <a:endParaRPr lang="ko-KR" altLang="en-US"/>
           </a:p>
@@ -3095,7 +3339,7 @@
           <a:p>
             <a:fld id="{C0F51B65-CB5E-424A-A210-7B3C910D82A4}" type="datetimeFigureOut">
               <a:rPr lang="ko-KR" altLang="en-US" smtClean="0"/>
-              <a:t>2023-01-26</a:t>
+              <a:t>2023-01-27</a:t>
             </a:fld>
             <a:endParaRPr lang="ko-KR" altLang="en-US"/>
           </a:p>
@@ -3265,7 +3509,7 @@
           <a:p>
             <a:fld id="{C0F51B65-CB5E-424A-A210-7B3C910D82A4}" type="datetimeFigureOut">
               <a:rPr lang="ko-KR" altLang="en-US" smtClean="0"/>
-              <a:t>2023-01-26</a:t>
+              <a:t>2023-01-27</a:t>
             </a:fld>
             <a:endParaRPr lang="ko-KR" altLang="en-US"/>
           </a:p>
@@ -3509,7 +3753,7 @@
           <a:p>
             <a:fld id="{C0F51B65-CB5E-424A-A210-7B3C910D82A4}" type="datetimeFigureOut">
               <a:rPr lang="ko-KR" altLang="en-US" smtClean="0"/>
-              <a:t>2023-01-26</a:t>
+              <a:t>2023-01-27</a:t>
             </a:fld>
             <a:endParaRPr lang="ko-KR" altLang="en-US"/>
           </a:p>
@@ -3741,7 +3985,7 @@
           <a:p>
             <a:fld id="{C0F51B65-CB5E-424A-A210-7B3C910D82A4}" type="datetimeFigureOut">
               <a:rPr lang="ko-KR" altLang="en-US" smtClean="0"/>
-              <a:t>2023-01-26</a:t>
+              <a:t>2023-01-27</a:t>
             </a:fld>
             <a:endParaRPr lang="ko-KR" altLang="en-US"/>
           </a:p>
@@ -4108,7 +4352,7 @@
           <a:p>
             <a:fld id="{C0F51B65-CB5E-424A-A210-7B3C910D82A4}" type="datetimeFigureOut">
               <a:rPr lang="ko-KR" altLang="en-US" smtClean="0"/>
-              <a:t>2023-01-26</a:t>
+              <a:t>2023-01-27</a:t>
             </a:fld>
             <a:endParaRPr lang="ko-KR" altLang="en-US"/>
           </a:p>
@@ -4226,7 +4470,7 @@
           <a:p>
             <a:fld id="{C0F51B65-CB5E-424A-A210-7B3C910D82A4}" type="datetimeFigureOut">
               <a:rPr lang="ko-KR" altLang="en-US" smtClean="0"/>
-              <a:t>2023-01-26</a:t>
+              <a:t>2023-01-27</a:t>
             </a:fld>
             <a:endParaRPr lang="ko-KR" altLang="en-US"/>
           </a:p>
@@ -4321,7 +4565,7 @@
           <a:p>
             <a:fld id="{C0F51B65-CB5E-424A-A210-7B3C910D82A4}" type="datetimeFigureOut">
               <a:rPr lang="ko-KR" altLang="en-US" smtClean="0"/>
-              <a:t>2023-01-26</a:t>
+              <a:t>2023-01-27</a:t>
             </a:fld>
             <a:endParaRPr lang="ko-KR" altLang="en-US"/>
           </a:p>
@@ -4598,7 +4842,7 @@
           <a:p>
             <a:fld id="{C0F51B65-CB5E-424A-A210-7B3C910D82A4}" type="datetimeFigureOut">
               <a:rPr lang="ko-KR" altLang="en-US" smtClean="0"/>
-              <a:t>2023-01-26</a:t>
+              <a:t>2023-01-27</a:t>
             </a:fld>
             <a:endParaRPr lang="ko-KR" altLang="en-US"/>
           </a:p>
@@ -4855,7 +5099,7 @@
           <a:p>
             <a:fld id="{C0F51B65-CB5E-424A-A210-7B3C910D82A4}" type="datetimeFigureOut">
               <a:rPr lang="ko-KR" altLang="en-US" smtClean="0"/>
-              <a:t>2023-01-26</a:t>
+              <a:t>2023-01-27</a:t>
             </a:fld>
             <a:endParaRPr lang="ko-KR" altLang="en-US"/>
           </a:p>
@@ -5068,7 +5312,7 @@
           <a:p>
             <a:fld id="{C0F51B65-CB5E-424A-A210-7B3C910D82A4}" type="datetimeFigureOut">
               <a:rPr lang="ko-KR" altLang="en-US" smtClean="0"/>
-              <a:t>2023-01-26</a:t>
+              <a:t>2023-01-27</a:t>
             </a:fld>
             <a:endParaRPr lang="ko-KR" altLang="en-US"/>
           </a:p>
@@ -5689,8 +5933,8 @@
         </p:nvSpPr>
         <p:spPr>
           <a:xfrm>
-            <a:off x="4715571" y="5859736"/>
-            <a:ext cx="4676280" cy="646331"/>
+            <a:off x="5507454" y="5859736"/>
+            <a:ext cx="3884397" cy="646331"/>
           </a:xfrm>
           <a:prstGeom prst="rect">
             <a:avLst/>
@@ -5817,7 +6061,7 @@
                   </a:schemeClr>
                 </a:solidFill>
               </a:rPr>
-              <a:t>이예지</a:t>
+              <a:t>권소현</a:t>
             </a:r>
             <a:r>
               <a:rPr lang="en-US" altLang="ko-KR" b="1" dirty="0">
@@ -5839,29 +6083,7 @@
                   </a:schemeClr>
                 </a:solidFill>
               </a:rPr>
-              <a:t>문채원</a:t>
-            </a:r>
-            <a:r>
-              <a:rPr lang="en-US" altLang="ko-KR" b="1" dirty="0">
-                <a:solidFill>
-                  <a:schemeClr val="tx1">
-                    <a:lumMod val="95000"/>
-                    <a:lumOff val="5000"/>
-                  </a:schemeClr>
-                </a:solidFill>
-              </a:rPr>
-              <a:t>/</a:t>
-            </a:r>
-            <a:r>
-              <a:rPr lang="ko-KR" altLang="en-US" b="1" dirty="0">
-                <a:solidFill>
-                  <a:schemeClr val="tx1">
-                    <a:lumMod val="95000"/>
-                    <a:lumOff val="5000"/>
-                  </a:schemeClr>
-                </a:solidFill>
-              </a:rPr>
-              <a:t>권소현</a:t>
+              <a:t>이예지</a:t>
             </a:r>
             <a:endParaRPr lang="ko-KR" altLang="en-US" dirty="0">
               <a:solidFill>
@@ -5912,7 +6134,7 @@
                   </a:schemeClr>
                 </a:solidFill>
               </a:rPr>
-              <a:t>2022. 12. 11</a:t>
+              <a:t>2023. 01. 27</a:t>
             </a:r>
             <a:endParaRPr lang="ko-KR" altLang="en-US" dirty="0">
               <a:solidFill>
@@ -5970,7 +6192,7 @@
         <p:spPr>
           <a:xfrm>
             <a:off x="0" y="2"/>
-            <a:ext cx="2743201" cy="6857996"/>
+            <a:ext cx="2743201" cy="6857998"/>
           </a:xfrm>
           <a:prstGeom prst="rect">
             <a:avLst/>
@@ -6024,8 +6246,8 @@
         </p:nvSpPr>
         <p:spPr>
           <a:xfrm>
-            <a:off x="0" y="4814638"/>
-            <a:ext cx="2743201" cy="2031473"/>
+            <a:off x="2743201" y="4469067"/>
+            <a:ext cx="7162799" cy="2388931"/>
           </a:xfrm>
           <a:prstGeom prst="rect">
             <a:avLst/>
@@ -6282,7 +6504,7 @@
             <a:p>
               <a:r>
                 <a:rPr lang="ko-KR" altLang="en-US" sz="1200" dirty="0"/>
-                <a:t>구매하기</a:t>
+                <a:t>검색</a:t>
               </a:r>
               <a:endParaRPr lang="en-US" altLang="ko-KR" sz="1200" dirty="0"/>
             </a:p>
@@ -6378,7 +6600,7 @@
             <a:p>
               <a:r>
                 <a:rPr lang="en-US" altLang="ko-KR" sz="1200" dirty="0"/>
-                <a:t>select</a:t>
+                <a:t>service</a:t>
               </a:r>
             </a:p>
           </p:txBody>
@@ -6502,7 +6724,7 @@
         </p:nvSpPr>
         <p:spPr>
           <a:xfrm>
-            <a:off x="276834" y="4875588"/>
+            <a:off x="2724761" y="4495614"/>
             <a:ext cx="1005403" cy="338554"/>
           </a:xfrm>
           <a:prstGeom prst="rect">
@@ -6633,8 +6855,8 @@
         </p:nvSpPr>
         <p:spPr>
           <a:xfrm>
-            <a:off x="276834" y="5214142"/>
-            <a:ext cx="1960775" cy="1015663"/>
+            <a:off x="2743201" y="4742801"/>
+            <a:ext cx="7162799" cy="523220"/>
           </a:xfrm>
           <a:prstGeom prst="rect">
             <a:avLst/>
@@ -6655,30 +6877,13 @@
                 <a:effectLst/>
                 <a:latin typeface="+mn-ea"/>
               </a:rPr>
-              <a:t>① </a:t>
-            </a:r>
-            <a:r>
-              <a:rPr lang="en-US" altLang="ko-KR" sz="1400" dirty="0">
-                <a:solidFill>
-                  <a:schemeClr val="tx1"/>
-                </a:solidFill>
-                <a:latin typeface="+mn-ea"/>
-              </a:rPr>
-              <a:t>index</a:t>
-            </a:r>
-            <a:r>
-              <a:rPr lang="ko-KR" altLang="en-US" sz="1400" dirty="0">
-                <a:solidFill>
-                  <a:schemeClr val="tx1"/>
-                </a:solidFill>
-                <a:latin typeface="+mn-ea"/>
-              </a:rPr>
-              <a:t>로 이동</a:t>
-            </a:r>
-            <a:endParaRPr lang="en-US" altLang="ko-KR" sz="1400" dirty="0">
+              <a:t>① 파일 첨부하기</a:t>
+            </a:r>
+            <a:endParaRPr lang="en-US" altLang="ko-KR" sz="1400" kern="0" spc="0" dirty="0">
               <a:solidFill>
-                <a:schemeClr val="tx1"/>
+                <a:srgbClr val="000000"/>
               </a:solidFill>
+              <a:effectLst/>
               <a:latin typeface="+mn-ea"/>
             </a:endParaRPr>
           </a:p>
@@ -6701,7 +6906,7 @@
                 <a:effectLst/>
                 <a:latin typeface="+mn-ea"/>
               </a:rPr>
-              <a:t>service</a:t>
+              <a:t>result</a:t>
             </a:r>
             <a:r>
               <a:rPr lang="ko-KR" altLang="en-US" sz="1400" kern="0" spc="0" dirty="0">
@@ -6721,56 +6926,14 @@
               <a:latin typeface="+mn-ea"/>
             </a:endParaRPr>
           </a:p>
-          <a:p>
-            <a:r>
-              <a:rPr lang="ko-KR" altLang="en-US" sz="1400" kern="0" spc="0" dirty="0">
-                <a:solidFill>
-                  <a:srgbClr val="000000"/>
-                </a:solidFill>
-                <a:effectLst/>
-                <a:latin typeface="+mn-ea"/>
-              </a:rPr>
-              <a:t>③ </a:t>
-            </a:r>
-            <a:r>
-              <a:rPr lang="en-US" altLang="ko-KR" sz="1400" kern="0" spc="0" dirty="0">
-                <a:solidFill>
-                  <a:srgbClr val="000000"/>
-                </a:solidFill>
-                <a:effectLst/>
-                <a:latin typeface="+mn-ea"/>
-              </a:rPr>
-              <a:t>contact</a:t>
-            </a:r>
-            <a:r>
-              <a:rPr lang="ko-KR" altLang="en-US" sz="1400" kern="0" spc="0" dirty="0">
-                <a:solidFill>
-                  <a:srgbClr val="000000"/>
-                </a:solidFill>
-                <a:effectLst/>
-                <a:latin typeface="+mn-ea"/>
-              </a:rPr>
-              <a:t>로 이동</a:t>
-            </a:r>
-            <a:endParaRPr lang="en-US" altLang="ko-KR" sz="1400" kern="0" spc="0" dirty="0">
-              <a:solidFill>
-                <a:srgbClr val="000000"/>
-              </a:solidFill>
-              <a:effectLst/>
-              <a:latin typeface="+mn-ea"/>
-            </a:endParaRPr>
-          </a:p>
-          <a:p>
-            <a:endParaRPr lang="ko-KR" altLang="en-US" dirty="0"/>
-          </a:p>
         </p:txBody>
       </p:sp>
       <p:pic>
         <p:nvPicPr>
-          <p:cNvPr id="8" name="Picture 7">
+          <p:cNvPr id="3" name="Picture 2">
             <a:extLst>
               <a:ext uri="{FF2B5EF4-FFF2-40B4-BE49-F238E27FC236}">
-                <a16:creationId xmlns:a16="http://schemas.microsoft.com/office/drawing/2014/main" id="{B9F71067-B250-F8FC-E7FC-4042330C77A1}"/>
+                <a16:creationId xmlns:a16="http://schemas.microsoft.com/office/drawing/2014/main" id="{B45A8772-6FEE-70EE-9070-FF27187512E4}"/>
               </a:ext>
             </a:extLst>
           </p:cNvPr>
@@ -6779,25 +6942,68 @@
           </p:cNvPicPr>
           <p:nvPr/>
         </p:nvPicPr>
-        <p:blipFill rotWithShape="1">
+        <p:blipFill>
           <a:blip r:embed="rId3"/>
-          <a:srcRect t="923"/>
-          <a:stretch/>
+          <a:stretch>
+            <a:fillRect/>
+          </a:stretch>
         </p:blipFill>
         <p:spPr>
           <a:xfrm>
-            <a:off x="2743201" y="784719"/>
-            <a:ext cx="7162799" cy="5579697"/>
+            <a:off x="2743201" y="269845"/>
+            <a:ext cx="7162799" cy="4199222"/>
           </a:xfrm>
           <a:prstGeom prst="rect">
             <a:avLst/>
           </a:prstGeom>
         </p:spPr>
       </p:pic>
+      <p:sp>
+        <p:nvSpPr>
+          <p:cNvPr id="7" name="TextBox 6">
+            <a:extLst>
+              <a:ext uri="{FF2B5EF4-FFF2-40B4-BE49-F238E27FC236}">
+                <a16:creationId xmlns:a16="http://schemas.microsoft.com/office/drawing/2014/main" id="{79AF0221-DA43-C3DA-54E1-53B5FFB7B912}"/>
+              </a:ext>
+            </a:extLst>
+          </p:cNvPr>
+          <p:cNvSpPr txBox="1"/>
+          <p:nvPr/>
+        </p:nvSpPr>
+        <p:spPr>
+          <a:xfrm>
+            <a:off x="5301401" y="2112457"/>
+            <a:ext cx="370002" cy="369332"/>
+          </a:xfrm>
+          <a:prstGeom prst="rect">
+            <a:avLst/>
+          </a:prstGeom>
+          <a:noFill/>
+        </p:spPr>
+        <p:txBody>
+          <a:bodyPr wrap="square">
+            <a:spAutoFit/>
+          </a:bodyPr>
+          <a:lstStyle/>
+          <a:p>
+            <a:r>
+              <a:rPr lang="ko-KR" altLang="en-US" sz="1800" b="1" kern="0" spc="0" dirty="0">
+                <a:solidFill>
+                  <a:srgbClr val="000000"/>
+                </a:solidFill>
+                <a:effectLst/>
+                <a:latin typeface="+mn-ea"/>
+              </a:rPr>
+              <a:t>①</a:t>
+            </a:r>
+            <a:endParaRPr lang="ko-KR" altLang="en-US" b="1" dirty="0"/>
+          </a:p>
+        </p:txBody>
+      </p:sp>
     </p:spTree>
     <p:extLst>
       <p:ext uri="{BB962C8B-B14F-4D97-AF65-F5344CB8AC3E}">
-        <p14:creationId xmlns:p14="http://schemas.microsoft.com/office/powerpoint/2010/main" val="1069374081"/>
+        <p14:creationId xmlns:p14="http://schemas.microsoft.com/office/powerpoint/2010/main" val="1476473981"/>
       </p:ext>
     </p:extLst>
   </p:cSld>
@@ -6839,7 +7045,7 @@
         <p:spPr>
           <a:xfrm>
             <a:off x="0" y="2"/>
-            <a:ext cx="2743201" cy="6857996"/>
+            <a:ext cx="2743201" cy="6857998"/>
           </a:xfrm>
           <a:prstGeom prst="rect">
             <a:avLst/>
@@ -6893,8 +7099,8 @@
         </p:nvSpPr>
         <p:spPr>
           <a:xfrm>
-            <a:off x="0" y="4814638"/>
-            <a:ext cx="2743201" cy="2031473"/>
+            <a:off x="2743201" y="4469067"/>
+            <a:ext cx="7162799" cy="2388933"/>
           </a:xfrm>
           <a:prstGeom prst="rect">
             <a:avLst/>
@@ -7151,7 +7357,7 @@
             <a:p>
               <a:r>
                 <a:rPr lang="ko-KR" altLang="en-US" sz="1200" dirty="0"/>
-                <a:t>문의하기</a:t>
+                <a:t>검색결과</a:t>
               </a:r>
               <a:endParaRPr lang="en-US" altLang="ko-KR" sz="1200" dirty="0"/>
             </a:p>
@@ -7247,7 +7453,7 @@
             <a:p>
               <a:r>
                 <a:rPr lang="en-US" altLang="ko-KR" sz="1200" dirty="0"/>
-                <a:t>ask</a:t>
+                <a:t>result</a:t>
               </a:r>
             </a:p>
           </p:txBody>
@@ -7371,7 +7577,7 @@
         </p:nvSpPr>
         <p:spPr>
           <a:xfrm>
-            <a:off x="276834" y="4875588"/>
+            <a:off x="2724761" y="4495614"/>
             <a:ext cx="1005403" cy="338554"/>
           </a:xfrm>
           <a:prstGeom prst="rect">
@@ -7502,8 +7708,8 @@
         </p:nvSpPr>
         <p:spPr>
           <a:xfrm>
-            <a:off x="276834" y="5214142"/>
-            <a:ext cx="1960775" cy="1015663"/>
+            <a:off x="2743201" y="4742801"/>
+            <a:ext cx="7162799" cy="307777"/>
           </a:xfrm>
           <a:prstGeom prst="rect">
             <a:avLst/>
@@ -7527,22 +7733,13 @@
               <a:t>① </a:t>
             </a:r>
             <a:r>
-              <a:rPr lang="en-US" altLang="ko-KR" sz="1400" dirty="0">
-                <a:solidFill>
-                  <a:schemeClr val="tx1"/>
-                </a:solidFill>
-                <a:latin typeface="+mn-ea"/>
-              </a:rPr>
-              <a:t>index</a:t>
-            </a:r>
-            <a:r>
               <a:rPr lang="ko-KR" altLang="en-US" sz="1400" dirty="0">
                 <a:solidFill>
                   <a:schemeClr val="tx1"/>
                 </a:solidFill>
                 <a:latin typeface="+mn-ea"/>
               </a:rPr>
-              <a:t>로 이동</a:t>
+              <a:t>해당 이미지의 상세페이지로 이동</a:t>
             </a:r>
             <a:endParaRPr lang="en-US" altLang="ko-KR" sz="1400" dirty="0">
               <a:solidFill>
@@ -7551,87 +7748,6 @@
               <a:latin typeface="+mn-ea"/>
             </a:endParaRPr>
           </a:p>
-          <a:p>
-            <a:r>
-              <a:rPr lang="ko-KR" altLang="en-US" sz="1400" kern="0" spc="0" dirty="0">
-                <a:solidFill>
-                  <a:srgbClr val="000000"/>
-                </a:solidFill>
-                <a:effectLst/>
-                <a:latin typeface="+mn-ea"/>
-              </a:rPr>
-              <a:t>② </a:t>
-            </a:r>
-            <a:r>
-              <a:rPr lang="en-US" altLang="ko-KR" sz="1400" kern="0" spc="0" dirty="0">
-                <a:solidFill>
-                  <a:srgbClr val="000000"/>
-                </a:solidFill>
-                <a:effectLst/>
-                <a:latin typeface="+mn-ea"/>
-              </a:rPr>
-              <a:t>service</a:t>
-            </a:r>
-            <a:r>
-              <a:rPr lang="ko-KR" altLang="en-US" sz="1400" kern="0" spc="0" dirty="0">
-                <a:solidFill>
-                  <a:srgbClr val="000000"/>
-                </a:solidFill>
-                <a:effectLst/>
-                <a:latin typeface="+mn-ea"/>
-              </a:rPr>
-              <a:t>로 이동</a:t>
-            </a:r>
-            <a:endParaRPr lang="en-US" altLang="ko-KR" sz="1400" kern="0" spc="0" dirty="0">
-              <a:solidFill>
-                <a:srgbClr val="000000"/>
-              </a:solidFill>
-              <a:effectLst/>
-              <a:latin typeface="+mn-ea"/>
-            </a:endParaRPr>
-          </a:p>
-          <a:p>
-            <a:r>
-              <a:rPr lang="ko-KR" altLang="en-US" sz="1400" kern="0" spc="0" dirty="0">
-                <a:solidFill>
-                  <a:srgbClr val="000000"/>
-                </a:solidFill>
-                <a:effectLst/>
-                <a:latin typeface="+mn-ea"/>
-              </a:rPr>
-              <a:t>③ </a:t>
-            </a:r>
-            <a:r>
-              <a:rPr lang="en-US" altLang="ko-KR" sz="1400" kern="0" spc="0" dirty="0">
-                <a:solidFill>
-                  <a:srgbClr val="000000"/>
-                </a:solidFill>
-                <a:effectLst/>
-                <a:latin typeface="+mn-ea"/>
-              </a:rPr>
-              <a:t>contact</a:t>
-            </a:r>
-            <a:r>
-              <a:rPr lang="ko-KR" altLang="en-US" sz="1400" kern="0" spc="0" dirty="0">
-                <a:solidFill>
-                  <a:srgbClr val="000000"/>
-                </a:solidFill>
-                <a:effectLst/>
-                <a:latin typeface="+mn-ea"/>
-              </a:rPr>
-              <a:t>로 이동</a:t>
-            </a:r>
-            <a:endParaRPr lang="en-US" altLang="ko-KR" sz="1400" kern="0" spc="0" dirty="0">
-              <a:solidFill>
-                <a:srgbClr val="000000"/>
-              </a:solidFill>
-              <a:effectLst/>
-              <a:latin typeface="+mn-ea"/>
-            </a:endParaRPr>
-          </a:p>
-          <a:p>
-            <a:endParaRPr lang="ko-KR" altLang="en-US" dirty="0"/>
-          </a:p>
         </p:txBody>
       </p:sp>
       <p:pic>
@@ -7639,7 +7755,7 @@
           <p:cNvPr id="3" name="Picture 2">
             <a:extLst>
               <a:ext uri="{FF2B5EF4-FFF2-40B4-BE49-F238E27FC236}">
-                <a16:creationId xmlns:a16="http://schemas.microsoft.com/office/drawing/2014/main" id="{3982ECF3-810E-99A9-11E5-20032499454E}"/>
+                <a16:creationId xmlns:a16="http://schemas.microsoft.com/office/drawing/2014/main" id="{AEA40BB0-39CA-D79D-8697-3A36D69CEB08}"/>
               </a:ext>
             </a:extLst>
           </p:cNvPr>
@@ -7656,18 +7772,60 @@
         </p:blipFill>
         <p:spPr>
           <a:xfrm>
-            <a:off x="2743201" y="608399"/>
-            <a:ext cx="7162799" cy="5624047"/>
+            <a:off x="2743200" y="269846"/>
+            <a:ext cx="7162800" cy="4199222"/>
           </a:xfrm>
           <a:prstGeom prst="rect">
             <a:avLst/>
           </a:prstGeom>
         </p:spPr>
       </p:pic>
+      <p:sp>
+        <p:nvSpPr>
+          <p:cNvPr id="7" name="TextBox 6">
+            <a:extLst>
+              <a:ext uri="{FF2B5EF4-FFF2-40B4-BE49-F238E27FC236}">
+                <a16:creationId xmlns:a16="http://schemas.microsoft.com/office/drawing/2014/main" id="{FA711AC0-915F-39DB-058F-1067FF55E276}"/>
+              </a:ext>
+            </a:extLst>
+          </p:cNvPr>
+          <p:cNvSpPr txBox="1"/>
+          <p:nvPr/>
+        </p:nvSpPr>
+        <p:spPr>
+          <a:xfrm>
+            <a:off x="3545163" y="1062588"/>
+            <a:ext cx="370002" cy="369332"/>
+          </a:xfrm>
+          <a:prstGeom prst="rect">
+            <a:avLst/>
+          </a:prstGeom>
+          <a:noFill/>
+        </p:spPr>
+        <p:txBody>
+          <a:bodyPr wrap="square">
+            <a:spAutoFit/>
+          </a:bodyPr>
+          <a:lstStyle/>
+          <a:p>
+            <a:r>
+              <a:rPr lang="ko-KR" altLang="en-US" sz="1800" b="1" kern="0" spc="0" dirty="0">
+                <a:solidFill>
+                  <a:srgbClr val="000000"/>
+                </a:solidFill>
+                <a:effectLst/>
+                <a:latin typeface="+mn-ea"/>
+              </a:rPr>
+              <a:t>①</a:t>
+            </a:r>
+            <a:endParaRPr lang="ko-KR" altLang="en-US" b="1" dirty="0"/>
+          </a:p>
+        </p:txBody>
+      </p:sp>
     </p:spTree>
     <p:extLst>
       <p:ext uri="{BB962C8B-B14F-4D97-AF65-F5344CB8AC3E}">
-        <p14:creationId xmlns:p14="http://schemas.microsoft.com/office/powerpoint/2010/main" val="2124425205"/>
+        <p14:creationId xmlns:p14="http://schemas.microsoft.com/office/powerpoint/2010/main" val="1887745515"/>
       </p:ext>
     </p:extLst>
   </p:cSld>
@@ -7763,8 +7921,8 @@
         </p:nvSpPr>
         <p:spPr>
           <a:xfrm>
-            <a:off x="0" y="4814638"/>
-            <a:ext cx="2743201" cy="2031473"/>
+            <a:off x="2743201" y="4469067"/>
+            <a:ext cx="7162799" cy="2388931"/>
           </a:xfrm>
           <a:prstGeom prst="rect">
             <a:avLst/>
@@ -8021,15 +8179,7 @@
             <a:p>
               <a:r>
                 <a:rPr lang="ko-KR" altLang="en-US" sz="1200" dirty="0"/>
-                <a:t>마이페이지</a:t>
-              </a:r>
-              <a:r>
-                <a:rPr lang="en-US" altLang="ko-KR" sz="1200" dirty="0"/>
-                <a:t>_</a:t>
-              </a:r>
-              <a:r>
-                <a:rPr lang="ko-KR" altLang="en-US" sz="1200" dirty="0"/>
-                <a:t>바</a:t>
+                <a:t>이미지 상세페이지</a:t>
               </a:r>
               <a:endParaRPr lang="en-US" altLang="ko-KR" sz="1200" dirty="0"/>
             </a:p>
@@ -8125,7 +8275,7 @@
             <a:p>
               <a:r>
                 <a:rPr lang="en-US" altLang="ko-KR" sz="1200" dirty="0"/>
-                <a:t>main01_bar</a:t>
+                <a:t>select</a:t>
               </a:r>
             </a:p>
           </p:txBody>
@@ -8249,7 +8399,7 @@
         </p:nvSpPr>
         <p:spPr>
           <a:xfrm>
-            <a:off x="276834" y="4875588"/>
+            <a:off x="2724761" y="4495614"/>
             <a:ext cx="1005403" cy="338554"/>
           </a:xfrm>
           <a:prstGeom prst="rect">
@@ -8380,8 +8530,8 @@
         </p:nvSpPr>
         <p:spPr>
           <a:xfrm>
-            <a:off x="276834" y="5214142"/>
-            <a:ext cx="1960775" cy="1015663"/>
+            <a:off x="2743201" y="4742801"/>
+            <a:ext cx="7162799" cy="307777"/>
           </a:xfrm>
           <a:prstGeom prst="rect">
             <a:avLst/>
@@ -8405,110 +8555,59 @@
               <a:t>① </a:t>
             </a:r>
             <a:r>
-              <a:rPr lang="en-US" altLang="ko-KR" sz="1400" dirty="0">
+              <a:rPr lang="ko-KR" altLang="en-US" sz="1400" kern="0" dirty="0">
                 <a:solidFill>
-                  <a:schemeClr val="tx1"/>
+                  <a:srgbClr val="000000"/>
                 </a:solidFill>
                 <a:latin typeface="+mn-ea"/>
               </a:rPr>
-              <a:t>index</a:t>
-            </a:r>
-            <a:r>
-              <a:rPr lang="ko-KR" altLang="en-US" sz="1400" dirty="0">
-                <a:solidFill>
-                  <a:schemeClr val="tx1"/>
-                </a:solidFill>
-                <a:latin typeface="+mn-ea"/>
-              </a:rPr>
-              <a:t>로 이동</a:t>
-            </a:r>
-            <a:endParaRPr lang="en-US" altLang="ko-KR" sz="1400" dirty="0">
-              <a:solidFill>
-                <a:schemeClr val="tx1"/>
-              </a:solidFill>
-              <a:latin typeface="+mn-ea"/>
-            </a:endParaRPr>
-          </a:p>
-          <a:p>
-            <a:r>
-              <a:rPr lang="ko-KR" altLang="en-US" sz="1400" kern="0" spc="0" dirty="0">
+              <a:t>마이페이지의 </a:t>
+            </a:r>
+            <a:r>
+              <a:rPr lang="en-US" altLang="ko-KR" sz="1400" kern="0" spc="0" dirty="0" err="1">
                 <a:solidFill>
                   <a:srgbClr val="000000"/>
                 </a:solidFill>
                 <a:effectLst/>
                 <a:latin typeface="+mn-ea"/>
               </a:rPr>
-              <a:t>② </a:t>
-            </a:r>
-            <a:r>
-              <a:rPr lang="en-US" altLang="ko-KR" sz="1400" kern="0" spc="0" dirty="0">
+              <a:t>buy_list</a:t>
+            </a:r>
+            <a:r>
+              <a:rPr lang="ko-KR" altLang="en-US" sz="1400" kern="0" dirty="0">
                 <a:solidFill>
                   <a:srgbClr val="000000"/>
                 </a:solidFill>
-                <a:effectLst/>
                 <a:latin typeface="+mn-ea"/>
               </a:rPr>
-              <a:t>service</a:t>
-            </a:r>
-            <a:r>
-              <a:rPr lang="ko-KR" altLang="en-US" sz="1400" kern="0" spc="0" dirty="0">
+              <a:t>에 저장</a:t>
+            </a:r>
+            <a:r>
+              <a:rPr lang="en-US" altLang="ko-KR" sz="1400" kern="0" dirty="0">
                 <a:solidFill>
                   <a:srgbClr val="000000"/>
                 </a:solidFill>
-                <a:effectLst/>
                 <a:latin typeface="+mn-ea"/>
               </a:rPr>
-              <a:t>로 이동</a:t>
+              <a:t>·</a:t>
+            </a:r>
+            <a:r>
+              <a:rPr lang="ko-KR" altLang="en-US" sz="1400" kern="0" dirty="0">
+                <a:solidFill>
+                  <a:srgbClr val="000000"/>
+                </a:solidFill>
+                <a:latin typeface="+mn-ea"/>
+              </a:rPr>
+              <a:t>이동</a:t>
             </a:r>
             <a:endParaRPr lang="en-US" altLang="ko-KR" sz="1400" kern="0" spc="0" dirty="0">
               <a:solidFill>
                 <a:srgbClr val="000000"/>
               </a:solidFill>
               <a:effectLst/>
-              <a:latin typeface="+mn-ea"/>
+              <a:latin typeface="맑은 고딕" panose="020B0503020000020004" pitchFamily="50" charset="-127"/>
+              <a:ea typeface="맑은 고딕" panose="020B0503020000020004" pitchFamily="50" charset="-127"/>
             </a:endParaRPr>
-          </a:p>
-          <a:p>
-            <a:r>
-              <a:rPr lang="ko-KR" altLang="en-US" sz="1400" kern="0" spc="0" dirty="0">
-                <a:solidFill>
-                  <a:srgbClr val="000000"/>
-                </a:solidFill>
-                <a:effectLst/>
-                <a:latin typeface="+mn-ea"/>
-              </a:rPr>
-              <a:t>③ </a:t>
-            </a:r>
-            <a:r>
-              <a:rPr lang="en-US" altLang="ko-KR" sz="1400" kern="0" spc="0" dirty="0">
-                <a:solidFill>
-                  <a:srgbClr val="000000"/>
-                </a:solidFill>
-                <a:effectLst/>
-                <a:latin typeface="+mn-ea"/>
-              </a:rPr>
-              <a:t>contact</a:t>
-            </a:r>
-            <a:r>
-              <a:rPr lang="ko-KR" altLang="en-US" sz="1400" kern="0" spc="0" dirty="0">
-                <a:solidFill>
-                  <a:srgbClr val="000000"/>
-                </a:solidFill>
-                <a:effectLst/>
-                <a:latin typeface="+mn-ea"/>
-              </a:rPr>
-              <a:t>로 이동</a:t>
-            </a:r>
-            <a:endParaRPr lang="en-US" altLang="ko-KR" sz="1400" kern="0" spc="0" dirty="0">
-              <a:solidFill>
-                <a:srgbClr val="000000"/>
-              </a:solidFill>
-              <a:effectLst/>
-              <a:latin typeface="+mn-ea"/>
-            </a:endParaRPr>
-          </a:p>
-          <a:p>
-            <a:endParaRPr lang="ko-KR" altLang="en-US" dirty="0"/>
           </a:p>
         </p:txBody>
       </p:sp>
@@ -8517,7 +8616,7 @@
           <p:cNvPr id="3" name="Picture 2">
             <a:extLst>
               <a:ext uri="{FF2B5EF4-FFF2-40B4-BE49-F238E27FC236}">
-                <a16:creationId xmlns:a16="http://schemas.microsoft.com/office/drawing/2014/main" id="{D86D18EC-F391-F561-0D58-F3939ED2F0B2}"/>
+                <a16:creationId xmlns:a16="http://schemas.microsoft.com/office/drawing/2014/main" id="{676C83AA-83E0-8A53-FD4E-95C842599951}"/>
               </a:ext>
             </a:extLst>
           </p:cNvPr>
@@ -8526,25 +8625,68 @@
           </p:cNvPicPr>
           <p:nvPr/>
         </p:nvPicPr>
-        <p:blipFill rotWithShape="1">
+        <p:blipFill>
           <a:blip r:embed="rId3"/>
-          <a:srcRect t="42"/>
-          <a:stretch/>
+          <a:stretch>
+            <a:fillRect/>
+          </a:stretch>
         </p:blipFill>
         <p:spPr>
           <a:xfrm>
-            <a:off x="2743201" y="603315"/>
-            <a:ext cx="7162799" cy="5644517"/>
+            <a:off x="2743201" y="296392"/>
+            <a:ext cx="7162799" cy="4199222"/>
           </a:xfrm>
           <a:prstGeom prst="rect">
             <a:avLst/>
           </a:prstGeom>
         </p:spPr>
       </p:pic>
+      <p:sp>
+        <p:nvSpPr>
+          <p:cNvPr id="7" name="TextBox 6">
+            <a:extLst>
+              <a:ext uri="{FF2B5EF4-FFF2-40B4-BE49-F238E27FC236}">
+                <a16:creationId xmlns:a16="http://schemas.microsoft.com/office/drawing/2014/main" id="{107E872E-ED3A-84E4-EA99-DA99DEE65589}"/>
+              </a:ext>
+            </a:extLst>
+          </p:cNvPr>
+          <p:cNvSpPr txBox="1"/>
+          <p:nvPr/>
+        </p:nvSpPr>
+        <p:spPr>
+          <a:xfrm>
+            <a:off x="5301401" y="3333760"/>
+            <a:ext cx="370002" cy="369332"/>
+          </a:xfrm>
+          <a:prstGeom prst="rect">
+            <a:avLst/>
+          </a:prstGeom>
+          <a:noFill/>
+        </p:spPr>
+        <p:txBody>
+          <a:bodyPr wrap="square">
+            <a:spAutoFit/>
+          </a:bodyPr>
+          <a:lstStyle/>
+          <a:p>
+            <a:r>
+              <a:rPr lang="ko-KR" altLang="en-US" sz="1800" b="1" kern="0" spc="0" dirty="0">
+                <a:solidFill>
+                  <a:srgbClr val="000000"/>
+                </a:solidFill>
+                <a:effectLst/>
+                <a:latin typeface="+mn-ea"/>
+              </a:rPr>
+              <a:t>①</a:t>
+            </a:r>
+            <a:endParaRPr lang="ko-KR" altLang="en-US" b="1" dirty="0"/>
+          </a:p>
+        </p:txBody>
+      </p:sp>
     </p:spTree>
     <p:extLst>
       <p:ext uri="{BB962C8B-B14F-4D97-AF65-F5344CB8AC3E}">
-        <p14:creationId xmlns:p14="http://schemas.microsoft.com/office/powerpoint/2010/main" val="2505186638"/>
+        <p14:creationId xmlns:p14="http://schemas.microsoft.com/office/powerpoint/2010/main" val="1995149057"/>
       </p:ext>
     </p:extLst>
   </p:cSld>
@@ -8640,8 +8782,8 @@
         </p:nvSpPr>
         <p:spPr>
           <a:xfrm>
-            <a:off x="0" y="4814638"/>
-            <a:ext cx="2743201" cy="2031473"/>
+            <a:off x="2743201" y="4469067"/>
+            <a:ext cx="7162799" cy="2388931"/>
           </a:xfrm>
           <a:prstGeom prst="rect">
             <a:avLst/>
@@ -8898,7 +9040,7 @@
             <a:p>
               <a:r>
                 <a:rPr lang="ko-KR" altLang="en-US" sz="1200" dirty="0"/>
-                <a:t>내 정보 수정</a:t>
+                <a:t>문의하기</a:t>
               </a:r>
               <a:endParaRPr lang="en-US" altLang="ko-KR" sz="1200" dirty="0"/>
             </a:p>
@@ -8993,10 +9135,9 @@
             <a:lstStyle/>
             <a:p>
               <a:r>
-                <a:rPr lang="en-US" altLang="ko-KR" sz="1200" dirty="0" err="1"/>
-                <a:t>mypage</a:t>
+                <a:rPr lang="en-US" altLang="ko-KR" sz="1200" dirty="0"/>
+                <a:t>ask</a:t>
               </a:r>
-              <a:endParaRPr lang="en-US" altLang="ko-KR" sz="1200" dirty="0"/>
             </a:p>
           </p:txBody>
         </p:sp>
@@ -9119,7 +9260,7 @@
         </p:nvSpPr>
         <p:spPr>
           <a:xfrm>
-            <a:off x="276834" y="4875588"/>
+            <a:off x="2724761" y="4495614"/>
             <a:ext cx="1005403" cy="338554"/>
           </a:xfrm>
           <a:prstGeom prst="rect">
@@ -9250,8 +9391,8 @@
         </p:nvSpPr>
         <p:spPr>
           <a:xfrm>
-            <a:off x="276834" y="5214142"/>
-            <a:ext cx="1960775" cy="1015663"/>
+            <a:off x="2743201" y="4742801"/>
+            <a:ext cx="7162799" cy="307777"/>
           </a:xfrm>
           <a:prstGeom prst="rect">
             <a:avLst/>
@@ -9265,129 +9406,66 @@
           <a:lstStyle/>
           <a:p>
             <a:r>
+              <a:rPr lang="en-US" altLang="ko-KR" sz="1400" kern="0" spc="0" dirty="0">
+                <a:solidFill>
+                  <a:srgbClr val="000000"/>
+                </a:solidFill>
+                <a:effectLst/>
+                <a:latin typeface="맑은 고딕" panose="020B0503020000020004" pitchFamily="50" charset="-127"/>
+                <a:ea typeface="맑은 고딕" panose="020B0503020000020004" pitchFamily="50" charset="-127"/>
+              </a:rPr>
+              <a:t>TEXT: </a:t>
+            </a:r>
+            <a:r>
               <a:rPr lang="ko-KR" altLang="en-US" sz="1400" kern="0" spc="0" dirty="0">
                 <a:solidFill>
                   <a:srgbClr val="000000"/>
                 </a:solidFill>
                 <a:effectLst/>
-                <a:latin typeface="+mn-ea"/>
+                <a:latin typeface="맑은 고딕" panose="020B0503020000020004" pitchFamily="50" charset="-127"/>
+                <a:ea typeface="맑은 고딕" panose="020B0503020000020004" pitchFamily="50" charset="-127"/>
               </a:rPr>
-              <a:t>① </a:t>
-            </a:r>
-            <a:r>
-              <a:rPr lang="en-US" altLang="ko-KR" sz="1400" dirty="0">
+              <a:t>이메일</a:t>
+            </a:r>
+            <a:r>
+              <a:rPr lang="en-US" altLang="ko-KR" sz="1400" kern="0" spc="0" dirty="0">
                 <a:solidFill>
-                  <a:schemeClr val="tx1"/>
+                  <a:srgbClr val="000000"/>
                 </a:solidFill>
-                <a:latin typeface="+mn-ea"/>
+                <a:effectLst/>
+                <a:latin typeface="맑은 고딕" panose="020B0503020000020004" pitchFamily="50" charset="-127"/>
+                <a:ea typeface="맑은 고딕" panose="020B0503020000020004" pitchFamily="50" charset="-127"/>
               </a:rPr>
-              <a:t>index</a:t>
-            </a:r>
-            <a:r>
-              <a:rPr lang="ko-KR" altLang="en-US" sz="1400" dirty="0">
-                <a:solidFill>
-                  <a:schemeClr val="tx1"/>
-                </a:solidFill>
-                <a:latin typeface="+mn-ea"/>
-              </a:rPr>
-              <a:t>로 이동</a:t>
-            </a:r>
-            <a:endParaRPr lang="en-US" altLang="ko-KR" sz="1400" dirty="0">
-              <a:solidFill>
-                <a:schemeClr val="tx1"/>
-              </a:solidFill>
-              <a:latin typeface="+mn-ea"/>
-            </a:endParaRPr>
-          </a:p>
-          <a:p>
+              <a:t>, </a:t>
+            </a:r>
             <a:r>
               <a:rPr lang="ko-KR" altLang="en-US" sz="1400" kern="0" spc="0" dirty="0">
                 <a:solidFill>
                   <a:srgbClr val="000000"/>
                 </a:solidFill>
                 <a:effectLst/>
-                <a:latin typeface="+mn-ea"/>
+                <a:latin typeface="맑은 고딕" panose="020B0503020000020004" pitchFamily="50" charset="-127"/>
+                <a:ea typeface="맑은 고딕" panose="020B0503020000020004" pitchFamily="50" charset="-127"/>
               </a:rPr>
-              <a:t>② </a:t>
-            </a:r>
-            <a:r>
-              <a:rPr lang="en-US" altLang="ko-KR" sz="1400" kern="0" spc="0" dirty="0">
-                <a:solidFill>
-                  <a:srgbClr val="000000"/>
-                </a:solidFill>
-                <a:effectLst/>
-                <a:latin typeface="+mn-ea"/>
-              </a:rPr>
-              <a:t>service</a:t>
-            </a:r>
-            <a:r>
-              <a:rPr lang="ko-KR" altLang="en-US" sz="1400" kern="0" spc="0" dirty="0">
-                <a:solidFill>
-                  <a:srgbClr val="000000"/>
-                </a:solidFill>
-                <a:effectLst/>
-                <a:latin typeface="+mn-ea"/>
-              </a:rPr>
-              <a:t>로 이동</a:t>
+              <a:t>연락처 등 제공</a:t>
             </a:r>
             <a:endParaRPr lang="en-US" altLang="ko-KR" sz="1400" kern="0" spc="0" dirty="0">
               <a:solidFill>
                 <a:srgbClr val="000000"/>
               </a:solidFill>
               <a:effectLst/>
-              <a:latin typeface="+mn-ea"/>
+              <a:latin typeface="맑은 고딕" panose="020B0503020000020004" pitchFamily="50" charset="-127"/>
+              <a:ea typeface="맑은 고딕" panose="020B0503020000020004" pitchFamily="50" charset="-127"/>
             </a:endParaRPr>
-          </a:p>
-          <a:p>
-            <a:r>
-              <a:rPr lang="ko-KR" altLang="en-US" sz="1400" kern="0" spc="0" dirty="0">
-                <a:solidFill>
-                  <a:srgbClr val="000000"/>
-                </a:solidFill>
-                <a:effectLst/>
-                <a:latin typeface="+mn-ea"/>
-              </a:rPr>
-              <a:t>③ </a:t>
-            </a:r>
-            <a:r>
-              <a:rPr lang="en-US" altLang="ko-KR" sz="1400" kern="0" spc="0" dirty="0">
-                <a:solidFill>
-                  <a:srgbClr val="000000"/>
-                </a:solidFill>
-                <a:effectLst/>
-                <a:latin typeface="+mn-ea"/>
-              </a:rPr>
-              <a:t>contact</a:t>
-            </a:r>
-            <a:r>
-              <a:rPr lang="ko-KR" altLang="en-US" sz="1400" kern="0" spc="0" dirty="0">
-                <a:solidFill>
-                  <a:srgbClr val="000000"/>
-                </a:solidFill>
-                <a:effectLst/>
-                <a:latin typeface="+mn-ea"/>
-              </a:rPr>
-              <a:t>로 이동</a:t>
-            </a:r>
-            <a:endParaRPr lang="en-US" altLang="ko-KR" sz="1400" kern="0" spc="0" dirty="0">
-              <a:solidFill>
-                <a:srgbClr val="000000"/>
-              </a:solidFill>
-              <a:effectLst/>
-              <a:latin typeface="+mn-ea"/>
-            </a:endParaRPr>
-          </a:p>
-          <a:p>
-            <a:endParaRPr lang="ko-KR" altLang="en-US" dirty="0"/>
           </a:p>
         </p:txBody>
       </p:sp>
       <p:pic>
         <p:nvPicPr>
-          <p:cNvPr id="3" name="Picture 2">
+          <p:cNvPr id="2" name="Picture 1">
             <a:extLst>
               <a:ext uri="{FF2B5EF4-FFF2-40B4-BE49-F238E27FC236}">
-                <a16:creationId xmlns:a16="http://schemas.microsoft.com/office/drawing/2014/main" id="{F8D28736-6A97-B10F-D63E-0992420A6B09}"/>
+                <a16:creationId xmlns:a16="http://schemas.microsoft.com/office/drawing/2014/main" id="{08FBEADC-6475-A556-04C6-F2612CD41CE7}"/>
               </a:ext>
             </a:extLst>
           </p:cNvPr>
@@ -9404,8 +9482,8 @@
         </p:blipFill>
         <p:spPr>
           <a:xfrm>
-            <a:off x="2743201" y="639142"/>
-            <a:ext cx="7162799" cy="5608806"/>
+            <a:off x="2743201" y="269845"/>
+            <a:ext cx="7162799" cy="4199222"/>
           </a:xfrm>
           <a:prstGeom prst="rect">
             <a:avLst/>
@@ -9415,7 +9493,7 @@
     </p:spTree>
     <p:extLst>
       <p:ext uri="{BB962C8B-B14F-4D97-AF65-F5344CB8AC3E}">
-        <p14:creationId xmlns:p14="http://schemas.microsoft.com/office/powerpoint/2010/main" val="4288341716"/>
+        <p14:creationId xmlns:p14="http://schemas.microsoft.com/office/powerpoint/2010/main" val="832027656"/>
       </p:ext>
     </p:extLst>
   </p:cSld>
@@ -9511,8 +9589,8 @@
         </p:nvSpPr>
         <p:spPr>
           <a:xfrm>
-            <a:off x="0" y="4814638"/>
-            <a:ext cx="2743201" cy="2031473"/>
+            <a:off x="2743201" y="4469067"/>
+            <a:ext cx="7162799" cy="2388931"/>
           </a:xfrm>
           <a:prstGeom prst="rect">
             <a:avLst/>
@@ -9769,7 +9847,7 @@
             <a:p>
               <a:r>
                 <a:rPr lang="ko-KR" altLang="en-US" sz="1200" dirty="0"/>
-                <a:t>판매하기</a:t>
+                <a:t>마이페이지 풀 다운 메뉴바</a:t>
               </a:r>
               <a:endParaRPr lang="en-US" altLang="ko-KR" sz="1200" dirty="0"/>
             </a:p>
@@ -9864,9 +9942,10 @@
             <a:lstStyle/>
             <a:p>
               <a:r>
-                <a:rPr lang="en-US" altLang="ko-KR" sz="1200" dirty="0"/>
-                <a:t>upload</a:t>
+                <a:rPr lang="en-US" altLang="ko-KR" sz="1200" dirty="0" err="1"/>
+                <a:t>mypage_bar</a:t>
               </a:r>
+              <a:endParaRPr lang="en-US" altLang="ko-KR" sz="1200" dirty="0"/>
             </a:p>
           </p:txBody>
         </p:sp>
@@ -9989,7 +10068,7 @@
         </p:nvSpPr>
         <p:spPr>
           <a:xfrm>
-            <a:off x="276834" y="4875588"/>
+            <a:off x="2724761" y="4495614"/>
             <a:ext cx="1005403" cy="338554"/>
           </a:xfrm>
           <a:prstGeom prst="rect">
@@ -10097,11 +10176,19 @@
             </a:bodyPr>
             <a:lstStyle/>
             <a:p>
-              <a:endParaRPr lang="en-US" altLang="ko-KR" sz="1200" dirty="0">
-                <a:solidFill>
-                  <a:schemeClr val="bg1"/>
-                </a:solidFill>
-              </a:endParaRPr>
+              <a:r>
+                <a:rPr lang="ko-KR" altLang="en-US" sz="1200" dirty="0"/>
+                <a:t>비로그인 시 ①</a:t>
+              </a:r>
+              <a:r>
+                <a:rPr lang="en-US" altLang="ko-KR" sz="1200" dirty="0"/>
+                <a:t>~</a:t>
+              </a:r>
+              <a:r>
+                <a:rPr lang="ko-KR" altLang="en-US" sz="1200" dirty="0"/>
+                <a:t>④ 이용불가</a:t>
+              </a:r>
+              <a:endParaRPr lang="en-US" altLang="ko-KR" sz="1200" dirty="0"/>
             </a:p>
           </p:txBody>
         </p:sp>
@@ -10120,8 +10207,8 @@
         </p:nvSpPr>
         <p:spPr>
           <a:xfrm>
-            <a:off x="276834" y="5214142"/>
-            <a:ext cx="1960775" cy="1015663"/>
+            <a:off x="2743201" y="4742801"/>
+            <a:ext cx="7162799" cy="954107"/>
           </a:xfrm>
           <a:prstGeom prst="rect">
             <a:avLst/>
@@ -10145,27 +10232,30 @@
               <a:t>① </a:t>
             </a:r>
             <a:r>
-              <a:rPr lang="en-US" altLang="ko-KR" sz="1400" dirty="0">
+              <a:rPr lang="en-US" altLang="ko-KR" sz="1400" kern="0" spc="0" dirty="0" err="1">
                 <a:solidFill>
-                  <a:schemeClr val="tx1"/>
+                  <a:srgbClr val="000000"/>
                 </a:solidFill>
+                <a:effectLst/>
                 <a:latin typeface="+mn-ea"/>
               </a:rPr>
-              <a:t>index</a:t>
-            </a:r>
-            <a:r>
-              <a:rPr lang="ko-KR" altLang="en-US" sz="1400" dirty="0">
+              <a:t>mypage</a:t>
+            </a:r>
+            <a:r>
+              <a:rPr lang="ko-KR" altLang="en-US" sz="1400" kern="0" spc="0" dirty="0">
                 <a:solidFill>
-                  <a:schemeClr val="tx1"/>
+                  <a:srgbClr val="000000"/>
                 </a:solidFill>
+                <a:effectLst/>
                 <a:latin typeface="+mn-ea"/>
               </a:rPr>
               <a:t>로 이동</a:t>
             </a:r>
-            <a:endParaRPr lang="en-US" altLang="ko-KR" sz="1400" dirty="0">
+            <a:endParaRPr lang="en-US" altLang="ko-KR" sz="1400" kern="0" spc="0" dirty="0">
               <a:solidFill>
-                <a:schemeClr val="tx1"/>
+                <a:srgbClr val="000000"/>
               </a:solidFill>
+              <a:effectLst/>
               <a:latin typeface="+mn-ea"/>
             </a:endParaRPr>
           </a:p>
@@ -10188,7 +10278,7 @@
                 <a:effectLst/>
                 <a:latin typeface="+mn-ea"/>
               </a:rPr>
-              <a:t>service</a:t>
+              <a:t>upload</a:t>
             </a:r>
             <a:r>
               <a:rPr lang="ko-KR" altLang="en-US" sz="1400" kern="0" spc="0" dirty="0">
@@ -10220,14 +10310,14 @@
               <a:t>③ </a:t>
             </a:r>
             <a:r>
-              <a:rPr lang="en-US" altLang="ko-KR" sz="1400" kern="0" spc="0" dirty="0">
+              <a:rPr lang="en-US" altLang="ko-KR" sz="1400" kern="0" spc="0" dirty="0" err="1">
                 <a:solidFill>
                   <a:srgbClr val="000000"/>
                 </a:solidFill>
                 <a:effectLst/>
                 <a:latin typeface="+mn-ea"/>
               </a:rPr>
-              <a:t>contact</a:t>
+              <a:t>buy_list</a:t>
             </a:r>
             <a:r>
               <a:rPr lang="ko-KR" altLang="en-US" sz="1400" kern="0" spc="0" dirty="0">
@@ -10248,16 +10338,57 @@
             </a:endParaRPr>
           </a:p>
           <a:p>
-            <a:endParaRPr lang="ko-KR" altLang="en-US" dirty="0"/>
+            <a:r>
+              <a:rPr lang="ko-KR" altLang="en-US" sz="1400" kern="0" dirty="0">
+                <a:solidFill>
+                  <a:srgbClr val="000000"/>
+                </a:solidFill>
+                <a:latin typeface="+mn-ea"/>
+              </a:rPr>
+              <a:t>④</a:t>
+            </a:r>
+            <a:r>
+              <a:rPr lang="en-US" altLang="ko-KR" sz="1400" kern="0" dirty="0">
+                <a:solidFill>
+                  <a:srgbClr val="000000"/>
+                </a:solidFill>
+                <a:latin typeface="+mn-ea"/>
+              </a:rPr>
+              <a:t> </a:t>
+            </a:r>
+            <a:r>
+              <a:rPr lang="en-US" altLang="ko-KR" sz="1400" kern="0" dirty="0" err="1">
+                <a:solidFill>
+                  <a:srgbClr val="000000"/>
+                </a:solidFill>
+                <a:latin typeface="+mn-ea"/>
+              </a:rPr>
+              <a:t>sales_list</a:t>
+            </a:r>
+            <a:r>
+              <a:rPr lang="ko-KR" altLang="en-US" sz="1400" kern="0" dirty="0">
+                <a:solidFill>
+                  <a:srgbClr val="000000"/>
+                </a:solidFill>
+                <a:latin typeface="+mn-ea"/>
+              </a:rPr>
+              <a:t>로 이동</a:t>
+            </a:r>
+            <a:endParaRPr lang="en-US" altLang="ko-KR" sz="1400" kern="0" dirty="0">
+              <a:solidFill>
+                <a:srgbClr val="000000"/>
+              </a:solidFill>
+              <a:latin typeface="+mn-ea"/>
+            </a:endParaRPr>
           </a:p>
         </p:txBody>
       </p:sp>
       <p:pic>
         <p:nvPicPr>
-          <p:cNvPr id="5" name="Picture 4">
+          <p:cNvPr id="3" name="Picture 2">
             <a:extLst>
               <a:ext uri="{FF2B5EF4-FFF2-40B4-BE49-F238E27FC236}">
-                <a16:creationId xmlns:a16="http://schemas.microsoft.com/office/drawing/2014/main" id="{77101DCA-2F02-7F0B-30E4-833CF70751E7}"/>
+                <a16:creationId xmlns:a16="http://schemas.microsoft.com/office/drawing/2014/main" id="{668295C7-1295-2F24-D5D9-ECFD383C3B19}"/>
               </a:ext>
             </a:extLst>
           </p:cNvPr>
@@ -10274,18 +10405,185 @@
         </p:blipFill>
         <p:spPr>
           <a:xfrm>
-            <a:off x="2743201" y="631521"/>
-            <a:ext cx="7162799" cy="5624047"/>
+            <a:off x="2741630" y="269846"/>
+            <a:ext cx="7162799" cy="4199222"/>
           </a:xfrm>
           <a:prstGeom prst="rect">
             <a:avLst/>
           </a:prstGeom>
         </p:spPr>
       </p:pic>
+      <p:sp>
+        <p:nvSpPr>
+          <p:cNvPr id="7" name="TextBox 6">
+            <a:extLst>
+              <a:ext uri="{FF2B5EF4-FFF2-40B4-BE49-F238E27FC236}">
+                <a16:creationId xmlns:a16="http://schemas.microsoft.com/office/drawing/2014/main" id="{A4DE86B6-7506-2502-F3E9-D3CA7EAFC156}"/>
+              </a:ext>
+            </a:extLst>
+          </p:cNvPr>
+          <p:cNvSpPr txBox="1"/>
+          <p:nvPr/>
+        </p:nvSpPr>
+        <p:spPr>
+          <a:xfrm>
+            <a:off x="4892703" y="389711"/>
+            <a:ext cx="370002" cy="369332"/>
+          </a:xfrm>
+          <a:prstGeom prst="rect">
+            <a:avLst/>
+          </a:prstGeom>
+          <a:noFill/>
+        </p:spPr>
+        <p:txBody>
+          <a:bodyPr wrap="square">
+            <a:spAutoFit/>
+          </a:bodyPr>
+          <a:lstStyle/>
+          <a:p>
+            <a:r>
+              <a:rPr lang="ko-KR" altLang="en-US" sz="1800" b="1" kern="0" spc="0" dirty="0">
+                <a:solidFill>
+                  <a:srgbClr val="000000"/>
+                </a:solidFill>
+                <a:effectLst/>
+                <a:latin typeface="+mn-ea"/>
+              </a:rPr>
+              <a:t>①</a:t>
+            </a:r>
+            <a:endParaRPr lang="ko-KR" altLang="en-US" b="1" dirty="0"/>
+          </a:p>
+        </p:txBody>
+      </p:sp>
+      <p:sp>
+        <p:nvSpPr>
+          <p:cNvPr id="9" name="TextBox 8">
+            <a:extLst>
+              <a:ext uri="{FF2B5EF4-FFF2-40B4-BE49-F238E27FC236}">
+                <a16:creationId xmlns:a16="http://schemas.microsoft.com/office/drawing/2014/main" id="{A289C205-ACB0-CB73-DCFD-49F8EA430E30}"/>
+              </a:ext>
+            </a:extLst>
+          </p:cNvPr>
+          <p:cNvSpPr txBox="1"/>
+          <p:nvPr/>
+        </p:nvSpPr>
+        <p:spPr>
+          <a:xfrm>
+            <a:off x="4902083" y="542550"/>
+            <a:ext cx="341721" cy="369332"/>
+          </a:xfrm>
+          <a:prstGeom prst="rect">
+            <a:avLst/>
+          </a:prstGeom>
+          <a:noFill/>
+        </p:spPr>
+        <p:txBody>
+          <a:bodyPr wrap="square">
+            <a:spAutoFit/>
+          </a:bodyPr>
+          <a:lstStyle/>
+          <a:p>
+            <a:r>
+              <a:rPr lang="ko-KR" altLang="en-US" sz="1800" b="1" kern="0" spc="0" dirty="0">
+                <a:solidFill>
+                  <a:srgbClr val="000000"/>
+                </a:solidFill>
+                <a:effectLst/>
+                <a:latin typeface="+mn-ea"/>
+              </a:rPr>
+              <a:t>②</a:t>
+            </a:r>
+            <a:endParaRPr lang="ko-KR" altLang="en-US" b="1" dirty="0"/>
+          </a:p>
+        </p:txBody>
+      </p:sp>
+      <p:sp>
+        <p:nvSpPr>
+          <p:cNvPr id="20" name="TextBox 19">
+            <a:extLst>
+              <a:ext uri="{FF2B5EF4-FFF2-40B4-BE49-F238E27FC236}">
+                <a16:creationId xmlns:a16="http://schemas.microsoft.com/office/drawing/2014/main" id="{61206064-95DF-5A0A-1654-483ABC198242}"/>
+              </a:ext>
+            </a:extLst>
+          </p:cNvPr>
+          <p:cNvSpPr txBox="1"/>
+          <p:nvPr/>
+        </p:nvSpPr>
+        <p:spPr>
+          <a:xfrm>
+            <a:off x="4901687" y="689768"/>
+            <a:ext cx="379429" cy="369332"/>
+          </a:xfrm>
+          <a:prstGeom prst="rect">
+            <a:avLst/>
+          </a:prstGeom>
+          <a:noFill/>
+        </p:spPr>
+        <p:txBody>
+          <a:bodyPr wrap="square">
+            <a:spAutoFit/>
+          </a:bodyPr>
+          <a:lstStyle/>
+          <a:p>
+            <a:r>
+              <a:rPr lang="ko-KR" altLang="en-US" sz="1800" b="1" kern="0" spc="0" dirty="0">
+                <a:solidFill>
+                  <a:srgbClr val="000000"/>
+                </a:solidFill>
+                <a:effectLst/>
+                <a:latin typeface="+mn-ea"/>
+              </a:rPr>
+              <a:t>③</a:t>
+            </a:r>
+            <a:endParaRPr lang="ko-KR" altLang="en-US" b="1" dirty="0"/>
+          </a:p>
+        </p:txBody>
+      </p:sp>
+      <p:sp>
+        <p:nvSpPr>
+          <p:cNvPr id="22" name="TextBox 21">
+            <a:extLst>
+              <a:ext uri="{FF2B5EF4-FFF2-40B4-BE49-F238E27FC236}">
+                <a16:creationId xmlns:a16="http://schemas.microsoft.com/office/drawing/2014/main" id="{DD56B0FF-6120-A586-2719-FCF380F2C420}"/>
+              </a:ext>
+            </a:extLst>
+          </p:cNvPr>
+          <p:cNvSpPr txBox="1"/>
+          <p:nvPr/>
+        </p:nvSpPr>
+        <p:spPr>
+          <a:xfrm>
+            <a:off x="4902107" y="855842"/>
+            <a:ext cx="351148" cy="369332"/>
+          </a:xfrm>
+          <a:prstGeom prst="rect">
+            <a:avLst/>
+          </a:prstGeom>
+          <a:noFill/>
+        </p:spPr>
+        <p:txBody>
+          <a:bodyPr wrap="square">
+            <a:spAutoFit/>
+          </a:bodyPr>
+          <a:lstStyle/>
+          <a:p>
+            <a:r>
+              <a:rPr lang="ko-KR" altLang="en-US" sz="1800" b="1" kern="0" dirty="0">
+                <a:solidFill>
+                  <a:srgbClr val="000000"/>
+                </a:solidFill>
+                <a:latin typeface="+mn-ea"/>
+              </a:rPr>
+              <a:t>④</a:t>
+            </a:r>
+            <a:endParaRPr lang="ko-KR" altLang="en-US" b="1" dirty="0"/>
+          </a:p>
+        </p:txBody>
+      </p:sp>
     </p:spTree>
     <p:extLst>
       <p:ext uri="{BB962C8B-B14F-4D97-AF65-F5344CB8AC3E}">
-        <p14:creationId xmlns:p14="http://schemas.microsoft.com/office/powerpoint/2010/main" val="930495483"/>
+        <p14:creationId xmlns:p14="http://schemas.microsoft.com/office/powerpoint/2010/main" val="2083839826"/>
       </p:ext>
     </p:extLst>
   </p:cSld>
@@ -10327,7 +10625,7 @@
         <p:spPr>
           <a:xfrm>
             <a:off x="0" y="2"/>
-            <a:ext cx="2743201" cy="6857996"/>
+            <a:ext cx="2743201" cy="6857998"/>
           </a:xfrm>
           <a:prstGeom prst="rect">
             <a:avLst/>
@@ -10381,8 +10679,8 @@
         </p:nvSpPr>
         <p:spPr>
           <a:xfrm>
-            <a:off x="0" y="4814638"/>
-            <a:ext cx="2743201" cy="2031473"/>
+            <a:off x="2743201" y="4469067"/>
+            <a:ext cx="7162799" cy="2388931"/>
           </a:xfrm>
           <a:prstGeom prst="rect">
             <a:avLst/>
@@ -10639,7 +10937,7 @@
             <a:p>
               <a:r>
                 <a:rPr lang="ko-KR" altLang="en-US" sz="1200" dirty="0"/>
-                <a:t>구매 목록</a:t>
+                <a:t>내 정보</a:t>
               </a:r>
               <a:endParaRPr lang="en-US" altLang="ko-KR" sz="1200" dirty="0"/>
             </a:p>
@@ -10735,7 +11033,7 @@
             <a:p>
               <a:r>
                 <a:rPr lang="en-US" altLang="ko-KR" sz="1200" dirty="0" err="1"/>
-                <a:t>buy_list</a:t>
+                <a:t>mypage</a:t>
               </a:r>
               <a:endParaRPr lang="en-US" altLang="ko-KR" sz="1200" dirty="0"/>
             </a:p>
@@ -10860,7 +11158,7 @@
         </p:nvSpPr>
         <p:spPr>
           <a:xfrm>
-            <a:off x="276834" y="4875588"/>
+            <a:off x="2724761" y="4495614"/>
             <a:ext cx="1005403" cy="338554"/>
           </a:xfrm>
           <a:prstGeom prst="rect">
@@ -10991,8 +11289,8 @@
         </p:nvSpPr>
         <p:spPr>
           <a:xfrm>
-            <a:off x="276834" y="5214142"/>
-            <a:ext cx="1960775" cy="1015663"/>
+            <a:off x="2743201" y="4742801"/>
+            <a:ext cx="7162799" cy="307777"/>
           </a:xfrm>
           <a:prstGeom prst="rect">
             <a:avLst/>
@@ -11013,53 +11311,17 @@
                 <a:effectLst/>
                 <a:latin typeface="+mn-ea"/>
               </a:rPr>
-              <a:t>① </a:t>
-            </a:r>
-            <a:r>
-              <a:rPr lang="en-US" altLang="ko-KR" sz="1400" dirty="0">
-                <a:solidFill>
-                  <a:schemeClr val="tx1"/>
-                </a:solidFill>
-                <a:latin typeface="+mn-ea"/>
-              </a:rPr>
-              <a:t>index</a:t>
-            </a:r>
-            <a:r>
-              <a:rPr lang="ko-KR" altLang="en-US" sz="1400" dirty="0">
-                <a:solidFill>
-                  <a:schemeClr val="tx1"/>
-                </a:solidFill>
-                <a:latin typeface="+mn-ea"/>
-              </a:rPr>
-              <a:t>로 이동</a:t>
-            </a:r>
-            <a:endParaRPr lang="en-US" altLang="ko-KR" sz="1400" dirty="0">
-              <a:solidFill>
-                <a:schemeClr val="tx1"/>
-              </a:solidFill>
-              <a:latin typeface="+mn-ea"/>
-            </a:endParaRPr>
-          </a:p>
-          <a:p>
-            <a:r>
-              <a:rPr lang="ko-KR" altLang="en-US" sz="1400" kern="0" spc="0" dirty="0">
+              <a:t>① 수정된 </a:t>
+            </a:r>
+            <a:r>
+              <a:rPr lang="en-US" altLang="ko-KR" sz="1400" kern="0" spc="0" dirty="0" err="1">
                 <a:solidFill>
                   <a:srgbClr val="000000"/>
                 </a:solidFill>
                 <a:effectLst/>
                 <a:latin typeface="+mn-ea"/>
               </a:rPr>
-              <a:t>② </a:t>
-            </a:r>
-            <a:r>
-              <a:rPr lang="en-US" altLang="ko-KR" sz="1400" kern="0" spc="0" dirty="0">
-                <a:solidFill>
-                  <a:srgbClr val="000000"/>
-                </a:solidFill>
-                <a:effectLst/>
-                <a:latin typeface="+mn-ea"/>
-              </a:rPr>
-              <a:t>service</a:t>
+              <a:t>mypage</a:t>
             </a:r>
             <a:r>
               <a:rPr lang="ko-KR" altLang="en-US" sz="1400" kern="0" spc="0" dirty="0">
@@ -11071,55 +11333,12 @@
               </a:rPr>
               <a:t>로 이동</a:t>
             </a:r>
-            <a:endParaRPr lang="en-US" altLang="ko-KR" sz="1400" kern="0" spc="0" dirty="0">
+            <a:endParaRPr lang="en-US" altLang="ko-KR" sz="1400" dirty="0">
               <a:solidFill>
-                <a:srgbClr val="000000"/>
+                <a:schemeClr val="tx1"/>
               </a:solidFill>
-              <a:effectLst/>
               <a:latin typeface="+mn-ea"/>
             </a:endParaRPr>
-          </a:p>
-          <a:p>
-            <a:r>
-              <a:rPr lang="ko-KR" altLang="en-US" sz="1400" kern="0" spc="0" dirty="0">
-                <a:solidFill>
-                  <a:srgbClr val="000000"/>
-                </a:solidFill>
-                <a:effectLst/>
-                <a:latin typeface="+mn-ea"/>
-              </a:rPr>
-              <a:t>③ </a:t>
-            </a:r>
-            <a:r>
-              <a:rPr lang="en-US" altLang="ko-KR" sz="1400" kern="0" spc="0" dirty="0">
-                <a:solidFill>
-                  <a:srgbClr val="000000"/>
-                </a:solidFill>
-                <a:effectLst/>
-                <a:latin typeface="+mn-ea"/>
-              </a:rPr>
-              <a:t>contact</a:t>
-            </a:r>
-            <a:r>
-              <a:rPr lang="ko-KR" altLang="en-US" sz="1400" kern="0" spc="0" dirty="0">
-                <a:solidFill>
-                  <a:srgbClr val="000000"/>
-                </a:solidFill>
-                <a:effectLst/>
-                <a:latin typeface="+mn-ea"/>
-              </a:rPr>
-              <a:t>로 이동</a:t>
-            </a:r>
-            <a:endParaRPr lang="en-US" altLang="ko-KR" sz="1400" kern="0" spc="0" dirty="0">
-              <a:solidFill>
-                <a:srgbClr val="000000"/>
-              </a:solidFill>
-              <a:effectLst/>
-              <a:latin typeface="+mn-ea"/>
-            </a:endParaRPr>
-          </a:p>
-          <a:p>
-            <a:endParaRPr lang="ko-KR" altLang="en-US" dirty="0"/>
           </a:p>
         </p:txBody>
       </p:sp>
@@ -11128,7 +11347,7 @@
           <p:cNvPr id="3" name="Picture 2">
             <a:extLst>
               <a:ext uri="{FF2B5EF4-FFF2-40B4-BE49-F238E27FC236}">
-                <a16:creationId xmlns:a16="http://schemas.microsoft.com/office/drawing/2014/main" id="{25F2C2DB-B76F-2C35-427B-8C99EF342541}"/>
+                <a16:creationId xmlns:a16="http://schemas.microsoft.com/office/drawing/2014/main" id="{E56F94F9-4C43-2ECB-93AE-A32568B5BFD6}"/>
               </a:ext>
             </a:extLst>
           </p:cNvPr>
@@ -11137,25 +11356,68 @@
           </p:cNvPicPr>
           <p:nvPr/>
         </p:nvPicPr>
-        <p:blipFill rotWithShape="1">
+        <p:blipFill>
           <a:blip r:embed="rId3"/>
-          <a:srcRect t="1245" b="-3"/>
-          <a:stretch/>
+          <a:stretch>
+            <a:fillRect/>
+          </a:stretch>
         </p:blipFill>
         <p:spPr>
           <a:xfrm>
-            <a:off x="2743201" y="678729"/>
-            <a:ext cx="7162799" cy="5581345"/>
+            <a:off x="2743201" y="256571"/>
+            <a:ext cx="7162799" cy="4225769"/>
           </a:xfrm>
           <a:prstGeom prst="rect">
             <a:avLst/>
           </a:prstGeom>
         </p:spPr>
       </p:pic>
+      <p:sp>
+        <p:nvSpPr>
+          <p:cNvPr id="7" name="TextBox 6">
+            <a:extLst>
+              <a:ext uri="{FF2B5EF4-FFF2-40B4-BE49-F238E27FC236}">
+                <a16:creationId xmlns:a16="http://schemas.microsoft.com/office/drawing/2014/main" id="{94B89EAC-7108-8991-C02F-1FFD79A78CD6}"/>
+              </a:ext>
+            </a:extLst>
+          </p:cNvPr>
+          <p:cNvSpPr txBox="1"/>
+          <p:nvPr/>
+        </p:nvSpPr>
+        <p:spPr>
+          <a:xfrm>
+            <a:off x="5700860" y="2888017"/>
+            <a:ext cx="351148" cy="369332"/>
+          </a:xfrm>
+          <a:prstGeom prst="rect">
+            <a:avLst/>
+          </a:prstGeom>
+          <a:noFill/>
+        </p:spPr>
+        <p:txBody>
+          <a:bodyPr wrap="square">
+            <a:spAutoFit/>
+          </a:bodyPr>
+          <a:lstStyle/>
+          <a:p>
+            <a:r>
+              <a:rPr lang="ko-KR" altLang="en-US" sz="1800" b="1" kern="0" spc="0" dirty="0">
+                <a:solidFill>
+                  <a:srgbClr val="000000"/>
+                </a:solidFill>
+                <a:effectLst/>
+                <a:latin typeface="+mn-ea"/>
+              </a:rPr>
+              <a:t>①</a:t>
+            </a:r>
+            <a:endParaRPr lang="ko-KR" altLang="en-US" b="1" dirty="0"/>
+          </a:p>
+        </p:txBody>
+      </p:sp>
     </p:spTree>
     <p:extLst>
       <p:ext uri="{BB962C8B-B14F-4D97-AF65-F5344CB8AC3E}">
-        <p14:creationId xmlns:p14="http://schemas.microsoft.com/office/powerpoint/2010/main" val="2353484864"/>
+        <p14:creationId xmlns:p14="http://schemas.microsoft.com/office/powerpoint/2010/main" val="3470847962"/>
       </p:ext>
     </p:extLst>
   </p:cSld>
@@ -11251,8 +11513,8 @@
         </p:nvSpPr>
         <p:spPr>
           <a:xfrm>
-            <a:off x="0" y="4814638"/>
-            <a:ext cx="2743201" cy="2031473"/>
+            <a:off x="2743201" y="4469067"/>
+            <a:ext cx="7162799" cy="2388931"/>
           </a:xfrm>
           <a:prstGeom prst="rect">
             <a:avLst/>
@@ -11509,7 +11771,7 @@
             <a:p>
               <a:r>
                 <a:rPr lang="ko-KR" altLang="en-US" sz="1200" dirty="0"/>
-                <a:t>구매 내역 상세 정보</a:t>
+                <a:t>사진 업로드</a:t>
               </a:r>
               <a:endParaRPr lang="en-US" altLang="ko-KR" sz="1200" dirty="0"/>
             </a:p>
@@ -11605,7 +11867,7 @@
             <a:p>
               <a:r>
                 <a:rPr lang="en-US" altLang="ko-KR" sz="1200" dirty="0"/>
-                <a:t>buy01</a:t>
+                <a:t>upload</a:t>
               </a:r>
             </a:p>
           </p:txBody>
@@ -11729,7 +11991,7 @@
         </p:nvSpPr>
         <p:spPr>
           <a:xfrm>
-            <a:off x="276834" y="4875588"/>
+            <a:off x="2724761" y="4495614"/>
             <a:ext cx="1005403" cy="338554"/>
           </a:xfrm>
           <a:prstGeom prst="rect">
@@ -11860,8 +12122,8 @@
         </p:nvSpPr>
         <p:spPr>
           <a:xfrm>
-            <a:off x="276834" y="5214142"/>
-            <a:ext cx="1960775" cy="1015663"/>
+            <a:off x="2743201" y="4742801"/>
+            <a:ext cx="7162799" cy="523220"/>
           </a:xfrm>
           <a:prstGeom prst="rect">
             <a:avLst/>
@@ -11885,22 +12147,13 @@
               <a:t>① </a:t>
             </a:r>
             <a:r>
-              <a:rPr lang="en-US" altLang="ko-KR" sz="1400" dirty="0">
-                <a:solidFill>
-                  <a:schemeClr val="tx1"/>
-                </a:solidFill>
-                <a:latin typeface="+mn-ea"/>
-              </a:rPr>
-              <a:t>index</a:t>
-            </a:r>
-            <a:r>
               <a:rPr lang="ko-KR" altLang="en-US" sz="1400" dirty="0">
                 <a:solidFill>
                   <a:schemeClr val="tx1"/>
                 </a:solidFill>
                 <a:latin typeface="+mn-ea"/>
               </a:rPr>
-              <a:t>로 이동</a:t>
+              <a:t>파일첨부하기</a:t>
             </a:r>
             <a:endParaRPr lang="en-US" altLang="ko-KR" sz="1400" dirty="0">
               <a:solidFill>
@@ -11921,14 +12174,23 @@
               <a:t>② </a:t>
             </a:r>
             <a:r>
-              <a:rPr lang="en-US" altLang="ko-KR" sz="1400" kern="0" spc="0" dirty="0">
+              <a:rPr lang="en-US" altLang="ko-KR" sz="1400" kern="0" spc="0" dirty="0" err="1">
                 <a:solidFill>
                   <a:srgbClr val="000000"/>
                 </a:solidFill>
                 <a:effectLst/>
                 <a:latin typeface="+mn-ea"/>
               </a:rPr>
-              <a:t>service</a:t>
+              <a:t>sales_list</a:t>
+            </a:r>
+            <a:r>
+              <a:rPr lang="ko-KR" altLang="en-US" sz="1400" kern="0" dirty="0">
+                <a:solidFill>
+                  <a:srgbClr val="000000"/>
+                </a:solidFill>
+                <a:latin typeface="+mn-ea"/>
+              </a:rPr>
+              <a:t>에</a:t>
             </a:r>
             <a:r>
               <a:rPr lang="ko-KR" altLang="en-US" sz="1400" kern="0" spc="0" dirty="0">
@@ -11938,7 +12200,26 @@
                 <a:effectLst/>
                 <a:latin typeface="+mn-ea"/>
               </a:rPr>
-              <a:t>로 이동</a:t>
+              <a:t> 저장</a:t>
+            </a:r>
+            <a:r>
+              <a:rPr lang="en-US" altLang="ko-KR" sz="1400" kern="0" dirty="0">
+                <a:solidFill>
+                  <a:srgbClr val="000000"/>
+                </a:solidFill>
+                <a:latin typeface="+mn-ea"/>
+              </a:rPr>
+              <a:t>·</a:t>
+            </a:r>
+            <a:r>
+              <a:rPr lang="ko-KR" altLang="en-US" sz="1400" kern="0" spc="0" dirty="0">
+                <a:solidFill>
+                  <a:srgbClr val="000000"/>
+                </a:solidFill>
+                <a:effectLst/>
+                <a:latin typeface="+mn-ea"/>
+              </a:rPr>
+              <a:t>이동</a:t>
             </a:r>
             <a:endParaRPr lang="en-US" altLang="ko-KR" sz="1400" kern="0" spc="0" dirty="0">
               <a:solidFill>
@@ -11948,56 +12229,98 @@
               <a:latin typeface="+mn-ea"/>
             </a:endParaRPr>
           </a:p>
-          <a:p>
-            <a:r>
-              <a:rPr lang="ko-KR" altLang="en-US" sz="1400" kern="0" spc="0" dirty="0">
+        </p:txBody>
+      </p:sp>
+      <p:sp>
+        <p:nvSpPr>
+          <p:cNvPr id="9" name="TextBox 8">
+            <a:extLst>
+              <a:ext uri="{FF2B5EF4-FFF2-40B4-BE49-F238E27FC236}">
+                <a16:creationId xmlns:a16="http://schemas.microsoft.com/office/drawing/2014/main" id="{6ED9493F-DC4E-1020-BF9A-A547B2DB9447}"/>
+              </a:ext>
+            </a:extLst>
+          </p:cNvPr>
+          <p:cNvSpPr txBox="1"/>
+          <p:nvPr/>
+        </p:nvSpPr>
+        <p:spPr>
+          <a:xfrm>
+            <a:off x="5486402" y="1695644"/>
+            <a:ext cx="341721" cy="369332"/>
+          </a:xfrm>
+          <a:prstGeom prst="rect">
+            <a:avLst/>
+          </a:prstGeom>
+          <a:noFill/>
+        </p:spPr>
+        <p:txBody>
+          <a:bodyPr wrap="square">
+            <a:spAutoFit/>
+          </a:bodyPr>
+          <a:lstStyle/>
+          <a:p>
+            <a:r>
+              <a:rPr lang="ko-KR" altLang="en-US" sz="1800" b="1" kern="0" spc="0" dirty="0">
                 <a:solidFill>
                   <a:srgbClr val="000000"/>
                 </a:solidFill>
                 <a:effectLst/>
                 <a:latin typeface="+mn-ea"/>
               </a:rPr>
-              <a:t>③ </a:t>
-            </a:r>
-            <a:r>
-              <a:rPr lang="en-US" altLang="ko-KR" sz="1400" kern="0" spc="0" dirty="0">
+              <a:t>①</a:t>
+            </a:r>
+            <a:endParaRPr lang="ko-KR" altLang="en-US" b="1" dirty="0"/>
+          </a:p>
+        </p:txBody>
+      </p:sp>
+      <p:sp>
+        <p:nvSpPr>
+          <p:cNvPr id="20" name="TextBox 19">
+            <a:extLst>
+              <a:ext uri="{FF2B5EF4-FFF2-40B4-BE49-F238E27FC236}">
+                <a16:creationId xmlns:a16="http://schemas.microsoft.com/office/drawing/2014/main" id="{CA8B04D2-FAE3-71F3-1822-1F9EA3DCB98D}"/>
+              </a:ext>
+            </a:extLst>
+          </p:cNvPr>
+          <p:cNvSpPr txBox="1"/>
+          <p:nvPr/>
+        </p:nvSpPr>
+        <p:spPr>
+          <a:xfrm>
+            <a:off x="5458121" y="3636697"/>
+            <a:ext cx="398282" cy="369332"/>
+          </a:xfrm>
+          <a:prstGeom prst="rect">
+            <a:avLst/>
+          </a:prstGeom>
+          <a:noFill/>
+        </p:spPr>
+        <p:txBody>
+          <a:bodyPr wrap="square">
+            <a:spAutoFit/>
+          </a:bodyPr>
+          <a:lstStyle/>
+          <a:p>
+            <a:r>
+              <a:rPr lang="ko-KR" altLang="en-US" sz="1800" b="1" kern="0" spc="0" dirty="0">
                 <a:solidFill>
                   <a:srgbClr val="000000"/>
                 </a:solidFill>
                 <a:effectLst/>
                 <a:latin typeface="+mn-ea"/>
               </a:rPr>
-              <a:t>contact</a:t>
-            </a:r>
-            <a:r>
-              <a:rPr lang="ko-KR" altLang="en-US" sz="1400" kern="0" spc="0" dirty="0">
-                <a:solidFill>
-                  <a:srgbClr val="000000"/>
-                </a:solidFill>
-                <a:effectLst/>
-                <a:latin typeface="+mn-ea"/>
-              </a:rPr>
-              <a:t>로 이동</a:t>
-            </a:r>
-            <a:endParaRPr lang="en-US" altLang="ko-KR" sz="1400" kern="0" spc="0" dirty="0">
-              <a:solidFill>
-                <a:srgbClr val="000000"/>
-              </a:solidFill>
-              <a:effectLst/>
-              <a:latin typeface="+mn-ea"/>
-            </a:endParaRPr>
-          </a:p>
-          <a:p>
-            <a:endParaRPr lang="ko-KR" altLang="en-US" dirty="0"/>
+              <a:t>②</a:t>
+            </a:r>
+            <a:endParaRPr lang="ko-KR" altLang="en-US" b="1" dirty="0"/>
           </a:p>
         </p:txBody>
       </p:sp>
       <p:pic>
         <p:nvPicPr>
-          <p:cNvPr id="5" name="Picture 4">
+          <p:cNvPr id="3" name="Picture 2">
             <a:extLst>
               <a:ext uri="{FF2B5EF4-FFF2-40B4-BE49-F238E27FC236}">
-                <a16:creationId xmlns:a16="http://schemas.microsoft.com/office/drawing/2014/main" id="{A61C41BD-E66C-AA8D-1DAA-5ED7BD24628B}"/>
+                <a16:creationId xmlns:a16="http://schemas.microsoft.com/office/drawing/2014/main" id="{88E2DF5C-D3E4-FB04-2E91-41AA6E25307D}"/>
               </a:ext>
             </a:extLst>
           </p:cNvPr>
@@ -12014,8 +12337,8 @@
         </p:blipFill>
         <p:spPr>
           <a:xfrm>
-            <a:off x="2743201" y="608399"/>
-            <a:ext cx="7162798" cy="5624047"/>
+            <a:off x="2743200" y="417054"/>
+            <a:ext cx="7162799" cy="4052013"/>
           </a:xfrm>
           <a:prstGeom prst="rect">
             <a:avLst/>
@@ -12025,7 +12348,7 @@
     </p:spTree>
     <p:extLst>
       <p:ext uri="{BB962C8B-B14F-4D97-AF65-F5344CB8AC3E}">
-        <p14:creationId xmlns:p14="http://schemas.microsoft.com/office/powerpoint/2010/main" val="464976611"/>
+        <p14:creationId xmlns:p14="http://schemas.microsoft.com/office/powerpoint/2010/main" val="3386518979"/>
       </p:ext>
     </p:extLst>
   </p:cSld>
@@ -12121,8 +12444,8 @@
         </p:nvSpPr>
         <p:spPr>
           <a:xfrm>
-            <a:off x="0" y="4814638"/>
-            <a:ext cx="2743201" cy="2031473"/>
+            <a:off x="2743201" y="4469067"/>
+            <a:ext cx="7162799" cy="2388931"/>
           </a:xfrm>
           <a:prstGeom prst="rect">
             <a:avLst/>
@@ -12379,7 +12702,7 @@
             <a:p>
               <a:r>
                 <a:rPr lang="ko-KR" altLang="en-US" sz="1200" dirty="0"/>
-                <a:t>판매 목록</a:t>
+                <a:t>구매내역</a:t>
               </a:r>
               <a:endParaRPr lang="en-US" altLang="ko-KR" sz="1200" dirty="0"/>
             </a:p>
@@ -12475,7 +12798,7 @@
             <a:p>
               <a:r>
                 <a:rPr lang="en-US" altLang="ko-KR" sz="1200" dirty="0" err="1"/>
-                <a:t>sales_list</a:t>
+                <a:t>buy_list</a:t>
               </a:r>
               <a:endParaRPr lang="en-US" altLang="ko-KR" sz="1200" dirty="0"/>
             </a:p>
@@ -12600,7 +12923,7 @@
         </p:nvSpPr>
         <p:spPr>
           <a:xfrm>
-            <a:off x="276834" y="4875588"/>
+            <a:off x="2724761" y="4495614"/>
             <a:ext cx="1005403" cy="338554"/>
           </a:xfrm>
           <a:prstGeom prst="rect">
@@ -12731,8 +13054,8 @@
         </p:nvSpPr>
         <p:spPr>
           <a:xfrm>
-            <a:off x="276834" y="5214142"/>
-            <a:ext cx="1960775" cy="1015663"/>
+            <a:off x="2743201" y="4742801"/>
+            <a:ext cx="7162799" cy="307777"/>
           </a:xfrm>
           <a:prstGeom prst="rect">
             <a:avLst/>
@@ -12756,22 +13079,32 @@
               <a:t>① </a:t>
             </a:r>
             <a:r>
-              <a:rPr lang="en-US" altLang="ko-KR" sz="1400" dirty="0">
-                <a:solidFill>
-                  <a:schemeClr val="tx1"/>
-                </a:solidFill>
+              <a:rPr lang="ko-KR" altLang="en-US" sz="1400" kern="0" spc="0" dirty="0">
+                <a:effectLst/>
                 <a:latin typeface="+mn-ea"/>
               </a:rPr>
-              <a:t>index</a:t>
-            </a:r>
-            <a:r>
-              <a:rPr lang="ko-KR" altLang="en-US" sz="1400" dirty="0">
-                <a:solidFill>
-                  <a:schemeClr val="tx1"/>
-                </a:solidFill>
+              <a:t>해당 이미지 상세정보로 이동</a:t>
+            </a:r>
+            <a:r>
+              <a:rPr lang="en-US" altLang="ko-KR" sz="1400" kern="0" spc="0" dirty="0">
+                <a:effectLst/>
+                <a:latin typeface="+mn-ea"/>
+              </a:rPr>
+              <a:t>(ex.buy01</a:t>
+            </a:r>
+            <a:r>
+              <a:rPr lang="ko-KR" altLang="en-US" sz="1400" kern="0" spc="0" dirty="0">
+                <a:effectLst/>
                 <a:latin typeface="+mn-ea"/>
               </a:rPr>
               <a:t>로 이동</a:t>
+            </a:r>
+            <a:r>
+              <a:rPr lang="en-US" altLang="ko-KR" sz="1400" kern="0" spc="0" dirty="0">
+                <a:effectLst/>
+                <a:latin typeface="+mn-ea"/>
+              </a:rPr>
+              <a:t>)</a:t>
             </a:r>
             <a:endParaRPr lang="en-US" altLang="ko-KR" sz="1400" dirty="0">
               <a:solidFill>
@@ -12780,95 +13113,14 @@
               <a:latin typeface="+mn-ea"/>
             </a:endParaRPr>
           </a:p>
-          <a:p>
-            <a:r>
-              <a:rPr lang="ko-KR" altLang="en-US" sz="1400" kern="0" spc="0" dirty="0">
-                <a:solidFill>
-                  <a:srgbClr val="000000"/>
-                </a:solidFill>
-                <a:effectLst/>
-                <a:latin typeface="+mn-ea"/>
-              </a:rPr>
-              <a:t>② </a:t>
-            </a:r>
-            <a:r>
-              <a:rPr lang="en-US" altLang="ko-KR" sz="1400" kern="0" spc="0" dirty="0">
-                <a:solidFill>
-                  <a:srgbClr val="000000"/>
-                </a:solidFill>
-                <a:effectLst/>
-                <a:latin typeface="+mn-ea"/>
-              </a:rPr>
-              <a:t>service</a:t>
-            </a:r>
-            <a:r>
-              <a:rPr lang="ko-KR" altLang="en-US" sz="1400" kern="0" spc="0" dirty="0">
-                <a:solidFill>
-                  <a:srgbClr val="000000"/>
-                </a:solidFill>
-                <a:effectLst/>
-                <a:latin typeface="+mn-ea"/>
-              </a:rPr>
-              <a:t>로 이동</a:t>
-            </a:r>
-            <a:endParaRPr lang="en-US" altLang="ko-KR" sz="1400" kern="0" spc="0" dirty="0">
-              <a:solidFill>
-                <a:srgbClr val="000000"/>
-              </a:solidFill>
-              <a:effectLst/>
-              <a:latin typeface="+mn-ea"/>
-            </a:endParaRPr>
-          </a:p>
-          <a:p>
-            <a:r>
-              <a:rPr lang="ko-KR" altLang="en-US" sz="1400" kern="0" spc="0" dirty="0">
-                <a:solidFill>
-                  <a:srgbClr val="000000"/>
-                </a:solidFill>
-                <a:effectLst/>
-                <a:latin typeface="+mn-ea"/>
-              </a:rPr>
-              <a:t>③ </a:t>
-            </a:r>
-            <a:r>
-              <a:rPr lang="en-US" altLang="ko-KR" sz="1400" kern="0" spc="0" dirty="0">
-                <a:solidFill>
-                  <a:srgbClr val="000000"/>
-                </a:solidFill>
-                <a:effectLst/>
-                <a:latin typeface="+mn-ea"/>
-              </a:rPr>
-              <a:t>contact</a:t>
-            </a:r>
-            <a:r>
-              <a:rPr lang="ko-KR" altLang="en-US" sz="1400" kern="0" spc="0" dirty="0">
-                <a:solidFill>
-                  <a:srgbClr val="000000"/>
-                </a:solidFill>
-                <a:effectLst/>
-                <a:latin typeface="+mn-ea"/>
-              </a:rPr>
-              <a:t>로 이동</a:t>
-            </a:r>
-            <a:endParaRPr lang="en-US" altLang="ko-KR" sz="1400" kern="0" spc="0" dirty="0">
-              <a:solidFill>
-                <a:srgbClr val="000000"/>
-              </a:solidFill>
-              <a:effectLst/>
-              <a:latin typeface="+mn-ea"/>
-            </a:endParaRPr>
-          </a:p>
-          <a:p>
-            <a:endParaRPr lang="ko-KR" altLang="en-US" dirty="0"/>
-          </a:p>
         </p:txBody>
       </p:sp>
       <p:pic>
         <p:nvPicPr>
-          <p:cNvPr id="7" name="Picture 6">
+          <p:cNvPr id="3" name="Picture 2">
             <a:extLst>
               <a:ext uri="{FF2B5EF4-FFF2-40B4-BE49-F238E27FC236}">
-                <a16:creationId xmlns:a16="http://schemas.microsoft.com/office/drawing/2014/main" id="{2CFB6455-54F7-7168-15D3-2A9DDADB861B}"/>
+                <a16:creationId xmlns:a16="http://schemas.microsoft.com/office/drawing/2014/main" id="{73474DFA-5345-C3C6-DE91-BE7DD04C019B}"/>
               </a:ext>
             </a:extLst>
           </p:cNvPr>
@@ -12885,8 +13137,8 @@
         </p:blipFill>
         <p:spPr>
           <a:xfrm>
-            <a:off x="2743200" y="635331"/>
-            <a:ext cx="7162799" cy="5616427"/>
+            <a:off x="2743199" y="269846"/>
+            <a:ext cx="7162799" cy="4199222"/>
           </a:xfrm>
           <a:prstGeom prst="rect">
             <a:avLst/>
@@ -12896,7 +13148,7 @@
     </p:spTree>
     <p:extLst>
       <p:ext uri="{BB962C8B-B14F-4D97-AF65-F5344CB8AC3E}">
-        <p14:creationId xmlns:p14="http://schemas.microsoft.com/office/powerpoint/2010/main" val="2800093060"/>
+        <p14:creationId xmlns:p14="http://schemas.microsoft.com/office/powerpoint/2010/main" val="2072658758"/>
       </p:ext>
     </p:extLst>
   </p:cSld>
@@ -12992,8 +13244,8 @@
         </p:nvSpPr>
         <p:spPr>
           <a:xfrm>
-            <a:off x="0" y="4814638"/>
-            <a:ext cx="2743201" cy="2031473"/>
+            <a:off x="2743201" y="4469067"/>
+            <a:ext cx="7162799" cy="2388933"/>
           </a:xfrm>
           <a:prstGeom prst="rect">
             <a:avLst/>
@@ -13250,9 +13502,12 @@
             <a:p>
               <a:r>
                 <a:rPr lang="ko-KR" altLang="en-US" sz="1200" dirty="0"/>
-                <a:t>판매 내역 상세 정보</a:t>
+                <a:t>구매</a:t>
               </a:r>
-              <a:endParaRPr lang="en-US" altLang="ko-KR" sz="1200" dirty="0"/>
+              <a:r>
+                <a:rPr lang="en-US" altLang="ko-KR" sz="1200" dirty="0"/>
+                <a:t>01</a:t>
+              </a:r>
             </a:p>
           </p:txBody>
         </p:sp>
@@ -13346,7 +13601,7 @@
             <a:p>
               <a:r>
                 <a:rPr lang="en-US" altLang="ko-KR" sz="1200" dirty="0"/>
-                <a:t>sales01</a:t>
+                <a:t>buy01</a:t>
               </a:r>
             </a:p>
           </p:txBody>
@@ -13470,7 +13725,7 @@
         </p:nvSpPr>
         <p:spPr>
           <a:xfrm>
-            <a:off x="276834" y="4875588"/>
+            <a:off x="2724761" y="4495614"/>
             <a:ext cx="1005403" cy="338554"/>
           </a:xfrm>
           <a:prstGeom prst="rect">
@@ -13601,8 +13856,8 @@
         </p:nvSpPr>
         <p:spPr>
           <a:xfrm>
-            <a:off x="276834" y="5214142"/>
-            <a:ext cx="1960775" cy="1015663"/>
+            <a:off x="2743201" y="4742801"/>
+            <a:ext cx="7162799" cy="307777"/>
           </a:xfrm>
           <a:prstGeom prst="rect">
             <a:avLst/>
@@ -13621,115 +13876,19 @@
                   <a:srgbClr val="000000"/>
                 </a:solidFill>
                 <a:effectLst/>
-                <a:latin typeface="+mn-ea"/>
+                <a:latin typeface="맑은 고딕" panose="020B0503020000020004" pitchFamily="50" charset="-127"/>
+                <a:ea typeface="맑은 고딕" panose="020B0503020000020004" pitchFamily="50" charset="-127"/>
               </a:rPr>
-              <a:t>① </a:t>
-            </a:r>
-            <a:r>
-              <a:rPr lang="en-US" altLang="ko-KR" sz="1400" dirty="0">
-                <a:solidFill>
-                  <a:schemeClr val="tx1"/>
-                </a:solidFill>
-                <a:latin typeface="+mn-ea"/>
-              </a:rPr>
-              <a:t>index</a:t>
-            </a:r>
-            <a:r>
-              <a:rPr lang="ko-KR" altLang="en-US" sz="1400" dirty="0">
-                <a:solidFill>
-                  <a:schemeClr val="tx1"/>
-                </a:solidFill>
-                <a:latin typeface="+mn-ea"/>
-              </a:rPr>
-              <a:t>로 이동</a:t>
-            </a:r>
-            <a:endParaRPr lang="en-US" altLang="ko-KR" sz="1400" dirty="0">
-              <a:solidFill>
-                <a:schemeClr val="tx1"/>
-              </a:solidFill>
-              <a:latin typeface="+mn-ea"/>
-            </a:endParaRPr>
-          </a:p>
-          <a:p>
-            <a:r>
-              <a:rPr lang="ko-KR" altLang="en-US" sz="1400" kern="0" spc="0" dirty="0">
-                <a:solidFill>
-                  <a:srgbClr val="000000"/>
-                </a:solidFill>
-                <a:effectLst/>
-                <a:latin typeface="+mn-ea"/>
-              </a:rPr>
-              <a:t>② </a:t>
-            </a:r>
-            <a:r>
-              <a:rPr lang="en-US" altLang="ko-KR" sz="1400" kern="0" spc="0" dirty="0">
-                <a:solidFill>
-                  <a:srgbClr val="000000"/>
-                </a:solidFill>
-                <a:effectLst/>
-                <a:latin typeface="+mn-ea"/>
-              </a:rPr>
-              <a:t>service</a:t>
-            </a:r>
-            <a:r>
-              <a:rPr lang="ko-KR" altLang="en-US" sz="1400" kern="0" spc="0" dirty="0">
-                <a:solidFill>
-                  <a:srgbClr val="000000"/>
-                </a:solidFill>
-                <a:effectLst/>
-                <a:latin typeface="+mn-ea"/>
-              </a:rPr>
-              <a:t>로 이동</a:t>
+              <a:t>해당 이미지 상세정보 제공</a:t>
             </a:r>
             <a:endParaRPr lang="en-US" altLang="ko-KR" sz="1400" kern="0" spc="0" dirty="0">
               <a:solidFill>
                 <a:srgbClr val="000000"/>
               </a:solidFill>
               <a:effectLst/>
-              <a:latin typeface="+mn-ea"/>
+              <a:latin typeface="맑은 고딕" panose="020B0503020000020004" pitchFamily="50" charset="-127"/>
+              <a:ea typeface="맑은 고딕" panose="020B0503020000020004" pitchFamily="50" charset="-127"/>
             </a:endParaRPr>
-          </a:p>
-          <a:p>
-            <a:r>
-              <a:rPr lang="ko-KR" altLang="en-US" sz="1400" kern="0" spc="0" dirty="0">
-                <a:solidFill>
-                  <a:srgbClr val="000000"/>
-                </a:solidFill>
-                <a:effectLst/>
-                <a:latin typeface="+mn-ea"/>
-              </a:rPr>
-              <a:t>③ </a:t>
-            </a:r>
-            <a:r>
-              <a:rPr lang="en-US" altLang="ko-KR" sz="1400" kern="0" spc="0" dirty="0">
-                <a:solidFill>
-                  <a:srgbClr val="000000"/>
-                </a:solidFill>
-                <a:effectLst/>
-                <a:latin typeface="+mn-ea"/>
-              </a:rPr>
-              <a:t>contact</a:t>
-            </a:r>
-            <a:r>
-              <a:rPr lang="ko-KR" altLang="en-US" sz="1400" kern="0" spc="0" dirty="0">
-                <a:solidFill>
-                  <a:srgbClr val="000000"/>
-                </a:solidFill>
-                <a:effectLst/>
-                <a:latin typeface="+mn-ea"/>
-              </a:rPr>
-              <a:t>로 이동</a:t>
-            </a:r>
-            <a:endParaRPr lang="en-US" altLang="ko-KR" sz="1400" kern="0" spc="0" dirty="0">
-              <a:solidFill>
-                <a:srgbClr val="000000"/>
-              </a:solidFill>
-              <a:effectLst/>
-              <a:latin typeface="+mn-ea"/>
-            </a:endParaRPr>
-          </a:p>
-          <a:p>
-            <a:endParaRPr lang="ko-KR" altLang="en-US" dirty="0"/>
           </a:p>
         </p:txBody>
       </p:sp>
@@ -13738,7 +13897,7 @@
           <p:cNvPr id="3" name="Picture 2">
             <a:extLst>
               <a:ext uri="{FF2B5EF4-FFF2-40B4-BE49-F238E27FC236}">
-                <a16:creationId xmlns:a16="http://schemas.microsoft.com/office/drawing/2014/main" id="{6807D897-163A-37F3-24A9-73CE5FFE58A8}"/>
+                <a16:creationId xmlns:a16="http://schemas.microsoft.com/office/drawing/2014/main" id="{EABD52D0-46A1-A55F-06F1-37B05D73F1ED}"/>
               </a:ext>
             </a:extLst>
           </p:cNvPr>
@@ -13755,8 +13914,8 @@
         </p:blipFill>
         <p:spPr>
           <a:xfrm>
-            <a:off x="2743200" y="624045"/>
-            <a:ext cx="7162799" cy="5624047"/>
+            <a:off x="2743200" y="310143"/>
+            <a:ext cx="7162799" cy="4212496"/>
           </a:xfrm>
           <a:prstGeom prst="rect">
             <a:avLst/>
@@ -13766,7 +13925,7 @@
     </p:spTree>
     <p:extLst>
       <p:ext uri="{BB962C8B-B14F-4D97-AF65-F5344CB8AC3E}">
-        <p14:creationId xmlns:p14="http://schemas.microsoft.com/office/powerpoint/2010/main" val="575253595"/>
+        <p14:creationId xmlns:p14="http://schemas.microsoft.com/office/powerpoint/2010/main" val="3322071379"/>
       </p:ext>
     </p:extLst>
   </p:cSld>
@@ -13808,7 +13967,7 @@
         <p:spPr>
           <a:xfrm>
             <a:off x="0" y="2"/>
-            <a:ext cx="9906000" cy="6857996"/>
+            <a:ext cx="2743201" cy="6857998"/>
           </a:xfrm>
           <a:prstGeom prst="rect">
             <a:avLst/>
@@ -13844,451 +14003,6 @@
           <a:lstStyle/>
           <a:p>
             <a:pPr algn="ctr"/>
-            <a:r>
-              <a:rPr lang="en-US" altLang="ko-KR" sz="8000" dirty="0"/>
-              <a:t>THE END</a:t>
-            </a:r>
-            <a:endParaRPr lang="ko-KR" altLang="en-US" sz="8000" dirty="0"/>
-          </a:p>
-        </p:txBody>
-      </p:sp>
-      <p:sp>
-        <p:nvSpPr>
-          <p:cNvPr id="34" name="TextBox 33">
-            <a:extLst>
-              <a:ext uri="{FF2B5EF4-FFF2-40B4-BE49-F238E27FC236}">
-                <a16:creationId xmlns:a16="http://schemas.microsoft.com/office/drawing/2014/main" id="{D86AE12A-76EC-49AD-A2BE-EBED9566CBB2}"/>
-              </a:ext>
-            </a:extLst>
-          </p:cNvPr>
-          <p:cNvSpPr txBox="1"/>
-          <p:nvPr/>
-        </p:nvSpPr>
-        <p:spPr>
-          <a:xfrm>
-            <a:off x="276836" y="4267511"/>
-            <a:ext cx="2171089" cy="276999"/>
-          </a:xfrm>
-          <a:prstGeom prst="rect">
-            <a:avLst/>
-          </a:prstGeom>
-          <a:noFill/>
-        </p:spPr>
-        <p:txBody>
-          <a:bodyPr wrap="square" rtlCol="0">
-            <a:spAutoFit/>
-          </a:bodyPr>
-          <a:lstStyle/>
-          <a:p>
-            <a:endParaRPr lang="en-US" altLang="ko-KR" sz="1200" dirty="0">
-              <a:solidFill>
-                <a:schemeClr val="bg1"/>
-              </a:solidFill>
-            </a:endParaRPr>
-          </a:p>
-        </p:txBody>
-      </p:sp>
-    </p:spTree>
-    <p:extLst>
-      <p:ext uri="{BB962C8B-B14F-4D97-AF65-F5344CB8AC3E}">
-        <p14:creationId xmlns:p14="http://schemas.microsoft.com/office/powerpoint/2010/main" val="2168803400"/>
-      </p:ext>
-    </p:extLst>
-  </p:cSld>
-  <p:clrMapOvr>
-    <a:masterClrMapping/>
-  </p:clrMapOvr>
-</p:sld>
-</file>
-
-<file path=ppt/slides/slide2.xml><?xml version="1.0" encoding="utf-8"?>
-<p:sld xmlns:a="http://schemas.openxmlformats.org/drawingml/2006/main" xmlns:r="http://schemas.openxmlformats.org/officeDocument/2006/relationships" xmlns:p="http://schemas.openxmlformats.org/presentationml/2006/main">
-  <p:cSld>
-    <p:spTree>
-      <p:nvGrpSpPr>
-        <p:cNvPr id="1" name=""/>
-        <p:cNvGrpSpPr/>
-        <p:nvPr/>
-      </p:nvGrpSpPr>
-      <p:grpSpPr>
-        <a:xfrm>
-          <a:off x="0" y="0"/>
-          <a:ext cx="0" cy="0"/>
-          <a:chOff x="0" y="0"/>
-          <a:chExt cx="0" cy="0"/>
-        </a:xfrm>
-      </p:grpSpPr>
-      <p:sp>
-        <p:nvSpPr>
-          <p:cNvPr id="4" name="TextBox 3">
-            <a:extLst>
-              <a:ext uri="{FF2B5EF4-FFF2-40B4-BE49-F238E27FC236}">
-                <a16:creationId xmlns:a16="http://schemas.microsoft.com/office/drawing/2014/main" id="{9D5220CB-1091-427B-9C59-0D4A53706EA0}"/>
-              </a:ext>
-            </a:extLst>
-          </p:cNvPr>
-          <p:cNvSpPr txBox="1"/>
-          <p:nvPr/>
-        </p:nvSpPr>
-        <p:spPr>
-          <a:xfrm>
-            <a:off x="422454" y="408446"/>
-            <a:ext cx="2739853" cy="584775"/>
-          </a:xfrm>
-          <a:prstGeom prst="rect">
-            <a:avLst/>
-          </a:prstGeom>
-          <a:noFill/>
-        </p:spPr>
-        <p:txBody>
-          <a:bodyPr wrap="none" rtlCol="0">
-            <a:spAutoFit/>
-          </a:bodyPr>
-          <a:lstStyle/>
-          <a:p>
-            <a:r>
-              <a:rPr lang="ko-KR" altLang="en-US" sz="3200" b="1" dirty="0">
-                <a:solidFill>
-                  <a:schemeClr val="accent1">
-                    <a:lumMod val="40000"/>
-                    <a:lumOff val="60000"/>
-                  </a:schemeClr>
-                </a:solidFill>
-              </a:rPr>
-              <a:t>서비스 흐름도</a:t>
-            </a:r>
-            <a:endParaRPr lang="ko-KR" altLang="en-US" sz="3200" dirty="0">
-              <a:solidFill>
-                <a:schemeClr val="accent1">
-                  <a:lumMod val="40000"/>
-                  <a:lumOff val="60000"/>
-                </a:schemeClr>
-              </a:solidFill>
-            </a:endParaRPr>
-          </a:p>
-        </p:txBody>
-      </p:sp>
-      <p:cxnSp>
-        <p:nvCxnSpPr>
-          <p:cNvPr id="6" name="직선 연결선 5">
-            <a:extLst>
-              <a:ext uri="{FF2B5EF4-FFF2-40B4-BE49-F238E27FC236}">
-                <a16:creationId xmlns:a16="http://schemas.microsoft.com/office/drawing/2014/main" id="{A60F8744-D899-4A3B-8ADA-040679D62E71}"/>
-              </a:ext>
-            </a:extLst>
-          </p:cNvPr>
-          <p:cNvCxnSpPr/>
-          <p:nvPr/>
-        </p:nvCxnSpPr>
-        <p:spPr>
-          <a:xfrm>
-            <a:off x="553673" y="1098958"/>
-            <a:ext cx="8732940" cy="0"/>
-          </a:xfrm>
-          <a:prstGeom prst="line">
-            <a:avLst/>
-          </a:prstGeom>
-          <a:ln w="19050">
-            <a:solidFill>
-              <a:schemeClr val="tx1">
-                <a:lumMod val="50000"/>
-                <a:lumOff val="50000"/>
-              </a:schemeClr>
-            </a:solidFill>
-          </a:ln>
-        </p:spPr>
-        <p:style>
-          <a:lnRef idx="1">
-            <a:schemeClr val="accent1"/>
-          </a:lnRef>
-          <a:fillRef idx="0">
-            <a:schemeClr val="accent1"/>
-          </a:fillRef>
-          <a:effectRef idx="0">
-            <a:schemeClr val="accent1"/>
-          </a:effectRef>
-          <a:fontRef idx="minor">
-            <a:schemeClr val="tx1"/>
-          </a:fontRef>
-        </p:style>
-      </p:cxnSp>
-      <p:pic>
-        <p:nvPicPr>
-          <p:cNvPr id="3" name="Picture 2">
-            <a:extLst>
-              <a:ext uri="{FF2B5EF4-FFF2-40B4-BE49-F238E27FC236}">
-                <a16:creationId xmlns:a16="http://schemas.microsoft.com/office/drawing/2014/main" id="{A70FB884-B3EF-2347-9AF7-151DC4A40F2E}"/>
-              </a:ext>
-            </a:extLst>
-          </p:cNvPr>
-          <p:cNvPicPr>
-            <a:picLocks noChangeAspect="1"/>
-          </p:cNvPicPr>
-          <p:nvPr/>
-        </p:nvPicPr>
-        <p:blipFill>
-          <a:blip r:embed="rId3">
-            <a:extLst>
-              <a:ext uri="{28A0092B-C50C-407E-A947-70E740481C1C}">
-                <a14:useLocalDpi xmlns:a14="http://schemas.microsoft.com/office/drawing/2010/main" val="0"/>
-              </a:ext>
-            </a:extLst>
-          </a:blip>
-          <a:stretch>
-            <a:fillRect/>
-          </a:stretch>
-        </p:blipFill>
-        <p:spPr>
-          <a:xfrm>
-            <a:off x="553673" y="1633348"/>
-            <a:ext cx="8732940" cy="4531782"/>
-          </a:xfrm>
-          <a:prstGeom prst="rect">
-            <a:avLst/>
-          </a:prstGeom>
-        </p:spPr>
-      </p:pic>
-    </p:spTree>
-    <p:extLst>
-      <p:ext uri="{BB962C8B-B14F-4D97-AF65-F5344CB8AC3E}">
-        <p14:creationId xmlns:p14="http://schemas.microsoft.com/office/powerpoint/2010/main" val="853003860"/>
-      </p:ext>
-    </p:extLst>
-  </p:cSld>
-  <p:clrMapOvr>
-    <a:masterClrMapping/>
-  </p:clrMapOvr>
-</p:sld>
-</file>
-
-<file path=ppt/slides/slide3.xml><?xml version="1.0" encoding="utf-8"?>
-<p:sld xmlns:a="http://schemas.openxmlformats.org/drawingml/2006/main" xmlns:r="http://schemas.openxmlformats.org/officeDocument/2006/relationships" xmlns:p="http://schemas.openxmlformats.org/presentationml/2006/main">
-  <p:cSld>
-    <p:spTree>
-      <p:nvGrpSpPr>
-        <p:cNvPr id="1" name=""/>
-        <p:cNvGrpSpPr/>
-        <p:nvPr/>
-      </p:nvGrpSpPr>
-      <p:grpSpPr>
-        <a:xfrm>
-          <a:off x="0" y="0"/>
-          <a:ext cx="0" cy="0"/>
-          <a:chOff x="0" y="0"/>
-          <a:chExt cx="0" cy="0"/>
-        </a:xfrm>
-      </p:grpSpPr>
-      <p:sp>
-        <p:nvSpPr>
-          <p:cNvPr id="41" name="TextBox 40">
-            <a:extLst>
-              <a:ext uri="{FF2B5EF4-FFF2-40B4-BE49-F238E27FC236}">
-                <a16:creationId xmlns:a16="http://schemas.microsoft.com/office/drawing/2014/main" id="{DD90209C-56DF-4C97-81D5-7FDA0DFD2D9B}"/>
-              </a:ext>
-            </a:extLst>
-          </p:cNvPr>
-          <p:cNvSpPr txBox="1"/>
-          <p:nvPr/>
-        </p:nvSpPr>
-        <p:spPr>
-          <a:xfrm>
-            <a:off x="422454" y="408446"/>
-            <a:ext cx="1919115" cy="584775"/>
-          </a:xfrm>
-          <a:prstGeom prst="rect">
-            <a:avLst/>
-          </a:prstGeom>
-          <a:noFill/>
-        </p:spPr>
-        <p:txBody>
-          <a:bodyPr wrap="none" rtlCol="0">
-            <a:spAutoFit/>
-          </a:bodyPr>
-          <a:lstStyle/>
-          <a:p>
-            <a:r>
-              <a:rPr lang="ko-KR" altLang="en-US" sz="3200" b="1" dirty="0">
-                <a:solidFill>
-                  <a:schemeClr val="accent1">
-                    <a:lumMod val="40000"/>
-                    <a:lumOff val="60000"/>
-                  </a:schemeClr>
-                </a:solidFill>
-              </a:rPr>
-              <a:t>메뉴 구성</a:t>
-            </a:r>
-            <a:endParaRPr lang="ko-KR" altLang="en-US" sz="3200" dirty="0">
-              <a:solidFill>
-                <a:schemeClr val="accent1">
-                  <a:lumMod val="40000"/>
-                  <a:lumOff val="60000"/>
-                </a:schemeClr>
-              </a:solidFill>
-            </a:endParaRPr>
-          </a:p>
-        </p:txBody>
-      </p:sp>
-      <p:cxnSp>
-        <p:nvCxnSpPr>
-          <p:cNvPr id="42" name="직선 연결선 41">
-            <a:extLst>
-              <a:ext uri="{FF2B5EF4-FFF2-40B4-BE49-F238E27FC236}">
-                <a16:creationId xmlns:a16="http://schemas.microsoft.com/office/drawing/2014/main" id="{6266C6A5-3908-4920-BDF3-166795DE92EB}"/>
-              </a:ext>
-            </a:extLst>
-          </p:cNvPr>
-          <p:cNvCxnSpPr/>
-          <p:nvPr/>
-        </p:nvCxnSpPr>
-        <p:spPr>
-          <a:xfrm>
-            <a:off x="553673" y="1098958"/>
-            <a:ext cx="8732940" cy="0"/>
-          </a:xfrm>
-          <a:prstGeom prst="line">
-            <a:avLst/>
-          </a:prstGeom>
-          <a:ln w="19050">
-            <a:solidFill>
-              <a:schemeClr val="tx1">
-                <a:lumMod val="50000"/>
-                <a:lumOff val="50000"/>
-              </a:schemeClr>
-            </a:solidFill>
-          </a:ln>
-        </p:spPr>
-        <p:style>
-          <a:lnRef idx="1">
-            <a:schemeClr val="accent1"/>
-          </a:lnRef>
-          <a:fillRef idx="0">
-            <a:schemeClr val="accent1"/>
-          </a:fillRef>
-          <a:effectRef idx="0">
-            <a:schemeClr val="accent1"/>
-          </a:effectRef>
-          <a:fontRef idx="minor">
-            <a:schemeClr val="tx1"/>
-          </a:fontRef>
-        </p:style>
-      </p:cxnSp>
-      <p:pic>
-        <p:nvPicPr>
-          <p:cNvPr id="3" name="Picture 2">
-            <a:extLst>
-              <a:ext uri="{FF2B5EF4-FFF2-40B4-BE49-F238E27FC236}">
-                <a16:creationId xmlns:a16="http://schemas.microsoft.com/office/drawing/2014/main" id="{A5059231-EF4B-B1DE-D5DF-B2B0A54A4790}"/>
-              </a:ext>
-            </a:extLst>
-          </p:cNvPr>
-          <p:cNvPicPr>
-            <a:picLocks noChangeAspect="1"/>
-          </p:cNvPicPr>
-          <p:nvPr/>
-        </p:nvPicPr>
-        <p:blipFill>
-          <a:blip r:embed="rId3">
-            <a:extLst>
-              <a:ext uri="{28A0092B-C50C-407E-A947-70E740481C1C}">
-                <a14:useLocalDpi xmlns:a14="http://schemas.microsoft.com/office/drawing/2010/main" val="0"/>
-              </a:ext>
-            </a:extLst>
-          </a:blip>
-          <a:stretch>
-            <a:fillRect/>
-          </a:stretch>
-        </p:blipFill>
-        <p:spPr>
-          <a:xfrm>
-            <a:off x="1644191" y="1837294"/>
-            <a:ext cx="6617617" cy="4295775"/>
-          </a:xfrm>
-          <a:prstGeom prst="rect">
-            <a:avLst/>
-          </a:prstGeom>
-        </p:spPr>
-      </p:pic>
-    </p:spTree>
-    <p:extLst>
-      <p:ext uri="{BB962C8B-B14F-4D97-AF65-F5344CB8AC3E}">
-        <p14:creationId xmlns:p14="http://schemas.microsoft.com/office/powerpoint/2010/main" val="3683897739"/>
-      </p:ext>
-    </p:extLst>
-  </p:cSld>
-  <p:clrMapOvr>
-    <a:masterClrMapping/>
-  </p:clrMapOvr>
-</p:sld>
-</file>
-
-<file path=ppt/slides/slide4.xml><?xml version="1.0" encoding="utf-8"?>
-<p:sld xmlns:a="http://schemas.openxmlformats.org/drawingml/2006/main" xmlns:r="http://schemas.openxmlformats.org/officeDocument/2006/relationships" xmlns:p="http://schemas.openxmlformats.org/presentationml/2006/main">
-  <p:cSld>
-    <p:spTree>
-      <p:nvGrpSpPr>
-        <p:cNvPr id="1" name=""/>
-        <p:cNvGrpSpPr/>
-        <p:nvPr/>
-      </p:nvGrpSpPr>
-      <p:grpSpPr>
-        <a:xfrm>
-          <a:off x="0" y="0"/>
-          <a:ext cx="0" cy="0"/>
-          <a:chOff x="0" y="0"/>
-          <a:chExt cx="0" cy="0"/>
-        </a:xfrm>
-      </p:grpSpPr>
-      <p:sp>
-        <p:nvSpPr>
-          <p:cNvPr id="4" name="직사각형 3">
-            <a:extLst>
-              <a:ext uri="{FF2B5EF4-FFF2-40B4-BE49-F238E27FC236}">
-                <a16:creationId xmlns:a16="http://schemas.microsoft.com/office/drawing/2014/main" id="{17CCAA0A-5307-48D3-9858-F46440A1DFFF}"/>
-              </a:ext>
-            </a:extLst>
-          </p:cNvPr>
-          <p:cNvSpPr/>
-          <p:nvPr/>
-        </p:nvSpPr>
-        <p:spPr>
-          <a:xfrm>
-            <a:off x="0" y="2"/>
-            <a:ext cx="2743201" cy="6857996"/>
-          </a:xfrm>
-          <a:prstGeom prst="rect">
-            <a:avLst/>
-          </a:prstGeom>
-          <a:solidFill>
-            <a:schemeClr val="accent1">
-              <a:lumMod val="20000"/>
-              <a:lumOff val="80000"/>
-            </a:schemeClr>
-          </a:solidFill>
-          <a:ln>
-            <a:noFill/>
-          </a:ln>
-        </p:spPr>
-        <p:style>
-          <a:lnRef idx="2">
-            <a:schemeClr val="accent1">
-              <a:shade val="50000"/>
-            </a:schemeClr>
-          </a:lnRef>
-          <a:fillRef idx="1">
-            <a:schemeClr val="accent1"/>
-          </a:fillRef>
-          <a:effectRef idx="0">
-            <a:schemeClr val="accent1"/>
-          </a:effectRef>
-          <a:fontRef idx="minor">
-            <a:schemeClr val="lt1"/>
-          </a:fontRef>
-        </p:style>
-        <p:txBody>
-          <a:bodyPr rtlCol="0" anchor="ctr"/>
-          <a:lstStyle/>
-          <a:p>
-            <a:pPr algn="ctr"/>
             <a:endParaRPr lang="ko-KR" altLang="en-US" sz="1600" dirty="0"/>
           </a:p>
         </p:txBody>
@@ -14307,8 +14021,8 @@
         </p:nvSpPr>
         <p:spPr>
           <a:xfrm>
-            <a:off x="0" y="4814638"/>
-            <a:ext cx="2743201" cy="2031473"/>
+            <a:off x="2743201" y="4469067"/>
+            <a:ext cx="7162799" cy="2388933"/>
           </a:xfrm>
           <a:prstGeom prst="rect">
             <a:avLst/>
@@ -14565,7 +14279,7 @@
             <a:p>
               <a:r>
                 <a:rPr lang="ko-KR" altLang="en-US" sz="1200" dirty="0"/>
-                <a:t>초기화면</a:t>
+                <a:t>판매내역</a:t>
               </a:r>
               <a:endParaRPr lang="en-US" altLang="ko-KR" sz="1200" dirty="0"/>
             </a:p>
@@ -14660,9 +14374,10 @@
             <a:lstStyle/>
             <a:p>
               <a:r>
-                <a:rPr lang="en-US" altLang="ko-KR" sz="1200" dirty="0"/>
-                <a:t>Index</a:t>
+                <a:rPr lang="en-US" altLang="ko-KR" sz="1200" dirty="0" err="1"/>
+                <a:t>sales_list</a:t>
               </a:r>
+              <a:endParaRPr lang="en-US" altLang="ko-KR" sz="1200" dirty="0"/>
             </a:p>
           </p:txBody>
         </p:sp>
@@ -14785,7 +14500,7 @@
         </p:nvSpPr>
         <p:spPr>
           <a:xfrm>
-            <a:off x="276834" y="4875588"/>
+            <a:off x="2724761" y="4495614"/>
             <a:ext cx="1005403" cy="338554"/>
           </a:xfrm>
           <a:prstGeom prst="rect">
@@ -14916,8 +14631,8 @@
         </p:nvSpPr>
         <p:spPr>
           <a:xfrm>
-            <a:off x="276834" y="5214142"/>
-            <a:ext cx="1960775" cy="1015663"/>
+            <a:off x="2743201" y="4742801"/>
+            <a:ext cx="7162799" cy="307777"/>
           </a:xfrm>
           <a:prstGeom prst="rect">
             <a:avLst/>
@@ -14941,22 +14656,18 @@
               <a:t>① </a:t>
             </a:r>
             <a:r>
-              <a:rPr lang="en-US" altLang="ko-KR" sz="1400" dirty="0">
-                <a:solidFill>
-                  <a:schemeClr val="tx1"/>
-                </a:solidFill>
+              <a:rPr lang="ko-KR" altLang="en-US" sz="1400" kern="0" spc="0" dirty="0">
+                <a:effectLst/>
                 <a:latin typeface="+mn-ea"/>
               </a:rPr>
-              <a:t>index</a:t>
-            </a:r>
-            <a:r>
-              <a:rPr lang="ko-KR" altLang="en-US" sz="1400" dirty="0">
-                <a:solidFill>
-                  <a:schemeClr val="tx1"/>
-                </a:solidFill>
+              <a:t>해당 이미지 상세정보로 이동</a:t>
+            </a:r>
+            <a:r>
+              <a:rPr lang="en-US" altLang="ko-KR" sz="1400" kern="0" spc="0" dirty="0">
+                <a:effectLst/>
                 <a:latin typeface="+mn-ea"/>
               </a:rPr>
-              <a:t>로 이동</a:t>
+              <a:t>(ex.sales01)</a:t>
             </a:r>
             <a:endParaRPr lang="en-US" altLang="ko-KR" sz="1400" dirty="0">
               <a:solidFill>
@@ -14965,95 +14676,14 @@
               <a:latin typeface="+mn-ea"/>
             </a:endParaRPr>
           </a:p>
-          <a:p>
-            <a:r>
-              <a:rPr lang="ko-KR" altLang="en-US" sz="1400" kern="0" spc="0" dirty="0">
-                <a:solidFill>
-                  <a:srgbClr val="000000"/>
-                </a:solidFill>
-                <a:effectLst/>
-                <a:latin typeface="+mn-ea"/>
-              </a:rPr>
-              <a:t>② </a:t>
-            </a:r>
-            <a:r>
-              <a:rPr lang="en-US" altLang="ko-KR" sz="1400" kern="0" spc="0" dirty="0">
-                <a:solidFill>
-                  <a:srgbClr val="000000"/>
-                </a:solidFill>
-                <a:effectLst/>
-                <a:latin typeface="+mn-ea"/>
-              </a:rPr>
-              <a:t>service</a:t>
-            </a:r>
-            <a:r>
-              <a:rPr lang="ko-KR" altLang="en-US" sz="1400" kern="0" spc="0" dirty="0">
-                <a:solidFill>
-                  <a:srgbClr val="000000"/>
-                </a:solidFill>
-                <a:effectLst/>
-                <a:latin typeface="+mn-ea"/>
-              </a:rPr>
-              <a:t>로 이동</a:t>
-            </a:r>
-            <a:endParaRPr lang="en-US" altLang="ko-KR" sz="1400" kern="0" spc="0" dirty="0">
-              <a:solidFill>
-                <a:srgbClr val="000000"/>
-              </a:solidFill>
-              <a:effectLst/>
-              <a:latin typeface="+mn-ea"/>
-            </a:endParaRPr>
-          </a:p>
-          <a:p>
-            <a:r>
-              <a:rPr lang="ko-KR" altLang="en-US" sz="1400" kern="0" spc="0" dirty="0">
-                <a:solidFill>
-                  <a:srgbClr val="000000"/>
-                </a:solidFill>
-                <a:effectLst/>
-                <a:latin typeface="+mn-ea"/>
-              </a:rPr>
-              <a:t>③ </a:t>
-            </a:r>
-            <a:r>
-              <a:rPr lang="en-US" altLang="ko-KR" sz="1400" kern="0" spc="0" dirty="0">
-                <a:solidFill>
-                  <a:srgbClr val="000000"/>
-                </a:solidFill>
-                <a:effectLst/>
-                <a:latin typeface="+mn-ea"/>
-              </a:rPr>
-              <a:t>contact</a:t>
-            </a:r>
-            <a:r>
-              <a:rPr lang="ko-KR" altLang="en-US" sz="1400" kern="0" spc="0" dirty="0">
-                <a:solidFill>
-                  <a:srgbClr val="000000"/>
-                </a:solidFill>
-                <a:effectLst/>
-                <a:latin typeface="+mn-ea"/>
-              </a:rPr>
-              <a:t>로 이동</a:t>
-            </a:r>
-            <a:endParaRPr lang="en-US" altLang="ko-KR" sz="1400" kern="0" spc="0" dirty="0">
-              <a:solidFill>
-                <a:srgbClr val="000000"/>
-              </a:solidFill>
-              <a:effectLst/>
-              <a:latin typeface="+mn-ea"/>
-            </a:endParaRPr>
-          </a:p>
-          <a:p>
-            <a:endParaRPr lang="ko-KR" altLang="en-US" dirty="0"/>
-          </a:p>
         </p:txBody>
       </p:sp>
       <p:pic>
         <p:nvPicPr>
-          <p:cNvPr id="5" name="Picture 4">
+          <p:cNvPr id="3" name="Picture 2">
             <a:extLst>
               <a:ext uri="{FF2B5EF4-FFF2-40B4-BE49-F238E27FC236}">
-                <a16:creationId xmlns:a16="http://schemas.microsoft.com/office/drawing/2014/main" id="{9E19231F-0328-E2D3-A8B5-3829F0ADD4D0}"/>
+                <a16:creationId xmlns:a16="http://schemas.microsoft.com/office/drawing/2014/main" id="{A7A26B08-15AA-4C70-E37D-A258B39D31A1}"/>
               </a:ext>
             </a:extLst>
           </p:cNvPr>
@@ -15070,8 +14700,8 @@
         </p:blipFill>
         <p:spPr>
           <a:xfrm>
-            <a:off x="2743201" y="600923"/>
-            <a:ext cx="7162799" cy="5624047"/>
+            <a:off x="2743201" y="269845"/>
+            <a:ext cx="7162799" cy="4199222"/>
           </a:xfrm>
           <a:prstGeom prst="rect">
             <a:avLst/>
@@ -15081,7 +14711,7 @@
     </p:spTree>
     <p:extLst>
       <p:ext uri="{BB962C8B-B14F-4D97-AF65-F5344CB8AC3E}">
-        <p14:creationId xmlns:p14="http://schemas.microsoft.com/office/powerpoint/2010/main" val="2878993053"/>
+        <p14:creationId xmlns:p14="http://schemas.microsoft.com/office/powerpoint/2010/main" val="2945903178"/>
       </p:ext>
     </p:extLst>
   </p:cSld>
@@ -15091,7 +14721,167 @@
 </p:sld>
 </file>
 
-<file path=ppt/slides/slide5.xml><?xml version="1.0" encoding="utf-8"?>
+<file path=ppt/slides/slide2.xml><?xml version="1.0" encoding="utf-8"?>
+<p:sld xmlns:a="http://schemas.openxmlformats.org/drawingml/2006/main" xmlns:r="http://schemas.openxmlformats.org/officeDocument/2006/relationships" xmlns:p="http://schemas.openxmlformats.org/presentationml/2006/main">
+  <p:cSld>
+    <p:spTree>
+      <p:nvGrpSpPr>
+        <p:cNvPr id="1" name=""/>
+        <p:cNvGrpSpPr/>
+        <p:nvPr/>
+      </p:nvGrpSpPr>
+      <p:grpSpPr>
+        <a:xfrm>
+          <a:off x="0" y="0"/>
+          <a:ext cx="0" cy="0"/>
+          <a:chOff x="0" y="0"/>
+          <a:chExt cx="0" cy="0"/>
+        </a:xfrm>
+      </p:grpSpPr>
+      <p:sp>
+        <p:nvSpPr>
+          <p:cNvPr id="4" name="TextBox 3">
+            <a:extLst>
+              <a:ext uri="{FF2B5EF4-FFF2-40B4-BE49-F238E27FC236}">
+                <a16:creationId xmlns:a16="http://schemas.microsoft.com/office/drawing/2014/main" id="{9D5220CB-1091-427B-9C59-0D4A53706EA0}"/>
+              </a:ext>
+            </a:extLst>
+          </p:cNvPr>
+          <p:cNvSpPr txBox="1"/>
+          <p:nvPr/>
+        </p:nvSpPr>
+        <p:spPr>
+          <a:xfrm>
+            <a:off x="422454" y="408446"/>
+            <a:ext cx="2739853" cy="584775"/>
+          </a:xfrm>
+          <a:prstGeom prst="rect">
+            <a:avLst/>
+          </a:prstGeom>
+          <a:noFill/>
+        </p:spPr>
+        <p:txBody>
+          <a:bodyPr wrap="none" rtlCol="0">
+            <a:spAutoFit/>
+          </a:bodyPr>
+          <a:lstStyle/>
+          <a:p>
+            <a:r>
+              <a:rPr lang="ko-KR" altLang="en-US" sz="3200" b="1" dirty="0">
+                <a:solidFill>
+                  <a:schemeClr val="accent1">
+                    <a:lumMod val="40000"/>
+                    <a:lumOff val="60000"/>
+                  </a:schemeClr>
+                </a:solidFill>
+              </a:rPr>
+              <a:t>서비스 흐름도</a:t>
+            </a:r>
+            <a:endParaRPr lang="ko-KR" altLang="en-US" sz="3200" dirty="0">
+              <a:solidFill>
+                <a:schemeClr val="accent1">
+                  <a:lumMod val="40000"/>
+                  <a:lumOff val="60000"/>
+                </a:schemeClr>
+              </a:solidFill>
+            </a:endParaRPr>
+          </a:p>
+        </p:txBody>
+      </p:sp>
+      <p:cxnSp>
+        <p:nvCxnSpPr>
+          <p:cNvPr id="6" name="직선 연결선 5">
+            <a:extLst>
+              <a:ext uri="{FF2B5EF4-FFF2-40B4-BE49-F238E27FC236}">
+                <a16:creationId xmlns:a16="http://schemas.microsoft.com/office/drawing/2014/main" id="{A60F8744-D899-4A3B-8ADA-040679D62E71}"/>
+              </a:ext>
+            </a:extLst>
+          </p:cNvPr>
+          <p:cNvCxnSpPr/>
+          <p:nvPr/>
+        </p:nvCxnSpPr>
+        <p:spPr>
+          <a:xfrm>
+            <a:off x="553673" y="1098958"/>
+            <a:ext cx="8732940" cy="0"/>
+          </a:xfrm>
+          <a:prstGeom prst="line">
+            <a:avLst/>
+          </a:prstGeom>
+          <a:ln w="19050">
+            <a:solidFill>
+              <a:schemeClr val="tx1">
+                <a:lumMod val="50000"/>
+                <a:lumOff val="50000"/>
+              </a:schemeClr>
+            </a:solidFill>
+          </a:ln>
+        </p:spPr>
+        <p:style>
+          <a:lnRef idx="1">
+            <a:schemeClr val="accent1"/>
+          </a:lnRef>
+          <a:fillRef idx="0">
+            <a:schemeClr val="accent1"/>
+          </a:fillRef>
+          <a:effectRef idx="0">
+            <a:schemeClr val="accent1"/>
+          </a:effectRef>
+          <a:fontRef idx="minor">
+            <a:schemeClr val="tx1"/>
+          </a:fontRef>
+        </p:style>
+      </p:cxnSp>
+      <p:pic>
+        <p:nvPicPr>
+          <p:cNvPr id="3" name="Picture 2">
+            <a:extLst>
+              <a:ext uri="{FF2B5EF4-FFF2-40B4-BE49-F238E27FC236}">
+                <a16:creationId xmlns:a16="http://schemas.microsoft.com/office/drawing/2014/main" id="{A70FB884-B3EF-2347-9AF7-151DC4A40F2E}"/>
+              </a:ext>
+            </a:extLst>
+          </p:cNvPr>
+          <p:cNvPicPr>
+            <a:picLocks noChangeAspect="1"/>
+          </p:cNvPicPr>
+          <p:nvPr/>
+        </p:nvPicPr>
+        <p:blipFill>
+          <a:blip r:embed="rId3">
+            <a:extLst>
+              <a:ext uri="{28A0092B-C50C-407E-A947-70E740481C1C}">
+                <a14:useLocalDpi xmlns:a14="http://schemas.microsoft.com/office/drawing/2010/main" val="0"/>
+              </a:ext>
+            </a:extLst>
+          </a:blip>
+          <a:stretch>
+            <a:fillRect/>
+          </a:stretch>
+        </p:blipFill>
+        <p:spPr>
+          <a:xfrm>
+            <a:off x="553673" y="1633348"/>
+            <a:ext cx="8732940" cy="4531782"/>
+          </a:xfrm>
+          <a:prstGeom prst="rect">
+            <a:avLst/>
+          </a:prstGeom>
+        </p:spPr>
+      </p:pic>
+    </p:spTree>
+    <p:extLst>
+      <p:ext uri="{BB962C8B-B14F-4D97-AF65-F5344CB8AC3E}">
+        <p14:creationId xmlns:p14="http://schemas.microsoft.com/office/powerpoint/2010/main" val="853003860"/>
+      </p:ext>
+    </p:extLst>
+  </p:cSld>
+  <p:clrMapOvr>
+    <a:masterClrMapping/>
+  </p:clrMapOvr>
+</p:sld>
+</file>
+
+<file path=ppt/slides/slide20.xml><?xml version="1.0" encoding="utf-8"?>
 <p:sld xmlns:a="http://schemas.openxmlformats.org/drawingml/2006/main" xmlns:r="http://schemas.openxmlformats.org/officeDocument/2006/relationships" xmlns:p="http://schemas.openxmlformats.org/presentationml/2006/main">
   <p:cSld>
     <p:spTree>
@@ -15177,8 +14967,8 @@
         </p:nvSpPr>
         <p:spPr>
           <a:xfrm>
-            <a:off x="0" y="4814638"/>
-            <a:ext cx="2743201" cy="2031473"/>
+            <a:off x="2743201" y="4495615"/>
+            <a:ext cx="7162799" cy="2362384"/>
           </a:xfrm>
           <a:prstGeom prst="rect">
             <a:avLst/>
@@ -15435,9 +15225,12 @@
             <a:p>
               <a:r>
                 <a:rPr lang="ko-KR" altLang="en-US" sz="1200" dirty="0"/>
-                <a:t>회원가입</a:t>
+                <a:t>판매</a:t>
               </a:r>
-              <a:endParaRPr lang="en-US" altLang="ko-KR" sz="1200" dirty="0"/>
+              <a:r>
+                <a:rPr lang="en-US" altLang="ko-KR" sz="1200" dirty="0"/>
+                <a:t>01</a:t>
+              </a:r>
             </a:p>
           </p:txBody>
         </p:sp>
@@ -15530,10 +15323,9 @@
             <a:lstStyle/>
             <a:p>
               <a:r>
-                <a:rPr lang="en-US" altLang="ko-KR" sz="1200" dirty="0" err="1"/>
-                <a:t>sign_up</a:t>
+                <a:rPr lang="en-US" altLang="ko-KR" sz="1200" dirty="0"/>
+                <a:t>sales01</a:t>
               </a:r>
-              <a:endParaRPr lang="en-US" altLang="ko-KR" sz="1200" dirty="0"/>
             </a:p>
           </p:txBody>
         </p:sp>
@@ -15656,7 +15448,7 @@
         </p:nvSpPr>
         <p:spPr>
           <a:xfrm>
-            <a:off x="276834" y="4875588"/>
+            <a:off x="2724761" y="4495614"/>
             <a:ext cx="1005403" cy="338554"/>
           </a:xfrm>
           <a:prstGeom prst="rect">
@@ -15787,8 +15579,8 @@
         </p:nvSpPr>
         <p:spPr>
           <a:xfrm>
-            <a:off x="276834" y="5214142"/>
-            <a:ext cx="1960775" cy="1015663"/>
+            <a:off x="2743201" y="4742801"/>
+            <a:ext cx="7162799" cy="307777"/>
           </a:xfrm>
           <a:prstGeom prst="rect">
             <a:avLst/>
@@ -15807,115 +15599,19 @@
                   <a:srgbClr val="000000"/>
                 </a:solidFill>
                 <a:effectLst/>
-                <a:latin typeface="+mn-ea"/>
+                <a:latin typeface="맑은 고딕" panose="020B0503020000020004" pitchFamily="50" charset="-127"/>
+                <a:ea typeface="맑은 고딕" panose="020B0503020000020004" pitchFamily="50" charset="-127"/>
               </a:rPr>
-              <a:t>① </a:t>
-            </a:r>
-            <a:r>
-              <a:rPr lang="en-US" altLang="ko-KR" sz="1400" dirty="0">
-                <a:solidFill>
-                  <a:schemeClr val="tx1"/>
-                </a:solidFill>
-                <a:latin typeface="+mn-ea"/>
-              </a:rPr>
-              <a:t>index</a:t>
-            </a:r>
-            <a:r>
-              <a:rPr lang="ko-KR" altLang="en-US" sz="1400" dirty="0">
-                <a:solidFill>
-                  <a:schemeClr val="tx1"/>
-                </a:solidFill>
-                <a:latin typeface="+mn-ea"/>
-              </a:rPr>
-              <a:t>로 이동</a:t>
-            </a:r>
-            <a:endParaRPr lang="en-US" altLang="ko-KR" sz="1400" dirty="0">
-              <a:solidFill>
-                <a:schemeClr val="tx1"/>
-              </a:solidFill>
-              <a:latin typeface="+mn-ea"/>
-            </a:endParaRPr>
-          </a:p>
-          <a:p>
-            <a:r>
-              <a:rPr lang="ko-KR" altLang="en-US" sz="1400" kern="0" spc="0" dirty="0">
-                <a:solidFill>
-                  <a:srgbClr val="000000"/>
-                </a:solidFill>
-                <a:effectLst/>
-                <a:latin typeface="+mn-ea"/>
-              </a:rPr>
-              <a:t>② </a:t>
-            </a:r>
-            <a:r>
-              <a:rPr lang="en-US" altLang="ko-KR" sz="1400" kern="0" spc="0" dirty="0">
-                <a:solidFill>
-                  <a:srgbClr val="000000"/>
-                </a:solidFill>
-                <a:effectLst/>
-                <a:latin typeface="+mn-ea"/>
-              </a:rPr>
-              <a:t>service</a:t>
-            </a:r>
-            <a:r>
-              <a:rPr lang="ko-KR" altLang="en-US" sz="1400" kern="0" spc="0" dirty="0">
-                <a:solidFill>
-                  <a:srgbClr val="000000"/>
-                </a:solidFill>
-                <a:effectLst/>
-                <a:latin typeface="+mn-ea"/>
-              </a:rPr>
-              <a:t>로 이동</a:t>
+              <a:t>해당 이미지 상세정보 제공</a:t>
             </a:r>
             <a:endParaRPr lang="en-US" altLang="ko-KR" sz="1400" kern="0" spc="0" dirty="0">
               <a:solidFill>
                 <a:srgbClr val="000000"/>
               </a:solidFill>
               <a:effectLst/>
-              <a:latin typeface="+mn-ea"/>
+              <a:latin typeface="맑은 고딕" panose="020B0503020000020004" pitchFamily="50" charset="-127"/>
+              <a:ea typeface="맑은 고딕" panose="020B0503020000020004" pitchFamily="50" charset="-127"/>
             </a:endParaRPr>
-          </a:p>
-          <a:p>
-            <a:r>
-              <a:rPr lang="ko-KR" altLang="en-US" sz="1400" kern="0" spc="0" dirty="0">
-                <a:solidFill>
-                  <a:srgbClr val="000000"/>
-                </a:solidFill>
-                <a:effectLst/>
-                <a:latin typeface="+mn-ea"/>
-              </a:rPr>
-              <a:t>③ </a:t>
-            </a:r>
-            <a:r>
-              <a:rPr lang="en-US" altLang="ko-KR" sz="1400" kern="0" spc="0" dirty="0">
-                <a:solidFill>
-                  <a:srgbClr val="000000"/>
-                </a:solidFill>
-                <a:effectLst/>
-                <a:latin typeface="+mn-ea"/>
-              </a:rPr>
-              <a:t>contact</a:t>
-            </a:r>
-            <a:r>
-              <a:rPr lang="ko-KR" altLang="en-US" sz="1400" kern="0" spc="0" dirty="0">
-                <a:solidFill>
-                  <a:srgbClr val="000000"/>
-                </a:solidFill>
-                <a:effectLst/>
-                <a:latin typeface="+mn-ea"/>
-              </a:rPr>
-              <a:t>로 이동</a:t>
-            </a:r>
-            <a:endParaRPr lang="en-US" altLang="ko-KR" sz="1400" kern="0" spc="0" dirty="0">
-              <a:solidFill>
-                <a:srgbClr val="000000"/>
-              </a:solidFill>
-              <a:effectLst/>
-              <a:latin typeface="+mn-ea"/>
-            </a:endParaRPr>
-          </a:p>
-          <a:p>
-            <a:endParaRPr lang="ko-KR" altLang="en-US" dirty="0"/>
           </a:p>
         </p:txBody>
       </p:sp>
@@ -15924,7 +15620,7 @@
           <p:cNvPr id="3" name="Picture 2">
             <a:extLst>
               <a:ext uri="{FF2B5EF4-FFF2-40B4-BE49-F238E27FC236}">
-                <a16:creationId xmlns:a16="http://schemas.microsoft.com/office/drawing/2014/main" id="{E3ADE465-848D-DFBF-FB0C-8CBC0B14B362}"/>
+                <a16:creationId xmlns:a16="http://schemas.microsoft.com/office/drawing/2014/main" id="{ECD28162-CE06-1BDB-8BC0-F341D67B3E7D}"/>
               </a:ext>
             </a:extLst>
           </p:cNvPr>
@@ -15941,8 +15637,8 @@
         </p:blipFill>
         <p:spPr>
           <a:xfrm>
-            <a:off x="2743201" y="575275"/>
-            <a:ext cx="7162799" cy="5654530"/>
+            <a:off x="2746714" y="269845"/>
+            <a:ext cx="7159285" cy="4267570"/>
           </a:xfrm>
           <a:prstGeom prst="rect">
             <a:avLst/>
@@ -15952,7 +15648,7 @@
     </p:spTree>
     <p:extLst>
       <p:ext uri="{BB962C8B-B14F-4D97-AF65-F5344CB8AC3E}">
-        <p14:creationId xmlns:p14="http://schemas.microsoft.com/office/powerpoint/2010/main" val="1339259747"/>
+        <p14:creationId xmlns:p14="http://schemas.microsoft.com/office/powerpoint/2010/main" val="3140353938"/>
       </p:ext>
     </p:extLst>
   </p:cSld>
@@ -15962,7 +15658,7 @@
 </p:sld>
 </file>
 
-<file path=ppt/slides/slide6.xml><?xml version="1.0" encoding="utf-8"?>
+<file path=ppt/slides/slide21.xml><?xml version="1.0" encoding="utf-8"?>
 <p:sld xmlns:a="http://schemas.openxmlformats.org/drawingml/2006/main" xmlns:r="http://schemas.openxmlformats.org/officeDocument/2006/relationships" xmlns:p="http://schemas.openxmlformats.org/presentationml/2006/main">
   <p:cSld>
     <p:spTree>
@@ -15994,7 +15690,7 @@
         <p:spPr>
           <a:xfrm>
             <a:off x="0" y="2"/>
-            <a:ext cx="2743201" cy="6857996"/>
+            <a:ext cx="9906000" cy="6857996"/>
           </a:xfrm>
           <a:prstGeom prst="rect">
             <a:avLst/>
@@ -16030,6 +15726,321 @@
           <a:lstStyle/>
           <a:p>
             <a:pPr algn="ctr"/>
+            <a:r>
+              <a:rPr lang="en-US" altLang="ko-KR" sz="8000" dirty="0"/>
+              <a:t>THE END</a:t>
+            </a:r>
+            <a:endParaRPr lang="ko-KR" altLang="en-US" sz="8000" dirty="0"/>
+          </a:p>
+        </p:txBody>
+      </p:sp>
+      <p:sp>
+        <p:nvSpPr>
+          <p:cNvPr id="34" name="TextBox 33">
+            <a:extLst>
+              <a:ext uri="{FF2B5EF4-FFF2-40B4-BE49-F238E27FC236}">
+                <a16:creationId xmlns:a16="http://schemas.microsoft.com/office/drawing/2014/main" id="{D86AE12A-76EC-49AD-A2BE-EBED9566CBB2}"/>
+              </a:ext>
+            </a:extLst>
+          </p:cNvPr>
+          <p:cNvSpPr txBox="1"/>
+          <p:nvPr/>
+        </p:nvSpPr>
+        <p:spPr>
+          <a:xfrm>
+            <a:off x="276836" y="4267511"/>
+            <a:ext cx="2171089" cy="276999"/>
+          </a:xfrm>
+          <a:prstGeom prst="rect">
+            <a:avLst/>
+          </a:prstGeom>
+          <a:noFill/>
+        </p:spPr>
+        <p:txBody>
+          <a:bodyPr wrap="square" rtlCol="0">
+            <a:spAutoFit/>
+          </a:bodyPr>
+          <a:lstStyle/>
+          <a:p>
+            <a:endParaRPr lang="en-US" altLang="ko-KR" sz="1200" dirty="0">
+              <a:solidFill>
+                <a:schemeClr val="bg1"/>
+              </a:solidFill>
+            </a:endParaRPr>
+          </a:p>
+        </p:txBody>
+      </p:sp>
+    </p:spTree>
+    <p:extLst>
+      <p:ext uri="{BB962C8B-B14F-4D97-AF65-F5344CB8AC3E}">
+        <p14:creationId xmlns:p14="http://schemas.microsoft.com/office/powerpoint/2010/main" val="2168803400"/>
+      </p:ext>
+    </p:extLst>
+  </p:cSld>
+  <p:clrMapOvr>
+    <a:masterClrMapping/>
+  </p:clrMapOvr>
+</p:sld>
+</file>
+
+<file path=ppt/slides/slide3.xml><?xml version="1.0" encoding="utf-8"?>
+<p:sld xmlns:a="http://schemas.openxmlformats.org/drawingml/2006/main" xmlns:r="http://schemas.openxmlformats.org/officeDocument/2006/relationships" xmlns:p="http://schemas.openxmlformats.org/presentationml/2006/main">
+  <p:cSld>
+    <p:spTree>
+      <p:nvGrpSpPr>
+        <p:cNvPr id="1" name=""/>
+        <p:cNvGrpSpPr/>
+        <p:nvPr/>
+      </p:nvGrpSpPr>
+      <p:grpSpPr>
+        <a:xfrm>
+          <a:off x="0" y="0"/>
+          <a:ext cx="0" cy="0"/>
+          <a:chOff x="0" y="0"/>
+          <a:chExt cx="0" cy="0"/>
+        </a:xfrm>
+      </p:grpSpPr>
+      <p:sp>
+        <p:nvSpPr>
+          <p:cNvPr id="41" name="TextBox 40">
+            <a:extLst>
+              <a:ext uri="{FF2B5EF4-FFF2-40B4-BE49-F238E27FC236}">
+                <a16:creationId xmlns:a16="http://schemas.microsoft.com/office/drawing/2014/main" id="{DD90209C-56DF-4C97-81D5-7FDA0DFD2D9B}"/>
+              </a:ext>
+            </a:extLst>
+          </p:cNvPr>
+          <p:cNvSpPr txBox="1"/>
+          <p:nvPr/>
+        </p:nvSpPr>
+        <p:spPr>
+          <a:xfrm>
+            <a:off x="422454" y="408446"/>
+            <a:ext cx="1919115" cy="584775"/>
+          </a:xfrm>
+          <a:prstGeom prst="rect">
+            <a:avLst/>
+          </a:prstGeom>
+          <a:noFill/>
+        </p:spPr>
+        <p:txBody>
+          <a:bodyPr wrap="none" rtlCol="0">
+            <a:spAutoFit/>
+          </a:bodyPr>
+          <a:lstStyle/>
+          <a:p>
+            <a:r>
+              <a:rPr lang="ko-KR" altLang="en-US" sz="3200" b="1" dirty="0">
+                <a:solidFill>
+                  <a:schemeClr val="accent1">
+                    <a:lumMod val="40000"/>
+                    <a:lumOff val="60000"/>
+                  </a:schemeClr>
+                </a:solidFill>
+              </a:rPr>
+              <a:t>메뉴 구성</a:t>
+            </a:r>
+            <a:endParaRPr lang="ko-KR" altLang="en-US" sz="3200" dirty="0">
+              <a:solidFill>
+                <a:schemeClr val="accent1">
+                  <a:lumMod val="40000"/>
+                  <a:lumOff val="60000"/>
+                </a:schemeClr>
+              </a:solidFill>
+            </a:endParaRPr>
+          </a:p>
+        </p:txBody>
+      </p:sp>
+      <p:cxnSp>
+        <p:nvCxnSpPr>
+          <p:cNvPr id="42" name="직선 연결선 41">
+            <a:extLst>
+              <a:ext uri="{FF2B5EF4-FFF2-40B4-BE49-F238E27FC236}">
+                <a16:creationId xmlns:a16="http://schemas.microsoft.com/office/drawing/2014/main" id="{6266C6A5-3908-4920-BDF3-166795DE92EB}"/>
+              </a:ext>
+            </a:extLst>
+          </p:cNvPr>
+          <p:cNvCxnSpPr/>
+          <p:nvPr/>
+        </p:nvCxnSpPr>
+        <p:spPr>
+          <a:xfrm>
+            <a:off x="553673" y="1098958"/>
+            <a:ext cx="8732940" cy="0"/>
+          </a:xfrm>
+          <a:prstGeom prst="line">
+            <a:avLst/>
+          </a:prstGeom>
+          <a:ln w="19050">
+            <a:solidFill>
+              <a:schemeClr val="tx1">
+                <a:lumMod val="50000"/>
+                <a:lumOff val="50000"/>
+              </a:schemeClr>
+            </a:solidFill>
+          </a:ln>
+        </p:spPr>
+        <p:style>
+          <a:lnRef idx="1">
+            <a:schemeClr val="accent1"/>
+          </a:lnRef>
+          <a:fillRef idx="0">
+            <a:schemeClr val="accent1"/>
+          </a:fillRef>
+          <a:effectRef idx="0">
+            <a:schemeClr val="accent1"/>
+          </a:effectRef>
+          <a:fontRef idx="minor">
+            <a:schemeClr val="tx1"/>
+          </a:fontRef>
+        </p:style>
+      </p:cxnSp>
+      <p:pic>
+        <p:nvPicPr>
+          <p:cNvPr id="3" name="Picture 2">
+            <a:extLst>
+              <a:ext uri="{FF2B5EF4-FFF2-40B4-BE49-F238E27FC236}">
+                <a16:creationId xmlns:a16="http://schemas.microsoft.com/office/drawing/2014/main" id="{A5059231-EF4B-B1DE-D5DF-B2B0A54A4790}"/>
+              </a:ext>
+            </a:extLst>
+          </p:cNvPr>
+          <p:cNvPicPr>
+            <a:picLocks noChangeAspect="1"/>
+          </p:cNvPicPr>
+          <p:nvPr/>
+        </p:nvPicPr>
+        <p:blipFill>
+          <a:blip r:embed="rId3">
+            <a:extLst>
+              <a:ext uri="{28A0092B-C50C-407E-A947-70E740481C1C}">
+                <a14:useLocalDpi xmlns:a14="http://schemas.microsoft.com/office/drawing/2010/main" val="0"/>
+              </a:ext>
+            </a:extLst>
+          </a:blip>
+          <a:stretch>
+            <a:fillRect/>
+          </a:stretch>
+        </p:blipFill>
+        <p:spPr>
+          <a:xfrm>
+            <a:off x="1644191" y="1837294"/>
+            <a:ext cx="6617617" cy="4295775"/>
+          </a:xfrm>
+          <a:prstGeom prst="rect">
+            <a:avLst/>
+          </a:prstGeom>
+        </p:spPr>
+      </p:pic>
+    </p:spTree>
+    <p:extLst>
+      <p:ext uri="{BB962C8B-B14F-4D97-AF65-F5344CB8AC3E}">
+        <p14:creationId xmlns:p14="http://schemas.microsoft.com/office/powerpoint/2010/main" val="3683897739"/>
+      </p:ext>
+    </p:extLst>
+  </p:cSld>
+  <p:clrMapOvr>
+    <a:masterClrMapping/>
+  </p:clrMapOvr>
+</p:sld>
+</file>
+
+<file path=ppt/slides/slide4.xml><?xml version="1.0" encoding="utf-8"?>
+<p:sld xmlns:a="http://schemas.openxmlformats.org/drawingml/2006/main" xmlns:r="http://schemas.openxmlformats.org/officeDocument/2006/relationships" xmlns:p="http://schemas.openxmlformats.org/presentationml/2006/main">
+  <p:cSld>
+    <p:spTree>
+      <p:nvGrpSpPr>
+        <p:cNvPr id="1" name=""/>
+        <p:cNvGrpSpPr/>
+        <p:nvPr/>
+      </p:nvGrpSpPr>
+      <p:grpSpPr>
+        <a:xfrm>
+          <a:off x="0" y="0"/>
+          <a:ext cx="0" cy="0"/>
+          <a:chOff x="0" y="0"/>
+          <a:chExt cx="0" cy="0"/>
+        </a:xfrm>
+      </p:grpSpPr>
+      <p:pic>
+        <p:nvPicPr>
+          <p:cNvPr id="47" name="Picture 46">
+            <a:extLst>
+              <a:ext uri="{FF2B5EF4-FFF2-40B4-BE49-F238E27FC236}">
+                <a16:creationId xmlns:a16="http://schemas.microsoft.com/office/drawing/2014/main" id="{90B8A392-76B3-38D8-D148-F3DB05186D1C}"/>
+              </a:ext>
+            </a:extLst>
+          </p:cNvPr>
+          <p:cNvPicPr>
+            <a:picLocks noChangeAspect="1"/>
+          </p:cNvPicPr>
+          <p:nvPr/>
+        </p:nvPicPr>
+        <p:blipFill>
+          <a:blip r:embed="rId3"/>
+          <a:stretch>
+            <a:fillRect/>
+          </a:stretch>
+        </p:blipFill>
+        <p:spPr>
+          <a:xfrm>
+            <a:off x="2744926" y="269845"/>
+            <a:ext cx="7161073" cy="4195563"/>
+          </a:xfrm>
+          <a:prstGeom prst="rect">
+            <a:avLst/>
+          </a:prstGeom>
+        </p:spPr>
+      </p:pic>
+      <p:sp>
+        <p:nvSpPr>
+          <p:cNvPr id="4" name="직사각형 3">
+            <a:extLst>
+              <a:ext uri="{FF2B5EF4-FFF2-40B4-BE49-F238E27FC236}">
+                <a16:creationId xmlns:a16="http://schemas.microsoft.com/office/drawing/2014/main" id="{17CCAA0A-5307-48D3-9858-F46440A1DFFF}"/>
+              </a:ext>
+            </a:extLst>
+          </p:cNvPr>
+          <p:cNvSpPr/>
+          <p:nvPr/>
+        </p:nvSpPr>
+        <p:spPr>
+          <a:xfrm>
+            <a:off x="0" y="2"/>
+            <a:ext cx="2743201" cy="6857996"/>
+          </a:xfrm>
+          <a:prstGeom prst="rect">
+            <a:avLst/>
+          </a:prstGeom>
+          <a:solidFill>
+            <a:schemeClr val="accent1">
+              <a:lumMod val="20000"/>
+              <a:lumOff val="80000"/>
+            </a:schemeClr>
+          </a:solidFill>
+          <a:ln>
+            <a:noFill/>
+          </a:ln>
+        </p:spPr>
+        <p:style>
+          <a:lnRef idx="2">
+            <a:schemeClr val="accent1">
+              <a:shade val="50000"/>
+            </a:schemeClr>
+          </a:lnRef>
+          <a:fillRef idx="1">
+            <a:schemeClr val="accent1"/>
+          </a:fillRef>
+          <a:effectRef idx="0">
+            <a:schemeClr val="accent1"/>
+          </a:effectRef>
+          <a:fontRef idx="minor">
+            <a:schemeClr val="lt1"/>
+          </a:fontRef>
+        </p:style>
+        <p:txBody>
+          <a:bodyPr rtlCol="0" anchor="ctr"/>
+          <a:lstStyle/>
+          <a:p>
+            <a:pPr algn="ctr"/>
             <a:endParaRPr lang="ko-KR" altLang="en-US" sz="1600" dirty="0"/>
           </a:p>
         </p:txBody>
@@ -16048,8 +16059,8 @@
         </p:nvSpPr>
         <p:spPr>
           <a:xfrm>
-            <a:off x="0" y="4814638"/>
-            <a:ext cx="2743201" cy="2031473"/>
+            <a:off x="2743201" y="4469067"/>
+            <a:ext cx="7162799" cy="2388933"/>
           </a:xfrm>
           <a:prstGeom prst="rect">
             <a:avLst/>
@@ -16306,7 +16317,7 @@
             <a:p>
               <a:r>
                 <a:rPr lang="ko-KR" altLang="en-US" sz="1200" dirty="0"/>
-                <a:t>로그인</a:t>
+                <a:t>초기화면</a:t>
               </a:r>
               <a:endParaRPr lang="en-US" altLang="ko-KR" sz="1200" dirty="0"/>
             </a:p>
@@ -16402,7 +16413,7 @@
             <a:p>
               <a:r>
                 <a:rPr lang="en-US" altLang="ko-KR" sz="1200" dirty="0"/>
-                <a:t>login</a:t>
+                <a:t>Index</a:t>
               </a:r>
             </a:p>
           </p:txBody>
@@ -16526,7 +16537,7 @@
         </p:nvSpPr>
         <p:spPr>
           <a:xfrm>
-            <a:off x="276834" y="4875588"/>
+            <a:off x="2724761" y="4491955"/>
             <a:ext cx="1005403" cy="338554"/>
           </a:xfrm>
           <a:prstGeom prst="rect">
@@ -16535,7 +16546,7 @@
           <a:noFill/>
         </p:spPr>
         <p:txBody>
-          <a:bodyPr wrap="none" rtlCol="0">
+          <a:bodyPr wrap="square" rtlCol="0">
             <a:spAutoFit/>
           </a:bodyPr>
           <a:lstStyle/>
@@ -16634,11 +16645,7 @@
             </a:bodyPr>
             <a:lstStyle/>
             <a:p>
-              <a:endParaRPr lang="en-US" altLang="ko-KR" sz="1200" dirty="0">
-                <a:solidFill>
-                  <a:schemeClr val="bg1"/>
-                </a:solidFill>
-              </a:endParaRPr>
+              <a:endParaRPr lang="en-US" altLang="ko-KR" sz="1200" dirty="0"/>
             </a:p>
           </p:txBody>
         </p:sp>
@@ -16657,8 +16664,8 @@
         </p:nvSpPr>
         <p:spPr>
           <a:xfrm>
-            <a:off x="276834" y="5214142"/>
-            <a:ext cx="1960775" cy="1015663"/>
+            <a:off x="2743201" y="4742801"/>
+            <a:ext cx="7162799" cy="1384995"/>
           </a:xfrm>
           <a:prstGeom prst="rect">
             <a:avLst/>
@@ -16718,14 +16725,13 @@
               <a:t>② </a:t>
             </a:r>
             <a:r>
-              <a:rPr lang="en-US" altLang="ko-KR" sz="1400" kern="0" spc="0" dirty="0">
+              <a:rPr lang="ko-KR" altLang="en-US" sz="1400" kern="0" dirty="0">
                 <a:solidFill>
                   <a:srgbClr val="000000"/>
                 </a:solidFill>
-                <a:effectLst/>
                 <a:latin typeface="+mn-ea"/>
               </a:rPr>
-              <a:t>service</a:t>
+              <a:t>풀다운 메뉴바 나타남</a:t>
             </a:r>
             <a:r>
               <a:rPr lang="ko-KR" altLang="en-US" sz="1400" kern="0" spc="0" dirty="0">
@@ -16735,7 +16741,7 @@
                 <a:effectLst/>
                 <a:latin typeface="+mn-ea"/>
               </a:rPr>
-              <a:t>로 이동</a:t>
+              <a:t> </a:t>
             </a:r>
             <a:endParaRPr lang="en-US" altLang="ko-KR" sz="1400" kern="0" spc="0" dirty="0">
               <a:solidFill>
@@ -16754,17 +16760,16 @@
                 <a:effectLst/>
                 <a:latin typeface="+mn-ea"/>
               </a:rPr>
-              <a:t>③ </a:t>
-            </a:r>
-            <a:r>
-              <a:rPr lang="en-US" altLang="ko-KR" sz="1400" kern="0" spc="0" dirty="0">
+              <a:t>③ 비로그인 시 </a:t>
+            </a:r>
+            <a:r>
+              <a:rPr lang="en-US" altLang="ko-KR" sz="1400" kern="0" dirty="0">
                 <a:solidFill>
                   <a:srgbClr val="000000"/>
                 </a:solidFill>
-                <a:effectLst/>
                 <a:latin typeface="+mn-ea"/>
               </a:rPr>
-              <a:t>contact</a:t>
+              <a:t>service</a:t>
             </a:r>
             <a:r>
               <a:rPr lang="ko-KR" altLang="en-US" sz="1400" kern="0" spc="0" dirty="0">
@@ -16774,7 +16779,7 @@
                 <a:effectLst/>
                 <a:latin typeface="+mn-ea"/>
               </a:rPr>
-              <a:t>로 이동</a:t>
+              <a:t>로 이동 불가</a:t>
             </a:r>
             <a:endParaRPr lang="en-US" altLang="ko-KR" sz="1400" kern="0" spc="0" dirty="0">
               <a:solidFill>
@@ -16785,44 +16790,571 @@
             </a:endParaRPr>
           </a:p>
           <a:p>
-            <a:endParaRPr lang="ko-KR" altLang="en-US" dirty="0"/>
+            <a:r>
+              <a:rPr lang="ko-KR" altLang="en-US" sz="1400" kern="0" dirty="0">
+                <a:solidFill>
+                  <a:srgbClr val="000000"/>
+                </a:solidFill>
+                <a:latin typeface="+mn-ea"/>
+              </a:rPr>
+              <a:t>④ </a:t>
+            </a:r>
+            <a:r>
+              <a:rPr lang="en-US" altLang="ko-KR" sz="1400" kern="0" dirty="0">
+                <a:solidFill>
+                  <a:srgbClr val="000000"/>
+                </a:solidFill>
+                <a:latin typeface="+mn-ea"/>
+              </a:rPr>
+              <a:t>ask</a:t>
+            </a:r>
+            <a:r>
+              <a:rPr lang="ko-KR" altLang="en-US" sz="1400" kern="0" dirty="0">
+                <a:solidFill>
+                  <a:srgbClr val="000000"/>
+                </a:solidFill>
+                <a:latin typeface="+mn-ea"/>
+              </a:rPr>
+              <a:t>로 이동</a:t>
+            </a:r>
+            <a:endParaRPr lang="en-US" altLang="ko-KR" sz="1400" kern="0" dirty="0">
+              <a:solidFill>
+                <a:srgbClr val="000000"/>
+              </a:solidFill>
+              <a:latin typeface="+mn-ea"/>
+            </a:endParaRPr>
+          </a:p>
+          <a:p>
+            <a:r>
+              <a:rPr lang="ko-KR" altLang="en-US" sz="1400" kern="0" spc="0" dirty="0">
+                <a:solidFill>
+                  <a:srgbClr val="000000"/>
+                </a:solidFill>
+                <a:effectLst/>
+                <a:latin typeface="맑은 고딕" panose="020B0503020000020004" pitchFamily="50" charset="-127"/>
+                <a:ea typeface="맑은 고딕" panose="020B0503020000020004" pitchFamily="50" charset="-127"/>
+              </a:rPr>
+              <a:t>⑤ </a:t>
+            </a:r>
+            <a:r>
+              <a:rPr lang="en-US" altLang="ko-KR" sz="1400" kern="0" spc="0" dirty="0">
+                <a:solidFill>
+                  <a:srgbClr val="000000"/>
+                </a:solidFill>
+                <a:effectLst/>
+                <a:latin typeface="맑은 고딕" panose="020B0503020000020004" pitchFamily="50" charset="-127"/>
+                <a:ea typeface="맑은 고딕" panose="020B0503020000020004" pitchFamily="50" charset="-127"/>
+              </a:rPr>
+              <a:t>login</a:t>
+            </a:r>
+            <a:r>
+              <a:rPr lang="ko-KR" altLang="en-US" sz="1400" kern="0" spc="0" dirty="0">
+                <a:solidFill>
+                  <a:srgbClr val="000000"/>
+                </a:solidFill>
+                <a:effectLst/>
+                <a:latin typeface="맑은 고딕" panose="020B0503020000020004" pitchFamily="50" charset="-127"/>
+                <a:ea typeface="맑은 고딕" panose="020B0503020000020004" pitchFamily="50" charset="-127"/>
+              </a:rPr>
+              <a:t>으로 이동</a:t>
+            </a:r>
+            <a:endParaRPr lang="en-US" altLang="ko-KR" sz="1400" kern="0" spc="0" dirty="0">
+              <a:solidFill>
+                <a:srgbClr val="000000"/>
+              </a:solidFill>
+              <a:effectLst/>
+              <a:latin typeface="맑은 고딕" panose="020B0503020000020004" pitchFamily="50" charset="-127"/>
+              <a:ea typeface="맑은 고딕" panose="020B0503020000020004" pitchFamily="50" charset="-127"/>
+            </a:endParaRPr>
+          </a:p>
+          <a:p>
+            <a:r>
+              <a:rPr lang="ko-KR" altLang="en-US" sz="1400" kern="0" spc="0" dirty="0">
+                <a:solidFill>
+                  <a:srgbClr val="000000"/>
+                </a:solidFill>
+                <a:effectLst/>
+                <a:latin typeface="맑은 고딕" panose="020B0503020000020004" pitchFamily="50" charset="-127"/>
+                <a:ea typeface="맑은 고딕" panose="020B0503020000020004" pitchFamily="50" charset="-127"/>
+              </a:rPr>
+              <a:t>⑥ </a:t>
+            </a:r>
+            <a:r>
+              <a:rPr lang="en-US" altLang="ko-KR" sz="1400" kern="0" spc="0" dirty="0" err="1">
+                <a:solidFill>
+                  <a:srgbClr val="000000"/>
+                </a:solidFill>
+                <a:effectLst/>
+                <a:latin typeface="맑은 고딕" panose="020B0503020000020004" pitchFamily="50" charset="-127"/>
+                <a:ea typeface="맑은 고딕" panose="020B0503020000020004" pitchFamily="50" charset="-127"/>
+              </a:rPr>
+              <a:t>sign_up</a:t>
+            </a:r>
+            <a:r>
+              <a:rPr lang="ko-KR" altLang="en-US" sz="1400" kern="0" spc="0" dirty="0">
+                <a:solidFill>
+                  <a:srgbClr val="000000"/>
+                </a:solidFill>
+                <a:effectLst/>
+                <a:latin typeface="맑은 고딕" panose="020B0503020000020004" pitchFamily="50" charset="-127"/>
+                <a:ea typeface="맑은 고딕" panose="020B0503020000020004" pitchFamily="50" charset="-127"/>
+              </a:rPr>
+              <a:t>으로 이동</a:t>
+            </a:r>
+            <a:r>
+              <a:rPr lang="ko-KR" altLang="en-US" sz="1400" kern="0" dirty="0">
+                <a:solidFill>
+                  <a:srgbClr val="000000"/>
+                </a:solidFill>
+                <a:latin typeface="맑은 고딕" panose="020B0503020000020004" pitchFamily="50" charset="-127"/>
+                <a:ea typeface="맑은 고딕" panose="020B0503020000020004" pitchFamily="50" charset="-127"/>
+              </a:rPr>
+              <a:t> </a:t>
+            </a:r>
+            <a:endParaRPr lang="en-US" altLang="ko-KR" sz="1400" kern="0" spc="0" dirty="0">
+              <a:solidFill>
+                <a:srgbClr val="000000"/>
+              </a:solidFill>
+              <a:effectLst/>
+              <a:latin typeface="맑은 고딕" panose="020B0503020000020004" pitchFamily="50" charset="-127"/>
+              <a:ea typeface="맑은 고딕" panose="020B0503020000020004" pitchFamily="50" charset="-127"/>
+            </a:endParaRPr>
           </a:p>
         </p:txBody>
       </p:sp>
-      <p:pic>
-        <p:nvPicPr>
-          <p:cNvPr id="3" name="Picture 2">
+      <p:sp>
+        <p:nvSpPr>
+          <p:cNvPr id="3" name="TextBox 2">
             <a:extLst>
               <a:ext uri="{FF2B5EF4-FFF2-40B4-BE49-F238E27FC236}">
-                <a16:creationId xmlns:a16="http://schemas.microsoft.com/office/drawing/2014/main" id="{E5F7DF34-AF00-3D63-C2F6-D5E27D24BFE0}"/>
+                <a16:creationId xmlns:a16="http://schemas.microsoft.com/office/drawing/2014/main" id="{EC60CF90-7980-463F-7642-751F50500693}"/>
               </a:ext>
             </a:extLst>
           </p:cNvPr>
-          <p:cNvPicPr>
-            <a:picLocks noChangeAspect="1"/>
-          </p:cNvPicPr>
+          <p:cNvSpPr txBox="1"/>
           <p:nvPr/>
-        </p:nvPicPr>
-        <p:blipFill>
-          <a:blip r:embed="rId3"/>
-          <a:stretch>
-            <a:fillRect/>
-          </a:stretch>
-        </p:blipFill>
+        </p:nvSpPr>
         <p:spPr>
           <a:xfrm>
-            <a:off x="2743201" y="598137"/>
-            <a:ext cx="7162799" cy="5631668"/>
+            <a:off x="2538017" y="160663"/>
+            <a:ext cx="341721" cy="369332"/>
           </a:xfrm>
           <a:prstGeom prst="rect">
             <a:avLst/>
           </a:prstGeom>
+          <a:noFill/>
         </p:spPr>
-      </p:pic>
+        <p:txBody>
+          <a:bodyPr wrap="square">
+            <a:spAutoFit/>
+          </a:bodyPr>
+          <a:lstStyle/>
+          <a:p>
+            <a:r>
+              <a:rPr lang="ko-KR" altLang="en-US" sz="1800" b="1" kern="0" spc="0" dirty="0">
+                <a:solidFill>
+                  <a:srgbClr val="000000"/>
+                </a:solidFill>
+                <a:effectLst/>
+                <a:latin typeface="+mn-ea"/>
+              </a:rPr>
+              <a:t>①</a:t>
+            </a:r>
+            <a:endParaRPr lang="ko-KR" altLang="en-US" b="1" dirty="0"/>
+          </a:p>
+        </p:txBody>
+      </p:sp>
+      <p:sp>
+        <p:nvSpPr>
+          <p:cNvPr id="19" name="TextBox 18">
+            <a:extLst>
+              <a:ext uri="{FF2B5EF4-FFF2-40B4-BE49-F238E27FC236}">
+                <a16:creationId xmlns:a16="http://schemas.microsoft.com/office/drawing/2014/main" id="{B22168CD-1E67-6FBD-2984-5F3FCD163271}"/>
+              </a:ext>
+            </a:extLst>
+          </p:cNvPr>
+          <p:cNvSpPr txBox="1"/>
+          <p:nvPr/>
+        </p:nvSpPr>
+        <p:spPr>
+          <a:xfrm>
+            <a:off x="4897915" y="160663"/>
+            <a:ext cx="383303" cy="369332"/>
+          </a:xfrm>
+          <a:prstGeom prst="rect">
+            <a:avLst/>
+          </a:prstGeom>
+          <a:noFill/>
+        </p:spPr>
+        <p:txBody>
+          <a:bodyPr wrap="square">
+            <a:spAutoFit/>
+          </a:bodyPr>
+          <a:lstStyle/>
+          <a:p>
+            <a:r>
+              <a:rPr lang="ko-KR" altLang="en-US" sz="1800" b="1" kern="0" spc="0" dirty="0">
+                <a:solidFill>
+                  <a:srgbClr val="000000"/>
+                </a:solidFill>
+                <a:effectLst/>
+                <a:latin typeface="맑은 고딕" panose="020B0503020000020004" pitchFamily="50" charset="-127"/>
+                <a:ea typeface="맑은 고딕" panose="020B0503020000020004" pitchFamily="50" charset="-127"/>
+              </a:rPr>
+              <a:t>②</a:t>
+            </a:r>
+            <a:endParaRPr lang="ko-KR" altLang="en-US" dirty="0"/>
+          </a:p>
+        </p:txBody>
+      </p:sp>
+      <p:sp>
+        <p:nvSpPr>
+          <p:cNvPr id="21" name="TextBox 20">
+            <a:extLst>
+              <a:ext uri="{FF2B5EF4-FFF2-40B4-BE49-F238E27FC236}">
+                <a16:creationId xmlns:a16="http://schemas.microsoft.com/office/drawing/2014/main" id="{B977C844-2836-37C4-FA2D-9D440DE8F19B}"/>
+              </a:ext>
+            </a:extLst>
+          </p:cNvPr>
+          <p:cNvSpPr txBox="1"/>
+          <p:nvPr/>
+        </p:nvSpPr>
+        <p:spPr>
+          <a:xfrm>
+            <a:off x="5982879" y="160663"/>
+            <a:ext cx="341721" cy="369332"/>
+          </a:xfrm>
+          <a:prstGeom prst="rect">
+            <a:avLst/>
+          </a:prstGeom>
+          <a:noFill/>
+        </p:spPr>
+        <p:txBody>
+          <a:bodyPr wrap="square">
+            <a:spAutoFit/>
+          </a:bodyPr>
+          <a:lstStyle/>
+          <a:p>
+            <a:r>
+              <a:rPr lang="ko-KR" altLang="en-US" sz="1800" b="1" kern="0" spc="0" dirty="0">
+                <a:solidFill>
+                  <a:srgbClr val="000000"/>
+                </a:solidFill>
+                <a:effectLst/>
+                <a:latin typeface="맑은 고딕" panose="020B0503020000020004" pitchFamily="50" charset="-127"/>
+                <a:ea typeface="맑은 고딕" panose="020B0503020000020004" pitchFamily="50" charset="-127"/>
+              </a:rPr>
+              <a:t>③</a:t>
+            </a:r>
+            <a:endParaRPr lang="ko-KR" altLang="en-US" dirty="0"/>
+          </a:p>
+        </p:txBody>
+      </p:sp>
+      <p:sp>
+        <p:nvSpPr>
+          <p:cNvPr id="23" name="TextBox 22">
+            <a:extLst>
+              <a:ext uri="{FF2B5EF4-FFF2-40B4-BE49-F238E27FC236}">
+                <a16:creationId xmlns:a16="http://schemas.microsoft.com/office/drawing/2014/main" id="{28B879FE-6683-4A8E-356D-847239070D64}"/>
+              </a:ext>
+            </a:extLst>
+          </p:cNvPr>
+          <p:cNvSpPr txBox="1"/>
+          <p:nvPr/>
+        </p:nvSpPr>
+        <p:spPr>
+          <a:xfrm>
+            <a:off x="6742180" y="160663"/>
+            <a:ext cx="341721" cy="369332"/>
+          </a:xfrm>
+          <a:prstGeom prst="rect">
+            <a:avLst/>
+          </a:prstGeom>
+          <a:noFill/>
+        </p:spPr>
+        <p:txBody>
+          <a:bodyPr wrap="square">
+            <a:spAutoFit/>
+          </a:bodyPr>
+          <a:lstStyle/>
+          <a:p>
+            <a:r>
+              <a:rPr lang="ko-KR" altLang="en-US" sz="1800" b="1" kern="0" spc="0" dirty="0">
+                <a:solidFill>
+                  <a:srgbClr val="000000"/>
+                </a:solidFill>
+                <a:effectLst/>
+                <a:latin typeface="맑은 고딕" panose="020B0503020000020004" pitchFamily="50" charset="-127"/>
+                <a:ea typeface="맑은 고딕" panose="020B0503020000020004" pitchFamily="50" charset="-127"/>
+              </a:rPr>
+              <a:t>④</a:t>
+            </a:r>
+            <a:endParaRPr lang="ko-KR" altLang="en-US" dirty="0"/>
+          </a:p>
+        </p:txBody>
+      </p:sp>
+      <p:sp>
+        <p:nvSpPr>
+          <p:cNvPr id="25" name="TextBox 24">
+            <a:extLst>
+              <a:ext uri="{FF2B5EF4-FFF2-40B4-BE49-F238E27FC236}">
+                <a16:creationId xmlns:a16="http://schemas.microsoft.com/office/drawing/2014/main" id="{AD2925EB-9E1E-A359-01C9-18E8D6F8D3B1}"/>
+              </a:ext>
+            </a:extLst>
+          </p:cNvPr>
+          <p:cNvSpPr txBox="1"/>
+          <p:nvPr/>
+        </p:nvSpPr>
+        <p:spPr>
+          <a:xfrm>
+            <a:off x="3257775" y="3343736"/>
+            <a:ext cx="341721" cy="369332"/>
+          </a:xfrm>
+          <a:prstGeom prst="rect">
+            <a:avLst/>
+          </a:prstGeom>
+          <a:noFill/>
+        </p:spPr>
+        <p:txBody>
+          <a:bodyPr wrap="square">
+            <a:spAutoFit/>
+          </a:bodyPr>
+          <a:lstStyle/>
+          <a:p>
+            <a:r>
+              <a:rPr lang="ko-KR" altLang="en-US" sz="1800" b="1" kern="0" spc="0" dirty="0">
+                <a:solidFill>
+                  <a:srgbClr val="000000"/>
+                </a:solidFill>
+                <a:effectLst/>
+                <a:latin typeface="맑은 고딕" panose="020B0503020000020004" pitchFamily="50" charset="-127"/>
+                <a:ea typeface="맑은 고딕" panose="020B0503020000020004" pitchFamily="50" charset="-127"/>
+              </a:rPr>
+              <a:t>③</a:t>
+            </a:r>
+            <a:endParaRPr lang="ko-KR" altLang="en-US" dirty="0"/>
+          </a:p>
+        </p:txBody>
+      </p:sp>
+      <p:sp>
+        <p:nvSpPr>
+          <p:cNvPr id="27" name="TextBox 26">
+            <a:extLst>
+              <a:ext uri="{FF2B5EF4-FFF2-40B4-BE49-F238E27FC236}">
+                <a16:creationId xmlns:a16="http://schemas.microsoft.com/office/drawing/2014/main" id="{EF5F785B-DE09-2D2B-C9B7-37254BFB2CA1}"/>
+              </a:ext>
+            </a:extLst>
+          </p:cNvPr>
+          <p:cNvSpPr txBox="1"/>
+          <p:nvPr/>
+        </p:nvSpPr>
+        <p:spPr>
+          <a:xfrm>
+            <a:off x="5604708" y="3330295"/>
+            <a:ext cx="378171" cy="369332"/>
+          </a:xfrm>
+          <a:prstGeom prst="rect">
+            <a:avLst/>
+          </a:prstGeom>
+          <a:noFill/>
+        </p:spPr>
+        <p:txBody>
+          <a:bodyPr wrap="square">
+            <a:spAutoFit/>
+          </a:bodyPr>
+          <a:lstStyle/>
+          <a:p>
+            <a:r>
+              <a:rPr lang="ko-KR" altLang="en-US" sz="1800" b="1" kern="0" spc="0" dirty="0">
+                <a:solidFill>
+                  <a:srgbClr val="000000"/>
+                </a:solidFill>
+                <a:effectLst/>
+                <a:latin typeface="맑은 고딕" panose="020B0503020000020004" pitchFamily="50" charset="-127"/>
+                <a:ea typeface="맑은 고딕" panose="020B0503020000020004" pitchFamily="50" charset="-127"/>
+              </a:rPr>
+              <a:t>④</a:t>
+            </a:r>
+            <a:endParaRPr lang="ko-KR" altLang="en-US" dirty="0"/>
+          </a:p>
+        </p:txBody>
+      </p:sp>
+      <p:sp>
+        <p:nvSpPr>
+          <p:cNvPr id="35" name="TextBox 34">
+            <a:extLst>
+              <a:ext uri="{FF2B5EF4-FFF2-40B4-BE49-F238E27FC236}">
+                <a16:creationId xmlns:a16="http://schemas.microsoft.com/office/drawing/2014/main" id="{84AACE2B-DB5C-2DCA-55BC-2FAD68FBE16F}"/>
+              </a:ext>
+            </a:extLst>
+          </p:cNvPr>
+          <p:cNvSpPr txBox="1"/>
+          <p:nvPr/>
+        </p:nvSpPr>
+        <p:spPr>
+          <a:xfrm>
+            <a:off x="7994148" y="3333233"/>
+            <a:ext cx="378171" cy="369332"/>
+          </a:xfrm>
+          <a:prstGeom prst="rect">
+            <a:avLst/>
+          </a:prstGeom>
+          <a:noFill/>
+        </p:spPr>
+        <p:txBody>
+          <a:bodyPr wrap="square">
+            <a:spAutoFit/>
+          </a:bodyPr>
+          <a:lstStyle/>
+          <a:p>
+            <a:r>
+              <a:rPr lang="ko-KR" altLang="en-US" sz="1800" b="1" kern="0" spc="0" dirty="0">
+                <a:solidFill>
+                  <a:srgbClr val="000000"/>
+                </a:solidFill>
+                <a:effectLst/>
+                <a:latin typeface="맑은 고딕" panose="020B0503020000020004" pitchFamily="50" charset="-127"/>
+                <a:ea typeface="맑은 고딕" panose="020B0503020000020004" pitchFamily="50" charset="-127"/>
+              </a:rPr>
+              <a:t>④</a:t>
+            </a:r>
+            <a:endParaRPr lang="ko-KR" altLang="en-US" dirty="0"/>
+          </a:p>
+        </p:txBody>
+      </p:sp>
+      <p:sp>
+        <p:nvSpPr>
+          <p:cNvPr id="37" name="TextBox 36">
+            <a:extLst>
+              <a:ext uri="{FF2B5EF4-FFF2-40B4-BE49-F238E27FC236}">
+                <a16:creationId xmlns:a16="http://schemas.microsoft.com/office/drawing/2014/main" id="{0B2A137A-FCD4-A213-9617-B07F00B38C2D}"/>
+              </a:ext>
+            </a:extLst>
+          </p:cNvPr>
+          <p:cNvSpPr txBox="1"/>
+          <p:nvPr/>
+        </p:nvSpPr>
+        <p:spPr>
+          <a:xfrm>
+            <a:off x="5604707" y="1548728"/>
+            <a:ext cx="378171" cy="369332"/>
+          </a:xfrm>
+          <a:prstGeom prst="rect">
+            <a:avLst/>
+          </a:prstGeom>
+          <a:noFill/>
+        </p:spPr>
+        <p:txBody>
+          <a:bodyPr wrap="square">
+            <a:spAutoFit/>
+          </a:bodyPr>
+          <a:lstStyle/>
+          <a:p>
+            <a:r>
+              <a:rPr lang="ko-KR" altLang="en-US" sz="1800" b="1" kern="0" spc="0" dirty="0">
+                <a:solidFill>
+                  <a:srgbClr val="000000"/>
+                </a:solidFill>
+                <a:effectLst/>
+                <a:latin typeface="맑은 고딕" panose="020B0503020000020004" pitchFamily="50" charset="-127"/>
+                <a:ea typeface="맑은 고딕" panose="020B0503020000020004" pitchFamily="50" charset="-127"/>
+              </a:rPr>
+              <a:t>③</a:t>
+            </a:r>
+            <a:endParaRPr lang="ko-KR" altLang="en-US" dirty="0"/>
+          </a:p>
+        </p:txBody>
+      </p:sp>
+      <p:sp>
+        <p:nvSpPr>
+          <p:cNvPr id="39" name="TextBox 38">
+            <a:extLst>
+              <a:ext uri="{FF2B5EF4-FFF2-40B4-BE49-F238E27FC236}">
+                <a16:creationId xmlns:a16="http://schemas.microsoft.com/office/drawing/2014/main" id="{97883D28-1F75-B231-B117-3E8D97BE6307}"/>
+              </a:ext>
+            </a:extLst>
+          </p:cNvPr>
+          <p:cNvSpPr txBox="1"/>
+          <p:nvPr/>
+        </p:nvSpPr>
+        <p:spPr>
+          <a:xfrm>
+            <a:off x="8537107" y="160663"/>
+            <a:ext cx="341721" cy="369332"/>
+          </a:xfrm>
+          <a:prstGeom prst="rect">
+            <a:avLst/>
+          </a:prstGeom>
+          <a:noFill/>
+        </p:spPr>
+        <p:txBody>
+          <a:bodyPr wrap="square">
+            <a:spAutoFit/>
+          </a:bodyPr>
+          <a:lstStyle/>
+          <a:p>
+            <a:r>
+              <a:rPr lang="ko-KR" altLang="en-US" sz="1800" b="1" kern="0" spc="0" dirty="0">
+                <a:solidFill>
+                  <a:srgbClr val="000000"/>
+                </a:solidFill>
+                <a:effectLst/>
+                <a:latin typeface="맑은 고딕" panose="020B0503020000020004" pitchFamily="50" charset="-127"/>
+                <a:ea typeface="맑은 고딕" panose="020B0503020000020004" pitchFamily="50" charset="-127"/>
+              </a:rPr>
+              <a:t>⑤</a:t>
+            </a:r>
+            <a:endParaRPr lang="ko-KR" altLang="en-US" dirty="0"/>
+          </a:p>
+        </p:txBody>
+      </p:sp>
+      <p:sp>
+        <p:nvSpPr>
+          <p:cNvPr id="43" name="TextBox 42">
+            <a:extLst>
+              <a:ext uri="{FF2B5EF4-FFF2-40B4-BE49-F238E27FC236}">
+                <a16:creationId xmlns:a16="http://schemas.microsoft.com/office/drawing/2014/main" id="{B6152774-8CC2-D245-AD09-489F6C5A47D4}"/>
+              </a:ext>
+            </a:extLst>
+          </p:cNvPr>
+          <p:cNvSpPr txBox="1"/>
+          <p:nvPr/>
+        </p:nvSpPr>
+        <p:spPr>
+          <a:xfrm>
+            <a:off x="9086610" y="157004"/>
+            <a:ext cx="341721" cy="369332"/>
+          </a:xfrm>
+          <a:prstGeom prst="rect">
+            <a:avLst/>
+          </a:prstGeom>
+          <a:noFill/>
+        </p:spPr>
+        <p:txBody>
+          <a:bodyPr wrap="square">
+            <a:spAutoFit/>
+          </a:bodyPr>
+          <a:lstStyle/>
+          <a:p>
+            <a:r>
+              <a:rPr lang="ko-KR" altLang="en-US" sz="1800" b="1" kern="0" spc="0" dirty="0">
+                <a:solidFill>
+                  <a:srgbClr val="000000"/>
+                </a:solidFill>
+                <a:effectLst/>
+                <a:latin typeface="맑은 고딕" panose="020B0503020000020004" pitchFamily="50" charset="-127"/>
+                <a:ea typeface="맑은 고딕" panose="020B0503020000020004" pitchFamily="50" charset="-127"/>
+              </a:rPr>
+              <a:t>⑥</a:t>
+            </a:r>
+            <a:endParaRPr lang="ko-KR" altLang="en-US" dirty="0"/>
+          </a:p>
+        </p:txBody>
+      </p:sp>
     </p:spTree>
     <p:extLst>
       <p:ext uri="{BB962C8B-B14F-4D97-AF65-F5344CB8AC3E}">
-        <p14:creationId xmlns:p14="http://schemas.microsoft.com/office/powerpoint/2010/main" val="3752848304"/>
+        <p14:creationId xmlns:p14="http://schemas.microsoft.com/office/powerpoint/2010/main" val="2878993053"/>
       </p:ext>
     </p:extLst>
   </p:cSld>
@@ -16832,7 +17364,7 @@
 </p:sld>
 </file>
 
-<file path=ppt/slides/slide7.xml><?xml version="1.0" encoding="utf-8"?>
+<file path=ppt/slides/slide5.xml><?xml version="1.0" encoding="utf-8"?>
 <p:sld xmlns:a="http://schemas.openxmlformats.org/drawingml/2006/main" xmlns:r="http://schemas.openxmlformats.org/officeDocument/2006/relationships" xmlns:p="http://schemas.openxmlformats.org/presentationml/2006/main">
   <p:cSld>
     <p:spTree>
@@ -16918,8 +17450,8 @@
         </p:nvSpPr>
         <p:spPr>
           <a:xfrm>
-            <a:off x="0" y="4814638"/>
-            <a:ext cx="2743201" cy="2031473"/>
+            <a:off x="2743201" y="4469067"/>
+            <a:ext cx="7162799" cy="2388931"/>
           </a:xfrm>
           <a:prstGeom prst="rect">
             <a:avLst/>
@@ -17176,7 +17708,7 @@
             <a:p>
               <a:r>
                 <a:rPr lang="ko-KR" altLang="en-US" sz="1200" dirty="0"/>
-                <a:t>메인페이지</a:t>
+                <a:t>메인화면</a:t>
               </a:r>
               <a:endParaRPr lang="en-US" altLang="ko-KR" sz="1200" dirty="0"/>
             </a:p>
@@ -17396,7 +17928,7 @@
         </p:nvSpPr>
         <p:spPr>
           <a:xfrm>
-            <a:off x="276834" y="4875588"/>
+            <a:off x="2724761" y="4495614"/>
             <a:ext cx="1005403" cy="338554"/>
           </a:xfrm>
           <a:prstGeom prst="rect">
@@ -17527,8 +18059,8 @@
         </p:nvSpPr>
         <p:spPr>
           <a:xfrm>
-            <a:off x="276834" y="5214142"/>
-            <a:ext cx="1960775" cy="1015663"/>
+            <a:off x="2743201" y="4742801"/>
+            <a:ext cx="7162799" cy="738664"/>
           </a:xfrm>
           <a:prstGeom prst="rect">
             <a:avLst/>
@@ -17549,29 +18081,26 @@
                 <a:effectLst/>
                 <a:latin typeface="+mn-ea"/>
               </a:rPr>
-              <a:t>① </a:t>
+              <a:t>①</a:t>
             </a:r>
             <a:r>
               <a:rPr lang="en-US" altLang="ko-KR" sz="1400" dirty="0">
+                <a:latin typeface="+mn-ea"/>
+              </a:rPr>
+              <a:t>~</a:t>
+            </a:r>
+            <a:r>
+              <a:rPr lang="ko-KR" altLang="en-US" sz="1400" kern="0" dirty="0">
                 <a:solidFill>
-                  <a:schemeClr val="tx1"/>
+                  <a:srgbClr val="000000"/>
                 </a:solidFill>
                 <a:latin typeface="+mn-ea"/>
               </a:rPr>
-              <a:t>index</a:t>
-            </a:r>
-            <a:r>
-              <a:rPr lang="ko-KR" altLang="en-US" sz="1400" dirty="0">
-                <a:solidFill>
-                  <a:schemeClr val="tx1"/>
-                </a:solidFill>
-                <a:latin typeface="+mn-ea"/>
-              </a:rPr>
-              <a:t>로 이동</a:t>
-            </a:r>
-            <a:endParaRPr lang="en-US" altLang="ko-KR" sz="1400" dirty="0">
+              <a:t>④ 동일</a:t>
+            </a:r>
+            <a:endParaRPr lang="en-US" altLang="ko-KR" sz="1400" kern="0" dirty="0">
               <a:solidFill>
-                <a:schemeClr val="tx1"/>
+                <a:srgbClr val="000000"/>
               </a:solidFill>
               <a:latin typeface="+mn-ea"/>
             </a:endParaRPr>
@@ -17583,19 +18112,20 @@
                   <a:srgbClr val="000000"/>
                 </a:solidFill>
                 <a:effectLst/>
-                <a:latin typeface="+mn-ea"/>
+                <a:latin typeface="맑은 고딕" panose="020B0503020000020004" pitchFamily="50" charset="-127"/>
+                <a:ea typeface="맑은 고딕" panose="020B0503020000020004" pitchFamily="50" charset="-127"/>
               </a:rPr>
-              <a:t>② </a:t>
-            </a:r>
-            <a:r>
-              <a:rPr lang="en-US" altLang="ko-KR" sz="1400" kern="0" spc="0" dirty="0">
+              <a:t>⑤ </a:t>
+            </a:r>
+            <a:r>
+              <a:rPr lang="en-US" altLang="ko-KR" sz="1400" kern="0" dirty="0">
                 <a:solidFill>
                   <a:srgbClr val="000000"/>
                 </a:solidFill>
-                <a:effectLst/>
-                <a:latin typeface="+mn-ea"/>
+                <a:latin typeface="맑은 고딕" panose="020B0503020000020004" pitchFamily="50" charset="-127"/>
+                <a:ea typeface="맑은 고딕" panose="020B0503020000020004" pitchFamily="50" charset="-127"/>
               </a:rPr>
-              <a:t>service</a:t>
+              <a:t>index</a:t>
             </a:r>
             <a:r>
               <a:rPr lang="ko-KR" altLang="en-US" sz="1400" kern="0" spc="0" dirty="0">
@@ -17603,7 +18133,8 @@
                   <a:srgbClr val="000000"/>
                 </a:solidFill>
                 <a:effectLst/>
-                <a:latin typeface="+mn-ea"/>
+                <a:latin typeface="맑은 고딕" panose="020B0503020000020004" pitchFamily="50" charset="-127"/>
+                <a:ea typeface="맑은 고딕" panose="020B0503020000020004" pitchFamily="50" charset="-127"/>
               </a:rPr>
               <a:t>로 이동</a:t>
             </a:r>
@@ -17612,7 +18143,8 @@
                 <a:srgbClr val="000000"/>
               </a:solidFill>
               <a:effectLst/>
-              <a:latin typeface="+mn-ea"/>
+              <a:latin typeface="맑은 고딕" panose="020B0503020000020004" pitchFamily="50" charset="-127"/>
+              <a:ea typeface="맑은 고딕" panose="020B0503020000020004" pitchFamily="50" charset="-127"/>
             </a:endParaRPr>
           </a:p>
           <a:p>
@@ -17622,19 +18154,20 @@
                   <a:srgbClr val="000000"/>
                 </a:solidFill>
                 <a:effectLst/>
-                <a:latin typeface="+mn-ea"/>
+                <a:latin typeface="맑은 고딕" panose="020B0503020000020004" pitchFamily="50" charset="-127"/>
+                <a:ea typeface="맑은 고딕" panose="020B0503020000020004" pitchFamily="50" charset="-127"/>
               </a:rPr>
-              <a:t>③ </a:t>
-            </a:r>
-            <a:r>
-              <a:rPr lang="en-US" altLang="ko-KR" sz="1400" kern="0" spc="0" dirty="0">
+              <a:t>⑥ </a:t>
+            </a:r>
+            <a:r>
+              <a:rPr lang="en-US" altLang="ko-KR" sz="1400" kern="0" dirty="0" err="1">
                 <a:solidFill>
                   <a:srgbClr val="000000"/>
                 </a:solidFill>
-                <a:effectLst/>
-                <a:latin typeface="+mn-ea"/>
+                <a:latin typeface="맑은 고딕" panose="020B0503020000020004" pitchFamily="50" charset="-127"/>
+                <a:ea typeface="맑은 고딕" panose="020B0503020000020004" pitchFamily="50" charset="-127"/>
               </a:rPr>
-              <a:t>contact</a:t>
+              <a:t>mypage</a:t>
             </a:r>
             <a:r>
               <a:rPr lang="ko-KR" altLang="en-US" sz="1400" kern="0" spc="0" dirty="0">
@@ -17642,7 +18175,8 @@
                   <a:srgbClr val="000000"/>
                 </a:solidFill>
                 <a:effectLst/>
-                <a:latin typeface="+mn-ea"/>
+                <a:latin typeface="맑은 고딕" panose="020B0503020000020004" pitchFamily="50" charset="-127"/>
+                <a:ea typeface="맑은 고딕" panose="020B0503020000020004" pitchFamily="50" charset="-127"/>
               </a:rPr>
               <a:t>로 이동</a:t>
             </a:r>
@@ -17651,20 +18185,18 @@
                 <a:srgbClr val="000000"/>
               </a:solidFill>
               <a:effectLst/>
-              <a:latin typeface="+mn-ea"/>
+              <a:latin typeface="맑은 고딕" panose="020B0503020000020004" pitchFamily="50" charset="-127"/>
+              <a:ea typeface="맑은 고딕" panose="020B0503020000020004" pitchFamily="50" charset="-127"/>
             </a:endParaRPr>
-          </a:p>
-          <a:p>
-            <a:endParaRPr lang="ko-KR" altLang="en-US" dirty="0"/>
           </a:p>
         </p:txBody>
       </p:sp>
       <p:pic>
         <p:nvPicPr>
-          <p:cNvPr id="3" name="Picture 2">
+          <p:cNvPr id="5" name="Picture 4">
             <a:extLst>
               <a:ext uri="{FF2B5EF4-FFF2-40B4-BE49-F238E27FC236}">
-                <a16:creationId xmlns:a16="http://schemas.microsoft.com/office/drawing/2014/main" id="{EE669A8B-D090-7060-7700-27C8BB6299C6}"/>
+                <a16:creationId xmlns:a16="http://schemas.microsoft.com/office/drawing/2014/main" id="{AB56EF15-D6AB-7B1D-CCB6-BB5E336FFBA0}"/>
               </a:ext>
             </a:extLst>
           </p:cNvPr>
@@ -17681,18 +18213,445 @@
         </p:blipFill>
         <p:spPr>
           <a:xfrm>
-            <a:off x="2743201" y="600923"/>
-            <a:ext cx="7162799" cy="5624047"/>
+            <a:off x="2743201" y="269846"/>
+            <a:ext cx="7162798" cy="4199221"/>
           </a:xfrm>
           <a:prstGeom prst="rect">
             <a:avLst/>
           </a:prstGeom>
         </p:spPr>
       </p:pic>
+      <p:sp>
+        <p:nvSpPr>
+          <p:cNvPr id="8" name="TextBox 7">
+            <a:extLst>
+              <a:ext uri="{FF2B5EF4-FFF2-40B4-BE49-F238E27FC236}">
+                <a16:creationId xmlns:a16="http://schemas.microsoft.com/office/drawing/2014/main" id="{81587F2B-9BF5-15D0-28A4-A0C123F9A669}"/>
+              </a:ext>
+            </a:extLst>
+          </p:cNvPr>
+          <p:cNvSpPr txBox="1"/>
+          <p:nvPr/>
+        </p:nvSpPr>
+        <p:spPr>
+          <a:xfrm>
+            <a:off x="8274378" y="231591"/>
+            <a:ext cx="379429" cy="369332"/>
+          </a:xfrm>
+          <a:prstGeom prst="rect">
+            <a:avLst/>
+          </a:prstGeom>
+          <a:noFill/>
+        </p:spPr>
+        <p:txBody>
+          <a:bodyPr wrap="square">
+            <a:spAutoFit/>
+          </a:bodyPr>
+          <a:lstStyle/>
+          <a:p>
+            <a:r>
+              <a:rPr lang="ko-KR" altLang="en-US" sz="1800" b="1" kern="0" spc="0" dirty="0">
+                <a:solidFill>
+                  <a:srgbClr val="000000"/>
+                </a:solidFill>
+                <a:effectLst/>
+                <a:latin typeface="맑은 고딕" panose="020B0503020000020004" pitchFamily="50" charset="-127"/>
+                <a:ea typeface="맑은 고딕" panose="020B0503020000020004" pitchFamily="50" charset="-127"/>
+              </a:rPr>
+              <a:t>⑤</a:t>
+            </a:r>
+            <a:endParaRPr lang="ko-KR" altLang="en-US" b="1" dirty="0"/>
+          </a:p>
+        </p:txBody>
+      </p:sp>
+      <p:sp>
+        <p:nvSpPr>
+          <p:cNvPr id="20" name="TextBox 19">
+            <a:extLst>
+              <a:ext uri="{FF2B5EF4-FFF2-40B4-BE49-F238E27FC236}">
+                <a16:creationId xmlns:a16="http://schemas.microsoft.com/office/drawing/2014/main" id="{31F8940E-D3BF-10BE-BFFE-E24105A7903B}"/>
+              </a:ext>
+            </a:extLst>
+          </p:cNvPr>
+          <p:cNvSpPr txBox="1"/>
+          <p:nvPr/>
+        </p:nvSpPr>
+        <p:spPr>
+          <a:xfrm>
+            <a:off x="8949083" y="231591"/>
+            <a:ext cx="341721" cy="369332"/>
+          </a:xfrm>
+          <a:prstGeom prst="rect">
+            <a:avLst/>
+          </a:prstGeom>
+          <a:noFill/>
+        </p:spPr>
+        <p:txBody>
+          <a:bodyPr wrap="square">
+            <a:spAutoFit/>
+          </a:bodyPr>
+          <a:lstStyle/>
+          <a:p>
+            <a:r>
+              <a:rPr lang="ko-KR" altLang="en-US" sz="1800" b="1" kern="0" spc="0" dirty="0">
+                <a:solidFill>
+                  <a:srgbClr val="000000"/>
+                </a:solidFill>
+                <a:effectLst/>
+                <a:latin typeface="맑은 고딕" panose="020B0503020000020004" pitchFamily="50" charset="-127"/>
+                <a:ea typeface="맑은 고딕" panose="020B0503020000020004" pitchFamily="50" charset="-127"/>
+              </a:rPr>
+              <a:t>⑥</a:t>
+            </a:r>
+            <a:endParaRPr lang="ko-KR" altLang="en-US" b="1" dirty="0"/>
+          </a:p>
+        </p:txBody>
+      </p:sp>
+      <p:sp>
+        <p:nvSpPr>
+          <p:cNvPr id="24" name="TextBox 23">
+            <a:extLst>
+              <a:ext uri="{FF2B5EF4-FFF2-40B4-BE49-F238E27FC236}">
+                <a16:creationId xmlns:a16="http://schemas.microsoft.com/office/drawing/2014/main" id="{09EDE544-C490-6CB8-47C4-57423C5553A5}"/>
+              </a:ext>
+            </a:extLst>
+          </p:cNvPr>
+          <p:cNvSpPr txBox="1"/>
+          <p:nvPr/>
+        </p:nvSpPr>
+        <p:spPr>
+          <a:xfrm>
+            <a:off x="2709077" y="182859"/>
+            <a:ext cx="341721" cy="369332"/>
+          </a:xfrm>
+          <a:prstGeom prst="rect">
+            <a:avLst/>
+          </a:prstGeom>
+          <a:noFill/>
+        </p:spPr>
+        <p:txBody>
+          <a:bodyPr wrap="square">
+            <a:spAutoFit/>
+          </a:bodyPr>
+          <a:lstStyle/>
+          <a:p>
+            <a:r>
+              <a:rPr lang="ko-KR" altLang="en-US" sz="1800" b="1" kern="0" spc="0" dirty="0">
+                <a:solidFill>
+                  <a:srgbClr val="000000"/>
+                </a:solidFill>
+                <a:effectLst/>
+                <a:latin typeface="+mn-ea"/>
+              </a:rPr>
+              <a:t>①</a:t>
+            </a:r>
+            <a:endParaRPr lang="ko-KR" altLang="en-US" b="1" dirty="0"/>
+          </a:p>
+        </p:txBody>
+      </p:sp>
+      <p:sp>
+        <p:nvSpPr>
+          <p:cNvPr id="36" name="TextBox 35">
+            <a:extLst>
+              <a:ext uri="{FF2B5EF4-FFF2-40B4-BE49-F238E27FC236}">
+                <a16:creationId xmlns:a16="http://schemas.microsoft.com/office/drawing/2014/main" id="{B01F75D1-1DE9-8B1B-E372-6BD67B032BB0}"/>
+              </a:ext>
+            </a:extLst>
+          </p:cNvPr>
+          <p:cNvSpPr txBox="1"/>
+          <p:nvPr/>
+        </p:nvSpPr>
+        <p:spPr>
+          <a:xfrm>
+            <a:off x="4864814" y="182859"/>
+            <a:ext cx="370002" cy="369332"/>
+          </a:xfrm>
+          <a:prstGeom prst="rect">
+            <a:avLst/>
+          </a:prstGeom>
+          <a:noFill/>
+        </p:spPr>
+        <p:txBody>
+          <a:bodyPr wrap="square">
+            <a:spAutoFit/>
+          </a:bodyPr>
+          <a:lstStyle/>
+          <a:p>
+            <a:r>
+              <a:rPr lang="ko-KR" altLang="en-US" sz="1800" b="1" kern="0" spc="0" dirty="0">
+                <a:solidFill>
+                  <a:srgbClr val="000000"/>
+                </a:solidFill>
+                <a:effectLst/>
+                <a:latin typeface="맑은 고딕" panose="020B0503020000020004" pitchFamily="50" charset="-127"/>
+                <a:ea typeface="맑은 고딕" panose="020B0503020000020004" pitchFamily="50" charset="-127"/>
+              </a:rPr>
+              <a:t>②</a:t>
+            </a:r>
+            <a:endParaRPr lang="ko-KR" altLang="en-US" dirty="0"/>
+          </a:p>
+        </p:txBody>
+      </p:sp>
+      <p:sp>
+        <p:nvSpPr>
+          <p:cNvPr id="40" name="TextBox 39">
+            <a:extLst>
+              <a:ext uri="{FF2B5EF4-FFF2-40B4-BE49-F238E27FC236}">
+                <a16:creationId xmlns:a16="http://schemas.microsoft.com/office/drawing/2014/main" id="{C3D4C21D-F043-132D-906C-073ED7F9FDED}"/>
+              </a:ext>
+            </a:extLst>
+          </p:cNvPr>
+          <p:cNvSpPr txBox="1"/>
+          <p:nvPr/>
+        </p:nvSpPr>
+        <p:spPr>
+          <a:xfrm>
+            <a:off x="5939877" y="182859"/>
+            <a:ext cx="341721" cy="369332"/>
+          </a:xfrm>
+          <a:prstGeom prst="rect">
+            <a:avLst/>
+          </a:prstGeom>
+          <a:noFill/>
+        </p:spPr>
+        <p:txBody>
+          <a:bodyPr wrap="square">
+            <a:spAutoFit/>
+          </a:bodyPr>
+          <a:lstStyle/>
+          <a:p>
+            <a:r>
+              <a:rPr lang="ko-KR" altLang="en-US" sz="1800" b="1" kern="0" spc="0" dirty="0">
+                <a:solidFill>
+                  <a:srgbClr val="000000"/>
+                </a:solidFill>
+                <a:effectLst/>
+                <a:latin typeface="맑은 고딕" panose="020B0503020000020004" pitchFamily="50" charset="-127"/>
+                <a:ea typeface="맑은 고딕" panose="020B0503020000020004" pitchFamily="50" charset="-127"/>
+              </a:rPr>
+              <a:t>③</a:t>
+            </a:r>
+            <a:endParaRPr lang="ko-KR" altLang="en-US" dirty="0"/>
+          </a:p>
+        </p:txBody>
+      </p:sp>
+      <p:sp>
+        <p:nvSpPr>
+          <p:cNvPr id="45" name="TextBox 44">
+            <a:extLst>
+              <a:ext uri="{FF2B5EF4-FFF2-40B4-BE49-F238E27FC236}">
+                <a16:creationId xmlns:a16="http://schemas.microsoft.com/office/drawing/2014/main" id="{48EC00B6-7355-595E-F5B7-80045E5C46F2}"/>
+              </a:ext>
+            </a:extLst>
+          </p:cNvPr>
+          <p:cNvSpPr txBox="1"/>
+          <p:nvPr/>
+        </p:nvSpPr>
+        <p:spPr>
+          <a:xfrm>
+            <a:off x="6720674" y="182859"/>
+            <a:ext cx="360575" cy="369332"/>
+          </a:xfrm>
+          <a:prstGeom prst="rect">
+            <a:avLst/>
+          </a:prstGeom>
+          <a:noFill/>
+        </p:spPr>
+        <p:txBody>
+          <a:bodyPr wrap="square">
+            <a:spAutoFit/>
+          </a:bodyPr>
+          <a:lstStyle/>
+          <a:p>
+            <a:r>
+              <a:rPr lang="ko-KR" altLang="en-US" sz="1800" b="1" kern="0" spc="0" dirty="0">
+                <a:solidFill>
+                  <a:srgbClr val="000000"/>
+                </a:solidFill>
+                <a:effectLst/>
+                <a:latin typeface="맑은 고딕" panose="020B0503020000020004" pitchFamily="50" charset="-127"/>
+                <a:ea typeface="맑은 고딕" panose="020B0503020000020004" pitchFamily="50" charset="-127"/>
+              </a:rPr>
+              <a:t>④</a:t>
+            </a:r>
+            <a:endParaRPr lang="ko-KR" altLang="en-US" dirty="0"/>
+          </a:p>
+        </p:txBody>
+      </p:sp>
+      <p:sp>
+        <p:nvSpPr>
+          <p:cNvPr id="52" name="TextBox 51">
+            <a:extLst>
+              <a:ext uri="{FF2B5EF4-FFF2-40B4-BE49-F238E27FC236}">
+                <a16:creationId xmlns:a16="http://schemas.microsoft.com/office/drawing/2014/main" id="{222B1CDB-F339-007E-8E5D-AC58ABF2450B}"/>
+              </a:ext>
+            </a:extLst>
+          </p:cNvPr>
+          <p:cNvSpPr txBox="1"/>
+          <p:nvPr/>
+        </p:nvSpPr>
+        <p:spPr>
+          <a:xfrm>
+            <a:off x="5598156" y="1626176"/>
+            <a:ext cx="341721" cy="369332"/>
+          </a:xfrm>
+          <a:prstGeom prst="rect">
+            <a:avLst/>
+          </a:prstGeom>
+          <a:noFill/>
+        </p:spPr>
+        <p:txBody>
+          <a:bodyPr wrap="square">
+            <a:spAutoFit/>
+          </a:bodyPr>
+          <a:lstStyle/>
+          <a:p>
+            <a:r>
+              <a:rPr lang="ko-KR" altLang="en-US" sz="1800" b="1" kern="0" spc="0" dirty="0">
+                <a:solidFill>
+                  <a:srgbClr val="000000"/>
+                </a:solidFill>
+                <a:effectLst/>
+                <a:latin typeface="+mn-ea"/>
+              </a:rPr>
+              <a:t>③</a:t>
+            </a:r>
+            <a:endParaRPr lang="ko-KR" altLang="en-US" b="1" dirty="0"/>
+          </a:p>
+        </p:txBody>
+      </p:sp>
+      <p:sp>
+        <p:nvSpPr>
+          <p:cNvPr id="54" name="TextBox 53">
+            <a:extLst>
+              <a:ext uri="{FF2B5EF4-FFF2-40B4-BE49-F238E27FC236}">
+                <a16:creationId xmlns:a16="http://schemas.microsoft.com/office/drawing/2014/main" id="{52B27838-CFCE-B1A8-0040-9F978FA9E2C2}"/>
+              </a:ext>
+            </a:extLst>
+          </p:cNvPr>
+          <p:cNvSpPr txBox="1"/>
+          <p:nvPr/>
+        </p:nvSpPr>
+        <p:spPr>
+          <a:xfrm>
+            <a:off x="3248522" y="3452438"/>
+            <a:ext cx="341721" cy="369332"/>
+          </a:xfrm>
+          <a:prstGeom prst="rect">
+            <a:avLst/>
+          </a:prstGeom>
+          <a:noFill/>
+        </p:spPr>
+        <p:txBody>
+          <a:bodyPr wrap="square">
+            <a:spAutoFit/>
+          </a:bodyPr>
+          <a:lstStyle/>
+          <a:p>
+            <a:r>
+              <a:rPr lang="ko-KR" altLang="en-US" sz="1800" b="1" kern="0" spc="0" dirty="0">
+                <a:solidFill>
+                  <a:srgbClr val="000000"/>
+                </a:solidFill>
+                <a:effectLst/>
+                <a:latin typeface="+mn-ea"/>
+              </a:rPr>
+              <a:t>③</a:t>
+            </a:r>
+            <a:endParaRPr lang="ko-KR" altLang="en-US" b="1" dirty="0"/>
+          </a:p>
+        </p:txBody>
+      </p:sp>
+      <p:sp>
+        <p:nvSpPr>
+          <p:cNvPr id="56" name="TextBox 55">
+            <a:extLst>
+              <a:ext uri="{FF2B5EF4-FFF2-40B4-BE49-F238E27FC236}">
+                <a16:creationId xmlns:a16="http://schemas.microsoft.com/office/drawing/2014/main" id="{1BC8BA7D-4881-9223-DFF3-4F19CA46C8B0}"/>
+              </a:ext>
+            </a:extLst>
+          </p:cNvPr>
+          <p:cNvSpPr txBox="1"/>
+          <p:nvPr/>
+        </p:nvSpPr>
+        <p:spPr>
+          <a:xfrm>
+            <a:off x="5559357" y="3454906"/>
+            <a:ext cx="341721" cy="369332"/>
+          </a:xfrm>
+          <a:prstGeom prst="rect">
+            <a:avLst/>
+          </a:prstGeom>
+          <a:noFill/>
+        </p:spPr>
+        <p:txBody>
+          <a:bodyPr wrap="square">
+            <a:spAutoFit/>
+          </a:bodyPr>
+          <a:lstStyle/>
+          <a:p>
+            <a:r>
+              <a:rPr lang="ko-KR" altLang="en-US" sz="1800" b="1" kern="0" spc="0">
+                <a:solidFill>
+                  <a:srgbClr val="000000"/>
+                </a:solidFill>
+                <a:effectLst/>
+                <a:latin typeface="맑은 고딕" panose="020B0503020000020004" pitchFamily="50" charset="-127"/>
+                <a:ea typeface="맑은 고딕" panose="020B0503020000020004" pitchFamily="50" charset="-127"/>
+              </a:rPr>
+              <a:t>④</a:t>
+            </a:r>
+            <a:endParaRPr lang="ko-KR" altLang="en-US" dirty="0"/>
+          </a:p>
+        </p:txBody>
+      </p:sp>
+      <p:sp>
+        <p:nvSpPr>
+          <p:cNvPr id="58" name="TextBox 57">
+            <a:extLst>
+              <a:ext uri="{FF2B5EF4-FFF2-40B4-BE49-F238E27FC236}">
+                <a16:creationId xmlns:a16="http://schemas.microsoft.com/office/drawing/2014/main" id="{2ED0B496-825D-4AA6-6F57-95452EAEE3EE}"/>
+              </a:ext>
+            </a:extLst>
+          </p:cNvPr>
+          <p:cNvSpPr txBox="1"/>
+          <p:nvPr/>
+        </p:nvSpPr>
+        <p:spPr>
+          <a:xfrm>
+            <a:off x="8019854" y="3445479"/>
+            <a:ext cx="341721" cy="369332"/>
+          </a:xfrm>
+          <a:prstGeom prst="rect">
+            <a:avLst/>
+          </a:prstGeom>
+          <a:noFill/>
+        </p:spPr>
+        <p:txBody>
+          <a:bodyPr wrap="square">
+            <a:spAutoFit/>
+          </a:bodyPr>
+          <a:lstStyle/>
+          <a:p>
+            <a:r>
+              <a:rPr lang="ko-KR" altLang="en-US" sz="1800" b="1" kern="0" spc="0" dirty="0">
+                <a:solidFill>
+                  <a:srgbClr val="000000"/>
+                </a:solidFill>
+                <a:effectLst/>
+                <a:latin typeface="맑은 고딕" panose="020B0503020000020004" pitchFamily="50" charset="-127"/>
+                <a:ea typeface="맑은 고딕" panose="020B0503020000020004" pitchFamily="50" charset="-127"/>
+              </a:rPr>
+              <a:t>④</a:t>
+            </a:r>
+            <a:endParaRPr lang="ko-KR" altLang="en-US" dirty="0"/>
+          </a:p>
+        </p:txBody>
+      </p:sp>
     </p:spTree>
     <p:extLst>
       <p:ext uri="{BB962C8B-B14F-4D97-AF65-F5344CB8AC3E}">
-        <p14:creationId xmlns:p14="http://schemas.microsoft.com/office/powerpoint/2010/main" val="2244264224"/>
+        <p14:creationId xmlns:p14="http://schemas.microsoft.com/office/powerpoint/2010/main" val="1094784313"/>
       </p:ext>
     </p:extLst>
   </p:cSld>
@@ -17702,7 +18661,7 @@
 </p:sld>
 </file>
 
-<file path=ppt/slides/slide8.xml><?xml version="1.0" encoding="utf-8"?>
+<file path=ppt/slides/slide6.xml><?xml version="1.0" encoding="utf-8"?>
 <p:sld xmlns:a="http://schemas.openxmlformats.org/drawingml/2006/main" xmlns:r="http://schemas.openxmlformats.org/officeDocument/2006/relationships" xmlns:p="http://schemas.openxmlformats.org/presentationml/2006/main">
   <p:cSld>
     <p:spTree>
@@ -17719,6 +18678,36 @@
           <a:chExt cx="0" cy="0"/>
         </a:xfrm>
       </p:grpSpPr>
+      <p:pic>
+        <p:nvPicPr>
+          <p:cNvPr id="24" name="Picture 23">
+            <a:extLst>
+              <a:ext uri="{FF2B5EF4-FFF2-40B4-BE49-F238E27FC236}">
+                <a16:creationId xmlns:a16="http://schemas.microsoft.com/office/drawing/2014/main" id="{51774087-E200-9A23-5A5D-70276F333D6C}"/>
+              </a:ext>
+            </a:extLst>
+          </p:cNvPr>
+          <p:cNvPicPr>
+            <a:picLocks noChangeAspect="1"/>
+          </p:cNvPicPr>
+          <p:nvPr/>
+        </p:nvPicPr>
+        <p:blipFill>
+          <a:blip r:embed="rId3"/>
+          <a:stretch>
+            <a:fillRect/>
+          </a:stretch>
+        </p:blipFill>
+        <p:spPr>
+          <a:xfrm>
+            <a:off x="2737130" y="269846"/>
+            <a:ext cx="7162799" cy="4199222"/>
+          </a:xfrm>
+          <a:prstGeom prst="rect">
+            <a:avLst/>
+          </a:prstGeom>
+        </p:spPr>
+      </p:pic>
       <p:sp>
         <p:nvSpPr>
           <p:cNvPr id="4" name="직사각형 3">
@@ -17788,8 +18777,8 @@
         </p:nvSpPr>
         <p:spPr>
           <a:xfrm>
-            <a:off x="0" y="4814638"/>
-            <a:ext cx="2743201" cy="2031473"/>
+            <a:off x="2743201" y="4469067"/>
+            <a:ext cx="7162799" cy="2388931"/>
           </a:xfrm>
           <a:prstGeom prst="rect">
             <a:avLst/>
@@ -18046,7 +19035,7 @@
             <a:p>
               <a:r>
                 <a:rPr lang="ko-KR" altLang="en-US" sz="1200" dirty="0"/>
-                <a:t>검색</a:t>
+                <a:t>회원가입</a:t>
               </a:r>
               <a:endParaRPr lang="en-US" altLang="ko-KR" sz="1200" dirty="0"/>
             </a:p>
@@ -18141,9 +19130,10 @@
             <a:lstStyle/>
             <a:p>
               <a:r>
-                <a:rPr lang="en-US" altLang="ko-KR" sz="1200" dirty="0"/>
-                <a:t>search</a:t>
+                <a:rPr lang="en-US" altLang="ko-KR" sz="1200" dirty="0" err="1"/>
+                <a:t>sign_up</a:t>
               </a:r>
+              <a:endParaRPr lang="en-US" altLang="ko-KR" sz="1200" dirty="0"/>
             </a:p>
           </p:txBody>
         </p:sp>
@@ -18266,7 +19256,7 @@
         </p:nvSpPr>
         <p:spPr>
           <a:xfrm>
-            <a:off x="276834" y="4875588"/>
+            <a:off x="2724761" y="4495614"/>
             <a:ext cx="1005403" cy="338554"/>
           </a:xfrm>
           <a:prstGeom prst="rect">
@@ -18397,8 +19387,8 @@
         </p:nvSpPr>
         <p:spPr>
           <a:xfrm>
-            <a:off x="276834" y="5214142"/>
-            <a:ext cx="1960775" cy="1015663"/>
+            <a:off x="2743201" y="4742801"/>
+            <a:ext cx="7162799" cy="1169551"/>
           </a:xfrm>
           <a:prstGeom prst="rect">
             <a:avLst/>
@@ -18419,30 +19409,13 @@
                 <a:effectLst/>
                 <a:latin typeface="+mn-ea"/>
               </a:rPr>
-              <a:t>① </a:t>
-            </a:r>
-            <a:r>
-              <a:rPr lang="en-US" altLang="ko-KR" sz="1400" dirty="0">
-                <a:solidFill>
-                  <a:schemeClr val="tx1"/>
-                </a:solidFill>
-                <a:latin typeface="+mn-ea"/>
-              </a:rPr>
-              <a:t>index</a:t>
-            </a:r>
-            <a:r>
-              <a:rPr lang="ko-KR" altLang="en-US" sz="1400" dirty="0">
-                <a:solidFill>
-                  <a:schemeClr val="tx1"/>
-                </a:solidFill>
-                <a:latin typeface="+mn-ea"/>
-              </a:rPr>
-              <a:t>로 이동</a:t>
-            </a:r>
-            <a:endParaRPr lang="en-US" altLang="ko-KR" sz="1400" dirty="0">
+              <a:t>① 모든 체크란에 체크표시</a:t>
+            </a:r>
+            <a:endParaRPr lang="en-US" altLang="ko-KR" sz="1400" kern="0" spc="0" dirty="0">
               <a:solidFill>
-                <a:schemeClr val="tx1"/>
+                <a:srgbClr val="000000"/>
               </a:solidFill>
+              <a:effectLst/>
               <a:latin typeface="+mn-ea"/>
             </a:endParaRPr>
           </a:p>
@@ -18465,7 +19438,7 @@
                 <a:effectLst/>
                 <a:latin typeface="+mn-ea"/>
               </a:rPr>
-              <a:t>service</a:t>
+              <a:t>index</a:t>
             </a:r>
             <a:r>
               <a:rPr lang="ko-KR" altLang="en-US" sz="1400" kern="0" spc="0" dirty="0">
@@ -18504,7 +19477,7 @@
                 <a:effectLst/>
                 <a:latin typeface="+mn-ea"/>
               </a:rPr>
-              <a:t>contact</a:t>
+              <a:t>login</a:t>
             </a:r>
             <a:r>
               <a:rPr lang="ko-KR" altLang="en-US" sz="1400" kern="0" spc="0" dirty="0">
@@ -18514,7 +19487,7 @@
                 <a:effectLst/>
                 <a:latin typeface="+mn-ea"/>
               </a:rPr>
-              <a:t>로 이동</a:t>
+              <a:t>으로 이동</a:t>
             </a:r>
             <a:endParaRPr lang="en-US" altLang="ko-KR" sz="1400" kern="0" spc="0" dirty="0">
               <a:solidFill>
@@ -18525,43 +19498,320 @@
             </a:endParaRPr>
           </a:p>
           <a:p>
-            <a:endParaRPr lang="ko-KR" altLang="en-US" dirty="0"/>
+            <a:r>
+              <a:rPr lang="ko-KR" altLang="en-US" sz="1400" kern="0" dirty="0">
+                <a:solidFill>
+                  <a:srgbClr val="000000"/>
+                </a:solidFill>
+                <a:latin typeface="+mn-ea"/>
+              </a:rPr>
+              <a:t>④ </a:t>
+            </a:r>
+            <a:r>
+              <a:rPr lang="en-US" altLang="ko-KR" sz="1400" kern="0" dirty="0">
+                <a:solidFill>
+                  <a:srgbClr val="000000"/>
+                </a:solidFill>
+                <a:latin typeface="+mn-ea"/>
+              </a:rPr>
+              <a:t>index</a:t>
+            </a:r>
+            <a:r>
+              <a:rPr lang="ko-KR" altLang="en-US" sz="1400" kern="0" dirty="0">
+                <a:solidFill>
+                  <a:srgbClr val="000000"/>
+                </a:solidFill>
+                <a:latin typeface="+mn-ea"/>
+              </a:rPr>
+              <a:t>로 이동</a:t>
+            </a:r>
+            <a:endParaRPr lang="en-US" altLang="ko-KR" sz="1400" kern="0" dirty="0">
+              <a:solidFill>
+                <a:srgbClr val="000000"/>
+              </a:solidFill>
+              <a:latin typeface="+mn-ea"/>
+            </a:endParaRPr>
+          </a:p>
+          <a:p>
+            <a:r>
+              <a:rPr lang="ko-KR" altLang="en-US" sz="1400" kern="0" spc="0" dirty="0">
+                <a:solidFill>
+                  <a:srgbClr val="000000"/>
+                </a:solidFill>
+                <a:effectLst/>
+                <a:latin typeface="맑은 고딕" panose="020B0503020000020004" pitchFamily="50" charset="-127"/>
+                <a:ea typeface="맑은 고딕" panose="020B0503020000020004" pitchFamily="50" charset="-127"/>
+              </a:rPr>
+              <a:t>⑤ 해당 약관 보여주기</a:t>
+            </a:r>
+            <a:endParaRPr lang="en-US" altLang="ko-KR" sz="1400" kern="0" spc="0" dirty="0">
+              <a:solidFill>
+                <a:srgbClr val="000000"/>
+              </a:solidFill>
+              <a:effectLst/>
+              <a:latin typeface="맑은 고딕" panose="020B0503020000020004" pitchFamily="50" charset="-127"/>
+              <a:ea typeface="맑은 고딕" panose="020B0503020000020004" pitchFamily="50" charset="-127"/>
+            </a:endParaRPr>
           </a:p>
         </p:txBody>
       </p:sp>
-      <p:pic>
-        <p:nvPicPr>
-          <p:cNvPr id="7" name="Picture 6">
+      <p:sp>
+        <p:nvSpPr>
+          <p:cNvPr id="7" name="TextBox 6">
             <a:extLst>
               <a:ext uri="{FF2B5EF4-FFF2-40B4-BE49-F238E27FC236}">
-                <a16:creationId xmlns:a16="http://schemas.microsoft.com/office/drawing/2014/main" id="{5EB03374-FEF8-B746-FDAB-515B86DC077A}"/>
+                <a16:creationId xmlns:a16="http://schemas.microsoft.com/office/drawing/2014/main" id="{0599497D-80C9-D3BF-0B80-FBF0D9DF8193}"/>
               </a:ext>
             </a:extLst>
           </p:cNvPr>
-          <p:cNvPicPr>
-            <a:picLocks noChangeAspect="1"/>
-          </p:cNvPicPr>
+          <p:cNvSpPr txBox="1"/>
           <p:nvPr/>
-        </p:nvPicPr>
-        <p:blipFill rotWithShape="1">
-          <a:blip r:embed="rId3"/>
-          <a:srcRect t="972"/>
-          <a:stretch/>
-        </p:blipFill>
+        </p:nvSpPr>
         <p:spPr>
           <a:xfrm>
-            <a:off x="2743201" y="678729"/>
-            <a:ext cx="7162799" cy="5576911"/>
+            <a:off x="5019220" y="2000125"/>
+            <a:ext cx="351148" cy="369332"/>
           </a:xfrm>
           <a:prstGeom prst="rect">
             <a:avLst/>
           </a:prstGeom>
+          <a:noFill/>
         </p:spPr>
-      </p:pic>
+        <p:txBody>
+          <a:bodyPr wrap="square">
+            <a:spAutoFit/>
+          </a:bodyPr>
+          <a:lstStyle/>
+          <a:p>
+            <a:r>
+              <a:rPr lang="ko-KR" altLang="en-US" sz="1800" b="1" kern="0" spc="0" dirty="0">
+                <a:solidFill>
+                  <a:srgbClr val="000000"/>
+                </a:solidFill>
+                <a:effectLst/>
+                <a:latin typeface="+mn-ea"/>
+              </a:rPr>
+              <a:t>①</a:t>
+            </a:r>
+            <a:endParaRPr lang="ko-KR" altLang="en-US" b="1" dirty="0"/>
+          </a:p>
+        </p:txBody>
+      </p:sp>
+      <p:sp>
+        <p:nvSpPr>
+          <p:cNvPr id="20" name="TextBox 19">
+            <a:extLst>
+              <a:ext uri="{FF2B5EF4-FFF2-40B4-BE49-F238E27FC236}">
+                <a16:creationId xmlns:a16="http://schemas.microsoft.com/office/drawing/2014/main" id="{5E533298-2B56-FA1B-A7F6-F9923158C527}"/>
+              </a:ext>
+            </a:extLst>
+          </p:cNvPr>
+          <p:cNvSpPr txBox="1"/>
+          <p:nvPr/>
+        </p:nvSpPr>
+        <p:spPr>
+          <a:xfrm>
+            <a:off x="5783737" y="2747020"/>
+            <a:ext cx="360575" cy="369332"/>
+          </a:xfrm>
+          <a:prstGeom prst="rect">
+            <a:avLst/>
+          </a:prstGeom>
+          <a:noFill/>
+        </p:spPr>
+        <p:txBody>
+          <a:bodyPr wrap="square">
+            <a:spAutoFit/>
+          </a:bodyPr>
+          <a:lstStyle/>
+          <a:p>
+            <a:r>
+              <a:rPr lang="ko-KR" altLang="en-US" sz="1800" b="1" kern="0" spc="0" dirty="0">
+                <a:solidFill>
+                  <a:srgbClr val="000000"/>
+                </a:solidFill>
+                <a:effectLst/>
+                <a:latin typeface="+mn-ea"/>
+              </a:rPr>
+              <a:t>②</a:t>
+            </a:r>
+            <a:endParaRPr lang="ko-KR" altLang="en-US" b="1" dirty="0"/>
+          </a:p>
+        </p:txBody>
+      </p:sp>
+      <p:sp>
+        <p:nvSpPr>
+          <p:cNvPr id="22" name="TextBox 21">
+            <a:extLst>
+              <a:ext uri="{FF2B5EF4-FFF2-40B4-BE49-F238E27FC236}">
+                <a16:creationId xmlns:a16="http://schemas.microsoft.com/office/drawing/2014/main" id="{17647AD3-3AEC-961A-1F76-80240A422006}"/>
+              </a:ext>
+            </a:extLst>
+          </p:cNvPr>
+          <p:cNvSpPr txBox="1"/>
+          <p:nvPr/>
+        </p:nvSpPr>
+        <p:spPr>
+          <a:xfrm>
+            <a:off x="5783735" y="3038440"/>
+            <a:ext cx="332295" cy="369332"/>
+          </a:xfrm>
+          <a:prstGeom prst="rect">
+            <a:avLst/>
+          </a:prstGeom>
+          <a:noFill/>
+        </p:spPr>
+        <p:txBody>
+          <a:bodyPr wrap="square">
+            <a:spAutoFit/>
+          </a:bodyPr>
+          <a:lstStyle/>
+          <a:p>
+            <a:r>
+              <a:rPr lang="ko-KR" altLang="en-US" sz="1800" b="1" kern="0" spc="0" dirty="0">
+                <a:solidFill>
+                  <a:srgbClr val="000000"/>
+                </a:solidFill>
+                <a:effectLst/>
+                <a:latin typeface="+mn-ea"/>
+              </a:rPr>
+              <a:t>③</a:t>
+            </a:r>
+            <a:endParaRPr lang="ko-KR" altLang="en-US" b="1" dirty="0"/>
+          </a:p>
+        </p:txBody>
+      </p:sp>
+      <p:sp>
+        <p:nvSpPr>
+          <p:cNvPr id="26" name="TextBox 25">
+            <a:extLst>
+              <a:ext uri="{FF2B5EF4-FFF2-40B4-BE49-F238E27FC236}">
+                <a16:creationId xmlns:a16="http://schemas.microsoft.com/office/drawing/2014/main" id="{49302E5F-3F3A-F367-86B6-E01238583AA9}"/>
+              </a:ext>
+            </a:extLst>
+          </p:cNvPr>
+          <p:cNvSpPr txBox="1"/>
+          <p:nvPr/>
+        </p:nvSpPr>
+        <p:spPr>
+          <a:xfrm>
+            <a:off x="5018907" y="3338755"/>
+            <a:ext cx="332295" cy="369332"/>
+          </a:xfrm>
+          <a:prstGeom prst="rect">
+            <a:avLst/>
+          </a:prstGeom>
+          <a:noFill/>
+        </p:spPr>
+        <p:txBody>
+          <a:bodyPr wrap="square">
+            <a:spAutoFit/>
+          </a:bodyPr>
+          <a:lstStyle/>
+          <a:p>
+            <a:r>
+              <a:rPr lang="ko-KR" altLang="en-US" sz="1800" b="1" kern="0" dirty="0">
+                <a:solidFill>
+                  <a:srgbClr val="000000"/>
+                </a:solidFill>
+                <a:latin typeface="+mn-ea"/>
+              </a:rPr>
+              <a:t>④</a:t>
+            </a:r>
+            <a:endParaRPr lang="ko-KR" altLang="en-US" b="1" dirty="0"/>
+          </a:p>
+        </p:txBody>
+      </p:sp>
+      <p:sp>
+        <p:nvSpPr>
+          <p:cNvPr id="35" name="TextBox 34">
+            <a:extLst>
+              <a:ext uri="{FF2B5EF4-FFF2-40B4-BE49-F238E27FC236}">
+                <a16:creationId xmlns:a16="http://schemas.microsoft.com/office/drawing/2014/main" id="{50F729FC-E75C-A22E-86F1-12377F4658FF}"/>
+              </a:ext>
+            </a:extLst>
+          </p:cNvPr>
+          <p:cNvSpPr txBox="1"/>
+          <p:nvPr/>
+        </p:nvSpPr>
+        <p:spPr>
+          <a:xfrm>
+            <a:off x="6828660" y="2281734"/>
+            <a:ext cx="403565" cy="369332"/>
+          </a:xfrm>
+          <a:prstGeom prst="rect">
+            <a:avLst/>
+          </a:prstGeom>
+          <a:noFill/>
+        </p:spPr>
+        <p:txBody>
+          <a:bodyPr wrap="square">
+            <a:spAutoFit/>
+          </a:bodyPr>
+          <a:lstStyle/>
+          <a:p>
+            <a:r>
+              <a:rPr lang="ko-KR" altLang="en-US" sz="1800" b="1" kern="0" spc="0" dirty="0">
+                <a:solidFill>
+                  <a:srgbClr val="000000"/>
+                </a:solidFill>
+                <a:effectLst/>
+                <a:latin typeface="맑은 고딕" panose="020B0503020000020004" pitchFamily="50" charset="-127"/>
+                <a:ea typeface="맑은 고딕" panose="020B0503020000020004" pitchFamily="50" charset="-127"/>
+              </a:rPr>
+              <a:t>⑤</a:t>
+            </a:r>
+            <a:endParaRPr lang="ko-KR" altLang="en-US" b="1" dirty="0"/>
+          </a:p>
+        </p:txBody>
+      </p:sp>
+      <p:sp>
+        <p:nvSpPr>
+          <p:cNvPr id="37" name="TextBox 36">
+            <a:extLst>
+              <a:ext uri="{FF2B5EF4-FFF2-40B4-BE49-F238E27FC236}">
+                <a16:creationId xmlns:a16="http://schemas.microsoft.com/office/drawing/2014/main" id="{50FD2B98-866C-6EDA-1F22-E649C070CFC8}"/>
+              </a:ext>
+            </a:extLst>
+          </p:cNvPr>
+          <p:cNvSpPr txBox="1"/>
+          <p:nvPr/>
+        </p:nvSpPr>
+        <p:spPr>
+          <a:xfrm>
+            <a:off x="6822589" y="2418601"/>
+            <a:ext cx="332295" cy="369332"/>
+          </a:xfrm>
+          <a:prstGeom prst="rect">
+            <a:avLst/>
+          </a:prstGeom>
+          <a:noFill/>
+        </p:spPr>
+        <p:txBody>
+          <a:bodyPr wrap="square">
+            <a:spAutoFit/>
+          </a:bodyPr>
+          <a:lstStyle/>
+          <a:p>
+            <a:r>
+              <a:rPr lang="ko-KR" altLang="en-US" sz="1800" b="1" kern="0" spc="0" dirty="0">
+                <a:solidFill>
+                  <a:srgbClr val="000000"/>
+                </a:solidFill>
+                <a:effectLst/>
+                <a:latin typeface="맑은 고딕" panose="020B0503020000020004" pitchFamily="50" charset="-127"/>
+                <a:ea typeface="맑은 고딕" panose="020B0503020000020004" pitchFamily="50" charset="-127"/>
+              </a:rPr>
+              <a:t>⑤</a:t>
+            </a:r>
+            <a:endParaRPr lang="ko-KR" altLang="en-US" b="1" dirty="0"/>
+          </a:p>
+        </p:txBody>
+      </p:sp>
     </p:spTree>
     <p:extLst>
       <p:ext uri="{BB962C8B-B14F-4D97-AF65-F5344CB8AC3E}">
-        <p14:creationId xmlns:p14="http://schemas.microsoft.com/office/powerpoint/2010/main" val="4168133933"/>
+        <p14:creationId xmlns:p14="http://schemas.microsoft.com/office/powerpoint/2010/main" val="3210632958"/>
       </p:ext>
     </p:extLst>
   </p:cSld>
@@ -18571,7 +19821,7 @@
 </p:sld>
 </file>
 
-<file path=ppt/slides/slide9.xml><?xml version="1.0" encoding="utf-8"?>
+<file path=ppt/slides/slide7.xml><?xml version="1.0" encoding="utf-8"?>
 <p:sld xmlns:a="http://schemas.openxmlformats.org/drawingml/2006/main" xmlns:r="http://schemas.openxmlformats.org/officeDocument/2006/relationships" xmlns:p="http://schemas.openxmlformats.org/presentationml/2006/main">
   <p:cSld>
     <p:spTree>
@@ -18588,6 +19838,36 @@
           <a:chExt cx="0" cy="0"/>
         </a:xfrm>
       </p:grpSpPr>
+      <p:pic>
+        <p:nvPicPr>
+          <p:cNvPr id="35" name="Picture 34">
+            <a:extLst>
+              <a:ext uri="{FF2B5EF4-FFF2-40B4-BE49-F238E27FC236}">
+                <a16:creationId xmlns:a16="http://schemas.microsoft.com/office/drawing/2014/main" id="{81464BD4-DFD0-59AF-43C6-006DA9771E59}"/>
+              </a:ext>
+            </a:extLst>
+          </p:cNvPr>
+          <p:cNvPicPr>
+            <a:picLocks noChangeAspect="1"/>
+          </p:cNvPicPr>
+          <p:nvPr/>
+        </p:nvPicPr>
+        <p:blipFill>
+          <a:blip r:embed="rId3"/>
+          <a:stretch>
+            <a:fillRect/>
+          </a:stretch>
+        </p:blipFill>
+        <p:spPr>
+          <a:xfrm>
+            <a:off x="2743202" y="270934"/>
+            <a:ext cx="7162798" cy="4198134"/>
+          </a:xfrm>
+          <a:prstGeom prst="rect">
+            <a:avLst/>
+          </a:prstGeom>
+        </p:spPr>
+      </p:pic>
       <p:sp>
         <p:nvSpPr>
           <p:cNvPr id="4" name="직사각형 3">
@@ -18657,8 +19937,8 @@
         </p:nvSpPr>
         <p:spPr>
           <a:xfrm>
-            <a:off x="0" y="4814638"/>
-            <a:ext cx="2743201" cy="2031473"/>
+            <a:off x="2743201" y="4469067"/>
+            <a:ext cx="7162799" cy="2388931"/>
           </a:xfrm>
           <a:prstGeom prst="rect">
             <a:avLst/>
@@ -18915,7 +20195,7 @@
             <a:p>
               <a:r>
                 <a:rPr lang="ko-KR" altLang="en-US" sz="1200" dirty="0"/>
-                <a:t>검색 결과</a:t>
+                <a:t>로그인</a:t>
               </a:r>
               <a:endParaRPr lang="en-US" altLang="ko-KR" sz="1200" dirty="0"/>
             </a:p>
@@ -19011,7 +20291,7 @@
             <a:p>
               <a:r>
                 <a:rPr lang="en-US" altLang="ko-KR" sz="1200" dirty="0"/>
-                <a:t>result</a:t>
+                <a:t>login</a:t>
               </a:r>
             </a:p>
           </p:txBody>
@@ -19135,7 +20415,7 @@
         </p:nvSpPr>
         <p:spPr>
           <a:xfrm>
-            <a:off x="276834" y="4875588"/>
+            <a:off x="2724761" y="4495614"/>
             <a:ext cx="1005403" cy="338554"/>
           </a:xfrm>
           <a:prstGeom prst="rect">
@@ -19266,8 +20546,8 @@
         </p:nvSpPr>
         <p:spPr>
           <a:xfrm>
-            <a:off x="276834" y="5214142"/>
-            <a:ext cx="1960775" cy="1015663"/>
+            <a:off x="2743201" y="4742801"/>
+            <a:ext cx="7162799" cy="1169551"/>
           </a:xfrm>
           <a:prstGeom prst="rect">
             <a:avLst/>
@@ -19288,16 +20568,46 @@
                 <a:effectLst/>
                 <a:latin typeface="+mn-ea"/>
               </a:rPr>
-              <a:t>① </a:t>
-            </a:r>
-            <a:r>
-              <a:rPr lang="en-US" altLang="ko-KR" sz="1400" dirty="0">
+              <a:t>① 이후에 </a:t>
+            </a:r>
+            <a:r>
+              <a:rPr lang="ko-KR" altLang="en-US" sz="1400" kern="0" dirty="0">
                 <a:solidFill>
-                  <a:schemeClr val="tx1"/>
+                  <a:srgbClr val="000000"/>
                 </a:solidFill>
                 <a:latin typeface="+mn-ea"/>
               </a:rPr>
-              <a:t>index</a:t>
+              <a:t>페이지 접속시 </a:t>
+            </a:r>
+            <a:r>
+              <a:rPr lang="ko-KR" altLang="en-US" sz="1400" kern="0" spc="0" dirty="0">
+                <a:solidFill>
+                  <a:srgbClr val="000000"/>
+                </a:solidFill>
+                <a:effectLst/>
+                <a:latin typeface="+mn-ea"/>
+              </a:rPr>
+              <a:t>자동으로 </a:t>
+            </a:r>
+            <a:r>
+              <a:rPr lang="en-US" altLang="ko-KR" sz="1400" kern="0" spc="0" dirty="0">
+                <a:solidFill>
+                  <a:srgbClr val="000000"/>
+                </a:solidFill>
+                <a:effectLst/>
+                <a:latin typeface="+mn-ea"/>
+              </a:rPr>
+              <a:t>main</a:t>
+            </a:r>
+            <a:r>
+              <a:rPr lang="ko-KR" altLang="en-US" sz="1400" kern="0" spc="0" dirty="0">
+                <a:solidFill>
+                  <a:srgbClr val="000000"/>
+                </a:solidFill>
+                <a:effectLst/>
+                <a:latin typeface="+mn-ea"/>
+              </a:rPr>
+              <a:t>으로 </a:t>
             </a:r>
             <a:r>
               <a:rPr lang="ko-KR" altLang="en-US" sz="1400" dirty="0">
@@ -19306,7 +20616,7 @@
                 </a:solidFill>
                 <a:latin typeface="+mn-ea"/>
               </a:rPr>
-              <a:t>로 이동</a:t>
+              <a:t>이동</a:t>
             </a:r>
             <a:endParaRPr lang="en-US" altLang="ko-KR" sz="1400" dirty="0">
               <a:solidFill>
@@ -19327,14 +20637,14 @@
               <a:t>② </a:t>
             </a:r>
             <a:r>
-              <a:rPr lang="en-US" altLang="ko-KR" sz="1400" kern="0" spc="0" dirty="0">
+              <a:rPr lang="en-US" altLang="ko-KR" sz="1400" kern="0" spc="0" dirty="0" err="1">
                 <a:solidFill>
                   <a:srgbClr val="000000"/>
                 </a:solidFill>
                 <a:effectLst/>
                 <a:latin typeface="+mn-ea"/>
               </a:rPr>
-              <a:t>service</a:t>
+              <a:t>find_pw</a:t>
             </a:r>
             <a:r>
               <a:rPr lang="ko-KR" altLang="en-US" sz="1400" kern="0" spc="0" dirty="0">
@@ -19373,7 +20683,1127 @@
                 <a:effectLst/>
                 <a:latin typeface="+mn-ea"/>
               </a:rPr>
-              <a:t>contact</a:t>
+              <a:t>main</a:t>
+            </a:r>
+            <a:r>
+              <a:rPr lang="ko-KR" altLang="en-US" sz="1400" kern="0" spc="0" dirty="0">
+                <a:solidFill>
+                  <a:srgbClr val="000000"/>
+                </a:solidFill>
+                <a:effectLst/>
+                <a:latin typeface="+mn-ea"/>
+              </a:rPr>
+              <a:t>으로 이동</a:t>
+            </a:r>
+            <a:endParaRPr lang="en-US" altLang="ko-KR" sz="1400" kern="0" spc="0" dirty="0">
+              <a:solidFill>
+                <a:srgbClr val="000000"/>
+              </a:solidFill>
+              <a:effectLst/>
+              <a:latin typeface="+mn-ea"/>
+            </a:endParaRPr>
+          </a:p>
+          <a:p>
+            <a:r>
+              <a:rPr lang="ko-KR" altLang="en-US" sz="1400" kern="0" dirty="0">
+                <a:solidFill>
+                  <a:srgbClr val="000000"/>
+                </a:solidFill>
+                <a:latin typeface="+mn-ea"/>
+              </a:rPr>
+              <a:t>④ </a:t>
+            </a:r>
+            <a:r>
+              <a:rPr lang="en-US" altLang="ko-KR" sz="1400" kern="0" dirty="0" err="1">
+                <a:solidFill>
+                  <a:srgbClr val="000000"/>
+                </a:solidFill>
+                <a:latin typeface="+mn-ea"/>
+              </a:rPr>
+              <a:t>sign_up</a:t>
+            </a:r>
+            <a:r>
+              <a:rPr lang="ko-KR" altLang="en-US" sz="1400" kern="0" dirty="0">
+                <a:solidFill>
+                  <a:srgbClr val="000000"/>
+                </a:solidFill>
+                <a:latin typeface="+mn-ea"/>
+              </a:rPr>
+              <a:t>으로 이동</a:t>
+            </a:r>
+            <a:endParaRPr lang="en-US" altLang="ko-KR" sz="1400" kern="0" dirty="0">
+              <a:solidFill>
+                <a:srgbClr val="000000"/>
+              </a:solidFill>
+              <a:latin typeface="+mn-ea"/>
+            </a:endParaRPr>
+          </a:p>
+          <a:p>
+            <a:r>
+              <a:rPr lang="ko-KR" altLang="en-US" sz="1400" kern="0" spc="0" dirty="0">
+                <a:solidFill>
+                  <a:srgbClr val="000000"/>
+                </a:solidFill>
+                <a:effectLst/>
+                <a:latin typeface="맑은 고딕" panose="020B0503020000020004" pitchFamily="50" charset="-127"/>
+                <a:ea typeface="맑은 고딕" panose="020B0503020000020004" pitchFamily="50" charset="-127"/>
+              </a:rPr>
+              <a:t>⑤ </a:t>
+            </a:r>
+            <a:r>
+              <a:rPr lang="en-US" altLang="ko-KR" sz="1400" kern="0" spc="0" dirty="0">
+                <a:solidFill>
+                  <a:srgbClr val="000000"/>
+                </a:solidFill>
+                <a:effectLst/>
+                <a:latin typeface="맑은 고딕" panose="020B0503020000020004" pitchFamily="50" charset="-127"/>
+                <a:ea typeface="맑은 고딕" panose="020B0503020000020004" pitchFamily="50" charset="-127"/>
+              </a:rPr>
+              <a:t>index</a:t>
+            </a:r>
+            <a:r>
+              <a:rPr lang="ko-KR" altLang="en-US" sz="1400" kern="0" spc="0" dirty="0">
+                <a:solidFill>
+                  <a:srgbClr val="000000"/>
+                </a:solidFill>
+                <a:effectLst/>
+                <a:latin typeface="맑은 고딕" panose="020B0503020000020004" pitchFamily="50" charset="-127"/>
+                <a:ea typeface="맑은 고딕" panose="020B0503020000020004" pitchFamily="50" charset="-127"/>
+              </a:rPr>
+              <a:t>로 이동</a:t>
+            </a:r>
+            <a:endParaRPr lang="en-US" altLang="ko-KR" sz="1400" kern="0" spc="0" dirty="0">
+              <a:solidFill>
+                <a:srgbClr val="000000"/>
+              </a:solidFill>
+              <a:effectLst/>
+              <a:latin typeface="맑은 고딕" panose="020B0503020000020004" pitchFamily="50" charset="-127"/>
+              <a:ea typeface="맑은 고딕" panose="020B0503020000020004" pitchFamily="50" charset="-127"/>
+            </a:endParaRPr>
+          </a:p>
+        </p:txBody>
+      </p:sp>
+      <p:sp>
+        <p:nvSpPr>
+          <p:cNvPr id="9" name="TextBox 8">
+            <a:extLst>
+              <a:ext uri="{FF2B5EF4-FFF2-40B4-BE49-F238E27FC236}">
+                <a16:creationId xmlns:a16="http://schemas.microsoft.com/office/drawing/2014/main" id="{5CB973A6-06C5-E52A-3D21-F7C74ED48343}"/>
+              </a:ext>
+            </a:extLst>
+          </p:cNvPr>
+          <p:cNvSpPr txBox="1"/>
+          <p:nvPr/>
+        </p:nvSpPr>
+        <p:spPr>
+          <a:xfrm>
+            <a:off x="4767999" y="1906685"/>
+            <a:ext cx="370002" cy="369332"/>
+          </a:xfrm>
+          <a:prstGeom prst="rect">
+            <a:avLst/>
+          </a:prstGeom>
+          <a:noFill/>
+        </p:spPr>
+        <p:txBody>
+          <a:bodyPr wrap="square">
+            <a:spAutoFit/>
+          </a:bodyPr>
+          <a:lstStyle/>
+          <a:p>
+            <a:r>
+              <a:rPr lang="ko-KR" altLang="en-US" sz="1800" b="1" kern="0" spc="0" dirty="0">
+                <a:solidFill>
+                  <a:srgbClr val="000000"/>
+                </a:solidFill>
+                <a:effectLst/>
+                <a:latin typeface="+mn-ea"/>
+              </a:rPr>
+              <a:t>①</a:t>
+            </a:r>
+            <a:endParaRPr lang="ko-KR" altLang="en-US" b="1" dirty="0"/>
+          </a:p>
+        </p:txBody>
+      </p:sp>
+      <p:sp>
+        <p:nvSpPr>
+          <p:cNvPr id="20" name="TextBox 19">
+            <a:extLst>
+              <a:ext uri="{FF2B5EF4-FFF2-40B4-BE49-F238E27FC236}">
+                <a16:creationId xmlns:a16="http://schemas.microsoft.com/office/drawing/2014/main" id="{00BC6D5B-9CB2-91AB-8F72-7229A83F0EAA}"/>
+              </a:ext>
+            </a:extLst>
+          </p:cNvPr>
+          <p:cNvSpPr txBox="1"/>
+          <p:nvPr/>
+        </p:nvSpPr>
+        <p:spPr>
+          <a:xfrm>
+            <a:off x="6492712" y="1906685"/>
+            <a:ext cx="360575" cy="369332"/>
+          </a:xfrm>
+          <a:prstGeom prst="rect">
+            <a:avLst/>
+          </a:prstGeom>
+          <a:noFill/>
+        </p:spPr>
+        <p:txBody>
+          <a:bodyPr wrap="square">
+            <a:spAutoFit/>
+          </a:bodyPr>
+          <a:lstStyle/>
+          <a:p>
+            <a:r>
+              <a:rPr lang="ko-KR" altLang="en-US" sz="1800" b="1" kern="0" spc="0" dirty="0">
+                <a:solidFill>
+                  <a:srgbClr val="000000"/>
+                </a:solidFill>
+                <a:effectLst/>
+                <a:latin typeface="+mn-ea"/>
+              </a:rPr>
+              <a:t>②</a:t>
+            </a:r>
+            <a:endParaRPr lang="ko-KR" altLang="en-US" b="1" dirty="0"/>
+          </a:p>
+        </p:txBody>
+      </p:sp>
+      <p:sp>
+        <p:nvSpPr>
+          <p:cNvPr id="22" name="TextBox 21">
+            <a:extLst>
+              <a:ext uri="{FF2B5EF4-FFF2-40B4-BE49-F238E27FC236}">
+                <a16:creationId xmlns:a16="http://schemas.microsoft.com/office/drawing/2014/main" id="{C330EAD7-ECE7-E6AA-5992-EEFA980A7C6E}"/>
+              </a:ext>
+            </a:extLst>
+          </p:cNvPr>
+          <p:cNvSpPr txBox="1"/>
+          <p:nvPr/>
+        </p:nvSpPr>
+        <p:spPr>
+          <a:xfrm>
+            <a:off x="5672580" y="2297123"/>
+            <a:ext cx="341721" cy="369332"/>
+          </a:xfrm>
+          <a:prstGeom prst="rect">
+            <a:avLst/>
+          </a:prstGeom>
+          <a:noFill/>
+        </p:spPr>
+        <p:txBody>
+          <a:bodyPr wrap="square">
+            <a:spAutoFit/>
+          </a:bodyPr>
+          <a:lstStyle/>
+          <a:p>
+            <a:r>
+              <a:rPr lang="ko-KR" altLang="en-US" sz="1800" b="1" kern="0" spc="0" dirty="0">
+                <a:solidFill>
+                  <a:srgbClr val="000000"/>
+                </a:solidFill>
+                <a:effectLst/>
+                <a:latin typeface="+mn-ea"/>
+              </a:rPr>
+              <a:t>③</a:t>
+            </a:r>
+            <a:endParaRPr lang="ko-KR" altLang="en-US" b="1" dirty="0"/>
+          </a:p>
+        </p:txBody>
+      </p:sp>
+      <p:sp>
+        <p:nvSpPr>
+          <p:cNvPr id="24" name="TextBox 23">
+            <a:extLst>
+              <a:ext uri="{FF2B5EF4-FFF2-40B4-BE49-F238E27FC236}">
+                <a16:creationId xmlns:a16="http://schemas.microsoft.com/office/drawing/2014/main" id="{CBC1A0DC-A595-4A0D-C28D-EB887DACCD07}"/>
+              </a:ext>
+            </a:extLst>
+          </p:cNvPr>
+          <p:cNvSpPr txBox="1"/>
+          <p:nvPr/>
+        </p:nvSpPr>
+        <p:spPr>
+          <a:xfrm>
+            <a:off x="5672580" y="2751632"/>
+            <a:ext cx="360575" cy="369332"/>
+          </a:xfrm>
+          <a:prstGeom prst="rect">
+            <a:avLst/>
+          </a:prstGeom>
+          <a:noFill/>
+        </p:spPr>
+        <p:txBody>
+          <a:bodyPr wrap="square">
+            <a:spAutoFit/>
+          </a:bodyPr>
+          <a:lstStyle/>
+          <a:p>
+            <a:r>
+              <a:rPr lang="ko-KR" altLang="en-US" sz="1800" b="1" kern="0" dirty="0">
+                <a:solidFill>
+                  <a:srgbClr val="000000"/>
+                </a:solidFill>
+                <a:latin typeface="+mn-ea"/>
+              </a:rPr>
+              <a:t>④</a:t>
+            </a:r>
+            <a:endParaRPr lang="ko-KR" altLang="en-US" b="1" dirty="0"/>
+          </a:p>
+        </p:txBody>
+      </p:sp>
+      <p:sp>
+        <p:nvSpPr>
+          <p:cNvPr id="26" name="TextBox 25">
+            <a:extLst>
+              <a:ext uri="{FF2B5EF4-FFF2-40B4-BE49-F238E27FC236}">
+                <a16:creationId xmlns:a16="http://schemas.microsoft.com/office/drawing/2014/main" id="{75A375B8-A518-4D63-3E26-854F86A9F8EE}"/>
+              </a:ext>
+            </a:extLst>
+          </p:cNvPr>
+          <p:cNvSpPr txBox="1"/>
+          <p:nvPr/>
+        </p:nvSpPr>
+        <p:spPr>
+          <a:xfrm>
+            <a:off x="4877585" y="3089602"/>
+            <a:ext cx="351148" cy="369332"/>
+          </a:xfrm>
+          <a:prstGeom prst="rect">
+            <a:avLst/>
+          </a:prstGeom>
+          <a:noFill/>
+        </p:spPr>
+        <p:txBody>
+          <a:bodyPr wrap="square">
+            <a:spAutoFit/>
+          </a:bodyPr>
+          <a:lstStyle/>
+          <a:p>
+            <a:r>
+              <a:rPr lang="ko-KR" altLang="en-US" sz="1800" b="1" kern="0" spc="0" dirty="0">
+                <a:solidFill>
+                  <a:srgbClr val="000000"/>
+                </a:solidFill>
+                <a:effectLst/>
+                <a:latin typeface="맑은 고딕" panose="020B0503020000020004" pitchFamily="50" charset="-127"/>
+                <a:ea typeface="맑은 고딕" panose="020B0503020000020004" pitchFamily="50" charset="-127"/>
+              </a:rPr>
+              <a:t>⑤</a:t>
+            </a:r>
+            <a:endParaRPr lang="ko-KR" altLang="en-US" b="1" dirty="0"/>
+          </a:p>
+        </p:txBody>
+      </p:sp>
+    </p:spTree>
+    <p:extLst>
+      <p:ext uri="{BB962C8B-B14F-4D97-AF65-F5344CB8AC3E}">
+        <p14:creationId xmlns:p14="http://schemas.microsoft.com/office/powerpoint/2010/main" val="663096776"/>
+      </p:ext>
+    </p:extLst>
+  </p:cSld>
+  <p:clrMapOvr>
+    <a:masterClrMapping/>
+  </p:clrMapOvr>
+</p:sld>
+</file>
+
+<file path=ppt/slides/slide8.xml><?xml version="1.0" encoding="utf-8"?>
+<p:sld xmlns:a="http://schemas.openxmlformats.org/drawingml/2006/main" xmlns:r="http://schemas.openxmlformats.org/officeDocument/2006/relationships" xmlns:p="http://schemas.openxmlformats.org/presentationml/2006/main">
+  <p:cSld>
+    <p:spTree>
+      <p:nvGrpSpPr>
+        <p:cNvPr id="1" name=""/>
+        <p:cNvGrpSpPr/>
+        <p:nvPr/>
+      </p:nvGrpSpPr>
+      <p:grpSpPr>
+        <a:xfrm>
+          <a:off x="0" y="0"/>
+          <a:ext cx="0" cy="0"/>
+          <a:chOff x="0" y="0"/>
+          <a:chExt cx="0" cy="0"/>
+        </a:xfrm>
+      </p:grpSpPr>
+      <p:pic>
+        <p:nvPicPr>
+          <p:cNvPr id="7" name="Picture 6">
+            <a:extLst>
+              <a:ext uri="{FF2B5EF4-FFF2-40B4-BE49-F238E27FC236}">
+                <a16:creationId xmlns:a16="http://schemas.microsoft.com/office/drawing/2014/main" id="{365719E0-E85D-BEF3-D1C8-C786FE128D26}"/>
+              </a:ext>
+            </a:extLst>
+          </p:cNvPr>
+          <p:cNvPicPr>
+            <a:picLocks noChangeAspect="1"/>
+          </p:cNvPicPr>
+          <p:nvPr/>
+        </p:nvPicPr>
+        <p:blipFill>
+          <a:blip r:embed="rId3"/>
+          <a:stretch>
+            <a:fillRect/>
+          </a:stretch>
+        </p:blipFill>
+        <p:spPr>
+          <a:xfrm>
+            <a:off x="2743202" y="269846"/>
+            <a:ext cx="7162798" cy="4199222"/>
+          </a:xfrm>
+          <a:prstGeom prst="rect">
+            <a:avLst/>
+          </a:prstGeom>
+        </p:spPr>
+      </p:pic>
+      <p:sp>
+        <p:nvSpPr>
+          <p:cNvPr id="4" name="직사각형 3">
+            <a:extLst>
+              <a:ext uri="{FF2B5EF4-FFF2-40B4-BE49-F238E27FC236}">
+                <a16:creationId xmlns:a16="http://schemas.microsoft.com/office/drawing/2014/main" id="{17CCAA0A-5307-48D3-9858-F46440A1DFFF}"/>
+              </a:ext>
+            </a:extLst>
+          </p:cNvPr>
+          <p:cNvSpPr/>
+          <p:nvPr/>
+        </p:nvSpPr>
+        <p:spPr>
+          <a:xfrm>
+            <a:off x="0" y="2"/>
+            <a:ext cx="2743201" cy="6857996"/>
+          </a:xfrm>
+          <a:prstGeom prst="rect">
+            <a:avLst/>
+          </a:prstGeom>
+          <a:solidFill>
+            <a:schemeClr val="accent1">
+              <a:lumMod val="20000"/>
+              <a:lumOff val="80000"/>
+            </a:schemeClr>
+          </a:solidFill>
+          <a:ln>
+            <a:noFill/>
+          </a:ln>
+        </p:spPr>
+        <p:style>
+          <a:lnRef idx="2">
+            <a:schemeClr val="accent1">
+              <a:shade val="50000"/>
+            </a:schemeClr>
+          </a:lnRef>
+          <a:fillRef idx="1">
+            <a:schemeClr val="accent1"/>
+          </a:fillRef>
+          <a:effectRef idx="0">
+            <a:schemeClr val="accent1"/>
+          </a:effectRef>
+          <a:fontRef idx="minor">
+            <a:schemeClr val="lt1"/>
+          </a:fontRef>
+        </p:style>
+        <p:txBody>
+          <a:bodyPr rtlCol="0" anchor="ctr"/>
+          <a:lstStyle/>
+          <a:p>
+            <a:pPr algn="ctr"/>
+            <a:endParaRPr lang="ko-KR" altLang="en-US" sz="1600" dirty="0"/>
+          </a:p>
+        </p:txBody>
+      </p:sp>
+      <p:sp>
+        <p:nvSpPr>
+          <p:cNvPr id="17" name="직사각형 16">
+            <a:extLst>
+              <a:ext uri="{FF2B5EF4-FFF2-40B4-BE49-F238E27FC236}">
+                <a16:creationId xmlns:a16="http://schemas.microsoft.com/office/drawing/2014/main" id="{F2EE50EF-1C64-4D24-A8FC-FEB31ECABF02}"/>
+              </a:ext>
+            </a:extLst>
+          </p:cNvPr>
+          <p:cNvSpPr/>
+          <p:nvPr/>
+        </p:nvSpPr>
+        <p:spPr>
+          <a:xfrm>
+            <a:off x="2743201" y="4469067"/>
+            <a:ext cx="7162799" cy="2388931"/>
+          </a:xfrm>
+          <a:prstGeom prst="rect">
+            <a:avLst/>
+          </a:prstGeom>
+          <a:solidFill>
+            <a:schemeClr val="bg1">
+              <a:lumMod val="95000"/>
+            </a:schemeClr>
+          </a:solidFill>
+          <a:ln>
+            <a:noFill/>
+          </a:ln>
+        </p:spPr>
+        <p:style>
+          <a:lnRef idx="2">
+            <a:schemeClr val="accent1">
+              <a:shade val="50000"/>
+            </a:schemeClr>
+          </a:lnRef>
+          <a:fillRef idx="1">
+            <a:schemeClr val="accent1"/>
+          </a:fillRef>
+          <a:effectRef idx="0">
+            <a:schemeClr val="accent1"/>
+          </a:effectRef>
+          <a:fontRef idx="minor">
+            <a:schemeClr val="lt1"/>
+          </a:fontRef>
+        </p:style>
+        <p:txBody>
+          <a:bodyPr rtlCol="0" anchor="ctr"/>
+          <a:lstStyle/>
+          <a:p>
+            <a:endParaRPr lang="en-US" altLang="ko-KR" sz="1200" kern="0" dirty="0">
+              <a:solidFill>
+                <a:srgbClr val="000000"/>
+              </a:solidFill>
+              <a:latin typeface="+mn-ea"/>
+            </a:endParaRPr>
+          </a:p>
+          <a:p>
+            <a:endParaRPr lang="en-US" altLang="ko-KR" sz="1200" kern="0" spc="0" dirty="0">
+              <a:solidFill>
+                <a:srgbClr val="000000"/>
+              </a:solidFill>
+              <a:effectLst/>
+              <a:latin typeface="+mn-ea"/>
+            </a:endParaRPr>
+          </a:p>
+          <a:p>
+            <a:endParaRPr lang="en-US" altLang="ko-KR" sz="1200" kern="0" spc="0" dirty="0">
+              <a:solidFill>
+                <a:srgbClr val="000000"/>
+              </a:solidFill>
+              <a:effectLst/>
+              <a:latin typeface="+mn-ea"/>
+            </a:endParaRPr>
+          </a:p>
+        </p:txBody>
+      </p:sp>
+      <p:grpSp>
+        <p:nvGrpSpPr>
+          <p:cNvPr id="31" name="그룹 30">
+            <a:extLst>
+              <a:ext uri="{FF2B5EF4-FFF2-40B4-BE49-F238E27FC236}">
+                <a16:creationId xmlns:a16="http://schemas.microsoft.com/office/drawing/2014/main" id="{466D0EF9-BADE-427D-91D6-1EF0D4516307}"/>
+              </a:ext>
+            </a:extLst>
+          </p:cNvPr>
+          <p:cNvGrpSpPr/>
+          <p:nvPr/>
+        </p:nvGrpSpPr>
+        <p:grpSpPr>
+          <a:xfrm>
+            <a:off x="276836" y="269845"/>
+            <a:ext cx="2171089" cy="977409"/>
+            <a:chOff x="276836" y="269845"/>
+            <a:chExt cx="2171089" cy="977409"/>
+          </a:xfrm>
+        </p:grpSpPr>
+        <p:sp>
+          <p:nvSpPr>
+            <p:cNvPr id="6" name="TextBox 5">
+              <a:extLst>
+                <a:ext uri="{FF2B5EF4-FFF2-40B4-BE49-F238E27FC236}">
+                  <a16:creationId xmlns:a16="http://schemas.microsoft.com/office/drawing/2014/main" id="{EA58E314-C773-4F36-8C88-B79D5D98B4F8}"/>
+                </a:ext>
+              </a:extLst>
+            </p:cNvPr>
+            <p:cNvSpPr txBox="1"/>
+            <p:nvPr/>
+          </p:nvSpPr>
+          <p:spPr>
+            <a:xfrm>
+              <a:off x="276836" y="269845"/>
+              <a:ext cx="800219" cy="338554"/>
+            </a:xfrm>
+            <a:prstGeom prst="rect">
+              <a:avLst/>
+            </a:prstGeom>
+            <a:noFill/>
+          </p:spPr>
+          <p:txBody>
+            <a:bodyPr wrap="none" rtlCol="0">
+              <a:spAutoFit/>
+            </a:bodyPr>
+            <a:lstStyle/>
+            <a:p>
+              <a:r>
+                <a:rPr lang="ko-KR" altLang="en-US" sz="1600" b="1" dirty="0">
+                  <a:solidFill>
+                    <a:schemeClr val="bg1"/>
+                  </a:solidFill>
+                </a:rPr>
+                <a:t>과제명</a:t>
+              </a:r>
+            </a:p>
+          </p:txBody>
+        </p:sp>
+        <p:sp>
+          <p:nvSpPr>
+            <p:cNvPr id="10" name="TextBox 9">
+              <a:extLst>
+                <a:ext uri="{FF2B5EF4-FFF2-40B4-BE49-F238E27FC236}">
+                  <a16:creationId xmlns:a16="http://schemas.microsoft.com/office/drawing/2014/main" id="{E2FC9F57-DA73-432C-ADB1-4C65C38E146D}"/>
+                </a:ext>
+              </a:extLst>
+            </p:cNvPr>
+            <p:cNvSpPr txBox="1"/>
+            <p:nvPr/>
+          </p:nvSpPr>
+          <p:spPr>
+            <a:xfrm>
+              <a:off x="276836" y="600923"/>
+              <a:ext cx="2171089" cy="646331"/>
+            </a:xfrm>
+            <a:prstGeom prst="rect">
+              <a:avLst/>
+            </a:prstGeom>
+            <a:noFill/>
+          </p:spPr>
+          <p:txBody>
+            <a:bodyPr wrap="square" rtlCol="0">
+              <a:spAutoFit/>
+            </a:bodyPr>
+            <a:lstStyle/>
+            <a:p>
+              <a:r>
+                <a:rPr lang="ko-KR" altLang="en-US" sz="1200" dirty="0"/>
+                <a:t>ㅁㅈㅁㅈ</a:t>
+              </a:r>
+              <a:endParaRPr lang="en-US" altLang="ko-KR" sz="1200" dirty="0"/>
+            </a:p>
+            <a:p>
+              <a:r>
+                <a:rPr lang="en-US" altLang="ko-KR" sz="1200" dirty="0"/>
+                <a:t>- </a:t>
+              </a:r>
+              <a:r>
+                <a:rPr lang="ko-KR" altLang="en-US" sz="1200" dirty="0"/>
+                <a:t>좋아하는 연예인의 착용 제품을 찾아주는 쇼핑 플랫폼 </a:t>
+              </a:r>
+              <a:endParaRPr lang="en-US" altLang="ko-KR" sz="1200" dirty="0"/>
+            </a:p>
+          </p:txBody>
+        </p:sp>
+      </p:grpSp>
+      <p:grpSp>
+        <p:nvGrpSpPr>
+          <p:cNvPr id="30" name="그룹 29">
+            <a:extLst>
+              <a:ext uri="{FF2B5EF4-FFF2-40B4-BE49-F238E27FC236}">
+                <a16:creationId xmlns:a16="http://schemas.microsoft.com/office/drawing/2014/main" id="{956FCDD1-8102-469E-963F-8CF798D512DC}"/>
+              </a:ext>
+            </a:extLst>
+          </p:cNvPr>
+          <p:cNvGrpSpPr/>
+          <p:nvPr/>
+        </p:nvGrpSpPr>
+        <p:grpSpPr>
+          <a:xfrm>
+            <a:off x="276835" y="1456899"/>
+            <a:ext cx="2171089" cy="608077"/>
+            <a:chOff x="276836" y="1474033"/>
+            <a:chExt cx="2171089" cy="608077"/>
+          </a:xfrm>
+        </p:grpSpPr>
+        <p:sp>
+          <p:nvSpPr>
+            <p:cNvPr id="11" name="TextBox 10">
+              <a:extLst>
+                <a:ext uri="{FF2B5EF4-FFF2-40B4-BE49-F238E27FC236}">
+                  <a16:creationId xmlns:a16="http://schemas.microsoft.com/office/drawing/2014/main" id="{A11D4FEC-A08E-42DB-9970-9FD7B36730CB}"/>
+                </a:ext>
+              </a:extLst>
+            </p:cNvPr>
+            <p:cNvSpPr txBox="1"/>
+            <p:nvPr/>
+          </p:nvSpPr>
+          <p:spPr>
+            <a:xfrm>
+              <a:off x="276836" y="1474033"/>
+              <a:ext cx="1005403" cy="338554"/>
+            </a:xfrm>
+            <a:prstGeom prst="rect">
+              <a:avLst/>
+            </a:prstGeom>
+            <a:noFill/>
+          </p:spPr>
+          <p:txBody>
+            <a:bodyPr wrap="none" rtlCol="0">
+              <a:spAutoFit/>
+            </a:bodyPr>
+            <a:lstStyle/>
+            <a:p>
+              <a:r>
+                <a:rPr lang="ko-KR" altLang="en-US" sz="1600" b="1" dirty="0">
+                  <a:solidFill>
+                    <a:schemeClr val="bg1"/>
+                  </a:solidFill>
+                </a:rPr>
+                <a:t>화면이름</a:t>
+              </a:r>
+            </a:p>
+          </p:txBody>
+        </p:sp>
+        <p:sp>
+          <p:nvSpPr>
+            <p:cNvPr id="12" name="TextBox 11">
+              <a:extLst>
+                <a:ext uri="{FF2B5EF4-FFF2-40B4-BE49-F238E27FC236}">
+                  <a16:creationId xmlns:a16="http://schemas.microsoft.com/office/drawing/2014/main" id="{95279311-CDE0-44BF-8410-51979300FD53}"/>
+                </a:ext>
+              </a:extLst>
+            </p:cNvPr>
+            <p:cNvSpPr txBox="1"/>
+            <p:nvPr/>
+          </p:nvSpPr>
+          <p:spPr>
+            <a:xfrm>
+              <a:off x="276836" y="1805111"/>
+              <a:ext cx="2171089" cy="276999"/>
+            </a:xfrm>
+            <a:prstGeom prst="rect">
+              <a:avLst/>
+            </a:prstGeom>
+            <a:noFill/>
+          </p:spPr>
+          <p:txBody>
+            <a:bodyPr wrap="square" rtlCol="0">
+              <a:spAutoFit/>
+            </a:bodyPr>
+            <a:lstStyle/>
+            <a:p>
+              <a:r>
+                <a:rPr lang="ko-KR" altLang="en-US" sz="1200" dirty="0"/>
+                <a:t>비밀번호 찾기</a:t>
+              </a:r>
+              <a:endParaRPr lang="en-US" altLang="ko-KR" sz="1200" dirty="0"/>
+            </a:p>
+          </p:txBody>
+        </p:sp>
+      </p:grpSp>
+      <p:grpSp>
+        <p:nvGrpSpPr>
+          <p:cNvPr id="29" name="그룹 28">
+            <a:extLst>
+              <a:ext uri="{FF2B5EF4-FFF2-40B4-BE49-F238E27FC236}">
+                <a16:creationId xmlns:a16="http://schemas.microsoft.com/office/drawing/2014/main" id="{CE8B1C68-700F-45A9-8016-5ED0A02FFBE2}"/>
+              </a:ext>
+            </a:extLst>
+          </p:cNvPr>
+          <p:cNvGrpSpPr/>
+          <p:nvPr/>
+        </p:nvGrpSpPr>
+        <p:grpSpPr>
+          <a:xfrm>
+            <a:off x="276835" y="2297123"/>
+            <a:ext cx="2171089" cy="608077"/>
+            <a:chOff x="276836" y="2678221"/>
+            <a:chExt cx="2171089" cy="608077"/>
+          </a:xfrm>
+        </p:grpSpPr>
+        <p:sp>
+          <p:nvSpPr>
+            <p:cNvPr id="13" name="TextBox 12">
+              <a:extLst>
+                <a:ext uri="{FF2B5EF4-FFF2-40B4-BE49-F238E27FC236}">
+                  <a16:creationId xmlns:a16="http://schemas.microsoft.com/office/drawing/2014/main" id="{8A754930-80DC-40A4-874B-EBE42B054C69}"/>
+                </a:ext>
+              </a:extLst>
+            </p:cNvPr>
+            <p:cNvSpPr txBox="1"/>
+            <p:nvPr/>
+          </p:nvSpPr>
+          <p:spPr>
+            <a:xfrm>
+              <a:off x="276836" y="2678221"/>
+              <a:ext cx="1005403" cy="338554"/>
+            </a:xfrm>
+            <a:prstGeom prst="rect">
+              <a:avLst/>
+            </a:prstGeom>
+            <a:noFill/>
+          </p:spPr>
+          <p:txBody>
+            <a:bodyPr wrap="none" rtlCol="0">
+              <a:spAutoFit/>
+            </a:bodyPr>
+            <a:lstStyle/>
+            <a:p>
+              <a:r>
+                <a:rPr lang="ko-KR" altLang="en-US" sz="1600" b="1" dirty="0">
+                  <a:solidFill>
+                    <a:schemeClr val="bg1"/>
+                  </a:solidFill>
+                </a:rPr>
+                <a:t>화면코드</a:t>
+              </a:r>
+            </a:p>
+          </p:txBody>
+        </p:sp>
+        <p:sp>
+          <p:nvSpPr>
+            <p:cNvPr id="14" name="TextBox 13">
+              <a:extLst>
+                <a:ext uri="{FF2B5EF4-FFF2-40B4-BE49-F238E27FC236}">
+                  <a16:creationId xmlns:a16="http://schemas.microsoft.com/office/drawing/2014/main" id="{A23439F9-C374-4017-AD5C-0C17D06FDD60}"/>
+                </a:ext>
+              </a:extLst>
+            </p:cNvPr>
+            <p:cNvSpPr txBox="1"/>
+            <p:nvPr/>
+          </p:nvSpPr>
+          <p:spPr>
+            <a:xfrm>
+              <a:off x="276836" y="3009299"/>
+              <a:ext cx="2171089" cy="276999"/>
+            </a:xfrm>
+            <a:prstGeom prst="rect">
+              <a:avLst/>
+            </a:prstGeom>
+            <a:noFill/>
+          </p:spPr>
+          <p:txBody>
+            <a:bodyPr wrap="square" rtlCol="0">
+              <a:spAutoFit/>
+            </a:bodyPr>
+            <a:lstStyle/>
+            <a:p>
+              <a:r>
+                <a:rPr lang="en-US" altLang="ko-KR" sz="1200" dirty="0" err="1"/>
+                <a:t>find_pw</a:t>
+              </a:r>
+              <a:endParaRPr lang="en-US" altLang="ko-KR" sz="1200" dirty="0"/>
+            </a:p>
+          </p:txBody>
+        </p:sp>
+      </p:grpSp>
+      <p:grpSp>
+        <p:nvGrpSpPr>
+          <p:cNvPr id="28" name="그룹 27">
+            <a:extLst>
+              <a:ext uri="{FF2B5EF4-FFF2-40B4-BE49-F238E27FC236}">
+                <a16:creationId xmlns:a16="http://schemas.microsoft.com/office/drawing/2014/main" id="{3B60CFA0-0763-417B-8AE3-E4433CBD2755}"/>
+              </a:ext>
+            </a:extLst>
+          </p:cNvPr>
+          <p:cNvGrpSpPr/>
+          <p:nvPr/>
+        </p:nvGrpSpPr>
+        <p:grpSpPr>
+          <a:xfrm>
+            <a:off x="276836" y="3104991"/>
+            <a:ext cx="2171089" cy="608077"/>
+            <a:chOff x="276836" y="3666966"/>
+            <a:chExt cx="2171089" cy="608077"/>
+          </a:xfrm>
+        </p:grpSpPr>
+        <p:sp>
+          <p:nvSpPr>
+            <p:cNvPr id="15" name="TextBox 14">
+              <a:extLst>
+                <a:ext uri="{FF2B5EF4-FFF2-40B4-BE49-F238E27FC236}">
+                  <a16:creationId xmlns:a16="http://schemas.microsoft.com/office/drawing/2014/main" id="{9DBDFEAB-84D3-47DC-AEB0-DD14BE3C3381}"/>
+                </a:ext>
+              </a:extLst>
+            </p:cNvPr>
+            <p:cNvSpPr txBox="1"/>
+            <p:nvPr/>
+          </p:nvSpPr>
+          <p:spPr>
+            <a:xfrm>
+              <a:off x="276836" y="3666966"/>
+              <a:ext cx="800219" cy="338554"/>
+            </a:xfrm>
+            <a:prstGeom prst="rect">
+              <a:avLst/>
+            </a:prstGeom>
+            <a:noFill/>
+          </p:spPr>
+          <p:txBody>
+            <a:bodyPr wrap="none" rtlCol="0">
+              <a:spAutoFit/>
+            </a:bodyPr>
+            <a:lstStyle/>
+            <a:p>
+              <a:r>
+                <a:rPr lang="ko-KR" altLang="en-US" sz="1600" b="1" dirty="0">
+                  <a:solidFill>
+                    <a:schemeClr val="bg1"/>
+                  </a:solidFill>
+                </a:rPr>
+                <a:t>작성자</a:t>
+              </a:r>
+            </a:p>
+          </p:txBody>
+        </p:sp>
+        <p:sp>
+          <p:nvSpPr>
+            <p:cNvPr id="16" name="TextBox 15">
+              <a:extLst>
+                <a:ext uri="{FF2B5EF4-FFF2-40B4-BE49-F238E27FC236}">
+                  <a16:creationId xmlns:a16="http://schemas.microsoft.com/office/drawing/2014/main" id="{AE876C31-DEE5-4929-A872-47CFFD6D977C}"/>
+                </a:ext>
+              </a:extLst>
+            </p:cNvPr>
+            <p:cNvSpPr txBox="1"/>
+            <p:nvPr/>
+          </p:nvSpPr>
+          <p:spPr>
+            <a:xfrm>
+              <a:off x="276836" y="3998044"/>
+              <a:ext cx="2171089" cy="276999"/>
+            </a:xfrm>
+            <a:prstGeom prst="rect">
+              <a:avLst/>
+            </a:prstGeom>
+            <a:noFill/>
+          </p:spPr>
+          <p:txBody>
+            <a:bodyPr wrap="square" rtlCol="0">
+              <a:spAutoFit/>
+            </a:bodyPr>
+            <a:lstStyle/>
+            <a:p>
+              <a:r>
+                <a:rPr lang="ko-KR" altLang="en-US" sz="1200" dirty="0"/>
+                <a:t>팀원</a:t>
+              </a:r>
+              <a:r>
+                <a:rPr lang="en-US" altLang="ko-KR" sz="1200" dirty="0"/>
+                <a:t>: </a:t>
+              </a:r>
+              <a:r>
+                <a:rPr lang="ko-KR" altLang="en-US" sz="1200" dirty="0"/>
+                <a:t>이예지</a:t>
+              </a:r>
+              <a:endParaRPr lang="en-US" altLang="ko-KR" sz="1200" dirty="0"/>
+            </a:p>
+          </p:txBody>
+        </p:sp>
+      </p:grpSp>
+      <p:sp>
+        <p:nvSpPr>
+          <p:cNvPr id="18" name="TextBox 17">
+            <a:extLst>
+              <a:ext uri="{FF2B5EF4-FFF2-40B4-BE49-F238E27FC236}">
+                <a16:creationId xmlns:a16="http://schemas.microsoft.com/office/drawing/2014/main" id="{17EFCDDE-1130-408D-9BF1-4DAA52C217DC}"/>
+              </a:ext>
+            </a:extLst>
+          </p:cNvPr>
+          <p:cNvSpPr txBox="1"/>
+          <p:nvPr/>
+        </p:nvSpPr>
+        <p:spPr>
+          <a:xfrm>
+            <a:off x="2724761" y="4495614"/>
+            <a:ext cx="1005403" cy="338554"/>
+          </a:xfrm>
+          <a:prstGeom prst="rect">
+            <a:avLst/>
+          </a:prstGeom>
+          <a:noFill/>
+        </p:spPr>
+        <p:txBody>
+          <a:bodyPr wrap="none" rtlCol="0">
+            <a:spAutoFit/>
+          </a:bodyPr>
+          <a:lstStyle/>
+          <a:p>
+            <a:r>
+              <a:rPr lang="ko-KR" altLang="en-US" sz="1600" b="1" dirty="0"/>
+              <a:t>화면설명</a:t>
+            </a:r>
+          </a:p>
+        </p:txBody>
+      </p:sp>
+      <p:grpSp>
+        <p:nvGrpSpPr>
+          <p:cNvPr id="32" name="그룹 31">
+            <a:extLst>
+              <a:ext uri="{FF2B5EF4-FFF2-40B4-BE49-F238E27FC236}">
+                <a16:creationId xmlns:a16="http://schemas.microsoft.com/office/drawing/2014/main" id="{CA1DD512-4BF6-481A-95B3-0402591A68BA}"/>
+              </a:ext>
+            </a:extLst>
+          </p:cNvPr>
+          <p:cNvGrpSpPr/>
+          <p:nvPr/>
+        </p:nvGrpSpPr>
+        <p:grpSpPr>
+          <a:xfrm>
+            <a:off x="276836" y="3936433"/>
+            <a:ext cx="2171089" cy="608077"/>
+            <a:chOff x="276836" y="269845"/>
+            <a:chExt cx="2171089" cy="608077"/>
+          </a:xfrm>
+        </p:grpSpPr>
+        <p:sp>
+          <p:nvSpPr>
+            <p:cNvPr id="33" name="TextBox 32">
+              <a:extLst>
+                <a:ext uri="{FF2B5EF4-FFF2-40B4-BE49-F238E27FC236}">
+                  <a16:creationId xmlns:a16="http://schemas.microsoft.com/office/drawing/2014/main" id="{E2C757D1-6594-4C66-81E7-820AE4027158}"/>
+                </a:ext>
+              </a:extLst>
+            </p:cNvPr>
+            <p:cNvSpPr txBox="1"/>
+            <p:nvPr/>
+          </p:nvSpPr>
+          <p:spPr>
+            <a:xfrm>
+              <a:off x="276836" y="269845"/>
+              <a:ext cx="1005403" cy="338554"/>
+            </a:xfrm>
+            <a:prstGeom prst="rect">
+              <a:avLst/>
+            </a:prstGeom>
+            <a:noFill/>
+          </p:spPr>
+          <p:txBody>
+            <a:bodyPr wrap="none" rtlCol="0">
+              <a:spAutoFit/>
+            </a:bodyPr>
+            <a:lstStyle/>
+            <a:p>
+              <a:r>
+                <a:rPr lang="ko-KR" altLang="en-US" sz="1600" b="1" dirty="0">
+                  <a:solidFill>
+                    <a:schemeClr val="bg1"/>
+                  </a:solidFill>
+                </a:rPr>
+                <a:t>유의사항</a:t>
+              </a:r>
+            </a:p>
+          </p:txBody>
+        </p:sp>
+        <p:sp>
+          <p:nvSpPr>
+            <p:cNvPr id="34" name="TextBox 33">
+              <a:extLst>
+                <a:ext uri="{FF2B5EF4-FFF2-40B4-BE49-F238E27FC236}">
+                  <a16:creationId xmlns:a16="http://schemas.microsoft.com/office/drawing/2014/main" id="{D86AE12A-76EC-49AD-A2BE-EBED9566CBB2}"/>
+                </a:ext>
+              </a:extLst>
+            </p:cNvPr>
+            <p:cNvSpPr txBox="1"/>
+            <p:nvPr/>
+          </p:nvSpPr>
+          <p:spPr>
+            <a:xfrm>
+              <a:off x="276836" y="600923"/>
+              <a:ext cx="2171089" cy="276999"/>
+            </a:xfrm>
+            <a:prstGeom prst="rect">
+              <a:avLst/>
+            </a:prstGeom>
+            <a:noFill/>
+          </p:spPr>
+          <p:txBody>
+            <a:bodyPr wrap="square" rtlCol="0">
+              <a:spAutoFit/>
+            </a:bodyPr>
+            <a:lstStyle/>
+            <a:p>
+              <a:endParaRPr lang="en-US" altLang="ko-KR" sz="1200" dirty="0">
+                <a:solidFill>
+                  <a:schemeClr val="bg1"/>
+                </a:solidFill>
+              </a:endParaRPr>
+            </a:p>
+          </p:txBody>
+        </p:sp>
+      </p:grpSp>
+      <p:sp>
+        <p:nvSpPr>
+          <p:cNvPr id="77" name="TextBox 76">
+            <a:extLst>
+              <a:ext uri="{FF2B5EF4-FFF2-40B4-BE49-F238E27FC236}">
+                <a16:creationId xmlns:a16="http://schemas.microsoft.com/office/drawing/2014/main" id="{18FB9613-EB5E-E58D-7CA9-4A2B2C06F199}"/>
+              </a:ext>
+            </a:extLst>
+          </p:cNvPr>
+          <p:cNvSpPr txBox="1"/>
+          <p:nvPr/>
+        </p:nvSpPr>
+        <p:spPr>
+          <a:xfrm>
+            <a:off x="2743201" y="4742801"/>
+            <a:ext cx="7162799" cy="523220"/>
+          </a:xfrm>
+          <a:prstGeom prst="rect">
+            <a:avLst/>
+          </a:prstGeom>
+          <a:noFill/>
+        </p:spPr>
+        <p:txBody>
+          <a:bodyPr wrap="square" rtlCol="0">
+            <a:spAutoFit/>
+          </a:bodyPr>
+          <a:lstStyle/>
+          <a:p>
+            <a:r>
+              <a:rPr lang="ko-KR" altLang="en-US" sz="1400" kern="0" spc="0" dirty="0">
+                <a:solidFill>
+                  <a:srgbClr val="000000"/>
+                </a:solidFill>
+                <a:effectLst/>
+                <a:latin typeface="+mn-ea"/>
+              </a:rPr>
+              <a:t>① </a:t>
+            </a:r>
+            <a:r>
+              <a:rPr lang="en-US" altLang="ko-KR" sz="1400" b="0" i="0" dirty="0">
+                <a:solidFill>
+                  <a:srgbClr val="333333"/>
+                </a:solidFill>
+                <a:effectLst/>
+                <a:latin typeface="-apple-system"/>
+              </a:rPr>
+              <a:t>modify</a:t>
+            </a:r>
+            <a:r>
+              <a:rPr lang="ko-KR" altLang="en-US" sz="1400" b="0" i="0" dirty="0">
+                <a:solidFill>
+                  <a:srgbClr val="333333"/>
+                </a:solidFill>
+                <a:effectLst/>
+                <a:latin typeface="-apple-system"/>
+              </a:rPr>
+              <a:t>로 이동</a:t>
+            </a:r>
+            <a:endParaRPr lang="en-US" altLang="ko-KR" sz="1400" kern="0" spc="0" dirty="0">
+              <a:solidFill>
+                <a:srgbClr val="000000"/>
+              </a:solidFill>
+              <a:effectLst/>
+              <a:latin typeface="+mn-ea"/>
+            </a:endParaRPr>
+          </a:p>
+          <a:p>
+            <a:r>
+              <a:rPr lang="ko-KR" altLang="en-US" sz="1400" kern="0" spc="0" dirty="0">
+                <a:solidFill>
+                  <a:srgbClr val="000000"/>
+                </a:solidFill>
+                <a:effectLst/>
+                <a:latin typeface="+mn-ea"/>
+              </a:rPr>
+              <a:t>② </a:t>
+            </a:r>
+            <a:r>
+              <a:rPr lang="en-US" altLang="ko-KR" sz="1400" kern="0" dirty="0">
+                <a:solidFill>
+                  <a:srgbClr val="333333"/>
+                </a:solidFill>
+                <a:effectLst/>
+                <a:latin typeface="-apple-system"/>
+              </a:rPr>
+              <a:t>index</a:t>
             </a:r>
             <a:r>
               <a:rPr lang="ko-KR" altLang="en-US" sz="1400" kern="0" spc="0" dirty="0">
@@ -19393,17 +21823,128 @@
               <a:latin typeface="+mn-ea"/>
             </a:endParaRPr>
           </a:p>
-          <a:p>
-            <a:endParaRPr lang="ko-KR" altLang="en-US" dirty="0"/>
-          </a:p>
         </p:txBody>
       </p:sp>
+      <p:sp>
+        <p:nvSpPr>
+          <p:cNvPr id="9" name="TextBox 8">
+            <a:extLst>
+              <a:ext uri="{FF2B5EF4-FFF2-40B4-BE49-F238E27FC236}">
+                <a16:creationId xmlns:a16="http://schemas.microsoft.com/office/drawing/2014/main" id="{5CB973A6-06C5-E52A-3D21-F7C74ED48343}"/>
+              </a:ext>
+            </a:extLst>
+          </p:cNvPr>
+          <p:cNvSpPr txBox="1"/>
+          <p:nvPr/>
+        </p:nvSpPr>
+        <p:spPr>
+          <a:xfrm>
+            <a:off x="5473438" y="2701360"/>
+            <a:ext cx="370002" cy="369332"/>
+          </a:xfrm>
+          <a:prstGeom prst="rect">
+            <a:avLst/>
+          </a:prstGeom>
+          <a:noFill/>
+        </p:spPr>
+        <p:txBody>
+          <a:bodyPr wrap="square">
+            <a:spAutoFit/>
+          </a:bodyPr>
+          <a:lstStyle/>
+          <a:p>
+            <a:r>
+              <a:rPr lang="ko-KR" altLang="en-US" sz="1800" b="1" kern="0" spc="0" dirty="0">
+                <a:solidFill>
+                  <a:srgbClr val="000000"/>
+                </a:solidFill>
+                <a:effectLst/>
+                <a:latin typeface="+mn-ea"/>
+              </a:rPr>
+              <a:t>①</a:t>
+            </a:r>
+            <a:endParaRPr lang="ko-KR" altLang="en-US" b="1" dirty="0"/>
+          </a:p>
+        </p:txBody>
+      </p:sp>
+      <p:sp>
+        <p:nvSpPr>
+          <p:cNvPr id="20" name="TextBox 19">
+            <a:extLst>
+              <a:ext uri="{FF2B5EF4-FFF2-40B4-BE49-F238E27FC236}">
+                <a16:creationId xmlns:a16="http://schemas.microsoft.com/office/drawing/2014/main" id="{00BC6D5B-9CB2-91AB-8F72-7229A83F0EAA}"/>
+              </a:ext>
+            </a:extLst>
+          </p:cNvPr>
+          <p:cNvSpPr txBox="1"/>
+          <p:nvPr/>
+        </p:nvSpPr>
+        <p:spPr>
+          <a:xfrm>
+            <a:off x="4772712" y="3044222"/>
+            <a:ext cx="360575" cy="369332"/>
+          </a:xfrm>
+          <a:prstGeom prst="rect">
+            <a:avLst/>
+          </a:prstGeom>
+          <a:noFill/>
+        </p:spPr>
+        <p:txBody>
+          <a:bodyPr wrap="square">
+            <a:spAutoFit/>
+          </a:bodyPr>
+          <a:lstStyle/>
+          <a:p>
+            <a:r>
+              <a:rPr lang="ko-KR" altLang="en-US" sz="1800" b="1" kern="0" spc="0" dirty="0">
+                <a:solidFill>
+                  <a:srgbClr val="000000"/>
+                </a:solidFill>
+                <a:effectLst/>
+                <a:latin typeface="+mn-ea"/>
+              </a:rPr>
+              <a:t>②</a:t>
+            </a:r>
+            <a:endParaRPr lang="ko-KR" altLang="en-US" b="1" dirty="0"/>
+          </a:p>
+        </p:txBody>
+      </p:sp>
+    </p:spTree>
+    <p:extLst>
+      <p:ext uri="{BB962C8B-B14F-4D97-AF65-F5344CB8AC3E}">
+        <p14:creationId xmlns:p14="http://schemas.microsoft.com/office/powerpoint/2010/main" val="3184307506"/>
+      </p:ext>
+    </p:extLst>
+  </p:cSld>
+  <p:clrMapOvr>
+    <a:masterClrMapping/>
+  </p:clrMapOvr>
+</p:sld>
+</file>
+
+<file path=ppt/slides/slide9.xml><?xml version="1.0" encoding="utf-8"?>
+<p:sld xmlns:a="http://schemas.openxmlformats.org/drawingml/2006/main" xmlns:r="http://schemas.openxmlformats.org/officeDocument/2006/relationships" xmlns:p="http://schemas.openxmlformats.org/presentationml/2006/main">
+  <p:cSld>
+    <p:spTree>
+      <p:nvGrpSpPr>
+        <p:cNvPr id="1" name=""/>
+        <p:cNvGrpSpPr/>
+        <p:nvPr/>
+      </p:nvGrpSpPr>
+      <p:grpSpPr>
+        <a:xfrm>
+          <a:off x="0" y="0"/>
+          <a:ext cx="0" cy="0"/>
+          <a:chOff x="0" y="0"/>
+          <a:chExt cx="0" cy="0"/>
+        </a:xfrm>
+      </p:grpSpPr>
       <p:pic>
         <p:nvPicPr>
-          <p:cNvPr id="7" name="Picture 6">
+          <p:cNvPr id="3" name="Picture 2">
             <a:extLst>
               <a:ext uri="{FF2B5EF4-FFF2-40B4-BE49-F238E27FC236}">
-                <a16:creationId xmlns:a16="http://schemas.microsoft.com/office/drawing/2014/main" id="{38EAFA8E-D362-A862-320E-A038EAED2BA4}"/>
+                <a16:creationId xmlns:a16="http://schemas.microsoft.com/office/drawing/2014/main" id="{FAD78C15-FCA9-DFAC-E120-9EF7F0A75939}"/>
               </a:ext>
             </a:extLst>
           </p:cNvPr>
@@ -19412,25 +21953,891 @@
           </p:cNvPicPr>
           <p:nvPr/>
         </p:nvPicPr>
-        <p:blipFill rotWithShape="1">
+        <p:blipFill>
           <a:blip r:embed="rId3"/>
-          <a:srcRect t="1409"/>
-          <a:stretch/>
+          <a:stretch>
+            <a:fillRect/>
+          </a:stretch>
         </p:blipFill>
         <p:spPr>
           <a:xfrm>
-            <a:off x="2743201" y="688157"/>
-            <a:ext cx="7162799" cy="5578842"/>
+            <a:off x="2743201" y="266868"/>
+            <a:ext cx="7162799" cy="4202199"/>
           </a:xfrm>
           <a:prstGeom prst="rect">
             <a:avLst/>
           </a:prstGeom>
         </p:spPr>
       </p:pic>
+      <p:sp>
+        <p:nvSpPr>
+          <p:cNvPr id="4" name="직사각형 3">
+            <a:extLst>
+              <a:ext uri="{FF2B5EF4-FFF2-40B4-BE49-F238E27FC236}">
+                <a16:creationId xmlns:a16="http://schemas.microsoft.com/office/drawing/2014/main" id="{17CCAA0A-5307-48D3-9858-F46440A1DFFF}"/>
+              </a:ext>
+            </a:extLst>
+          </p:cNvPr>
+          <p:cNvSpPr/>
+          <p:nvPr/>
+        </p:nvSpPr>
+        <p:spPr>
+          <a:xfrm>
+            <a:off x="0" y="2"/>
+            <a:ext cx="2743201" cy="6857996"/>
+          </a:xfrm>
+          <a:prstGeom prst="rect">
+            <a:avLst/>
+          </a:prstGeom>
+          <a:solidFill>
+            <a:schemeClr val="accent1">
+              <a:lumMod val="20000"/>
+              <a:lumOff val="80000"/>
+            </a:schemeClr>
+          </a:solidFill>
+          <a:ln>
+            <a:noFill/>
+          </a:ln>
+        </p:spPr>
+        <p:style>
+          <a:lnRef idx="2">
+            <a:schemeClr val="accent1">
+              <a:shade val="50000"/>
+            </a:schemeClr>
+          </a:lnRef>
+          <a:fillRef idx="1">
+            <a:schemeClr val="accent1"/>
+          </a:fillRef>
+          <a:effectRef idx="0">
+            <a:schemeClr val="accent1"/>
+          </a:effectRef>
+          <a:fontRef idx="minor">
+            <a:schemeClr val="lt1"/>
+          </a:fontRef>
+        </p:style>
+        <p:txBody>
+          <a:bodyPr rtlCol="0" anchor="ctr"/>
+          <a:lstStyle/>
+          <a:p>
+            <a:pPr algn="ctr"/>
+            <a:endParaRPr lang="ko-KR" altLang="en-US" sz="1600" dirty="0"/>
+          </a:p>
+        </p:txBody>
+      </p:sp>
+      <p:sp>
+        <p:nvSpPr>
+          <p:cNvPr id="17" name="직사각형 16">
+            <a:extLst>
+              <a:ext uri="{FF2B5EF4-FFF2-40B4-BE49-F238E27FC236}">
+                <a16:creationId xmlns:a16="http://schemas.microsoft.com/office/drawing/2014/main" id="{F2EE50EF-1C64-4D24-A8FC-FEB31ECABF02}"/>
+              </a:ext>
+            </a:extLst>
+          </p:cNvPr>
+          <p:cNvSpPr/>
+          <p:nvPr/>
+        </p:nvSpPr>
+        <p:spPr>
+          <a:xfrm>
+            <a:off x="2743201" y="4469067"/>
+            <a:ext cx="7162799" cy="2388931"/>
+          </a:xfrm>
+          <a:prstGeom prst="rect">
+            <a:avLst/>
+          </a:prstGeom>
+          <a:solidFill>
+            <a:schemeClr val="bg1">
+              <a:lumMod val="95000"/>
+            </a:schemeClr>
+          </a:solidFill>
+          <a:ln>
+            <a:noFill/>
+          </a:ln>
+        </p:spPr>
+        <p:style>
+          <a:lnRef idx="2">
+            <a:schemeClr val="accent1">
+              <a:shade val="50000"/>
+            </a:schemeClr>
+          </a:lnRef>
+          <a:fillRef idx="1">
+            <a:schemeClr val="accent1"/>
+          </a:fillRef>
+          <a:effectRef idx="0">
+            <a:schemeClr val="accent1"/>
+          </a:effectRef>
+          <a:fontRef idx="minor">
+            <a:schemeClr val="lt1"/>
+          </a:fontRef>
+        </p:style>
+        <p:txBody>
+          <a:bodyPr rtlCol="0" anchor="ctr"/>
+          <a:lstStyle/>
+          <a:p>
+            <a:endParaRPr lang="en-US" altLang="ko-KR" sz="1200" kern="0" dirty="0">
+              <a:solidFill>
+                <a:srgbClr val="000000"/>
+              </a:solidFill>
+              <a:latin typeface="+mn-ea"/>
+            </a:endParaRPr>
+          </a:p>
+          <a:p>
+            <a:endParaRPr lang="en-US" altLang="ko-KR" sz="1200" kern="0" spc="0" dirty="0">
+              <a:solidFill>
+                <a:srgbClr val="000000"/>
+              </a:solidFill>
+              <a:effectLst/>
+              <a:latin typeface="+mn-ea"/>
+            </a:endParaRPr>
+          </a:p>
+          <a:p>
+            <a:endParaRPr lang="en-US" altLang="ko-KR" sz="1200" kern="0" spc="0" dirty="0">
+              <a:solidFill>
+                <a:srgbClr val="000000"/>
+              </a:solidFill>
+              <a:effectLst/>
+              <a:latin typeface="+mn-ea"/>
+            </a:endParaRPr>
+          </a:p>
+        </p:txBody>
+      </p:sp>
+      <p:grpSp>
+        <p:nvGrpSpPr>
+          <p:cNvPr id="31" name="그룹 30">
+            <a:extLst>
+              <a:ext uri="{FF2B5EF4-FFF2-40B4-BE49-F238E27FC236}">
+                <a16:creationId xmlns:a16="http://schemas.microsoft.com/office/drawing/2014/main" id="{466D0EF9-BADE-427D-91D6-1EF0D4516307}"/>
+              </a:ext>
+            </a:extLst>
+          </p:cNvPr>
+          <p:cNvGrpSpPr/>
+          <p:nvPr/>
+        </p:nvGrpSpPr>
+        <p:grpSpPr>
+          <a:xfrm>
+            <a:off x="276836" y="269845"/>
+            <a:ext cx="2171089" cy="977409"/>
+            <a:chOff x="276836" y="269845"/>
+            <a:chExt cx="2171089" cy="977409"/>
+          </a:xfrm>
+        </p:grpSpPr>
+        <p:sp>
+          <p:nvSpPr>
+            <p:cNvPr id="6" name="TextBox 5">
+              <a:extLst>
+                <a:ext uri="{FF2B5EF4-FFF2-40B4-BE49-F238E27FC236}">
+                  <a16:creationId xmlns:a16="http://schemas.microsoft.com/office/drawing/2014/main" id="{EA58E314-C773-4F36-8C88-B79D5D98B4F8}"/>
+                </a:ext>
+              </a:extLst>
+            </p:cNvPr>
+            <p:cNvSpPr txBox="1"/>
+            <p:nvPr/>
+          </p:nvSpPr>
+          <p:spPr>
+            <a:xfrm>
+              <a:off x="276836" y="269845"/>
+              <a:ext cx="800219" cy="338554"/>
+            </a:xfrm>
+            <a:prstGeom prst="rect">
+              <a:avLst/>
+            </a:prstGeom>
+            <a:noFill/>
+          </p:spPr>
+          <p:txBody>
+            <a:bodyPr wrap="none" rtlCol="0">
+              <a:spAutoFit/>
+            </a:bodyPr>
+            <a:lstStyle/>
+            <a:p>
+              <a:r>
+                <a:rPr lang="ko-KR" altLang="en-US" sz="1600" b="1" dirty="0">
+                  <a:solidFill>
+                    <a:schemeClr val="bg1"/>
+                  </a:solidFill>
+                </a:rPr>
+                <a:t>과제명</a:t>
+              </a:r>
+            </a:p>
+          </p:txBody>
+        </p:sp>
+        <p:sp>
+          <p:nvSpPr>
+            <p:cNvPr id="10" name="TextBox 9">
+              <a:extLst>
+                <a:ext uri="{FF2B5EF4-FFF2-40B4-BE49-F238E27FC236}">
+                  <a16:creationId xmlns:a16="http://schemas.microsoft.com/office/drawing/2014/main" id="{E2FC9F57-DA73-432C-ADB1-4C65C38E146D}"/>
+                </a:ext>
+              </a:extLst>
+            </p:cNvPr>
+            <p:cNvSpPr txBox="1"/>
+            <p:nvPr/>
+          </p:nvSpPr>
+          <p:spPr>
+            <a:xfrm>
+              <a:off x="276836" y="600923"/>
+              <a:ext cx="2171089" cy="646331"/>
+            </a:xfrm>
+            <a:prstGeom prst="rect">
+              <a:avLst/>
+            </a:prstGeom>
+            <a:noFill/>
+          </p:spPr>
+          <p:txBody>
+            <a:bodyPr wrap="square" rtlCol="0">
+              <a:spAutoFit/>
+            </a:bodyPr>
+            <a:lstStyle/>
+            <a:p>
+              <a:r>
+                <a:rPr lang="ko-KR" altLang="en-US" sz="1200" dirty="0"/>
+                <a:t>ㅁㅈㅁㅈ</a:t>
+              </a:r>
+              <a:endParaRPr lang="en-US" altLang="ko-KR" sz="1200" dirty="0"/>
+            </a:p>
+            <a:p>
+              <a:r>
+                <a:rPr lang="en-US" altLang="ko-KR" sz="1200" dirty="0"/>
+                <a:t>- </a:t>
+              </a:r>
+              <a:r>
+                <a:rPr lang="ko-KR" altLang="en-US" sz="1200" dirty="0"/>
+                <a:t>좋아하는 연예인의 착용 제품을 찾아주는 쇼핑 플랫폼 </a:t>
+              </a:r>
+              <a:endParaRPr lang="en-US" altLang="ko-KR" sz="1200" dirty="0"/>
+            </a:p>
+          </p:txBody>
+        </p:sp>
+      </p:grpSp>
+      <p:grpSp>
+        <p:nvGrpSpPr>
+          <p:cNvPr id="30" name="그룹 29">
+            <a:extLst>
+              <a:ext uri="{FF2B5EF4-FFF2-40B4-BE49-F238E27FC236}">
+                <a16:creationId xmlns:a16="http://schemas.microsoft.com/office/drawing/2014/main" id="{956FCDD1-8102-469E-963F-8CF798D512DC}"/>
+              </a:ext>
+            </a:extLst>
+          </p:cNvPr>
+          <p:cNvGrpSpPr/>
+          <p:nvPr/>
+        </p:nvGrpSpPr>
+        <p:grpSpPr>
+          <a:xfrm>
+            <a:off x="276835" y="1456899"/>
+            <a:ext cx="2171089" cy="608077"/>
+            <a:chOff x="276836" y="1474033"/>
+            <a:chExt cx="2171089" cy="608077"/>
+          </a:xfrm>
+        </p:grpSpPr>
+        <p:sp>
+          <p:nvSpPr>
+            <p:cNvPr id="11" name="TextBox 10">
+              <a:extLst>
+                <a:ext uri="{FF2B5EF4-FFF2-40B4-BE49-F238E27FC236}">
+                  <a16:creationId xmlns:a16="http://schemas.microsoft.com/office/drawing/2014/main" id="{A11D4FEC-A08E-42DB-9970-9FD7B36730CB}"/>
+                </a:ext>
+              </a:extLst>
+            </p:cNvPr>
+            <p:cNvSpPr txBox="1"/>
+            <p:nvPr/>
+          </p:nvSpPr>
+          <p:spPr>
+            <a:xfrm>
+              <a:off x="276836" y="1474033"/>
+              <a:ext cx="1005403" cy="338554"/>
+            </a:xfrm>
+            <a:prstGeom prst="rect">
+              <a:avLst/>
+            </a:prstGeom>
+            <a:noFill/>
+          </p:spPr>
+          <p:txBody>
+            <a:bodyPr wrap="none" rtlCol="0">
+              <a:spAutoFit/>
+            </a:bodyPr>
+            <a:lstStyle/>
+            <a:p>
+              <a:r>
+                <a:rPr lang="ko-KR" altLang="en-US" sz="1600" b="1" dirty="0">
+                  <a:solidFill>
+                    <a:schemeClr val="bg1"/>
+                  </a:solidFill>
+                </a:rPr>
+                <a:t>화면이름</a:t>
+              </a:r>
+            </a:p>
+          </p:txBody>
+        </p:sp>
+        <p:sp>
+          <p:nvSpPr>
+            <p:cNvPr id="12" name="TextBox 11">
+              <a:extLst>
+                <a:ext uri="{FF2B5EF4-FFF2-40B4-BE49-F238E27FC236}">
+                  <a16:creationId xmlns:a16="http://schemas.microsoft.com/office/drawing/2014/main" id="{95279311-CDE0-44BF-8410-51979300FD53}"/>
+                </a:ext>
+              </a:extLst>
+            </p:cNvPr>
+            <p:cNvSpPr txBox="1"/>
+            <p:nvPr/>
+          </p:nvSpPr>
+          <p:spPr>
+            <a:xfrm>
+              <a:off x="276836" y="1805111"/>
+              <a:ext cx="2171089" cy="276999"/>
+            </a:xfrm>
+            <a:prstGeom prst="rect">
+              <a:avLst/>
+            </a:prstGeom>
+            <a:noFill/>
+          </p:spPr>
+          <p:txBody>
+            <a:bodyPr wrap="square" rtlCol="0">
+              <a:spAutoFit/>
+            </a:bodyPr>
+            <a:lstStyle/>
+            <a:p>
+              <a:r>
+                <a:rPr lang="ko-KR" altLang="en-US" sz="1200" dirty="0"/>
+                <a:t>비밀번호 수정</a:t>
+              </a:r>
+              <a:endParaRPr lang="en-US" altLang="ko-KR" sz="1200" dirty="0"/>
+            </a:p>
+          </p:txBody>
+        </p:sp>
+      </p:grpSp>
+      <p:grpSp>
+        <p:nvGrpSpPr>
+          <p:cNvPr id="29" name="그룹 28">
+            <a:extLst>
+              <a:ext uri="{FF2B5EF4-FFF2-40B4-BE49-F238E27FC236}">
+                <a16:creationId xmlns:a16="http://schemas.microsoft.com/office/drawing/2014/main" id="{CE8B1C68-700F-45A9-8016-5ED0A02FFBE2}"/>
+              </a:ext>
+            </a:extLst>
+          </p:cNvPr>
+          <p:cNvGrpSpPr/>
+          <p:nvPr/>
+        </p:nvGrpSpPr>
+        <p:grpSpPr>
+          <a:xfrm>
+            <a:off x="276835" y="2297123"/>
+            <a:ext cx="2171089" cy="608077"/>
+            <a:chOff x="276836" y="2678221"/>
+            <a:chExt cx="2171089" cy="608077"/>
+          </a:xfrm>
+        </p:grpSpPr>
+        <p:sp>
+          <p:nvSpPr>
+            <p:cNvPr id="13" name="TextBox 12">
+              <a:extLst>
+                <a:ext uri="{FF2B5EF4-FFF2-40B4-BE49-F238E27FC236}">
+                  <a16:creationId xmlns:a16="http://schemas.microsoft.com/office/drawing/2014/main" id="{8A754930-80DC-40A4-874B-EBE42B054C69}"/>
+                </a:ext>
+              </a:extLst>
+            </p:cNvPr>
+            <p:cNvSpPr txBox="1"/>
+            <p:nvPr/>
+          </p:nvSpPr>
+          <p:spPr>
+            <a:xfrm>
+              <a:off x="276836" y="2678221"/>
+              <a:ext cx="1005403" cy="338554"/>
+            </a:xfrm>
+            <a:prstGeom prst="rect">
+              <a:avLst/>
+            </a:prstGeom>
+            <a:noFill/>
+          </p:spPr>
+          <p:txBody>
+            <a:bodyPr wrap="none" rtlCol="0">
+              <a:spAutoFit/>
+            </a:bodyPr>
+            <a:lstStyle/>
+            <a:p>
+              <a:r>
+                <a:rPr lang="ko-KR" altLang="en-US" sz="1600" b="1" dirty="0">
+                  <a:solidFill>
+                    <a:schemeClr val="bg1"/>
+                  </a:solidFill>
+                </a:rPr>
+                <a:t>화면코드</a:t>
+              </a:r>
+            </a:p>
+          </p:txBody>
+        </p:sp>
+        <p:sp>
+          <p:nvSpPr>
+            <p:cNvPr id="14" name="TextBox 13">
+              <a:extLst>
+                <a:ext uri="{FF2B5EF4-FFF2-40B4-BE49-F238E27FC236}">
+                  <a16:creationId xmlns:a16="http://schemas.microsoft.com/office/drawing/2014/main" id="{A23439F9-C374-4017-AD5C-0C17D06FDD60}"/>
+                </a:ext>
+              </a:extLst>
+            </p:cNvPr>
+            <p:cNvSpPr txBox="1"/>
+            <p:nvPr/>
+          </p:nvSpPr>
+          <p:spPr>
+            <a:xfrm>
+              <a:off x="276836" y="3009299"/>
+              <a:ext cx="2171089" cy="276999"/>
+            </a:xfrm>
+            <a:prstGeom prst="rect">
+              <a:avLst/>
+            </a:prstGeom>
+            <a:noFill/>
+          </p:spPr>
+          <p:txBody>
+            <a:bodyPr wrap="square" rtlCol="0">
+              <a:spAutoFit/>
+            </a:bodyPr>
+            <a:lstStyle/>
+            <a:p>
+              <a:r>
+                <a:rPr lang="en-US" altLang="ko-KR" sz="1200" dirty="0"/>
+                <a:t>modify</a:t>
+              </a:r>
+            </a:p>
+          </p:txBody>
+        </p:sp>
+      </p:grpSp>
+      <p:grpSp>
+        <p:nvGrpSpPr>
+          <p:cNvPr id="28" name="그룹 27">
+            <a:extLst>
+              <a:ext uri="{FF2B5EF4-FFF2-40B4-BE49-F238E27FC236}">
+                <a16:creationId xmlns:a16="http://schemas.microsoft.com/office/drawing/2014/main" id="{3B60CFA0-0763-417B-8AE3-E4433CBD2755}"/>
+              </a:ext>
+            </a:extLst>
+          </p:cNvPr>
+          <p:cNvGrpSpPr/>
+          <p:nvPr/>
+        </p:nvGrpSpPr>
+        <p:grpSpPr>
+          <a:xfrm>
+            <a:off x="276836" y="3104991"/>
+            <a:ext cx="2171089" cy="608077"/>
+            <a:chOff x="276836" y="3666966"/>
+            <a:chExt cx="2171089" cy="608077"/>
+          </a:xfrm>
+        </p:grpSpPr>
+        <p:sp>
+          <p:nvSpPr>
+            <p:cNvPr id="15" name="TextBox 14">
+              <a:extLst>
+                <a:ext uri="{FF2B5EF4-FFF2-40B4-BE49-F238E27FC236}">
+                  <a16:creationId xmlns:a16="http://schemas.microsoft.com/office/drawing/2014/main" id="{9DBDFEAB-84D3-47DC-AEB0-DD14BE3C3381}"/>
+                </a:ext>
+              </a:extLst>
+            </p:cNvPr>
+            <p:cNvSpPr txBox="1"/>
+            <p:nvPr/>
+          </p:nvSpPr>
+          <p:spPr>
+            <a:xfrm>
+              <a:off x="276836" y="3666966"/>
+              <a:ext cx="800219" cy="338554"/>
+            </a:xfrm>
+            <a:prstGeom prst="rect">
+              <a:avLst/>
+            </a:prstGeom>
+            <a:noFill/>
+          </p:spPr>
+          <p:txBody>
+            <a:bodyPr wrap="none" rtlCol="0">
+              <a:spAutoFit/>
+            </a:bodyPr>
+            <a:lstStyle/>
+            <a:p>
+              <a:r>
+                <a:rPr lang="ko-KR" altLang="en-US" sz="1600" b="1" dirty="0">
+                  <a:solidFill>
+                    <a:schemeClr val="bg1"/>
+                  </a:solidFill>
+                </a:rPr>
+                <a:t>작성자</a:t>
+              </a:r>
+            </a:p>
+          </p:txBody>
+        </p:sp>
+        <p:sp>
+          <p:nvSpPr>
+            <p:cNvPr id="16" name="TextBox 15">
+              <a:extLst>
+                <a:ext uri="{FF2B5EF4-FFF2-40B4-BE49-F238E27FC236}">
+                  <a16:creationId xmlns:a16="http://schemas.microsoft.com/office/drawing/2014/main" id="{AE876C31-DEE5-4929-A872-47CFFD6D977C}"/>
+                </a:ext>
+              </a:extLst>
+            </p:cNvPr>
+            <p:cNvSpPr txBox="1"/>
+            <p:nvPr/>
+          </p:nvSpPr>
+          <p:spPr>
+            <a:xfrm>
+              <a:off x="276836" y="3998044"/>
+              <a:ext cx="2171089" cy="276999"/>
+            </a:xfrm>
+            <a:prstGeom prst="rect">
+              <a:avLst/>
+            </a:prstGeom>
+            <a:noFill/>
+          </p:spPr>
+          <p:txBody>
+            <a:bodyPr wrap="square" rtlCol="0">
+              <a:spAutoFit/>
+            </a:bodyPr>
+            <a:lstStyle/>
+            <a:p>
+              <a:r>
+                <a:rPr lang="ko-KR" altLang="en-US" sz="1200" dirty="0"/>
+                <a:t>팀원</a:t>
+              </a:r>
+              <a:r>
+                <a:rPr lang="en-US" altLang="ko-KR" sz="1200" dirty="0"/>
+                <a:t>: </a:t>
+              </a:r>
+              <a:r>
+                <a:rPr lang="ko-KR" altLang="en-US" sz="1200" dirty="0"/>
+                <a:t>이예지</a:t>
+              </a:r>
+              <a:endParaRPr lang="en-US" altLang="ko-KR" sz="1200" dirty="0"/>
+            </a:p>
+          </p:txBody>
+        </p:sp>
+      </p:grpSp>
+      <p:sp>
+        <p:nvSpPr>
+          <p:cNvPr id="18" name="TextBox 17">
+            <a:extLst>
+              <a:ext uri="{FF2B5EF4-FFF2-40B4-BE49-F238E27FC236}">
+                <a16:creationId xmlns:a16="http://schemas.microsoft.com/office/drawing/2014/main" id="{17EFCDDE-1130-408D-9BF1-4DAA52C217DC}"/>
+              </a:ext>
+            </a:extLst>
+          </p:cNvPr>
+          <p:cNvSpPr txBox="1"/>
+          <p:nvPr/>
+        </p:nvSpPr>
+        <p:spPr>
+          <a:xfrm>
+            <a:off x="2724761" y="4495614"/>
+            <a:ext cx="1005403" cy="338554"/>
+          </a:xfrm>
+          <a:prstGeom prst="rect">
+            <a:avLst/>
+          </a:prstGeom>
+          <a:noFill/>
+        </p:spPr>
+        <p:txBody>
+          <a:bodyPr wrap="none" rtlCol="0">
+            <a:spAutoFit/>
+          </a:bodyPr>
+          <a:lstStyle/>
+          <a:p>
+            <a:r>
+              <a:rPr lang="ko-KR" altLang="en-US" sz="1600" b="1" dirty="0"/>
+              <a:t>화면설명</a:t>
+            </a:r>
+          </a:p>
+        </p:txBody>
+      </p:sp>
+      <p:grpSp>
+        <p:nvGrpSpPr>
+          <p:cNvPr id="32" name="그룹 31">
+            <a:extLst>
+              <a:ext uri="{FF2B5EF4-FFF2-40B4-BE49-F238E27FC236}">
+                <a16:creationId xmlns:a16="http://schemas.microsoft.com/office/drawing/2014/main" id="{CA1DD512-4BF6-481A-95B3-0402591A68BA}"/>
+              </a:ext>
+            </a:extLst>
+          </p:cNvPr>
+          <p:cNvGrpSpPr/>
+          <p:nvPr/>
+        </p:nvGrpSpPr>
+        <p:grpSpPr>
+          <a:xfrm>
+            <a:off x="276836" y="3936433"/>
+            <a:ext cx="2171089" cy="608077"/>
+            <a:chOff x="276836" y="269845"/>
+            <a:chExt cx="2171089" cy="608077"/>
+          </a:xfrm>
+        </p:grpSpPr>
+        <p:sp>
+          <p:nvSpPr>
+            <p:cNvPr id="33" name="TextBox 32">
+              <a:extLst>
+                <a:ext uri="{FF2B5EF4-FFF2-40B4-BE49-F238E27FC236}">
+                  <a16:creationId xmlns:a16="http://schemas.microsoft.com/office/drawing/2014/main" id="{E2C757D1-6594-4C66-81E7-820AE4027158}"/>
+                </a:ext>
+              </a:extLst>
+            </p:cNvPr>
+            <p:cNvSpPr txBox="1"/>
+            <p:nvPr/>
+          </p:nvSpPr>
+          <p:spPr>
+            <a:xfrm>
+              <a:off x="276836" y="269845"/>
+              <a:ext cx="1005403" cy="338554"/>
+            </a:xfrm>
+            <a:prstGeom prst="rect">
+              <a:avLst/>
+            </a:prstGeom>
+            <a:noFill/>
+          </p:spPr>
+          <p:txBody>
+            <a:bodyPr wrap="none" rtlCol="0">
+              <a:spAutoFit/>
+            </a:bodyPr>
+            <a:lstStyle/>
+            <a:p>
+              <a:r>
+                <a:rPr lang="ko-KR" altLang="en-US" sz="1600" b="1" dirty="0">
+                  <a:solidFill>
+                    <a:schemeClr val="bg1"/>
+                  </a:solidFill>
+                </a:rPr>
+                <a:t>유의사항</a:t>
+              </a:r>
+            </a:p>
+          </p:txBody>
+        </p:sp>
+        <p:sp>
+          <p:nvSpPr>
+            <p:cNvPr id="34" name="TextBox 33">
+              <a:extLst>
+                <a:ext uri="{FF2B5EF4-FFF2-40B4-BE49-F238E27FC236}">
+                  <a16:creationId xmlns:a16="http://schemas.microsoft.com/office/drawing/2014/main" id="{D86AE12A-76EC-49AD-A2BE-EBED9566CBB2}"/>
+                </a:ext>
+              </a:extLst>
+            </p:cNvPr>
+            <p:cNvSpPr txBox="1"/>
+            <p:nvPr/>
+          </p:nvSpPr>
+          <p:spPr>
+            <a:xfrm>
+              <a:off x="276836" y="600923"/>
+              <a:ext cx="2171089" cy="276999"/>
+            </a:xfrm>
+            <a:prstGeom prst="rect">
+              <a:avLst/>
+            </a:prstGeom>
+            <a:noFill/>
+          </p:spPr>
+          <p:txBody>
+            <a:bodyPr wrap="square" rtlCol="0">
+              <a:spAutoFit/>
+            </a:bodyPr>
+            <a:lstStyle/>
+            <a:p>
+              <a:endParaRPr lang="en-US" altLang="ko-KR" sz="1200" dirty="0">
+                <a:solidFill>
+                  <a:schemeClr val="bg1"/>
+                </a:solidFill>
+              </a:endParaRPr>
+            </a:p>
+          </p:txBody>
+        </p:sp>
+      </p:grpSp>
+      <p:sp>
+        <p:nvSpPr>
+          <p:cNvPr id="77" name="TextBox 76">
+            <a:extLst>
+              <a:ext uri="{FF2B5EF4-FFF2-40B4-BE49-F238E27FC236}">
+                <a16:creationId xmlns:a16="http://schemas.microsoft.com/office/drawing/2014/main" id="{18FB9613-EB5E-E58D-7CA9-4A2B2C06F199}"/>
+              </a:ext>
+            </a:extLst>
+          </p:cNvPr>
+          <p:cNvSpPr txBox="1"/>
+          <p:nvPr/>
+        </p:nvSpPr>
+        <p:spPr>
+          <a:xfrm>
+            <a:off x="2743201" y="4742801"/>
+            <a:ext cx="7162799" cy="523220"/>
+          </a:xfrm>
+          <a:prstGeom prst="rect">
+            <a:avLst/>
+          </a:prstGeom>
+          <a:noFill/>
+        </p:spPr>
+        <p:txBody>
+          <a:bodyPr wrap="square" rtlCol="0">
+            <a:spAutoFit/>
+          </a:bodyPr>
+          <a:lstStyle/>
+          <a:p>
+            <a:r>
+              <a:rPr lang="ko-KR" altLang="en-US" sz="1400" kern="0" spc="0" dirty="0">
+                <a:solidFill>
+                  <a:srgbClr val="000000"/>
+                </a:solidFill>
+                <a:effectLst/>
+                <a:latin typeface="+mn-ea"/>
+              </a:rPr>
+              <a:t>① </a:t>
+            </a:r>
+            <a:r>
+              <a:rPr lang="en-US" altLang="ko-KR" sz="1400" kern="0" spc="0" dirty="0">
+                <a:solidFill>
+                  <a:srgbClr val="000000"/>
+                </a:solidFill>
+                <a:effectLst/>
+                <a:latin typeface="+mn-ea"/>
+              </a:rPr>
+              <a:t>login</a:t>
+            </a:r>
+            <a:r>
+              <a:rPr lang="ko-KR" altLang="en-US" sz="1400" kern="0" spc="0" dirty="0">
+                <a:solidFill>
+                  <a:srgbClr val="000000"/>
+                </a:solidFill>
+                <a:effectLst/>
+                <a:latin typeface="+mn-ea"/>
+              </a:rPr>
+              <a:t>으</a:t>
+            </a:r>
+            <a:r>
+              <a:rPr lang="ko-KR" altLang="en-US" sz="1400" b="0" i="0" dirty="0">
+                <a:solidFill>
+                  <a:srgbClr val="333333"/>
+                </a:solidFill>
+                <a:effectLst/>
+                <a:latin typeface="-apple-system"/>
+              </a:rPr>
+              <a:t>로 이동</a:t>
+            </a:r>
+            <a:endParaRPr lang="en-US" altLang="ko-KR" sz="1400" kern="0" spc="0" dirty="0">
+              <a:solidFill>
+                <a:srgbClr val="000000"/>
+              </a:solidFill>
+              <a:effectLst/>
+              <a:latin typeface="+mn-ea"/>
+            </a:endParaRPr>
+          </a:p>
+          <a:p>
+            <a:r>
+              <a:rPr lang="ko-KR" altLang="en-US" sz="1400" kern="0" spc="0" dirty="0">
+                <a:solidFill>
+                  <a:srgbClr val="000000"/>
+                </a:solidFill>
+                <a:effectLst/>
+                <a:latin typeface="+mn-ea"/>
+              </a:rPr>
+              <a:t>② </a:t>
+            </a:r>
+            <a:r>
+              <a:rPr lang="en-US" altLang="ko-KR" sz="1400" kern="0" dirty="0">
+                <a:solidFill>
+                  <a:srgbClr val="333333"/>
+                </a:solidFill>
+                <a:effectLst/>
+                <a:latin typeface="-apple-system"/>
+              </a:rPr>
+              <a:t>index</a:t>
+            </a:r>
+            <a:r>
+              <a:rPr lang="ko-KR" altLang="en-US" sz="1400" kern="0" spc="0" dirty="0">
+                <a:solidFill>
+                  <a:srgbClr val="000000"/>
+                </a:solidFill>
+                <a:effectLst/>
+                <a:latin typeface="+mn-ea"/>
+              </a:rPr>
+              <a:t>로 이동</a:t>
+            </a:r>
+            <a:endParaRPr lang="en-US" altLang="ko-KR" sz="1400" kern="0" spc="0" dirty="0">
+              <a:solidFill>
+                <a:srgbClr val="000000"/>
+              </a:solidFill>
+              <a:effectLst/>
+              <a:latin typeface="+mn-ea"/>
+            </a:endParaRPr>
+          </a:p>
+        </p:txBody>
+      </p:sp>
+      <p:sp>
+        <p:nvSpPr>
+          <p:cNvPr id="9" name="TextBox 8">
+            <a:extLst>
+              <a:ext uri="{FF2B5EF4-FFF2-40B4-BE49-F238E27FC236}">
+                <a16:creationId xmlns:a16="http://schemas.microsoft.com/office/drawing/2014/main" id="{5CB973A6-06C5-E52A-3D21-F7C74ED48343}"/>
+              </a:ext>
+            </a:extLst>
+          </p:cNvPr>
+          <p:cNvSpPr txBox="1"/>
+          <p:nvPr/>
+        </p:nvSpPr>
+        <p:spPr>
+          <a:xfrm>
+            <a:off x="5486402" y="2507758"/>
+            <a:ext cx="370002" cy="369332"/>
+          </a:xfrm>
+          <a:prstGeom prst="rect">
+            <a:avLst/>
+          </a:prstGeom>
+          <a:noFill/>
+        </p:spPr>
+        <p:txBody>
+          <a:bodyPr wrap="square">
+            <a:spAutoFit/>
+          </a:bodyPr>
+          <a:lstStyle/>
+          <a:p>
+            <a:r>
+              <a:rPr lang="ko-KR" altLang="en-US" sz="1800" b="1" kern="0" spc="0" dirty="0">
+                <a:solidFill>
+                  <a:srgbClr val="000000"/>
+                </a:solidFill>
+                <a:effectLst/>
+                <a:latin typeface="+mn-ea"/>
+              </a:rPr>
+              <a:t>①</a:t>
+            </a:r>
+            <a:endParaRPr lang="ko-KR" altLang="en-US" b="1" dirty="0"/>
+          </a:p>
+        </p:txBody>
+      </p:sp>
+      <p:sp>
+        <p:nvSpPr>
+          <p:cNvPr id="20" name="TextBox 19">
+            <a:extLst>
+              <a:ext uri="{FF2B5EF4-FFF2-40B4-BE49-F238E27FC236}">
+                <a16:creationId xmlns:a16="http://schemas.microsoft.com/office/drawing/2014/main" id="{00BC6D5B-9CB2-91AB-8F72-7229A83F0EAA}"/>
+              </a:ext>
+            </a:extLst>
+          </p:cNvPr>
+          <p:cNvSpPr txBox="1"/>
+          <p:nvPr/>
+        </p:nvSpPr>
+        <p:spPr>
+          <a:xfrm>
+            <a:off x="4772712" y="2877090"/>
+            <a:ext cx="360575" cy="369332"/>
+          </a:xfrm>
+          <a:prstGeom prst="rect">
+            <a:avLst/>
+          </a:prstGeom>
+          <a:noFill/>
+        </p:spPr>
+        <p:txBody>
+          <a:bodyPr wrap="square">
+            <a:spAutoFit/>
+          </a:bodyPr>
+          <a:lstStyle/>
+          <a:p>
+            <a:r>
+              <a:rPr lang="ko-KR" altLang="en-US" sz="1800" b="1" kern="0" spc="0" dirty="0">
+                <a:solidFill>
+                  <a:srgbClr val="000000"/>
+                </a:solidFill>
+                <a:effectLst/>
+                <a:latin typeface="+mn-ea"/>
+              </a:rPr>
+              <a:t>②</a:t>
+            </a:r>
+            <a:endParaRPr lang="ko-KR" altLang="en-US" b="1" dirty="0"/>
+          </a:p>
+        </p:txBody>
+      </p:sp>
     </p:spTree>
     <p:extLst>
       <p:ext uri="{BB962C8B-B14F-4D97-AF65-F5344CB8AC3E}">
-        <p14:creationId xmlns:p14="http://schemas.microsoft.com/office/powerpoint/2010/main" val="2248458959"/>
+        <p14:creationId xmlns:p14="http://schemas.microsoft.com/office/powerpoint/2010/main" val="2723560188"/>
       </p:ext>
     </p:extLst>
   </p:cSld>

--- a/1. 산출문서/화면설계서(실전)/화면설계서_서식(1조. HappyVirus) (실전).pptx
+++ b/1. 산출문서/화면설계서(실전)/화면설계서_서식(1조. HappyVirus) (실전).pptx
@@ -5,30 +5,28 @@
     <p:sldMasterId id="2147483660" r:id="rId1"/>
   </p:sldMasterIdLst>
   <p:notesMasterIdLst>
-    <p:notesMasterId r:id="rId23"/>
+    <p:notesMasterId r:id="rId21"/>
   </p:notesMasterIdLst>
   <p:sldIdLst>
     <p:sldId id="257" r:id="rId2"/>
     <p:sldId id="299" r:id="rId3"/>
     <p:sldId id="314" r:id="rId4"/>
     <p:sldId id="313" r:id="rId5"/>
-    <p:sldId id="364" r:id="rId6"/>
+    <p:sldId id="384" r:id="rId6"/>
     <p:sldId id="392" r:id="rId7"/>
     <p:sldId id="379" r:id="rId8"/>
     <p:sldId id="393" r:id="rId9"/>
-    <p:sldId id="394" r:id="rId10"/>
-    <p:sldId id="380" r:id="rId11"/>
-    <p:sldId id="381" r:id="rId12"/>
-    <p:sldId id="382" r:id="rId13"/>
-    <p:sldId id="391" r:id="rId14"/>
-    <p:sldId id="384" r:id="rId15"/>
-    <p:sldId id="385" r:id="rId16"/>
-    <p:sldId id="390" r:id="rId17"/>
-    <p:sldId id="386" r:id="rId18"/>
-    <p:sldId id="387" r:id="rId19"/>
-    <p:sldId id="388" r:id="rId20"/>
-    <p:sldId id="389" r:id="rId21"/>
-    <p:sldId id="338" r:id="rId22"/>
+    <p:sldId id="380" r:id="rId10"/>
+    <p:sldId id="381" r:id="rId11"/>
+    <p:sldId id="382" r:id="rId12"/>
+    <p:sldId id="391" r:id="rId13"/>
+    <p:sldId id="385" r:id="rId14"/>
+    <p:sldId id="390" r:id="rId15"/>
+    <p:sldId id="386" r:id="rId16"/>
+    <p:sldId id="387" r:id="rId17"/>
+    <p:sldId id="388" r:id="rId18"/>
+    <p:sldId id="389" r:id="rId19"/>
+    <p:sldId id="338" r:id="rId20"/>
   </p:sldIdLst>
   <p:sldSz cx="9906000" cy="6858000" type="A4"/>
   <p:notesSz cx="6858000" cy="9144000"/>
@@ -217,7 +215,7 @@
           <a:p>
             <a:fld id="{A7E5D514-4841-4DBD-89D8-5BD5E2EF99F8}" type="datetimeFigureOut">
               <a:rPr lang="ko-KR" altLang="en-US" smtClean="0"/>
-              <a:t>2023-01-27</a:t>
+              <a:t>2023-01-30</a:t>
             </a:fld>
             <a:endParaRPr lang="ko-KR" altLang="en-US"/>
           </a:p>
@@ -693,7 +691,7 @@
     </p:spTree>
     <p:extLst>
       <p:ext uri="{BB962C8B-B14F-4D97-AF65-F5344CB8AC3E}">
-        <p14:creationId xmlns:p14="http://schemas.microsoft.com/office/powerpoint/2010/main" val="2500363284"/>
+        <p14:creationId xmlns:p14="http://schemas.microsoft.com/office/powerpoint/2010/main" val="2426007080"/>
       </p:ext>
     </p:extLst>
   </p:cSld>
@@ -814,7 +812,7 @@
     </p:spTree>
     <p:extLst>
       <p:ext uri="{BB962C8B-B14F-4D97-AF65-F5344CB8AC3E}">
-        <p14:creationId xmlns:p14="http://schemas.microsoft.com/office/powerpoint/2010/main" val="2426007080"/>
+        <p14:creationId xmlns:p14="http://schemas.microsoft.com/office/powerpoint/2010/main" val="1093541201"/>
       </p:ext>
     </p:extLst>
   </p:cSld>
@@ -935,7 +933,7 @@
     </p:spTree>
     <p:extLst>
       <p:ext uri="{BB962C8B-B14F-4D97-AF65-F5344CB8AC3E}">
-        <p14:creationId xmlns:p14="http://schemas.microsoft.com/office/powerpoint/2010/main" val="1093541201"/>
+        <p14:creationId xmlns:p14="http://schemas.microsoft.com/office/powerpoint/2010/main" val="1171228699"/>
       </p:ext>
     </p:extLst>
   </p:cSld>
@@ -1056,7 +1054,7 @@
     </p:spTree>
     <p:extLst>
       <p:ext uri="{BB962C8B-B14F-4D97-AF65-F5344CB8AC3E}">
-        <p14:creationId xmlns:p14="http://schemas.microsoft.com/office/powerpoint/2010/main" val="3415562735"/>
+        <p14:creationId xmlns:p14="http://schemas.microsoft.com/office/powerpoint/2010/main" val="1278200739"/>
       </p:ext>
     </p:extLst>
   </p:cSld>
@@ -1177,7 +1175,7 @@
     </p:spTree>
     <p:extLst>
       <p:ext uri="{BB962C8B-B14F-4D97-AF65-F5344CB8AC3E}">
-        <p14:creationId xmlns:p14="http://schemas.microsoft.com/office/powerpoint/2010/main" val="1171228699"/>
+        <p14:creationId xmlns:p14="http://schemas.microsoft.com/office/powerpoint/2010/main" val="2356931476"/>
       </p:ext>
     </p:extLst>
   </p:cSld>
@@ -1298,7 +1296,7 @@
     </p:spTree>
     <p:extLst>
       <p:ext uri="{BB962C8B-B14F-4D97-AF65-F5344CB8AC3E}">
-        <p14:creationId xmlns:p14="http://schemas.microsoft.com/office/powerpoint/2010/main" val="1278200739"/>
+        <p14:creationId xmlns:p14="http://schemas.microsoft.com/office/powerpoint/2010/main" val="969610627"/>
       </p:ext>
     </p:extLst>
   </p:cSld>
@@ -1419,7 +1417,7 @@
     </p:spTree>
     <p:extLst>
       <p:ext uri="{BB962C8B-B14F-4D97-AF65-F5344CB8AC3E}">
-        <p14:creationId xmlns:p14="http://schemas.microsoft.com/office/powerpoint/2010/main" val="2356931476"/>
+        <p14:creationId xmlns:p14="http://schemas.microsoft.com/office/powerpoint/2010/main" val="1584150242"/>
       </p:ext>
     </p:extLst>
   </p:cSld>
@@ -1540,7 +1538,7 @@
     </p:spTree>
     <p:extLst>
       <p:ext uri="{BB962C8B-B14F-4D97-AF65-F5344CB8AC3E}">
-        <p14:creationId xmlns:p14="http://schemas.microsoft.com/office/powerpoint/2010/main" val="969610627"/>
+        <p14:creationId xmlns:p14="http://schemas.microsoft.com/office/powerpoint/2010/main" val="2436578437"/>
       </p:ext>
     </p:extLst>
   </p:cSld>
@@ -1661,128 +1659,7 @@
     </p:spTree>
     <p:extLst>
       <p:ext uri="{BB962C8B-B14F-4D97-AF65-F5344CB8AC3E}">
-        <p14:creationId xmlns:p14="http://schemas.microsoft.com/office/powerpoint/2010/main" val="1584150242"/>
-      </p:ext>
-    </p:extLst>
-  </p:cSld>
-  <p:clrMapOvr>
-    <a:masterClrMapping/>
-  </p:clrMapOvr>
-</p:notes>
-</file>
-
-<file path=ppt/notesSlides/notesSlide19.xml><?xml version="1.0" encoding="utf-8"?>
-<p:notes xmlns:a="http://schemas.openxmlformats.org/drawingml/2006/main" xmlns:r="http://schemas.openxmlformats.org/officeDocument/2006/relationships" xmlns:p="http://schemas.openxmlformats.org/presentationml/2006/main">
-  <p:cSld>
-    <p:spTree>
-      <p:nvGrpSpPr>
-        <p:cNvPr id="1" name=""/>
-        <p:cNvGrpSpPr/>
-        <p:nvPr/>
-      </p:nvGrpSpPr>
-      <p:grpSpPr>
-        <a:xfrm>
-          <a:off x="0" y="0"/>
-          <a:ext cx="0" cy="0"/>
-          <a:chOff x="0" y="0"/>
-          <a:chExt cx="0" cy="0"/>
-        </a:xfrm>
-      </p:grpSpPr>
-      <p:sp>
-        <p:nvSpPr>
-          <p:cNvPr id="2" name="Slide Image Placeholder 1"/>
-          <p:cNvSpPr>
-            <a:spLocks noGrp="1" noRot="1" noChangeAspect="1"/>
-          </p:cNvSpPr>
-          <p:nvPr>
-            <p:ph type="sldImg"/>
-          </p:nvPr>
-        </p:nvSpPr>
-        <p:spPr/>
-      </p:sp>
-      <p:sp>
-        <p:nvSpPr>
-          <p:cNvPr id="3" name="Notes Placeholder 2"/>
-          <p:cNvSpPr>
-            <a:spLocks noGrp="1"/>
-          </p:cNvSpPr>
-          <p:nvPr>
-            <p:ph type="body" idx="1"/>
-          </p:nvPr>
-        </p:nvSpPr>
-        <p:spPr/>
-        <p:txBody>
-          <a:bodyPr/>
-          <a:lstStyle/>
-          <a:p>
-            <a:pPr marL="0" marR="0" lvl="0" indent="0" algn="l" defTabSz="914400" rtl="0" eaLnBrk="1" fontAlgn="auto" latinLnBrk="1" hangingPunct="1">
-              <a:lnSpc>
-                <a:spcPct val="100000"/>
-              </a:lnSpc>
-              <a:spcBef>
-                <a:spcPts val="0"/>
-              </a:spcBef>
-              <a:spcAft>
-                <a:spcPts val="0"/>
-              </a:spcAft>
-              <a:buClrTx/>
-              <a:buSzTx/>
-              <a:buFontTx/>
-              <a:buNone/>
-              <a:tabLst/>
-              <a:defRPr/>
-            </a:pPr>
-            <a:r>
-              <a:rPr lang="ko-KR" altLang="en-US" sz="1800" b="1" kern="0" spc="0" dirty="0">
-                <a:solidFill>
-                  <a:srgbClr val="000000"/>
-                </a:solidFill>
-                <a:effectLst/>
-                <a:latin typeface="맑은 고딕" panose="020B0503020000020004" pitchFamily="50" charset="-127"/>
-                <a:ea typeface="맑은 고딕" panose="020B0503020000020004" pitchFamily="50" charset="-127"/>
-              </a:rPr>
-              <a:t>①②③④⑤⑥⑦⑧⑨⑩</a:t>
-            </a:r>
-            <a:endParaRPr lang="ko-KR" altLang="en-US" sz="1800" kern="0" spc="0" dirty="0">
-              <a:solidFill>
-                <a:srgbClr val="000000"/>
-              </a:solidFill>
-              <a:effectLst/>
-              <a:latin typeface="함초롬바탕" panose="02030604000101010101" pitchFamily="18" charset="-127"/>
-            </a:endParaRPr>
-          </a:p>
-          <a:p>
-            <a:endParaRPr lang="ko-KR" altLang="en-US" dirty="0"/>
-          </a:p>
-        </p:txBody>
-      </p:sp>
-      <p:sp>
-        <p:nvSpPr>
-          <p:cNvPr id="4" name="Slide Number Placeholder 3"/>
-          <p:cNvSpPr>
-            <a:spLocks noGrp="1"/>
-          </p:cNvSpPr>
-          <p:nvPr>
-            <p:ph type="sldNum" sz="quarter" idx="5"/>
-          </p:nvPr>
-        </p:nvSpPr>
-        <p:spPr/>
-        <p:txBody>
-          <a:bodyPr/>
-          <a:lstStyle/>
-          <a:p>
-            <a:fld id="{1985F44E-32DA-4EDE-89B1-77AAF1A9E03E}" type="slidenum">
-              <a:rPr lang="ko-KR" altLang="en-US" smtClean="0"/>
-              <a:t>20</a:t>
-            </a:fld>
-            <a:endParaRPr lang="ko-KR" altLang="en-US"/>
-          </a:p>
-        </p:txBody>
-      </p:sp>
-    </p:spTree>
-    <p:extLst>
-      <p:ext uri="{BB962C8B-B14F-4D97-AF65-F5344CB8AC3E}">
-        <p14:creationId xmlns:p14="http://schemas.microsoft.com/office/powerpoint/2010/main" val="2436578437"/>
+        <p14:creationId xmlns:p14="http://schemas.microsoft.com/office/powerpoint/2010/main" val="3368185008"/>
       </p:ext>
     </p:extLst>
   </p:cSld>
@@ -1881,127 +1758,6 @@
     <p:extLst>
       <p:ext uri="{BB962C8B-B14F-4D97-AF65-F5344CB8AC3E}">
         <p14:creationId xmlns:p14="http://schemas.microsoft.com/office/powerpoint/2010/main" val="1088798523"/>
-      </p:ext>
-    </p:extLst>
-  </p:cSld>
-  <p:clrMapOvr>
-    <a:masterClrMapping/>
-  </p:clrMapOvr>
-</p:notes>
-</file>
-
-<file path=ppt/notesSlides/notesSlide20.xml><?xml version="1.0" encoding="utf-8"?>
-<p:notes xmlns:a="http://schemas.openxmlformats.org/drawingml/2006/main" xmlns:r="http://schemas.openxmlformats.org/officeDocument/2006/relationships" xmlns:p="http://schemas.openxmlformats.org/presentationml/2006/main">
-  <p:cSld>
-    <p:spTree>
-      <p:nvGrpSpPr>
-        <p:cNvPr id="1" name=""/>
-        <p:cNvGrpSpPr/>
-        <p:nvPr/>
-      </p:nvGrpSpPr>
-      <p:grpSpPr>
-        <a:xfrm>
-          <a:off x="0" y="0"/>
-          <a:ext cx="0" cy="0"/>
-          <a:chOff x="0" y="0"/>
-          <a:chExt cx="0" cy="0"/>
-        </a:xfrm>
-      </p:grpSpPr>
-      <p:sp>
-        <p:nvSpPr>
-          <p:cNvPr id="2" name="Slide Image Placeholder 1"/>
-          <p:cNvSpPr>
-            <a:spLocks noGrp="1" noRot="1" noChangeAspect="1"/>
-          </p:cNvSpPr>
-          <p:nvPr>
-            <p:ph type="sldImg"/>
-          </p:nvPr>
-        </p:nvSpPr>
-        <p:spPr/>
-      </p:sp>
-      <p:sp>
-        <p:nvSpPr>
-          <p:cNvPr id="3" name="Notes Placeholder 2"/>
-          <p:cNvSpPr>
-            <a:spLocks noGrp="1"/>
-          </p:cNvSpPr>
-          <p:nvPr>
-            <p:ph type="body" idx="1"/>
-          </p:nvPr>
-        </p:nvSpPr>
-        <p:spPr/>
-        <p:txBody>
-          <a:bodyPr/>
-          <a:lstStyle/>
-          <a:p>
-            <a:pPr marL="0" marR="0" lvl="0" indent="0" algn="l" defTabSz="914400" rtl="0" eaLnBrk="1" fontAlgn="auto" latinLnBrk="1" hangingPunct="1">
-              <a:lnSpc>
-                <a:spcPct val="100000"/>
-              </a:lnSpc>
-              <a:spcBef>
-                <a:spcPts val="0"/>
-              </a:spcBef>
-              <a:spcAft>
-                <a:spcPts val="0"/>
-              </a:spcAft>
-              <a:buClrTx/>
-              <a:buSzTx/>
-              <a:buFontTx/>
-              <a:buNone/>
-              <a:tabLst/>
-              <a:defRPr/>
-            </a:pPr>
-            <a:r>
-              <a:rPr lang="ko-KR" altLang="en-US" sz="1800" b="1" kern="0" spc="0" dirty="0">
-                <a:solidFill>
-                  <a:srgbClr val="000000"/>
-                </a:solidFill>
-                <a:effectLst/>
-                <a:latin typeface="맑은 고딕" panose="020B0503020000020004" pitchFamily="50" charset="-127"/>
-                <a:ea typeface="맑은 고딕" panose="020B0503020000020004" pitchFamily="50" charset="-127"/>
-              </a:rPr>
-              <a:t>①②③④⑤⑥⑦⑧⑨⑩</a:t>
-            </a:r>
-            <a:endParaRPr lang="ko-KR" altLang="en-US" sz="1800" kern="0" spc="0" dirty="0">
-              <a:solidFill>
-                <a:srgbClr val="000000"/>
-              </a:solidFill>
-              <a:effectLst/>
-              <a:latin typeface="함초롬바탕" panose="02030604000101010101" pitchFamily="18" charset="-127"/>
-            </a:endParaRPr>
-          </a:p>
-          <a:p>
-            <a:endParaRPr lang="ko-KR" altLang="en-US" dirty="0"/>
-          </a:p>
-        </p:txBody>
-      </p:sp>
-      <p:sp>
-        <p:nvSpPr>
-          <p:cNvPr id="4" name="Slide Number Placeholder 3"/>
-          <p:cNvSpPr>
-            <a:spLocks noGrp="1"/>
-          </p:cNvSpPr>
-          <p:nvPr>
-            <p:ph type="sldNum" sz="quarter" idx="5"/>
-          </p:nvPr>
-        </p:nvSpPr>
-        <p:spPr/>
-        <p:txBody>
-          <a:bodyPr/>
-          <a:lstStyle/>
-          <a:p>
-            <a:fld id="{1985F44E-32DA-4EDE-89B1-77AAF1A9E03E}" type="slidenum">
-              <a:rPr lang="ko-KR" altLang="en-US" smtClean="0"/>
-              <a:t>21</a:t>
-            </a:fld>
-            <a:endParaRPr lang="ko-KR" altLang="en-US"/>
-          </a:p>
-        </p:txBody>
-      </p:sp>
-    </p:spTree>
-    <p:extLst>
-      <p:ext uri="{BB962C8B-B14F-4D97-AF65-F5344CB8AC3E}">
-        <p14:creationId xmlns:p14="http://schemas.microsoft.com/office/powerpoint/2010/main" val="3368185008"/>
       </p:ext>
     </p:extLst>
   </p:cSld>
@@ -2243,7 +1999,7 @@
     </p:spTree>
     <p:extLst>
       <p:ext uri="{BB962C8B-B14F-4D97-AF65-F5344CB8AC3E}">
-        <p14:creationId xmlns:p14="http://schemas.microsoft.com/office/powerpoint/2010/main" val="3812515752"/>
+        <p14:creationId xmlns:p14="http://schemas.microsoft.com/office/powerpoint/2010/main" val="3415562735"/>
       </p:ext>
     </p:extLst>
   </p:cSld>
@@ -2727,7 +2483,7 @@
     </p:spTree>
     <p:extLst>
       <p:ext uri="{BB962C8B-B14F-4D97-AF65-F5344CB8AC3E}">
-        <p14:creationId xmlns:p14="http://schemas.microsoft.com/office/powerpoint/2010/main" val="469808312"/>
+        <p14:creationId xmlns:p14="http://schemas.microsoft.com/office/powerpoint/2010/main" val="2789228470"/>
       </p:ext>
     </p:extLst>
   </p:cSld>
@@ -2848,7 +2604,7 @@
     </p:spTree>
     <p:extLst>
       <p:ext uri="{BB962C8B-B14F-4D97-AF65-F5344CB8AC3E}">
-        <p14:creationId xmlns:p14="http://schemas.microsoft.com/office/powerpoint/2010/main" val="2789228470"/>
+        <p14:creationId xmlns:p14="http://schemas.microsoft.com/office/powerpoint/2010/main" val="2500363284"/>
       </p:ext>
     </p:extLst>
   </p:cSld>
@@ -2989,7 +2745,7 @@
           <a:p>
             <a:fld id="{C0F51B65-CB5E-424A-A210-7B3C910D82A4}" type="datetimeFigureOut">
               <a:rPr lang="ko-KR" altLang="en-US" smtClean="0"/>
-              <a:t>2023-01-27</a:t>
+              <a:t>2023-01-30</a:t>
             </a:fld>
             <a:endParaRPr lang="ko-KR" altLang="en-US"/>
           </a:p>
@@ -3159,7 +2915,7 @@
           <a:p>
             <a:fld id="{C0F51B65-CB5E-424A-A210-7B3C910D82A4}" type="datetimeFigureOut">
               <a:rPr lang="ko-KR" altLang="en-US" smtClean="0"/>
-              <a:t>2023-01-27</a:t>
+              <a:t>2023-01-30</a:t>
             </a:fld>
             <a:endParaRPr lang="ko-KR" altLang="en-US"/>
           </a:p>
@@ -3339,7 +3095,7 @@
           <a:p>
             <a:fld id="{C0F51B65-CB5E-424A-A210-7B3C910D82A4}" type="datetimeFigureOut">
               <a:rPr lang="ko-KR" altLang="en-US" smtClean="0"/>
-              <a:t>2023-01-27</a:t>
+              <a:t>2023-01-30</a:t>
             </a:fld>
             <a:endParaRPr lang="ko-KR" altLang="en-US"/>
           </a:p>
@@ -3509,7 +3265,7 @@
           <a:p>
             <a:fld id="{C0F51B65-CB5E-424A-A210-7B3C910D82A4}" type="datetimeFigureOut">
               <a:rPr lang="ko-KR" altLang="en-US" smtClean="0"/>
-              <a:t>2023-01-27</a:t>
+              <a:t>2023-01-30</a:t>
             </a:fld>
             <a:endParaRPr lang="ko-KR" altLang="en-US"/>
           </a:p>
@@ -3753,7 +3509,7 @@
           <a:p>
             <a:fld id="{C0F51B65-CB5E-424A-A210-7B3C910D82A4}" type="datetimeFigureOut">
               <a:rPr lang="ko-KR" altLang="en-US" smtClean="0"/>
-              <a:t>2023-01-27</a:t>
+              <a:t>2023-01-30</a:t>
             </a:fld>
             <a:endParaRPr lang="ko-KR" altLang="en-US"/>
           </a:p>
@@ -3985,7 +3741,7 @@
           <a:p>
             <a:fld id="{C0F51B65-CB5E-424A-A210-7B3C910D82A4}" type="datetimeFigureOut">
               <a:rPr lang="ko-KR" altLang="en-US" smtClean="0"/>
-              <a:t>2023-01-27</a:t>
+              <a:t>2023-01-30</a:t>
             </a:fld>
             <a:endParaRPr lang="ko-KR" altLang="en-US"/>
           </a:p>
@@ -4352,7 +4108,7 @@
           <a:p>
             <a:fld id="{C0F51B65-CB5E-424A-A210-7B3C910D82A4}" type="datetimeFigureOut">
               <a:rPr lang="ko-KR" altLang="en-US" smtClean="0"/>
-              <a:t>2023-01-27</a:t>
+              <a:t>2023-01-30</a:t>
             </a:fld>
             <a:endParaRPr lang="ko-KR" altLang="en-US"/>
           </a:p>
@@ -4470,7 +4226,7 @@
           <a:p>
             <a:fld id="{C0F51B65-CB5E-424A-A210-7B3C910D82A4}" type="datetimeFigureOut">
               <a:rPr lang="ko-KR" altLang="en-US" smtClean="0"/>
-              <a:t>2023-01-27</a:t>
+              <a:t>2023-01-30</a:t>
             </a:fld>
             <a:endParaRPr lang="ko-KR" altLang="en-US"/>
           </a:p>
@@ -4565,7 +4321,7 @@
           <a:p>
             <a:fld id="{C0F51B65-CB5E-424A-A210-7B3C910D82A4}" type="datetimeFigureOut">
               <a:rPr lang="ko-KR" altLang="en-US" smtClean="0"/>
-              <a:t>2023-01-27</a:t>
+              <a:t>2023-01-30</a:t>
             </a:fld>
             <a:endParaRPr lang="ko-KR" altLang="en-US"/>
           </a:p>
@@ -4842,7 +4598,7 @@
           <a:p>
             <a:fld id="{C0F51B65-CB5E-424A-A210-7B3C910D82A4}" type="datetimeFigureOut">
               <a:rPr lang="ko-KR" altLang="en-US" smtClean="0"/>
-              <a:t>2023-01-27</a:t>
+              <a:t>2023-01-30</a:t>
             </a:fld>
             <a:endParaRPr lang="ko-KR" altLang="en-US"/>
           </a:p>
@@ -5099,7 +4855,7 @@
           <a:p>
             <a:fld id="{C0F51B65-CB5E-424A-A210-7B3C910D82A4}" type="datetimeFigureOut">
               <a:rPr lang="ko-KR" altLang="en-US" smtClean="0"/>
-              <a:t>2023-01-27</a:t>
+              <a:t>2023-01-30</a:t>
             </a:fld>
             <a:endParaRPr lang="ko-KR" altLang="en-US"/>
           </a:p>
@@ -5312,7 +5068,7 @@
           <a:p>
             <a:fld id="{C0F51B65-CB5E-424A-A210-7B3C910D82A4}" type="datetimeFigureOut">
               <a:rPr lang="ko-KR" altLang="en-US" smtClean="0"/>
-              <a:t>2023-01-27</a:t>
+              <a:t>2023-01-30</a:t>
             </a:fld>
             <a:endParaRPr lang="ko-KR" altLang="en-US"/>
           </a:p>
@@ -6134,7 +5890,7 @@
                   </a:schemeClr>
                 </a:solidFill>
               </a:rPr>
-              <a:t>2023. 01. 27</a:t>
+              <a:t>2023. 01. 30</a:t>
             </a:r>
             <a:endParaRPr lang="ko-KR" altLang="en-US" dirty="0">
               <a:solidFill>
@@ -6247,7 +6003,7 @@
         <p:spPr>
           <a:xfrm>
             <a:off x="2743201" y="4469067"/>
-            <a:ext cx="7162799" cy="2388931"/>
+            <a:ext cx="7162799" cy="2388933"/>
           </a:xfrm>
           <a:prstGeom prst="rect">
             <a:avLst/>
@@ -6396,19 +6152,23 @@
             <a:lstStyle/>
             <a:p>
               <a:r>
-                <a:rPr lang="ko-KR" altLang="en-US" sz="1200" dirty="0"/>
-                <a:t>ㅁㅈㅁㅈ</a:t>
-              </a:r>
-              <a:endParaRPr lang="en-US" altLang="ko-KR" sz="1200" dirty="0"/>
+                <a:rPr lang="ko-KR" altLang="en-US" sz="1200" b="1" dirty="0"/>
+                <a:t>바이팬</a:t>
+              </a:r>
+              <a:endParaRPr lang="en-US" altLang="ko-KR" sz="1200" b="1" dirty="0"/>
             </a:p>
             <a:p>
               <a:r>
+                <a:rPr lang="ko-KR" altLang="en-US" sz="1200" dirty="0"/>
+                <a:t>연예인의 다양한 사진을</a:t>
+              </a:r>
+              <a:r>
                 <a:rPr lang="en-US" altLang="ko-KR" sz="1200" dirty="0"/>
-                <a:t>- </a:t>
+                <a:t> </a:t>
               </a:r>
               <a:r>
                 <a:rPr lang="ko-KR" altLang="en-US" sz="1200" dirty="0"/>
-                <a:t>좋아하는 연예인의 착용 제품을 찾아주는 쇼핑 플랫폼 </a:t>
+                <a:t>찾아주는 팬 플랫폼 </a:t>
               </a:r>
               <a:endParaRPr lang="en-US" altLang="ko-KR" sz="1200" dirty="0"/>
             </a:p>
@@ -6504,7 +6264,7 @@
             <a:p>
               <a:r>
                 <a:rPr lang="ko-KR" altLang="en-US" sz="1200" dirty="0"/>
-                <a:t>검색</a:t>
+                <a:t>검색결과</a:t>
               </a:r>
               <a:endParaRPr lang="en-US" altLang="ko-KR" sz="1200" dirty="0"/>
             </a:p>
@@ -6600,7 +6360,7 @@
             <a:p>
               <a:r>
                 <a:rPr lang="en-US" altLang="ko-KR" sz="1200" dirty="0"/>
-                <a:t>service</a:t>
+                <a:t>result</a:t>
               </a:r>
             </a:p>
           </p:txBody>
@@ -6856,7 +6616,7 @@
         <p:spPr>
           <a:xfrm>
             <a:off x="2743201" y="4742801"/>
-            <a:ext cx="7162799" cy="523220"/>
+            <a:ext cx="7162799" cy="307777"/>
           </a:xfrm>
           <a:prstGeom prst="rect">
             <a:avLst/>
@@ -6877,63 +6637,74 @@
                 <a:effectLst/>
                 <a:latin typeface="+mn-ea"/>
               </a:rPr>
-              <a:t>① 파일 첨부하기</a:t>
-            </a:r>
-            <a:endParaRPr lang="en-US" altLang="ko-KR" sz="1400" kern="0" spc="0" dirty="0">
+              <a:t>① </a:t>
+            </a:r>
+            <a:r>
+              <a:rPr lang="ko-KR" altLang="en-US" sz="1400" dirty="0">
+                <a:solidFill>
+                  <a:schemeClr val="tx1"/>
+                </a:solidFill>
+                <a:latin typeface="+mn-ea"/>
+              </a:rPr>
+              <a:t>해당 이미지의 상세페이지로 이동</a:t>
+            </a:r>
+            <a:endParaRPr lang="en-US" altLang="ko-KR" sz="1400" dirty="0">
               <a:solidFill>
-                <a:srgbClr val="000000"/>
+                <a:schemeClr val="tx1"/>
               </a:solidFill>
-              <a:effectLst/>
               <a:latin typeface="+mn-ea"/>
             </a:endParaRPr>
           </a:p>
-          <a:p>
-            <a:r>
-              <a:rPr lang="ko-KR" altLang="en-US" sz="1400" kern="0" spc="0" dirty="0">
+        </p:txBody>
+      </p:sp>
+      <p:sp>
+        <p:nvSpPr>
+          <p:cNvPr id="7" name="TextBox 6">
+            <a:extLst>
+              <a:ext uri="{FF2B5EF4-FFF2-40B4-BE49-F238E27FC236}">
+                <a16:creationId xmlns:a16="http://schemas.microsoft.com/office/drawing/2014/main" id="{FA711AC0-915F-39DB-058F-1067FF55E276}"/>
+              </a:ext>
+            </a:extLst>
+          </p:cNvPr>
+          <p:cNvSpPr txBox="1"/>
+          <p:nvPr/>
+        </p:nvSpPr>
+        <p:spPr>
+          <a:xfrm>
+            <a:off x="3545163" y="1062588"/>
+            <a:ext cx="370002" cy="369332"/>
+          </a:xfrm>
+          <a:prstGeom prst="rect">
+            <a:avLst/>
+          </a:prstGeom>
+          <a:noFill/>
+        </p:spPr>
+        <p:txBody>
+          <a:bodyPr wrap="square">
+            <a:spAutoFit/>
+          </a:bodyPr>
+          <a:lstStyle/>
+          <a:p>
+            <a:r>
+              <a:rPr lang="ko-KR" altLang="en-US" sz="1800" b="1" kern="0" spc="0" dirty="0">
                 <a:solidFill>
                   <a:srgbClr val="000000"/>
                 </a:solidFill>
                 <a:effectLst/>
                 <a:latin typeface="+mn-ea"/>
               </a:rPr>
-              <a:t>② </a:t>
-            </a:r>
-            <a:r>
-              <a:rPr lang="en-US" altLang="ko-KR" sz="1400" kern="0" spc="0" dirty="0">
-                <a:solidFill>
-                  <a:srgbClr val="000000"/>
-                </a:solidFill>
-                <a:effectLst/>
-                <a:latin typeface="+mn-ea"/>
-              </a:rPr>
-              <a:t>result</a:t>
-            </a:r>
-            <a:r>
-              <a:rPr lang="ko-KR" altLang="en-US" sz="1400" kern="0" spc="0" dirty="0">
-                <a:solidFill>
-                  <a:srgbClr val="000000"/>
-                </a:solidFill>
-                <a:effectLst/>
-                <a:latin typeface="+mn-ea"/>
-              </a:rPr>
-              <a:t>로 이동</a:t>
-            </a:r>
-            <a:endParaRPr lang="en-US" altLang="ko-KR" sz="1400" kern="0" spc="0" dirty="0">
-              <a:solidFill>
-                <a:srgbClr val="000000"/>
-              </a:solidFill>
-              <a:effectLst/>
-              <a:latin typeface="+mn-ea"/>
-            </a:endParaRPr>
+              <a:t>①</a:t>
+            </a:r>
+            <a:endParaRPr lang="ko-KR" altLang="en-US" b="1" dirty="0"/>
           </a:p>
         </p:txBody>
       </p:sp>
       <p:pic>
         <p:nvPicPr>
-          <p:cNvPr id="3" name="Picture 2">
+          <p:cNvPr id="5" name="Picture 4">
             <a:extLst>
               <a:ext uri="{FF2B5EF4-FFF2-40B4-BE49-F238E27FC236}">
-                <a16:creationId xmlns:a16="http://schemas.microsoft.com/office/drawing/2014/main" id="{B45A8772-6FEE-70EE-9070-FF27187512E4}"/>
+                <a16:creationId xmlns:a16="http://schemas.microsoft.com/office/drawing/2014/main" id="{4D3DA515-327F-2C3B-8A13-B9CA6264B261}"/>
               </a:ext>
             </a:extLst>
           </p:cNvPr>
@@ -6951,7 +6722,7 @@
         <p:spPr>
           <a:xfrm>
             <a:off x="2743201" y="269845"/>
-            <a:ext cx="7162799" cy="4199222"/>
+            <a:ext cx="7162799" cy="4225769"/>
           </a:xfrm>
           <a:prstGeom prst="rect">
             <a:avLst/>
@@ -6960,10 +6731,10 @@
       </p:pic>
       <p:sp>
         <p:nvSpPr>
-          <p:cNvPr id="7" name="TextBox 6">
+          <p:cNvPr id="9" name="TextBox 8">
             <a:extLst>
               <a:ext uri="{FF2B5EF4-FFF2-40B4-BE49-F238E27FC236}">
-                <a16:creationId xmlns:a16="http://schemas.microsoft.com/office/drawing/2014/main" id="{79AF0221-DA43-C3DA-54E1-53B5FFB7B912}"/>
+                <a16:creationId xmlns:a16="http://schemas.microsoft.com/office/drawing/2014/main" id="{7962501F-4D14-7AD7-9F90-9EE26C0A3FFD}"/>
               </a:ext>
             </a:extLst>
           </p:cNvPr>
@@ -6972,8 +6743,8 @@
         </p:nvSpPr>
         <p:spPr>
           <a:xfrm>
-            <a:off x="5301401" y="2112457"/>
-            <a:ext cx="370002" cy="369332"/>
+            <a:off x="3701292" y="1108355"/>
+            <a:ext cx="379429" cy="369332"/>
           </a:xfrm>
           <a:prstGeom prst="rect">
             <a:avLst/>
@@ -7003,7 +6774,7 @@
     </p:spTree>
     <p:extLst>
       <p:ext uri="{BB962C8B-B14F-4D97-AF65-F5344CB8AC3E}">
-        <p14:creationId xmlns:p14="http://schemas.microsoft.com/office/powerpoint/2010/main" val="1476473981"/>
+        <p14:creationId xmlns:p14="http://schemas.microsoft.com/office/powerpoint/2010/main" val="1887745515"/>
       </p:ext>
     </p:extLst>
   </p:cSld>
@@ -7030,6 +6801,36 @@
           <a:chExt cx="0" cy="0"/>
         </a:xfrm>
       </p:grpSpPr>
+      <p:pic>
+        <p:nvPicPr>
+          <p:cNvPr id="9" name="Picture 8">
+            <a:extLst>
+              <a:ext uri="{FF2B5EF4-FFF2-40B4-BE49-F238E27FC236}">
+                <a16:creationId xmlns:a16="http://schemas.microsoft.com/office/drawing/2014/main" id="{D04A9EEB-24A4-0AC4-E739-8E6E8158D0BC}"/>
+              </a:ext>
+            </a:extLst>
+          </p:cNvPr>
+          <p:cNvPicPr>
+            <a:picLocks noChangeAspect="1"/>
+          </p:cNvPicPr>
+          <p:nvPr/>
+        </p:nvPicPr>
+        <p:blipFill>
+          <a:blip r:embed="rId3"/>
+          <a:stretch>
+            <a:fillRect/>
+          </a:stretch>
+        </p:blipFill>
+        <p:spPr>
+          <a:xfrm>
+            <a:off x="2743201" y="272761"/>
+            <a:ext cx="7162799" cy="4196306"/>
+          </a:xfrm>
+          <a:prstGeom prst="rect">
+            <a:avLst/>
+          </a:prstGeom>
+        </p:spPr>
+      </p:pic>
       <p:sp>
         <p:nvSpPr>
           <p:cNvPr id="4" name="직사각형 3">
@@ -7045,7 +6846,7 @@
         <p:spPr>
           <a:xfrm>
             <a:off x="0" y="2"/>
-            <a:ext cx="2743201" cy="6857998"/>
+            <a:ext cx="2743201" cy="6857996"/>
           </a:xfrm>
           <a:prstGeom prst="rect">
             <a:avLst/>
@@ -7100,7 +6901,7 @@
         <p:spPr>
           <a:xfrm>
             <a:off x="2743201" y="4469067"/>
-            <a:ext cx="7162799" cy="2388933"/>
+            <a:ext cx="7162799" cy="2388931"/>
           </a:xfrm>
           <a:prstGeom prst="rect">
             <a:avLst/>
@@ -7249,19 +7050,23 @@
             <a:lstStyle/>
             <a:p>
               <a:r>
-                <a:rPr lang="ko-KR" altLang="en-US" sz="1200" dirty="0"/>
-                <a:t>ㅁㅈㅁㅈ</a:t>
-              </a:r>
-              <a:endParaRPr lang="en-US" altLang="ko-KR" sz="1200" dirty="0"/>
+                <a:rPr lang="ko-KR" altLang="en-US" sz="1200" b="1" dirty="0"/>
+                <a:t>바이팬</a:t>
+              </a:r>
+              <a:endParaRPr lang="en-US" altLang="ko-KR" sz="1200" b="1" dirty="0"/>
             </a:p>
             <a:p>
               <a:r>
+                <a:rPr lang="ko-KR" altLang="en-US" sz="1200" dirty="0"/>
+                <a:t>연예인의 다양한 사진을</a:t>
+              </a:r>
+              <a:r>
                 <a:rPr lang="en-US" altLang="ko-KR" sz="1200" dirty="0"/>
-                <a:t>- </a:t>
+                <a:t> </a:t>
               </a:r>
               <a:r>
                 <a:rPr lang="ko-KR" altLang="en-US" sz="1200" dirty="0"/>
-                <a:t>좋아하는 연예인의 착용 제품을 찾아주는 쇼핑 플랫폼 </a:t>
+                <a:t>찾아주는 팬 플랫폼 </a:t>
               </a:r>
               <a:endParaRPr lang="en-US" altLang="ko-KR" sz="1200" dirty="0"/>
             </a:p>
@@ -7357,7 +7162,7 @@
             <a:p>
               <a:r>
                 <a:rPr lang="ko-KR" altLang="en-US" sz="1200" dirty="0"/>
-                <a:t>검색결과</a:t>
+                <a:t>이미지 상세페이지</a:t>
               </a:r>
               <a:endParaRPr lang="en-US" altLang="ko-KR" sz="1200" dirty="0"/>
             </a:p>
@@ -7453,7 +7258,7 @@
             <a:p>
               <a:r>
                 <a:rPr lang="en-US" altLang="ko-KR" sz="1200" dirty="0"/>
-                <a:t>result</a:t>
+                <a:t>select</a:t>
               </a:r>
             </a:p>
           </p:txBody>
@@ -7733,59 +7538,68 @@
               <a:t>① </a:t>
             </a:r>
             <a:r>
-              <a:rPr lang="ko-KR" altLang="en-US" sz="1400" dirty="0">
+              <a:rPr lang="ko-KR" altLang="en-US" sz="1400" kern="0" dirty="0">
                 <a:solidFill>
-                  <a:schemeClr val="tx1"/>
+                  <a:srgbClr val="000000"/>
                 </a:solidFill>
                 <a:latin typeface="+mn-ea"/>
               </a:rPr>
-              <a:t>해당 이미지의 상세페이지로 이동</a:t>
-            </a:r>
-            <a:endParaRPr lang="en-US" altLang="ko-KR" sz="1400" dirty="0">
+              <a:t>마이페이지의 </a:t>
+            </a:r>
+            <a:r>
+              <a:rPr lang="en-US" altLang="ko-KR" sz="1400" kern="0" spc="0" dirty="0" err="1">
+                <a:solidFill>
+                  <a:srgbClr val="000000"/>
+                </a:solidFill>
+                <a:effectLst/>
+                <a:latin typeface="+mn-ea"/>
+              </a:rPr>
+              <a:t>save_list</a:t>
+            </a:r>
+            <a:r>
+              <a:rPr lang="ko-KR" altLang="en-US" sz="1400" kern="0" dirty="0">
+                <a:solidFill>
+                  <a:srgbClr val="000000"/>
+                </a:solidFill>
+                <a:latin typeface="+mn-ea"/>
+              </a:rPr>
+              <a:t>에 저장</a:t>
+            </a:r>
+            <a:r>
+              <a:rPr lang="en-US" altLang="ko-KR" sz="1400" kern="0" dirty="0">
+                <a:solidFill>
+                  <a:srgbClr val="000000"/>
+                </a:solidFill>
+                <a:latin typeface="+mn-ea"/>
+              </a:rPr>
+              <a:t>·</a:t>
+            </a:r>
+            <a:r>
+              <a:rPr lang="ko-KR" altLang="en-US" sz="1400" kern="0" dirty="0">
+                <a:solidFill>
+                  <a:srgbClr val="000000"/>
+                </a:solidFill>
+                <a:latin typeface="+mn-ea"/>
+              </a:rPr>
+              <a:t>이동</a:t>
+            </a:r>
+            <a:endParaRPr lang="en-US" altLang="ko-KR" sz="1400" kern="0" spc="0" dirty="0">
               <a:solidFill>
-                <a:schemeClr val="tx1"/>
+                <a:srgbClr val="000000"/>
               </a:solidFill>
-              <a:latin typeface="+mn-ea"/>
+              <a:effectLst/>
+              <a:latin typeface="맑은 고딕" panose="020B0503020000020004" pitchFamily="50" charset="-127"/>
+              <a:ea typeface="맑은 고딕" panose="020B0503020000020004" pitchFamily="50" charset="-127"/>
             </a:endParaRPr>
           </a:p>
         </p:txBody>
       </p:sp>
-      <p:pic>
-        <p:nvPicPr>
-          <p:cNvPr id="3" name="Picture 2">
-            <a:extLst>
-              <a:ext uri="{FF2B5EF4-FFF2-40B4-BE49-F238E27FC236}">
-                <a16:creationId xmlns:a16="http://schemas.microsoft.com/office/drawing/2014/main" id="{AEA40BB0-39CA-D79D-8697-3A36D69CEB08}"/>
-              </a:ext>
-            </a:extLst>
-          </p:cNvPr>
-          <p:cNvPicPr>
-            <a:picLocks noChangeAspect="1"/>
-          </p:cNvPicPr>
-          <p:nvPr/>
-        </p:nvPicPr>
-        <p:blipFill>
-          <a:blip r:embed="rId3"/>
-          <a:stretch>
-            <a:fillRect/>
-          </a:stretch>
-        </p:blipFill>
-        <p:spPr>
-          <a:xfrm>
-            <a:off x="2743200" y="269846"/>
-            <a:ext cx="7162800" cy="4199222"/>
-          </a:xfrm>
-          <a:prstGeom prst="rect">
-            <a:avLst/>
-          </a:prstGeom>
-        </p:spPr>
-      </p:pic>
       <p:sp>
         <p:nvSpPr>
           <p:cNvPr id="7" name="TextBox 6">
             <a:extLst>
               <a:ext uri="{FF2B5EF4-FFF2-40B4-BE49-F238E27FC236}">
-                <a16:creationId xmlns:a16="http://schemas.microsoft.com/office/drawing/2014/main" id="{FA711AC0-915F-39DB-058F-1067FF55E276}"/>
+                <a16:creationId xmlns:a16="http://schemas.microsoft.com/office/drawing/2014/main" id="{107E872E-ED3A-84E4-EA99-DA99DEE65589}"/>
               </a:ext>
             </a:extLst>
           </p:cNvPr>
@@ -7794,7 +7608,7 @@
         </p:nvSpPr>
         <p:spPr>
           <a:xfrm>
-            <a:off x="3545163" y="1062588"/>
+            <a:off x="5885863" y="3341379"/>
             <a:ext cx="370002" cy="369332"/>
           </a:xfrm>
           <a:prstGeom prst="rect">
@@ -7825,7 +7639,7 @@
     </p:spTree>
     <p:extLst>
       <p:ext uri="{BB962C8B-B14F-4D97-AF65-F5344CB8AC3E}">
-        <p14:creationId xmlns:p14="http://schemas.microsoft.com/office/powerpoint/2010/main" val="1887745515"/>
+        <p14:creationId xmlns:p14="http://schemas.microsoft.com/office/powerpoint/2010/main" val="1995149057"/>
       </p:ext>
     </p:extLst>
   </p:cSld>
@@ -8071,19 +7885,23 @@
             <a:lstStyle/>
             <a:p>
               <a:r>
-                <a:rPr lang="ko-KR" altLang="en-US" sz="1200" dirty="0"/>
-                <a:t>ㅁㅈㅁㅈ</a:t>
-              </a:r>
-              <a:endParaRPr lang="en-US" altLang="ko-KR" sz="1200" dirty="0"/>
+                <a:rPr lang="ko-KR" altLang="en-US" sz="1200" b="1" dirty="0"/>
+                <a:t>바이팬</a:t>
+              </a:r>
+              <a:endParaRPr lang="en-US" altLang="ko-KR" sz="1200" b="1" dirty="0"/>
             </a:p>
             <a:p>
               <a:r>
+                <a:rPr lang="ko-KR" altLang="en-US" sz="1200" dirty="0"/>
+                <a:t>연예인의 다양한 사진을</a:t>
+              </a:r>
+              <a:r>
                 <a:rPr lang="en-US" altLang="ko-KR" sz="1200" dirty="0"/>
-                <a:t>- </a:t>
+                <a:t> </a:t>
               </a:r>
               <a:r>
                 <a:rPr lang="ko-KR" altLang="en-US" sz="1200" dirty="0"/>
-                <a:t>좋아하는 연예인의 착용 제품을 찾아주는 쇼핑 플랫폼 </a:t>
+                <a:t>찾아주는 팬 플랫폼 </a:t>
               </a:r>
               <a:endParaRPr lang="en-US" altLang="ko-KR" sz="1200" dirty="0"/>
             </a:p>
@@ -8179,7 +7997,7 @@
             <a:p>
               <a:r>
                 <a:rPr lang="ko-KR" altLang="en-US" sz="1200" dirty="0"/>
-                <a:t>이미지 상세페이지</a:t>
+                <a:t>문의하기</a:t>
               </a:r>
               <a:endParaRPr lang="en-US" altLang="ko-KR" sz="1200" dirty="0"/>
             </a:p>
@@ -8275,7 +8093,7 @@
             <a:p>
               <a:r>
                 <a:rPr lang="en-US" altLang="ko-KR" sz="1200" dirty="0"/>
-                <a:t>select</a:t>
+                <a:t>contact</a:t>
               </a:r>
             </a:p>
           </p:txBody>
@@ -8545,60 +8363,48 @@
           <a:lstStyle/>
           <a:p>
             <a:r>
+              <a:rPr lang="en-US" altLang="ko-KR" sz="1400" kern="0" spc="0" dirty="0">
+                <a:solidFill>
+                  <a:srgbClr val="000000"/>
+                </a:solidFill>
+                <a:effectLst/>
+                <a:latin typeface="맑은 고딕" panose="020B0503020000020004" pitchFamily="50" charset="-127"/>
+                <a:ea typeface="맑은 고딕" panose="020B0503020000020004" pitchFamily="50" charset="-127"/>
+              </a:rPr>
+              <a:t>TEXT: </a:t>
+            </a:r>
+            <a:r>
               <a:rPr lang="ko-KR" altLang="en-US" sz="1400" kern="0" spc="0" dirty="0">
                 <a:solidFill>
                   <a:srgbClr val="000000"/>
                 </a:solidFill>
                 <a:effectLst/>
-                <a:latin typeface="+mn-ea"/>
+                <a:latin typeface="맑은 고딕" panose="020B0503020000020004" pitchFamily="50" charset="-127"/>
+                <a:ea typeface="맑은 고딕" panose="020B0503020000020004" pitchFamily="50" charset="-127"/>
               </a:rPr>
-              <a:t>① </a:t>
-            </a:r>
-            <a:r>
-              <a:rPr lang="ko-KR" altLang="en-US" sz="1400" kern="0" dirty="0">
-                <a:solidFill>
-                  <a:srgbClr val="000000"/>
-                </a:solidFill>
-                <a:latin typeface="+mn-ea"/>
-              </a:rPr>
-              <a:t>마이페이지의 </a:t>
-            </a:r>
-            <a:r>
-              <a:rPr lang="en-US" altLang="ko-KR" sz="1400" kern="0" spc="0" dirty="0" err="1">
+              <a:t>이메일</a:t>
+            </a:r>
+            <a:r>
+              <a:rPr lang="en-US" altLang="ko-KR" sz="1400" kern="0" spc="0" dirty="0">
                 <a:solidFill>
                   <a:srgbClr val="000000"/>
                 </a:solidFill>
                 <a:effectLst/>
-                <a:latin typeface="+mn-ea"/>
+                <a:latin typeface="맑은 고딕" panose="020B0503020000020004" pitchFamily="50" charset="-127"/>
+                <a:ea typeface="맑은 고딕" panose="020B0503020000020004" pitchFamily="50" charset="-127"/>
               </a:rPr>
-              <a:t>buy_list</a:t>
-            </a:r>
-            <a:r>
-              <a:rPr lang="ko-KR" altLang="en-US" sz="1400" kern="0" dirty="0">
+              <a:t>, </a:t>
+            </a:r>
+            <a:r>
+              <a:rPr lang="ko-KR" altLang="en-US" sz="1400" kern="0" spc="0" dirty="0">
                 <a:solidFill>
                   <a:srgbClr val="000000"/>
                 </a:solidFill>
-                <a:latin typeface="+mn-ea"/>
+                <a:effectLst/>
+                <a:latin typeface="맑은 고딕" panose="020B0503020000020004" pitchFamily="50" charset="-127"/>
+                <a:ea typeface="맑은 고딕" panose="020B0503020000020004" pitchFamily="50" charset="-127"/>
               </a:rPr>
-              <a:t>에 저장</a:t>
-            </a:r>
-            <a:r>
-              <a:rPr lang="en-US" altLang="ko-KR" sz="1400" kern="0" dirty="0">
-                <a:solidFill>
-                  <a:srgbClr val="000000"/>
-                </a:solidFill>
-                <a:latin typeface="+mn-ea"/>
-              </a:rPr>
-              <a:t>·</a:t>
-            </a:r>
-            <a:r>
-              <a:rPr lang="ko-KR" altLang="en-US" sz="1400" kern="0" dirty="0">
-                <a:solidFill>
-                  <a:srgbClr val="000000"/>
-                </a:solidFill>
-                <a:latin typeface="+mn-ea"/>
-              </a:rPr>
-              <a:t>이동</a:t>
+              <a:t>연락처 등 제공</a:t>
             </a:r>
             <a:endParaRPr lang="en-US" altLang="ko-KR" sz="1400" kern="0" spc="0" dirty="0">
               <a:solidFill>
@@ -8613,10 +8419,10 @@
       </p:sp>
       <p:pic>
         <p:nvPicPr>
-          <p:cNvPr id="3" name="Picture 2">
+          <p:cNvPr id="5" name="Picture 4">
             <a:extLst>
               <a:ext uri="{FF2B5EF4-FFF2-40B4-BE49-F238E27FC236}">
-                <a16:creationId xmlns:a16="http://schemas.microsoft.com/office/drawing/2014/main" id="{676C83AA-83E0-8A53-FD4E-95C842599951}"/>
+                <a16:creationId xmlns:a16="http://schemas.microsoft.com/office/drawing/2014/main" id="{E7D024B5-BE50-60F8-8B3B-4168E59AA219}"/>
               </a:ext>
             </a:extLst>
           </p:cNvPr>
@@ -8633,60 +8439,18 @@
         </p:blipFill>
         <p:spPr>
           <a:xfrm>
-            <a:off x="2743201" y="296392"/>
-            <a:ext cx="7162799" cy="4199222"/>
+            <a:off x="2743200" y="268451"/>
+            <a:ext cx="7162799" cy="4227163"/>
           </a:xfrm>
           <a:prstGeom prst="rect">
             <a:avLst/>
           </a:prstGeom>
         </p:spPr>
       </p:pic>
-      <p:sp>
-        <p:nvSpPr>
-          <p:cNvPr id="7" name="TextBox 6">
-            <a:extLst>
-              <a:ext uri="{FF2B5EF4-FFF2-40B4-BE49-F238E27FC236}">
-                <a16:creationId xmlns:a16="http://schemas.microsoft.com/office/drawing/2014/main" id="{107E872E-ED3A-84E4-EA99-DA99DEE65589}"/>
-              </a:ext>
-            </a:extLst>
-          </p:cNvPr>
-          <p:cNvSpPr txBox="1"/>
-          <p:nvPr/>
-        </p:nvSpPr>
-        <p:spPr>
-          <a:xfrm>
-            <a:off x="5301401" y="3333760"/>
-            <a:ext cx="370002" cy="369332"/>
-          </a:xfrm>
-          <a:prstGeom prst="rect">
-            <a:avLst/>
-          </a:prstGeom>
-          <a:noFill/>
-        </p:spPr>
-        <p:txBody>
-          <a:bodyPr wrap="square">
-            <a:spAutoFit/>
-          </a:bodyPr>
-          <a:lstStyle/>
-          <a:p>
-            <a:r>
-              <a:rPr lang="ko-KR" altLang="en-US" sz="1800" b="1" kern="0" spc="0" dirty="0">
-                <a:solidFill>
-                  <a:srgbClr val="000000"/>
-                </a:solidFill>
-                <a:effectLst/>
-                <a:latin typeface="+mn-ea"/>
-              </a:rPr>
-              <a:t>①</a:t>
-            </a:r>
-            <a:endParaRPr lang="ko-KR" altLang="en-US" b="1" dirty="0"/>
-          </a:p>
-        </p:txBody>
-      </p:sp>
     </p:spTree>
     <p:extLst>
       <p:ext uri="{BB962C8B-B14F-4D97-AF65-F5344CB8AC3E}">
-        <p14:creationId xmlns:p14="http://schemas.microsoft.com/office/powerpoint/2010/main" val="1995149057"/>
+        <p14:creationId xmlns:p14="http://schemas.microsoft.com/office/powerpoint/2010/main" val="832027656"/>
       </p:ext>
     </p:extLst>
   </p:cSld>
@@ -8713,6 +8477,36 @@
           <a:chExt cx="0" cy="0"/>
         </a:xfrm>
       </p:grpSpPr>
+      <p:pic>
+        <p:nvPicPr>
+          <p:cNvPr id="5" name="Picture 4">
+            <a:extLst>
+              <a:ext uri="{FF2B5EF4-FFF2-40B4-BE49-F238E27FC236}">
+                <a16:creationId xmlns:a16="http://schemas.microsoft.com/office/drawing/2014/main" id="{BCE3407B-5339-D4B5-65CE-871CBEF8F12A}"/>
+              </a:ext>
+            </a:extLst>
+          </p:cNvPr>
+          <p:cNvPicPr>
+            <a:picLocks noChangeAspect="1"/>
+          </p:cNvPicPr>
+          <p:nvPr/>
+        </p:nvPicPr>
+        <p:blipFill>
+          <a:blip r:embed="rId3"/>
+          <a:stretch>
+            <a:fillRect/>
+          </a:stretch>
+        </p:blipFill>
+        <p:spPr>
+          <a:xfrm>
+            <a:off x="2743200" y="276156"/>
+            <a:ext cx="7162799" cy="4192909"/>
+          </a:xfrm>
+          <a:prstGeom prst="rect">
+            <a:avLst/>
+          </a:prstGeom>
+        </p:spPr>
+      </p:pic>
       <p:sp>
         <p:nvSpPr>
           <p:cNvPr id="4" name="직사각형 3">
@@ -8728,7 +8522,7 @@
         <p:spPr>
           <a:xfrm>
             <a:off x="0" y="2"/>
-            <a:ext cx="2743201" cy="6857996"/>
+            <a:ext cx="2743201" cy="6857998"/>
           </a:xfrm>
           <a:prstGeom prst="rect">
             <a:avLst/>
@@ -8932,19 +8726,23 @@
             <a:lstStyle/>
             <a:p>
               <a:r>
-                <a:rPr lang="ko-KR" altLang="en-US" sz="1200" dirty="0"/>
-                <a:t>ㅁㅈㅁㅈ</a:t>
-              </a:r>
-              <a:endParaRPr lang="en-US" altLang="ko-KR" sz="1200" dirty="0"/>
+                <a:rPr lang="ko-KR" altLang="en-US" sz="1200" b="1" dirty="0"/>
+                <a:t>바이팬</a:t>
+              </a:r>
+              <a:endParaRPr lang="en-US" altLang="ko-KR" sz="1200" b="1" dirty="0"/>
             </a:p>
             <a:p>
               <a:r>
+                <a:rPr lang="ko-KR" altLang="en-US" sz="1200" dirty="0"/>
+                <a:t>연예인의 다양한 사진을</a:t>
+              </a:r>
+              <a:r>
                 <a:rPr lang="en-US" altLang="ko-KR" sz="1200" dirty="0"/>
-                <a:t>- </a:t>
+                <a:t> </a:t>
               </a:r>
               <a:r>
                 <a:rPr lang="ko-KR" altLang="en-US" sz="1200" dirty="0"/>
-                <a:t>좋아하는 연예인의 착용 제품을 찾아주는 쇼핑 플랫폼 </a:t>
+                <a:t>찾아주는 팬 플랫폼 </a:t>
               </a:r>
               <a:endParaRPr lang="en-US" altLang="ko-KR" sz="1200" dirty="0"/>
             </a:p>
@@ -9040,7 +8838,7 @@
             <a:p>
               <a:r>
                 <a:rPr lang="ko-KR" altLang="en-US" sz="1200" dirty="0"/>
-                <a:t>문의하기</a:t>
+                <a:t>내 정보</a:t>
               </a:r>
               <a:endParaRPr lang="en-US" altLang="ko-KR" sz="1200" dirty="0"/>
             </a:p>
@@ -9135,9 +8933,10 @@
             <a:lstStyle/>
             <a:p>
               <a:r>
-                <a:rPr lang="en-US" altLang="ko-KR" sz="1200" dirty="0"/>
-                <a:t>ask</a:t>
-              </a:r>
+                <a:rPr lang="en-US" altLang="ko-KR" sz="1200" dirty="0" err="1"/>
+                <a:t>mypage</a:t>
+              </a:r>
+              <a:endParaRPr lang="en-US" altLang="ko-KR" sz="1200" dirty="0"/>
             </a:p>
           </p:txBody>
         </p:sp>
@@ -9406,37 +9205,24 @@
           <a:lstStyle/>
           <a:p>
             <a:r>
-              <a:rPr lang="en-US" altLang="ko-KR" sz="1400" kern="0" spc="0" dirty="0">
-                <a:solidFill>
-                  <a:srgbClr val="000000"/>
-                </a:solidFill>
-                <a:effectLst/>
-                <a:latin typeface="맑은 고딕" panose="020B0503020000020004" pitchFamily="50" charset="-127"/>
-                <a:ea typeface="맑은 고딕" panose="020B0503020000020004" pitchFamily="50" charset="-127"/>
-              </a:rPr>
-              <a:t>TEXT: </a:t>
-            </a:r>
-            <a:r>
               <a:rPr lang="ko-KR" altLang="en-US" sz="1400" kern="0" spc="0" dirty="0">
                 <a:solidFill>
                   <a:srgbClr val="000000"/>
                 </a:solidFill>
                 <a:effectLst/>
-                <a:latin typeface="맑은 고딕" panose="020B0503020000020004" pitchFamily="50" charset="-127"/>
-                <a:ea typeface="맑은 고딕" panose="020B0503020000020004" pitchFamily="50" charset="-127"/>
+                <a:latin typeface="+mn-ea"/>
               </a:rPr>
-              <a:t>이메일</a:t>
-            </a:r>
-            <a:r>
-              <a:rPr lang="en-US" altLang="ko-KR" sz="1400" kern="0" spc="0" dirty="0">
+              <a:t>① 수정된 </a:t>
+            </a:r>
+            <a:r>
+              <a:rPr lang="en-US" altLang="ko-KR" sz="1400" kern="0" spc="0" dirty="0" err="1">
                 <a:solidFill>
                   <a:srgbClr val="000000"/>
                 </a:solidFill>
                 <a:effectLst/>
-                <a:latin typeface="맑은 고딕" panose="020B0503020000020004" pitchFamily="50" charset="-127"/>
-                <a:ea typeface="맑은 고딕" panose="020B0503020000020004" pitchFamily="50" charset="-127"/>
+                <a:latin typeface="+mn-ea"/>
               </a:rPr>
-              <a:t>, </a:t>
+              <a:t>mypage</a:t>
             </a:r>
             <a:r>
               <a:rPr lang="ko-KR" altLang="en-US" sz="1400" kern="0" spc="0" dirty="0">
@@ -9444,56 +9230,65 @@
                   <a:srgbClr val="000000"/>
                 </a:solidFill>
                 <a:effectLst/>
-                <a:latin typeface="맑은 고딕" panose="020B0503020000020004" pitchFamily="50" charset="-127"/>
-                <a:ea typeface="맑은 고딕" panose="020B0503020000020004" pitchFamily="50" charset="-127"/>
+                <a:latin typeface="+mn-ea"/>
               </a:rPr>
-              <a:t>연락처 등 제공</a:t>
-            </a:r>
-            <a:endParaRPr lang="en-US" altLang="ko-KR" sz="1400" kern="0" spc="0" dirty="0">
+              <a:t>로 이동</a:t>
+            </a:r>
+            <a:endParaRPr lang="en-US" altLang="ko-KR" sz="1400" dirty="0">
               <a:solidFill>
-                <a:srgbClr val="000000"/>
+                <a:schemeClr val="tx1"/>
               </a:solidFill>
-              <a:effectLst/>
-              <a:latin typeface="맑은 고딕" panose="020B0503020000020004" pitchFamily="50" charset="-127"/>
-              <a:ea typeface="맑은 고딕" panose="020B0503020000020004" pitchFamily="50" charset="-127"/>
+              <a:latin typeface="+mn-ea"/>
             </a:endParaRPr>
           </a:p>
         </p:txBody>
       </p:sp>
-      <p:pic>
-        <p:nvPicPr>
-          <p:cNvPr id="2" name="Picture 1">
+      <p:sp>
+        <p:nvSpPr>
+          <p:cNvPr id="7" name="TextBox 6">
             <a:extLst>
               <a:ext uri="{FF2B5EF4-FFF2-40B4-BE49-F238E27FC236}">
-                <a16:creationId xmlns:a16="http://schemas.microsoft.com/office/drawing/2014/main" id="{08FBEADC-6475-A556-04C6-F2612CD41CE7}"/>
+                <a16:creationId xmlns:a16="http://schemas.microsoft.com/office/drawing/2014/main" id="{94B89EAC-7108-8991-C02F-1FFD79A78CD6}"/>
               </a:ext>
             </a:extLst>
           </p:cNvPr>
-          <p:cNvPicPr>
-            <a:picLocks noChangeAspect="1"/>
-          </p:cNvPicPr>
+          <p:cNvSpPr txBox="1"/>
           <p:nvPr/>
-        </p:nvPicPr>
-        <p:blipFill>
-          <a:blip r:embed="rId3"/>
-          <a:stretch>
-            <a:fillRect/>
-          </a:stretch>
-        </p:blipFill>
+        </p:nvSpPr>
         <p:spPr>
           <a:xfrm>
-            <a:off x="2743201" y="269845"/>
-            <a:ext cx="7162799" cy="4199222"/>
+            <a:off x="5700860" y="2888017"/>
+            <a:ext cx="351148" cy="369332"/>
           </a:xfrm>
           <a:prstGeom prst="rect">
             <a:avLst/>
           </a:prstGeom>
+          <a:noFill/>
         </p:spPr>
-      </p:pic>
+        <p:txBody>
+          <a:bodyPr wrap="square">
+            <a:spAutoFit/>
+          </a:bodyPr>
+          <a:lstStyle/>
+          <a:p>
+            <a:r>
+              <a:rPr lang="ko-KR" altLang="en-US" sz="1800" b="1" kern="0" spc="0" dirty="0">
+                <a:solidFill>
+                  <a:srgbClr val="000000"/>
+                </a:solidFill>
+                <a:effectLst/>
+                <a:latin typeface="+mn-ea"/>
+              </a:rPr>
+              <a:t>①</a:t>
+            </a:r>
+            <a:endParaRPr lang="ko-KR" altLang="en-US" b="1" dirty="0"/>
+          </a:p>
+        </p:txBody>
+      </p:sp>
     </p:spTree>
     <p:extLst>
       <p:ext uri="{BB962C8B-B14F-4D97-AF65-F5344CB8AC3E}">
-        <p14:creationId xmlns:p14="http://schemas.microsoft.com/office/powerpoint/2010/main" val="832027656"/>
+        <p14:creationId xmlns:p14="http://schemas.microsoft.com/office/powerpoint/2010/main" val="3470847962"/>
       </p:ext>
     </p:extLst>
   </p:cSld>
@@ -9520,6 +9315,36 @@
           <a:chExt cx="0" cy="0"/>
         </a:xfrm>
       </p:grpSpPr>
+      <p:pic>
+        <p:nvPicPr>
+          <p:cNvPr id="8" name="Picture 7">
+            <a:extLst>
+              <a:ext uri="{FF2B5EF4-FFF2-40B4-BE49-F238E27FC236}">
+                <a16:creationId xmlns:a16="http://schemas.microsoft.com/office/drawing/2014/main" id="{325FF15C-0A5F-E98E-C9D2-9C0290CF54CA}"/>
+              </a:ext>
+            </a:extLst>
+          </p:cNvPr>
+          <p:cNvPicPr>
+            <a:picLocks noChangeAspect="1"/>
+          </p:cNvPicPr>
+          <p:nvPr/>
+        </p:nvPicPr>
+        <p:blipFill>
+          <a:blip r:embed="rId3"/>
+          <a:stretch>
+            <a:fillRect/>
+          </a:stretch>
+        </p:blipFill>
+        <p:spPr>
+          <a:xfrm>
+            <a:off x="2743201" y="269845"/>
+            <a:ext cx="7162799" cy="4199222"/>
+          </a:xfrm>
+          <a:prstGeom prst="rect">
+            <a:avLst/>
+          </a:prstGeom>
+        </p:spPr>
+      </p:pic>
       <p:sp>
         <p:nvSpPr>
           <p:cNvPr id="4" name="직사각형 3">
@@ -9739,19 +9564,23 @@
             <a:lstStyle/>
             <a:p>
               <a:r>
-                <a:rPr lang="ko-KR" altLang="en-US" sz="1200" dirty="0"/>
-                <a:t>ㅁㅈㅁㅈ</a:t>
-              </a:r>
-              <a:endParaRPr lang="en-US" altLang="ko-KR" sz="1200" dirty="0"/>
+                <a:rPr lang="ko-KR" altLang="en-US" sz="1200" b="1" dirty="0"/>
+                <a:t>바이팬</a:t>
+              </a:r>
+              <a:endParaRPr lang="en-US" altLang="ko-KR" sz="1200" b="1" dirty="0"/>
             </a:p>
             <a:p>
               <a:r>
+                <a:rPr lang="ko-KR" altLang="en-US" sz="1200" dirty="0"/>
+                <a:t>연예인의 다양한 사진을</a:t>
+              </a:r>
+              <a:r>
                 <a:rPr lang="en-US" altLang="ko-KR" sz="1200" dirty="0"/>
-                <a:t>- </a:t>
+                <a:t> </a:t>
               </a:r>
               <a:r>
                 <a:rPr lang="ko-KR" altLang="en-US" sz="1200" dirty="0"/>
-                <a:t>좋아하는 연예인의 착용 제품을 찾아주는 쇼핑 플랫폼 </a:t>
+                <a:t>찾아주는 팬 플랫폼 </a:t>
               </a:r>
               <a:endParaRPr lang="en-US" altLang="ko-KR" sz="1200" dirty="0"/>
             </a:p>
@@ -9847,7 +9676,7 @@
             <a:p>
               <a:r>
                 <a:rPr lang="ko-KR" altLang="en-US" sz="1200" dirty="0"/>
-                <a:t>마이페이지 풀 다운 메뉴바</a:t>
+                <a:t>사진 업로드</a:t>
               </a:r>
               <a:endParaRPr lang="en-US" altLang="ko-KR" sz="1200" dirty="0"/>
             </a:p>
@@ -9942,1100 +9771,9 @@
             <a:lstStyle/>
             <a:p>
               <a:r>
-                <a:rPr lang="en-US" altLang="ko-KR" sz="1200" dirty="0" err="1"/>
-                <a:t>mypage_bar</a:t>
-              </a:r>
-              <a:endParaRPr lang="en-US" altLang="ko-KR" sz="1200" dirty="0"/>
-            </a:p>
-          </p:txBody>
-        </p:sp>
-      </p:grpSp>
-      <p:grpSp>
-        <p:nvGrpSpPr>
-          <p:cNvPr id="28" name="그룹 27">
-            <a:extLst>
-              <a:ext uri="{FF2B5EF4-FFF2-40B4-BE49-F238E27FC236}">
-                <a16:creationId xmlns:a16="http://schemas.microsoft.com/office/drawing/2014/main" id="{3B60CFA0-0763-417B-8AE3-E4433CBD2755}"/>
-              </a:ext>
-            </a:extLst>
-          </p:cNvPr>
-          <p:cNvGrpSpPr/>
-          <p:nvPr/>
-        </p:nvGrpSpPr>
-        <p:grpSpPr>
-          <a:xfrm>
-            <a:off x="276836" y="3104991"/>
-            <a:ext cx="2171089" cy="608077"/>
-            <a:chOff x="276836" y="3666966"/>
-            <a:chExt cx="2171089" cy="608077"/>
-          </a:xfrm>
-        </p:grpSpPr>
-        <p:sp>
-          <p:nvSpPr>
-            <p:cNvPr id="15" name="TextBox 14">
-              <a:extLst>
-                <a:ext uri="{FF2B5EF4-FFF2-40B4-BE49-F238E27FC236}">
-                  <a16:creationId xmlns:a16="http://schemas.microsoft.com/office/drawing/2014/main" id="{9DBDFEAB-84D3-47DC-AEB0-DD14BE3C3381}"/>
-                </a:ext>
-              </a:extLst>
-            </p:cNvPr>
-            <p:cNvSpPr txBox="1"/>
-            <p:nvPr/>
-          </p:nvSpPr>
-          <p:spPr>
-            <a:xfrm>
-              <a:off x="276836" y="3666966"/>
-              <a:ext cx="800219" cy="338554"/>
-            </a:xfrm>
-            <a:prstGeom prst="rect">
-              <a:avLst/>
-            </a:prstGeom>
-            <a:noFill/>
-          </p:spPr>
-          <p:txBody>
-            <a:bodyPr wrap="none" rtlCol="0">
-              <a:spAutoFit/>
-            </a:bodyPr>
-            <a:lstStyle/>
-            <a:p>
-              <a:r>
-                <a:rPr lang="ko-KR" altLang="en-US" sz="1600" b="1" dirty="0">
-                  <a:solidFill>
-                    <a:schemeClr val="bg1"/>
-                  </a:solidFill>
-                </a:rPr>
-                <a:t>작성자</a:t>
-              </a:r>
-            </a:p>
-          </p:txBody>
-        </p:sp>
-        <p:sp>
-          <p:nvSpPr>
-            <p:cNvPr id="16" name="TextBox 15">
-              <a:extLst>
-                <a:ext uri="{FF2B5EF4-FFF2-40B4-BE49-F238E27FC236}">
-                  <a16:creationId xmlns:a16="http://schemas.microsoft.com/office/drawing/2014/main" id="{AE876C31-DEE5-4929-A872-47CFFD6D977C}"/>
-                </a:ext>
-              </a:extLst>
-            </p:cNvPr>
-            <p:cNvSpPr txBox="1"/>
-            <p:nvPr/>
-          </p:nvSpPr>
-          <p:spPr>
-            <a:xfrm>
-              <a:off x="276836" y="3998044"/>
-              <a:ext cx="2171089" cy="276999"/>
-            </a:xfrm>
-            <a:prstGeom prst="rect">
-              <a:avLst/>
-            </a:prstGeom>
-            <a:noFill/>
-          </p:spPr>
-          <p:txBody>
-            <a:bodyPr wrap="square" rtlCol="0">
-              <a:spAutoFit/>
-            </a:bodyPr>
-            <a:lstStyle/>
-            <a:p>
-              <a:r>
-                <a:rPr lang="ko-KR" altLang="en-US" sz="1200" dirty="0"/>
-                <a:t>팀원</a:t>
-              </a:r>
-              <a:r>
                 <a:rPr lang="en-US" altLang="ko-KR" sz="1200" dirty="0"/>
-                <a:t>: </a:t>
-              </a:r>
-              <a:r>
-                <a:rPr lang="ko-KR" altLang="en-US" sz="1200" dirty="0"/>
-                <a:t>이예지</a:t>
-              </a:r>
-              <a:endParaRPr lang="en-US" altLang="ko-KR" sz="1200" dirty="0"/>
-            </a:p>
-          </p:txBody>
-        </p:sp>
-      </p:grpSp>
-      <p:sp>
-        <p:nvSpPr>
-          <p:cNvPr id="18" name="TextBox 17">
-            <a:extLst>
-              <a:ext uri="{FF2B5EF4-FFF2-40B4-BE49-F238E27FC236}">
-                <a16:creationId xmlns:a16="http://schemas.microsoft.com/office/drawing/2014/main" id="{17EFCDDE-1130-408D-9BF1-4DAA52C217DC}"/>
-              </a:ext>
-            </a:extLst>
-          </p:cNvPr>
-          <p:cNvSpPr txBox="1"/>
-          <p:nvPr/>
-        </p:nvSpPr>
-        <p:spPr>
-          <a:xfrm>
-            <a:off x="2724761" y="4495614"/>
-            <a:ext cx="1005403" cy="338554"/>
-          </a:xfrm>
-          <a:prstGeom prst="rect">
-            <a:avLst/>
-          </a:prstGeom>
-          <a:noFill/>
-        </p:spPr>
-        <p:txBody>
-          <a:bodyPr wrap="none" rtlCol="0">
-            <a:spAutoFit/>
-          </a:bodyPr>
-          <a:lstStyle/>
-          <a:p>
-            <a:r>
-              <a:rPr lang="ko-KR" altLang="en-US" sz="1600" b="1" dirty="0"/>
-              <a:t>화면설명</a:t>
-            </a:r>
-          </a:p>
-        </p:txBody>
-      </p:sp>
-      <p:grpSp>
-        <p:nvGrpSpPr>
-          <p:cNvPr id="32" name="그룹 31">
-            <a:extLst>
-              <a:ext uri="{FF2B5EF4-FFF2-40B4-BE49-F238E27FC236}">
-                <a16:creationId xmlns:a16="http://schemas.microsoft.com/office/drawing/2014/main" id="{CA1DD512-4BF6-481A-95B3-0402591A68BA}"/>
-              </a:ext>
-            </a:extLst>
-          </p:cNvPr>
-          <p:cNvGrpSpPr/>
-          <p:nvPr/>
-        </p:nvGrpSpPr>
-        <p:grpSpPr>
-          <a:xfrm>
-            <a:off x="276836" y="3936433"/>
-            <a:ext cx="2171089" cy="608077"/>
-            <a:chOff x="276836" y="269845"/>
-            <a:chExt cx="2171089" cy="608077"/>
-          </a:xfrm>
-        </p:grpSpPr>
-        <p:sp>
-          <p:nvSpPr>
-            <p:cNvPr id="33" name="TextBox 32">
-              <a:extLst>
-                <a:ext uri="{FF2B5EF4-FFF2-40B4-BE49-F238E27FC236}">
-                  <a16:creationId xmlns:a16="http://schemas.microsoft.com/office/drawing/2014/main" id="{E2C757D1-6594-4C66-81E7-820AE4027158}"/>
-                </a:ext>
-              </a:extLst>
-            </p:cNvPr>
-            <p:cNvSpPr txBox="1"/>
-            <p:nvPr/>
-          </p:nvSpPr>
-          <p:spPr>
-            <a:xfrm>
-              <a:off x="276836" y="269845"/>
-              <a:ext cx="1005403" cy="338554"/>
-            </a:xfrm>
-            <a:prstGeom prst="rect">
-              <a:avLst/>
-            </a:prstGeom>
-            <a:noFill/>
-          </p:spPr>
-          <p:txBody>
-            <a:bodyPr wrap="none" rtlCol="0">
-              <a:spAutoFit/>
-            </a:bodyPr>
-            <a:lstStyle/>
-            <a:p>
-              <a:r>
-                <a:rPr lang="ko-KR" altLang="en-US" sz="1600" b="1" dirty="0">
-                  <a:solidFill>
-                    <a:schemeClr val="bg1"/>
-                  </a:solidFill>
-                </a:rPr>
-                <a:t>유의사항</a:t>
-              </a:r>
-            </a:p>
-          </p:txBody>
-        </p:sp>
-        <p:sp>
-          <p:nvSpPr>
-            <p:cNvPr id="34" name="TextBox 33">
-              <a:extLst>
-                <a:ext uri="{FF2B5EF4-FFF2-40B4-BE49-F238E27FC236}">
-                  <a16:creationId xmlns:a16="http://schemas.microsoft.com/office/drawing/2014/main" id="{D86AE12A-76EC-49AD-A2BE-EBED9566CBB2}"/>
-                </a:ext>
-              </a:extLst>
-            </p:cNvPr>
-            <p:cNvSpPr txBox="1"/>
-            <p:nvPr/>
-          </p:nvSpPr>
-          <p:spPr>
-            <a:xfrm>
-              <a:off x="276836" y="600923"/>
-              <a:ext cx="2171089" cy="276999"/>
-            </a:xfrm>
-            <a:prstGeom prst="rect">
-              <a:avLst/>
-            </a:prstGeom>
-            <a:noFill/>
-          </p:spPr>
-          <p:txBody>
-            <a:bodyPr wrap="square" rtlCol="0">
-              <a:spAutoFit/>
-            </a:bodyPr>
-            <a:lstStyle/>
-            <a:p>
-              <a:r>
-                <a:rPr lang="ko-KR" altLang="en-US" sz="1200" dirty="0"/>
-                <a:t>비로그인 시 ①</a:t>
-              </a:r>
-              <a:r>
-                <a:rPr lang="en-US" altLang="ko-KR" sz="1200" dirty="0"/>
-                <a:t>~</a:t>
-              </a:r>
-              <a:r>
-                <a:rPr lang="ko-KR" altLang="en-US" sz="1200" dirty="0"/>
-                <a:t>④ 이용불가</a:t>
-              </a:r>
-              <a:endParaRPr lang="en-US" altLang="ko-KR" sz="1200" dirty="0"/>
-            </a:p>
-          </p:txBody>
-        </p:sp>
-      </p:grpSp>
-      <p:sp>
-        <p:nvSpPr>
-          <p:cNvPr id="77" name="TextBox 76">
-            <a:extLst>
-              <a:ext uri="{FF2B5EF4-FFF2-40B4-BE49-F238E27FC236}">
-                <a16:creationId xmlns:a16="http://schemas.microsoft.com/office/drawing/2014/main" id="{18FB9613-EB5E-E58D-7CA9-4A2B2C06F199}"/>
-              </a:ext>
-            </a:extLst>
-          </p:cNvPr>
-          <p:cNvSpPr txBox="1"/>
-          <p:nvPr/>
-        </p:nvSpPr>
-        <p:spPr>
-          <a:xfrm>
-            <a:off x="2743201" y="4742801"/>
-            <a:ext cx="7162799" cy="954107"/>
-          </a:xfrm>
-          <a:prstGeom prst="rect">
-            <a:avLst/>
-          </a:prstGeom>
-          <a:noFill/>
-        </p:spPr>
-        <p:txBody>
-          <a:bodyPr wrap="square" rtlCol="0">
-            <a:spAutoFit/>
-          </a:bodyPr>
-          <a:lstStyle/>
-          <a:p>
-            <a:r>
-              <a:rPr lang="ko-KR" altLang="en-US" sz="1400" kern="0" spc="0" dirty="0">
-                <a:solidFill>
-                  <a:srgbClr val="000000"/>
-                </a:solidFill>
-                <a:effectLst/>
-                <a:latin typeface="+mn-ea"/>
-              </a:rPr>
-              <a:t>① </a:t>
-            </a:r>
-            <a:r>
-              <a:rPr lang="en-US" altLang="ko-KR" sz="1400" kern="0" spc="0" dirty="0" err="1">
-                <a:solidFill>
-                  <a:srgbClr val="000000"/>
-                </a:solidFill>
-                <a:effectLst/>
-                <a:latin typeface="+mn-ea"/>
-              </a:rPr>
-              <a:t>mypage</a:t>
-            </a:r>
-            <a:r>
-              <a:rPr lang="ko-KR" altLang="en-US" sz="1400" kern="0" spc="0" dirty="0">
-                <a:solidFill>
-                  <a:srgbClr val="000000"/>
-                </a:solidFill>
-                <a:effectLst/>
-                <a:latin typeface="+mn-ea"/>
-              </a:rPr>
-              <a:t>로 이동</a:t>
-            </a:r>
-            <a:endParaRPr lang="en-US" altLang="ko-KR" sz="1400" kern="0" spc="0" dirty="0">
-              <a:solidFill>
-                <a:srgbClr val="000000"/>
-              </a:solidFill>
-              <a:effectLst/>
-              <a:latin typeface="+mn-ea"/>
-            </a:endParaRPr>
-          </a:p>
-          <a:p>
-            <a:r>
-              <a:rPr lang="ko-KR" altLang="en-US" sz="1400" kern="0" spc="0" dirty="0">
-                <a:solidFill>
-                  <a:srgbClr val="000000"/>
-                </a:solidFill>
-                <a:effectLst/>
-                <a:latin typeface="+mn-ea"/>
-              </a:rPr>
-              <a:t>② </a:t>
-            </a:r>
-            <a:r>
-              <a:rPr lang="en-US" altLang="ko-KR" sz="1400" kern="0" spc="0" dirty="0">
-                <a:solidFill>
-                  <a:srgbClr val="000000"/>
-                </a:solidFill>
-                <a:effectLst/>
-                <a:latin typeface="+mn-ea"/>
-              </a:rPr>
-              <a:t>upload</a:t>
-            </a:r>
-            <a:r>
-              <a:rPr lang="ko-KR" altLang="en-US" sz="1400" kern="0" spc="0" dirty="0">
-                <a:solidFill>
-                  <a:srgbClr val="000000"/>
-                </a:solidFill>
-                <a:effectLst/>
-                <a:latin typeface="+mn-ea"/>
-              </a:rPr>
-              <a:t>로 이동</a:t>
-            </a:r>
-            <a:endParaRPr lang="en-US" altLang="ko-KR" sz="1400" kern="0" spc="0" dirty="0">
-              <a:solidFill>
-                <a:srgbClr val="000000"/>
-              </a:solidFill>
-              <a:effectLst/>
-              <a:latin typeface="+mn-ea"/>
-            </a:endParaRPr>
-          </a:p>
-          <a:p>
-            <a:r>
-              <a:rPr lang="ko-KR" altLang="en-US" sz="1400" kern="0" spc="0" dirty="0">
-                <a:solidFill>
-                  <a:srgbClr val="000000"/>
-                </a:solidFill>
-                <a:effectLst/>
-                <a:latin typeface="+mn-ea"/>
-              </a:rPr>
-              <a:t>③ </a:t>
-            </a:r>
-            <a:r>
-              <a:rPr lang="en-US" altLang="ko-KR" sz="1400" kern="0" spc="0" dirty="0" err="1">
-                <a:solidFill>
-                  <a:srgbClr val="000000"/>
-                </a:solidFill>
-                <a:effectLst/>
-                <a:latin typeface="+mn-ea"/>
-              </a:rPr>
-              <a:t>buy_list</a:t>
-            </a:r>
-            <a:r>
-              <a:rPr lang="ko-KR" altLang="en-US" sz="1400" kern="0" spc="0" dirty="0">
-                <a:solidFill>
-                  <a:srgbClr val="000000"/>
-                </a:solidFill>
-                <a:effectLst/>
-                <a:latin typeface="+mn-ea"/>
-              </a:rPr>
-              <a:t>로 이동</a:t>
-            </a:r>
-            <a:endParaRPr lang="en-US" altLang="ko-KR" sz="1400" kern="0" spc="0" dirty="0">
-              <a:solidFill>
-                <a:srgbClr val="000000"/>
-              </a:solidFill>
-              <a:effectLst/>
-              <a:latin typeface="+mn-ea"/>
-            </a:endParaRPr>
-          </a:p>
-          <a:p>
-            <a:r>
-              <a:rPr lang="ko-KR" altLang="en-US" sz="1400" kern="0" dirty="0">
-                <a:solidFill>
-                  <a:srgbClr val="000000"/>
-                </a:solidFill>
-                <a:latin typeface="+mn-ea"/>
-              </a:rPr>
-              <a:t>④</a:t>
-            </a:r>
-            <a:r>
-              <a:rPr lang="en-US" altLang="ko-KR" sz="1400" kern="0" dirty="0">
-                <a:solidFill>
-                  <a:srgbClr val="000000"/>
-                </a:solidFill>
-                <a:latin typeface="+mn-ea"/>
-              </a:rPr>
-              <a:t> </a:t>
-            </a:r>
-            <a:r>
-              <a:rPr lang="en-US" altLang="ko-KR" sz="1400" kern="0" dirty="0" err="1">
-                <a:solidFill>
-                  <a:srgbClr val="000000"/>
-                </a:solidFill>
-                <a:latin typeface="+mn-ea"/>
-              </a:rPr>
-              <a:t>sales_list</a:t>
-            </a:r>
-            <a:r>
-              <a:rPr lang="ko-KR" altLang="en-US" sz="1400" kern="0" dirty="0">
-                <a:solidFill>
-                  <a:srgbClr val="000000"/>
-                </a:solidFill>
-                <a:latin typeface="+mn-ea"/>
-              </a:rPr>
-              <a:t>로 이동</a:t>
-            </a:r>
-            <a:endParaRPr lang="en-US" altLang="ko-KR" sz="1400" kern="0" dirty="0">
-              <a:solidFill>
-                <a:srgbClr val="000000"/>
-              </a:solidFill>
-              <a:latin typeface="+mn-ea"/>
-            </a:endParaRPr>
-          </a:p>
-        </p:txBody>
-      </p:sp>
-      <p:pic>
-        <p:nvPicPr>
-          <p:cNvPr id="3" name="Picture 2">
-            <a:extLst>
-              <a:ext uri="{FF2B5EF4-FFF2-40B4-BE49-F238E27FC236}">
-                <a16:creationId xmlns:a16="http://schemas.microsoft.com/office/drawing/2014/main" id="{668295C7-1295-2F24-D5D9-ECFD383C3B19}"/>
-              </a:ext>
-            </a:extLst>
-          </p:cNvPr>
-          <p:cNvPicPr>
-            <a:picLocks noChangeAspect="1"/>
-          </p:cNvPicPr>
-          <p:nvPr/>
-        </p:nvPicPr>
-        <p:blipFill>
-          <a:blip r:embed="rId3"/>
-          <a:stretch>
-            <a:fillRect/>
-          </a:stretch>
-        </p:blipFill>
-        <p:spPr>
-          <a:xfrm>
-            <a:off x="2741630" y="269846"/>
-            <a:ext cx="7162799" cy="4199222"/>
-          </a:xfrm>
-          <a:prstGeom prst="rect">
-            <a:avLst/>
-          </a:prstGeom>
-        </p:spPr>
-      </p:pic>
-      <p:sp>
-        <p:nvSpPr>
-          <p:cNvPr id="7" name="TextBox 6">
-            <a:extLst>
-              <a:ext uri="{FF2B5EF4-FFF2-40B4-BE49-F238E27FC236}">
-                <a16:creationId xmlns:a16="http://schemas.microsoft.com/office/drawing/2014/main" id="{A4DE86B6-7506-2502-F3E9-D3CA7EAFC156}"/>
-              </a:ext>
-            </a:extLst>
-          </p:cNvPr>
-          <p:cNvSpPr txBox="1"/>
-          <p:nvPr/>
-        </p:nvSpPr>
-        <p:spPr>
-          <a:xfrm>
-            <a:off x="4892703" y="389711"/>
-            <a:ext cx="370002" cy="369332"/>
-          </a:xfrm>
-          <a:prstGeom prst="rect">
-            <a:avLst/>
-          </a:prstGeom>
-          <a:noFill/>
-        </p:spPr>
-        <p:txBody>
-          <a:bodyPr wrap="square">
-            <a:spAutoFit/>
-          </a:bodyPr>
-          <a:lstStyle/>
-          <a:p>
-            <a:r>
-              <a:rPr lang="ko-KR" altLang="en-US" sz="1800" b="1" kern="0" spc="0" dirty="0">
-                <a:solidFill>
-                  <a:srgbClr val="000000"/>
-                </a:solidFill>
-                <a:effectLst/>
-                <a:latin typeface="+mn-ea"/>
-              </a:rPr>
-              <a:t>①</a:t>
-            </a:r>
-            <a:endParaRPr lang="ko-KR" altLang="en-US" b="1" dirty="0"/>
-          </a:p>
-        </p:txBody>
-      </p:sp>
-      <p:sp>
-        <p:nvSpPr>
-          <p:cNvPr id="9" name="TextBox 8">
-            <a:extLst>
-              <a:ext uri="{FF2B5EF4-FFF2-40B4-BE49-F238E27FC236}">
-                <a16:creationId xmlns:a16="http://schemas.microsoft.com/office/drawing/2014/main" id="{A289C205-ACB0-CB73-DCFD-49F8EA430E30}"/>
-              </a:ext>
-            </a:extLst>
-          </p:cNvPr>
-          <p:cNvSpPr txBox="1"/>
-          <p:nvPr/>
-        </p:nvSpPr>
-        <p:spPr>
-          <a:xfrm>
-            <a:off x="4902083" y="542550"/>
-            <a:ext cx="341721" cy="369332"/>
-          </a:xfrm>
-          <a:prstGeom prst="rect">
-            <a:avLst/>
-          </a:prstGeom>
-          <a:noFill/>
-        </p:spPr>
-        <p:txBody>
-          <a:bodyPr wrap="square">
-            <a:spAutoFit/>
-          </a:bodyPr>
-          <a:lstStyle/>
-          <a:p>
-            <a:r>
-              <a:rPr lang="ko-KR" altLang="en-US" sz="1800" b="1" kern="0" spc="0" dirty="0">
-                <a:solidFill>
-                  <a:srgbClr val="000000"/>
-                </a:solidFill>
-                <a:effectLst/>
-                <a:latin typeface="+mn-ea"/>
-              </a:rPr>
-              <a:t>②</a:t>
-            </a:r>
-            <a:endParaRPr lang="ko-KR" altLang="en-US" b="1" dirty="0"/>
-          </a:p>
-        </p:txBody>
-      </p:sp>
-      <p:sp>
-        <p:nvSpPr>
-          <p:cNvPr id="20" name="TextBox 19">
-            <a:extLst>
-              <a:ext uri="{FF2B5EF4-FFF2-40B4-BE49-F238E27FC236}">
-                <a16:creationId xmlns:a16="http://schemas.microsoft.com/office/drawing/2014/main" id="{61206064-95DF-5A0A-1654-483ABC198242}"/>
-              </a:ext>
-            </a:extLst>
-          </p:cNvPr>
-          <p:cNvSpPr txBox="1"/>
-          <p:nvPr/>
-        </p:nvSpPr>
-        <p:spPr>
-          <a:xfrm>
-            <a:off x="4901687" y="689768"/>
-            <a:ext cx="379429" cy="369332"/>
-          </a:xfrm>
-          <a:prstGeom prst="rect">
-            <a:avLst/>
-          </a:prstGeom>
-          <a:noFill/>
-        </p:spPr>
-        <p:txBody>
-          <a:bodyPr wrap="square">
-            <a:spAutoFit/>
-          </a:bodyPr>
-          <a:lstStyle/>
-          <a:p>
-            <a:r>
-              <a:rPr lang="ko-KR" altLang="en-US" sz="1800" b="1" kern="0" spc="0" dirty="0">
-                <a:solidFill>
-                  <a:srgbClr val="000000"/>
-                </a:solidFill>
-                <a:effectLst/>
-                <a:latin typeface="+mn-ea"/>
-              </a:rPr>
-              <a:t>③</a:t>
-            </a:r>
-            <a:endParaRPr lang="ko-KR" altLang="en-US" b="1" dirty="0"/>
-          </a:p>
-        </p:txBody>
-      </p:sp>
-      <p:sp>
-        <p:nvSpPr>
-          <p:cNvPr id="22" name="TextBox 21">
-            <a:extLst>
-              <a:ext uri="{FF2B5EF4-FFF2-40B4-BE49-F238E27FC236}">
-                <a16:creationId xmlns:a16="http://schemas.microsoft.com/office/drawing/2014/main" id="{DD56B0FF-6120-A586-2719-FCF380F2C420}"/>
-              </a:ext>
-            </a:extLst>
-          </p:cNvPr>
-          <p:cNvSpPr txBox="1"/>
-          <p:nvPr/>
-        </p:nvSpPr>
-        <p:spPr>
-          <a:xfrm>
-            <a:off x="4902107" y="855842"/>
-            <a:ext cx="351148" cy="369332"/>
-          </a:xfrm>
-          <a:prstGeom prst="rect">
-            <a:avLst/>
-          </a:prstGeom>
-          <a:noFill/>
-        </p:spPr>
-        <p:txBody>
-          <a:bodyPr wrap="square">
-            <a:spAutoFit/>
-          </a:bodyPr>
-          <a:lstStyle/>
-          <a:p>
-            <a:r>
-              <a:rPr lang="ko-KR" altLang="en-US" sz="1800" b="1" kern="0" dirty="0">
-                <a:solidFill>
-                  <a:srgbClr val="000000"/>
-                </a:solidFill>
-                <a:latin typeface="+mn-ea"/>
-              </a:rPr>
-              <a:t>④</a:t>
-            </a:r>
-            <a:endParaRPr lang="ko-KR" altLang="en-US" b="1" dirty="0"/>
-          </a:p>
-        </p:txBody>
-      </p:sp>
-    </p:spTree>
-    <p:extLst>
-      <p:ext uri="{BB962C8B-B14F-4D97-AF65-F5344CB8AC3E}">
-        <p14:creationId xmlns:p14="http://schemas.microsoft.com/office/powerpoint/2010/main" val="2083839826"/>
-      </p:ext>
-    </p:extLst>
-  </p:cSld>
-  <p:clrMapOvr>
-    <a:masterClrMapping/>
-  </p:clrMapOvr>
-</p:sld>
-</file>
-
-<file path=ppt/slides/slide15.xml><?xml version="1.0" encoding="utf-8"?>
-<p:sld xmlns:a="http://schemas.openxmlformats.org/drawingml/2006/main" xmlns:r="http://schemas.openxmlformats.org/officeDocument/2006/relationships" xmlns:p="http://schemas.openxmlformats.org/presentationml/2006/main">
-  <p:cSld>
-    <p:spTree>
-      <p:nvGrpSpPr>
-        <p:cNvPr id="1" name=""/>
-        <p:cNvGrpSpPr/>
-        <p:nvPr/>
-      </p:nvGrpSpPr>
-      <p:grpSpPr>
-        <a:xfrm>
-          <a:off x="0" y="0"/>
-          <a:ext cx="0" cy="0"/>
-          <a:chOff x="0" y="0"/>
-          <a:chExt cx="0" cy="0"/>
-        </a:xfrm>
-      </p:grpSpPr>
-      <p:sp>
-        <p:nvSpPr>
-          <p:cNvPr id="4" name="직사각형 3">
-            <a:extLst>
-              <a:ext uri="{FF2B5EF4-FFF2-40B4-BE49-F238E27FC236}">
-                <a16:creationId xmlns:a16="http://schemas.microsoft.com/office/drawing/2014/main" id="{17CCAA0A-5307-48D3-9858-F46440A1DFFF}"/>
-              </a:ext>
-            </a:extLst>
-          </p:cNvPr>
-          <p:cNvSpPr/>
-          <p:nvPr/>
-        </p:nvSpPr>
-        <p:spPr>
-          <a:xfrm>
-            <a:off x="0" y="2"/>
-            <a:ext cx="2743201" cy="6857998"/>
-          </a:xfrm>
-          <a:prstGeom prst="rect">
-            <a:avLst/>
-          </a:prstGeom>
-          <a:solidFill>
-            <a:schemeClr val="accent1">
-              <a:lumMod val="20000"/>
-              <a:lumOff val="80000"/>
-            </a:schemeClr>
-          </a:solidFill>
-          <a:ln>
-            <a:noFill/>
-          </a:ln>
-        </p:spPr>
-        <p:style>
-          <a:lnRef idx="2">
-            <a:schemeClr val="accent1">
-              <a:shade val="50000"/>
-            </a:schemeClr>
-          </a:lnRef>
-          <a:fillRef idx="1">
-            <a:schemeClr val="accent1"/>
-          </a:fillRef>
-          <a:effectRef idx="0">
-            <a:schemeClr val="accent1"/>
-          </a:effectRef>
-          <a:fontRef idx="minor">
-            <a:schemeClr val="lt1"/>
-          </a:fontRef>
-        </p:style>
-        <p:txBody>
-          <a:bodyPr rtlCol="0" anchor="ctr"/>
-          <a:lstStyle/>
-          <a:p>
-            <a:pPr algn="ctr"/>
-            <a:endParaRPr lang="ko-KR" altLang="en-US" sz="1600" dirty="0"/>
-          </a:p>
-        </p:txBody>
-      </p:sp>
-      <p:sp>
-        <p:nvSpPr>
-          <p:cNvPr id="17" name="직사각형 16">
-            <a:extLst>
-              <a:ext uri="{FF2B5EF4-FFF2-40B4-BE49-F238E27FC236}">
-                <a16:creationId xmlns:a16="http://schemas.microsoft.com/office/drawing/2014/main" id="{F2EE50EF-1C64-4D24-A8FC-FEB31ECABF02}"/>
-              </a:ext>
-            </a:extLst>
-          </p:cNvPr>
-          <p:cNvSpPr/>
-          <p:nvPr/>
-        </p:nvSpPr>
-        <p:spPr>
-          <a:xfrm>
-            <a:off x="2743201" y="4469067"/>
-            <a:ext cx="7162799" cy="2388931"/>
-          </a:xfrm>
-          <a:prstGeom prst="rect">
-            <a:avLst/>
-          </a:prstGeom>
-          <a:solidFill>
-            <a:schemeClr val="bg1">
-              <a:lumMod val="95000"/>
-            </a:schemeClr>
-          </a:solidFill>
-          <a:ln>
-            <a:noFill/>
-          </a:ln>
-        </p:spPr>
-        <p:style>
-          <a:lnRef idx="2">
-            <a:schemeClr val="accent1">
-              <a:shade val="50000"/>
-            </a:schemeClr>
-          </a:lnRef>
-          <a:fillRef idx="1">
-            <a:schemeClr val="accent1"/>
-          </a:fillRef>
-          <a:effectRef idx="0">
-            <a:schemeClr val="accent1"/>
-          </a:effectRef>
-          <a:fontRef idx="minor">
-            <a:schemeClr val="lt1"/>
-          </a:fontRef>
-        </p:style>
-        <p:txBody>
-          <a:bodyPr rtlCol="0" anchor="ctr"/>
-          <a:lstStyle/>
-          <a:p>
-            <a:endParaRPr lang="en-US" altLang="ko-KR" sz="1200" kern="0" dirty="0">
-              <a:solidFill>
-                <a:srgbClr val="000000"/>
-              </a:solidFill>
-              <a:latin typeface="+mn-ea"/>
-            </a:endParaRPr>
-          </a:p>
-          <a:p>
-            <a:endParaRPr lang="en-US" altLang="ko-KR" sz="1200" kern="0" spc="0" dirty="0">
-              <a:solidFill>
-                <a:srgbClr val="000000"/>
-              </a:solidFill>
-              <a:effectLst/>
-              <a:latin typeface="+mn-ea"/>
-            </a:endParaRPr>
-          </a:p>
-          <a:p>
-            <a:endParaRPr lang="en-US" altLang="ko-KR" sz="1200" kern="0" spc="0" dirty="0">
-              <a:solidFill>
-                <a:srgbClr val="000000"/>
-              </a:solidFill>
-              <a:effectLst/>
-              <a:latin typeface="+mn-ea"/>
-            </a:endParaRPr>
-          </a:p>
-        </p:txBody>
-      </p:sp>
-      <p:grpSp>
-        <p:nvGrpSpPr>
-          <p:cNvPr id="31" name="그룹 30">
-            <a:extLst>
-              <a:ext uri="{FF2B5EF4-FFF2-40B4-BE49-F238E27FC236}">
-                <a16:creationId xmlns:a16="http://schemas.microsoft.com/office/drawing/2014/main" id="{466D0EF9-BADE-427D-91D6-1EF0D4516307}"/>
-              </a:ext>
-            </a:extLst>
-          </p:cNvPr>
-          <p:cNvGrpSpPr/>
-          <p:nvPr/>
-        </p:nvGrpSpPr>
-        <p:grpSpPr>
-          <a:xfrm>
-            <a:off x="276836" y="269845"/>
-            <a:ext cx="2171089" cy="977409"/>
-            <a:chOff x="276836" y="269845"/>
-            <a:chExt cx="2171089" cy="977409"/>
-          </a:xfrm>
-        </p:grpSpPr>
-        <p:sp>
-          <p:nvSpPr>
-            <p:cNvPr id="6" name="TextBox 5">
-              <a:extLst>
-                <a:ext uri="{FF2B5EF4-FFF2-40B4-BE49-F238E27FC236}">
-                  <a16:creationId xmlns:a16="http://schemas.microsoft.com/office/drawing/2014/main" id="{EA58E314-C773-4F36-8C88-B79D5D98B4F8}"/>
-                </a:ext>
-              </a:extLst>
-            </p:cNvPr>
-            <p:cNvSpPr txBox="1"/>
-            <p:nvPr/>
-          </p:nvSpPr>
-          <p:spPr>
-            <a:xfrm>
-              <a:off x="276836" y="269845"/>
-              <a:ext cx="800219" cy="338554"/>
-            </a:xfrm>
-            <a:prstGeom prst="rect">
-              <a:avLst/>
-            </a:prstGeom>
-            <a:noFill/>
-          </p:spPr>
-          <p:txBody>
-            <a:bodyPr wrap="none" rtlCol="0">
-              <a:spAutoFit/>
-            </a:bodyPr>
-            <a:lstStyle/>
-            <a:p>
-              <a:r>
-                <a:rPr lang="ko-KR" altLang="en-US" sz="1600" b="1" dirty="0">
-                  <a:solidFill>
-                    <a:schemeClr val="bg1"/>
-                  </a:solidFill>
-                </a:rPr>
-                <a:t>과제명</a:t>
-              </a:r>
-            </a:p>
-          </p:txBody>
-        </p:sp>
-        <p:sp>
-          <p:nvSpPr>
-            <p:cNvPr id="10" name="TextBox 9">
-              <a:extLst>
-                <a:ext uri="{FF2B5EF4-FFF2-40B4-BE49-F238E27FC236}">
-                  <a16:creationId xmlns:a16="http://schemas.microsoft.com/office/drawing/2014/main" id="{E2FC9F57-DA73-432C-ADB1-4C65C38E146D}"/>
-                </a:ext>
-              </a:extLst>
-            </p:cNvPr>
-            <p:cNvSpPr txBox="1"/>
-            <p:nvPr/>
-          </p:nvSpPr>
-          <p:spPr>
-            <a:xfrm>
-              <a:off x="276836" y="600923"/>
-              <a:ext cx="2171089" cy="646331"/>
-            </a:xfrm>
-            <a:prstGeom prst="rect">
-              <a:avLst/>
-            </a:prstGeom>
-            <a:noFill/>
-          </p:spPr>
-          <p:txBody>
-            <a:bodyPr wrap="square" rtlCol="0">
-              <a:spAutoFit/>
-            </a:bodyPr>
-            <a:lstStyle/>
-            <a:p>
-              <a:r>
-                <a:rPr lang="ko-KR" altLang="en-US" sz="1200" dirty="0"/>
-                <a:t>ㅁㅈㅁㅈ</a:t>
-              </a:r>
-              <a:endParaRPr lang="en-US" altLang="ko-KR" sz="1200" dirty="0"/>
-            </a:p>
-            <a:p>
-              <a:r>
-                <a:rPr lang="en-US" altLang="ko-KR" sz="1200" dirty="0"/>
-                <a:t>- </a:t>
-              </a:r>
-              <a:r>
-                <a:rPr lang="ko-KR" altLang="en-US" sz="1200" dirty="0"/>
-                <a:t>좋아하는 연예인의 착용 제품을 찾아주는 쇼핑 플랫폼 </a:t>
-              </a:r>
-              <a:endParaRPr lang="en-US" altLang="ko-KR" sz="1200" dirty="0"/>
-            </a:p>
-          </p:txBody>
-        </p:sp>
-      </p:grpSp>
-      <p:grpSp>
-        <p:nvGrpSpPr>
-          <p:cNvPr id="30" name="그룹 29">
-            <a:extLst>
-              <a:ext uri="{FF2B5EF4-FFF2-40B4-BE49-F238E27FC236}">
-                <a16:creationId xmlns:a16="http://schemas.microsoft.com/office/drawing/2014/main" id="{956FCDD1-8102-469E-963F-8CF798D512DC}"/>
-              </a:ext>
-            </a:extLst>
-          </p:cNvPr>
-          <p:cNvGrpSpPr/>
-          <p:nvPr/>
-        </p:nvGrpSpPr>
-        <p:grpSpPr>
-          <a:xfrm>
-            <a:off x="276835" y="1456899"/>
-            <a:ext cx="2171089" cy="608077"/>
-            <a:chOff x="276836" y="1474033"/>
-            <a:chExt cx="2171089" cy="608077"/>
-          </a:xfrm>
-        </p:grpSpPr>
-        <p:sp>
-          <p:nvSpPr>
-            <p:cNvPr id="11" name="TextBox 10">
-              <a:extLst>
-                <a:ext uri="{FF2B5EF4-FFF2-40B4-BE49-F238E27FC236}">
-                  <a16:creationId xmlns:a16="http://schemas.microsoft.com/office/drawing/2014/main" id="{A11D4FEC-A08E-42DB-9970-9FD7B36730CB}"/>
-                </a:ext>
-              </a:extLst>
-            </p:cNvPr>
-            <p:cNvSpPr txBox="1"/>
-            <p:nvPr/>
-          </p:nvSpPr>
-          <p:spPr>
-            <a:xfrm>
-              <a:off x="276836" y="1474033"/>
-              <a:ext cx="1005403" cy="338554"/>
-            </a:xfrm>
-            <a:prstGeom prst="rect">
-              <a:avLst/>
-            </a:prstGeom>
-            <a:noFill/>
-          </p:spPr>
-          <p:txBody>
-            <a:bodyPr wrap="none" rtlCol="0">
-              <a:spAutoFit/>
-            </a:bodyPr>
-            <a:lstStyle/>
-            <a:p>
-              <a:r>
-                <a:rPr lang="ko-KR" altLang="en-US" sz="1600" b="1" dirty="0">
-                  <a:solidFill>
-                    <a:schemeClr val="bg1"/>
-                  </a:solidFill>
-                </a:rPr>
-                <a:t>화면이름</a:t>
-              </a:r>
-            </a:p>
-          </p:txBody>
-        </p:sp>
-        <p:sp>
-          <p:nvSpPr>
-            <p:cNvPr id="12" name="TextBox 11">
-              <a:extLst>
-                <a:ext uri="{FF2B5EF4-FFF2-40B4-BE49-F238E27FC236}">
-                  <a16:creationId xmlns:a16="http://schemas.microsoft.com/office/drawing/2014/main" id="{95279311-CDE0-44BF-8410-51979300FD53}"/>
-                </a:ext>
-              </a:extLst>
-            </p:cNvPr>
-            <p:cNvSpPr txBox="1"/>
-            <p:nvPr/>
-          </p:nvSpPr>
-          <p:spPr>
-            <a:xfrm>
-              <a:off x="276836" y="1805111"/>
-              <a:ext cx="2171089" cy="276999"/>
-            </a:xfrm>
-            <a:prstGeom prst="rect">
-              <a:avLst/>
-            </a:prstGeom>
-            <a:noFill/>
-          </p:spPr>
-          <p:txBody>
-            <a:bodyPr wrap="square" rtlCol="0">
-              <a:spAutoFit/>
-            </a:bodyPr>
-            <a:lstStyle/>
-            <a:p>
-              <a:r>
-                <a:rPr lang="ko-KR" altLang="en-US" sz="1200" dirty="0"/>
-                <a:t>내 정보</a:t>
-              </a:r>
-              <a:endParaRPr lang="en-US" altLang="ko-KR" sz="1200" dirty="0"/>
-            </a:p>
-          </p:txBody>
-        </p:sp>
-      </p:grpSp>
-      <p:grpSp>
-        <p:nvGrpSpPr>
-          <p:cNvPr id="29" name="그룹 28">
-            <a:extLst>
-              <a:ext uri="{FF2B5EF4-FFF2-40B4-BE49-F238E27FC236}">
-                <a16:creationId xmlns:a16="http://schemas.microsoft.com/office/drawing/2014/main" id="{CE8B1C68-700F-45A9-8016-5ED0A02FFBE2}"/>
-              </a:ext>
-            </a:extLst>
-          </p:cNvPr>
-          <p:cNvGrpSpPr/>
-          <p:nvPr/>
-        </p:nvGrpSpPr>
-        <p:grpSpPr>
-          <a:xfrm>
-            <a:off x="276835" y="2297123"/>
-            <a:ext cx="2171089" cy="608077"/>
-            <a:chOff x="276836" y="2678221"/>
-            <a:chExt cx="2171089" cy="608077"/>
-          </a:xfrm>
-        </p:grpSpPr>
-        <p:sp>
-          <p:nvSpPr>
-            <p:cNvPr id="13" name="TextBox 12">
-              <a:extLst>
-                <a:ext uri="{FF2B5EF4-FFF2-40B4-BE49-F238E27FC236}">
-                  <a16:creationId xmlns:a16="http://schemas.microsoft.com/office/drawing/2014/main" id="{8A754930-80DC-40A4-874B-EBE42B054C69}"/>
-                </a:ext>
-              </a:extLst>
-            </p:cNvPr>
-            <p:cNvSpPr txBox="1"/>
-            <p:nvPr/>
-          </p:nvSpPr>
-          <p:spPr>
-            <a:xfrm>
-              <a:off x="276836" y="2678221"/>
-              <a:ext cx="1005403" cy="338554"/>
-            </a:xfrm>
-            <a:prstGeom prst="rect">
-              <a:avLst/>
-            </a:prstGeom>
-            <a:noFill/>
-          </p:spPr>
-          <p:txBody>
-            <a:bodyPr wrap="none" rtlCol="0">
-              <a:spAutoFit/>
-            </a:bodyPr>
-            <a:lstStyle/>
-            <a:p>
-              <a:r>
-                <a:rPr lang="ko-KR" altLang="en-US" sz="1600" b="1" dirty="0">
-                  <a:solidFill>
-                    <a:schemeClr val="bg1"/>
-                  </a:solidFill>
-                </a:rPr>
-                <a:t>화면코드</a:t>
-              </a:r>
-            </a:p>
-          </p:txBody>
-        </p:sp>
-        <p:sp>
-          <p:nvSpPr>
-            <p:cNvPr id="14" name="TextBox 13">
-              <a:extLst>
-                <a:ext uri="{FF2B5EF4-FFF2-40B4-BE49-F238E27FC236}">
-                  <a16:creationId xmlns:a16="http://schemas.microsoft.com/office/drawing/2014/main" id="{A23439F9-C374-4017-AD5C-0C17D06FDD60}"/>
-                </a:ext>
-              </a:extLst>
-            </p:cNvPr>
-            <p:cNvSpPr txBox="1"/>
-            <p:nvPr/>
-          </p:nvSpPr>
-          <p:spPr>
-            <a:xfrm>
-              <a:off x="276836" y="3009299"/>
-              <a:ext cx="2171089" cy="276999"/>
-            </a:xfrm>
-            <a:prstGeom prst="rect">
-              <a:avLst/>
-            </a:prstGeom>
-            <a:noFill/>
-          </p:spPr>
-          <p:txBody>
-            <a:bodyPr wrap="square" rtlCol="0">
-              <a:spAutoFit/>
-            </a:bodyPr>
-            <a:lstStyle/>
-            <a:p>
-              <a:r>
-                <a:rPr lang="en-US" altLang="ko-KR" sz="1200" dirty="0" err="1"/>
-                <a:t>mypage</a:t>
-              </a:r>
-              <a:endParaRPr lang="en-US" altLang="ko-KR" sz="1200" dirty="0"/>
+                <a:t>upload</a:t>
+              </a:r>
             </a:p>
           </p:txBody>
         </p:sp>
@@ -11290,7 +10028,7 @@
         <p:spPr>
           <a:xfrm>
             <a:off x="2743201" y="4742801"/>
-            <a:ext cx="7162799" cy="307777"/>
+            <a:ext cx="7162799" cy="523220"/>
           </a:xfrm>
           <a:prstGeom prst="rect">
             <a:avLst/>
@@ -11311,7 +10049,34 @@
                 <a:effectLst/>
                 <a:latin typeface="+mn-ea"/>
               </a:rPr>
-              <a:t>① 수정된 </a:t>
+              <a:t>① </a:t>
+            </a:r>
+            <a:r>
+              <a:rPr lang="ko-KR" altLang="en-US" sz="1400" dirty="0">
+                <a:solidFill>
+                  <a:schemeClr val="tx1"/>
+                </a:solidFill>
+                <a:latin typeface="+mn-ea"/>
+              </a:rPr>
+              <a:t>파일첨부하기</a:t>
+            </a:r>
+            <a:endParaRPr lang="en-US" altLang="ko-KR" sz="1400" dirty="0">
+              <a:solidFill>
+                <a:schemeClr val="tx1"/>
+              </a:solidFill>
+              <a:latin typeface="+mn-ea"/>
+            </a:endParaRPr>
+          </a:p>
+          <a:p>
+            <a:r>
+              <a:rPr lang="ko-KR" altLang="en-US" sz="1400" kern="0" spc="0" dirty="0">
+                <a:solidFill>
+                  <a:srgbClr val="000000"/>
+                </a:solidFill>
+                <a:effectLst/>
+                <a:latin typeface="+mn-ea"/>
+              </a:rPr>
+              <a:t>② </a:t>
             </a:r>
             <a:r>
               <a:rPr lang="en-US" altLang="ko-KR" sz="1400" kern="0" spc="0" dirty="0" err="1">
@@ -11321,7 +10086,16 @@
                 <a:effectLst/>
                 <a:latin typeface="+mn-ea"/>
               </a:rPr>
-              <a:t>mypage</a:t>
+              <a:t>upload_list</a:t>
+            </a:r>
+            <a:r>
+              <a:rPr lang="ko-KR" altLang="en-US" sz="1400" kern="0" dirty="0">
+                <a:solidFill>
+                  <a:srgbClr val="000000"/>
+                </a:solidFill>
+                <a:latin typeface="+mn-ea"/>
+              </a:rPr>
+              <a:t>에</a:t>
             </a:r>
             <a:r>
               <a:rPr lang="ko-KR" altLang="en-US" sz="1400" kern="0" spc="0" dirty="0">
@@ -11331,53 +10105,43 @@
                 <a:effectLst/>
                 <a:latin typeface="+mn-ea"/>
               </a:rPr>
-              <a:t>로 이동</a:t>
-            </a:r>
-            <a:endParaRPr lang="en-US" altLang="ko-KR" sz="1400" dirty="0">
+              <a:t> 저장</a:t>
+            </a:r>
+            <a:r>
+              <a:rPr lang="en-US" altLang="ko-KR" sz="1400" kern="0" dirty="0">
+                <a:solidFill>
+                  <a:srgbClr val="000000"/>
+                </a:solidFill>
+                <a:latin typeface="+mn-ea"/>
+              </a:rPr>
+              <a:t>·</a:t>
+            </a:r>
+            <a:r>
+              <a:rPr lang="ko-KR" altLang="en-US" sz="1400" kern="0" spc="0" dirty="0">
+                <a:solidFill>
+                  <a:srgbClr val="000000"/>
+                </a:solidFill>
+                <a:effectLst/>
+                <a:latin typeface="+mn-ea"/>
+              </a:rPr>
+              <a:t>이동</a:t>
+            </a:r>
+            <a:endParaRPr lang="en-US" altLang="ko-KR" sz="1400" kern="0" spc="0" dirty="0">
               <a:solidFill>
-                <a:schemeClr val="tx1"/>
+                <a:srgbClr val="000000"/>
               </a:solidFill>
+              <a:effectLst/>
               <a:latin typeface="+mn-ea"/>
             </a:endParaRPr>
           </a:p>
         </p:txBody>
       </p:sp>
-      <p:pic>
-        <p:nvPicPr>
-          <p:cNvPr id="3" name="Picture 2">
+      <p:sp>
+        <p:nvSpPr>
+          <p:cNvPr id="9" name="TextBox 8">
             <a:extLst>
               <a:ext uri="{FF2B5EF4-FFF2-40B4-BE49-F238E27FC236}">
-                <a16:creationId xmlns:a16="http://schemas.microsoft.com/office/drawing/2014/main" id="{E56F94F9-4C43-2ECB-93AE-A32568B5BFD6}"/>
-              </a:ext>
-            </a:extLst>
-          </p:cNvPr>
-          <p:cNvPicPr>
-            <a:picLocks noChangeAspect="1"/>
-          </p:cNvPicPr>
-          <p:nvPr/>
-        </p:nvPicPr>
-        <p:blipFill>
-          <a:blip r:embed="rId3"/>
-          <a:stretch>
-            <a:fillRect/>
-          </a:stretch>
-        </p:blipFill>
-        <p:spPr>
-          <a:xfrm>
-            <a:off x="2743201" y="256571"/>
-            <a:ext cx="7162799" cy="4225769"/>
-          </a:xfrm>
-          <a:prstGeom prst="rect">
-            <a:avLst/>
-          </a:prstGeom>
-        </p:spPr>
-      </p:pic>
-      <p:sp>
-        <p:nvSpPr>
-          <p:cNvPr id="7" name="TextBox 6">
-            <a:extLst>
-              <a:ext uri="{FF2B5EF4-FFF2-40B4-BE49-F238E27FC236}">
-                <a16:creationId xmlns:a16="http://schemas.microsoft.com/office/drawing/2014/main" id="{94B89EAC-7108-8991-C02F-1FFD79A78CD6}"/>
+                <a16:creationId xmlns:a16="http://schemas.microsoft.com/office/drawing/2014/main" id="{6ED9493F-DC4E-1020-BF9A-A547B2DB9447}"/>
               </a:ext>
             </a:extLst>
           </p:cNvPr>
@@ -11386,8 +10150,8 @@
         </p:nvSpPr>
         <p:spPr>
           <a:xfrm>
-            <a:off x="5700860" y="2888017"/>
-            <a:ext cx="351148" cy="369332"/>
+            <a:off x="5486402" y="1695644"/>
+            <a:ext cx="341721" cy="369332"/>
           </a:xfrm>
           <a:prstGeom prst="rect">
             <a:avLst/>
@@ -11414,10 +10178,52 @@
           </a:p>
         </p:txBody>
       </p:sp>
+      <p:sp>
+        <p:nvSpPr>
+          <p:cNvPr id="20" name="TextBox 19">
+            <a:extLst>
+              <a:ext uri="{FF2B5EF4-FFF2-40B4-BE49-F238E27FC236}">
+                <a16:creationId xmlns:a16="http://schemas.microsoft.com/office/drawing/2014/main" id="{CA8B04D2-FAE3-71F3-1822-1F9EA3DCB98D}"/>
+              </a:ext>
+            </a:extLst>
+          </p:cNvPr>
+          <p:cNvSpPr txBox="1"/>
+          <p:nvPr/>
+        </p:nvSpPr>
+        <p:spPr>
+          <a:xfrm>
+            <a:off x="5458121" y="3636697"/>
+            <a:ext cx="398282" cy="369332"/>
+          </a:xfrm>
+          <a:prstGeom prst="rect">
+            <a:avLst/>
+          </a:prstGeom>
+          <a:noFill/>
+        </p:spPr>
+        <p:txBody>
+          <a:bodyPr wrap="square">
+            <a:spAutoFit/>
+          </a:bodyPr>
+          <a:lstStyle/>
+          <a:p>
+            <a:r>
+              <a:rPr lang="ko-KR" altLang="en-US" sz="1800" b="1" kern="0" spc="0" dirty="0">
+                <a:solidFill>
+                  <a:srgbClr val="000000"/>
+                </a:solidFill>
+                <a:effectLst/>
+                <a:latin typeface="+mn-ea"/>
+              </a:rPr>
+              <a:t>②</a:t>
+            </a:r>
+            <a:endParaRPr lang="ko-KR" altLang="en-US" b="1" dirty="0"/>
+          </a:p>
+        </p:txBody>
+      </p:sp>
     </p:spTree>
     <p:extLst>
       <p:ext uri="{BB962C8B-B14F-4D97-AF65-F5344CB8AC3E}">
-        <p14:creationId xmlns:p14="http://schemas.microsoft.com/office/powerpoint/2010/main" val="3470847962"/>
+        <p14:creationId xmlns:p14="http://schemas.microsoft.com/office/powerpoint/2010/main" val="3386518979"/>
       </p:ext>
     </p:extLst>
   </p:cSld>
@@ -11427,7 +10233,7 @@
 </p:sld>
 </file>
 
-<file path=ppt/slides/slide16.xml><?xml version="1.0" encoding="utf-8"?>
+<file path=ppt/slides/slide15.xml><?xml version="1.0" encoding="utf-8"?>
 <p:sld xmlns:a="http://schemas.openxmlformats.org/drawingml/2006/main" xmlns:r="http://schemas.openxmlformats.org/officeDocument/2006/relationships" xmlns:p="http://schemas.openxmlformats.org/presentationml/2006/main">
   <p:cSld>
     <p:spTree>
@@ -11444,6 +10250,36 @@
           <a:chExt cx="0" cy="0"/>
         </a:xfrm>
       </p:grpSpPr>
+      <p:pic>
+        <p:nvPicPr>
+          <p:cNvPr id="5" name="Picture 4">
+            <a:extLst>
+              <a:ext uri="{FF2B5EF4-FFF2-40B4-BE49-F238E27FC236}">
+                <a16:creationId xmlns:a16="http://schemas.microsoft.com/office/drawing/2014/main" id="{56E451C8-3C0A-6CD0-86BE-C37C2D6DC2DD}"/>
+              </a:ext>
+            </a:extLst>
+          </p:cNvPr>
+          <p:cNvPicPr>
+            <a:picLocks noChangeAspect="1"/>
+          </p:cNvPicPr>
+          <p:nvPr/>
+        </p:nvPicPr>
+        <p:blipFill>
+          <a:blip r:embed="rId3"/>
+          <a:stretch>
+            <a:fillRect/>
+          </a:stretch>
+        </p:blipFill>
+        <p:spPr>
+          <a:xfrm>
+            <a:off x="2743200" y="269845"/>
+            <a:ext cx="7162798" cy="4199222"/>
+          </a:xfrm>
+          <a:prstGeom prst="rect">
+            <a:avLst/>
+          </a:prstGeom>
+        </p:spPr>
+      </p:pic>
       <p:sp>
         <p:nvSpPr>
           <p:cNvPr id="4" name="직사각형 3">
@@ -11663,19 +10499,23 @@
             <a:lstStyle/>
             <a:p>
               <a:r>
-                <a:rPr lang="ko-KR" altLang="en-US" sz="1200" dirty="0"/>
-                <a:t>ㅁㅈㅁㅈ</a:t>
-              </a:r>
-              <a:endParaRPr lang="en-US" altLang="ko-KR" sz="1200" dirty="0"/>
+                <a:rPr lang="ko-KR" altLang="en-US" sz="1200" b="1" dirty="0"/>
+                <a:t>바이팬</a:t>
+              </a:r>
+              <a:endParaRPr lang="en-US" altLang="ko-KR" sz="1200" b="1" dirty="0"/>
             </a:p>
             <a:p>
               <a:r>
+                <a:rPr lang="ko-KR" altLang="en-US" sz="1200" dirty="0"/>
+                <a:t>연예인의 다양한 사진을</a:t>
+              </a:r>
+              <a:r>
                 <a:rPr lang="en-US" altLang="ko-KR" sz="1200" dirty="0"/>
-                <a:t>- </a:t>
+                <a:t> </a:t>
               </a:r>
               <a:r>
                 <a:rPr lang="ko-KR" altLang="en-US" sz="1200" dirty="0"/>
-                <a:t>좋아하는 연예인의 착용 제품을 찾아주는 쇼핑 플랫폼 </a:t>
+                <a:t>찾아주는 팬 플랫폼 </a:t>
               </a:r>
               <a:endParaRPr lang="en-US" altLang="ko-KR" sz="1200" dirty="0"/>
             </a:p>
@@ -11771,7 +10611,7 @@
             <a:p>
               <a:r>
                 <a:rPr lang="ko-KR" altLang="en-US" sz="1200" dirty="0"/>
-                <a:t>사진 업로드</a:t>
+                <a:t>컬렉션</a:t>
               </a:r>
               <a:endParaRPr lang="en-US" altLang="ko-KR" sz="1200" dirty="0"/>
             </a:p>
@@ -11867,7 +10707,7 @@
             <a:p>
               <a:r>
                 <a:rPr lang="en-US" altLang="ko-KR" sz="1200" dirty="0"/>
-                <a:t>upload</a:t>
+                <a:t>collection</a:t>
               </a:r>
             </a:p>
           </p:txBody>
@@ -12123,7 +10963,7 @@
         <p:spPr>
           <a:xfrm>
             <a:off x="2743201" y="4742801"/>
-            <a:ext cx="7162799" cy="523220"/>
+            <a:ext cx="7162799" cy="307777"/>
           </a:xfrm>
           <a:prstGeom prst="rect">
             <a:avLst/>
@@ -12147,13 +10987,32 @@
               <a:t>① </a:t>
             </a:r>
             <a:r>
-              <a:rPr lang="ko-KR" altLang="en-US" sz="1400" dirty="0">
-                <a:solidFill>
-                  <a:schemeClr val="tx1"/>
-                </a:solidFill>
+              <a:rPr lang="ko-KR" altLang="en-US" sz="1400" kern="0" spc="0" dirty="0">
+                <a:effectLst/>
                 <a:latin typeface="+mn-ea"/>
               </a:rPr>
-              <a:t>파일첨부하기</a:t>
+              <a:t>해당 이미지 상세정보로 이동</a:t>
+            </a:r>
+            <a:r>
+              <a:rPr lang="en-US" altLang="ko-KR" sz="1400" kern="0" spc="0" dirty="0">
+                <a:effectLst/>
+                <a:latin typeface="+mn-ea"/>
+              </a:rPr>
+              <a:t>(ex.save01</a:t>
+            </a:r>
+            <a:r>
+              <a:rPr lang="ko-KR" altLang="en-US" sz="1400" kern="0" spc="0" dirty="0">
+                <a:effectLst/>
+                <a:latin typeface="+mn-ea"/>
+              </a:rPr>
+              <a:t>로 이동</a:t>
+            </a:r>
+            <a:r>
+              <a:rPr lang="en-US" altLang="ko-KR" sz="1400" kern="0" spc="0" dirty="0">
+                <a:effectLst/>
+                <a:latin typeface="+mn-ea"/>
+              </a:rPr>
+              <a:t>)</a:t>
             </a:r>
             <a:endParaRPr lang="en-US" altLang="ko-KR" sz="1400" dirty="0">
               <a:solidFill>
@@ -12162,81 +11021,14 @@
               <a:latin typeface="+mn-ea"/>
             </a:endParaRPr>
           </a:p>
-          <a:p>
-            <a:r>
-              <a:rPr lang="ko-KR" altLang="en-US" sz="1400" kern="0" spc="0" dirty="0">
-                <a:solidFill>
-                  <a:srgbClr val="000000"/>
-                </a:solidFill>
-                <a:effectLst/>
-                <a:latin typeface="+mn-ea"/>
-              </a:rPr>
-              <a:t>② </a:t>
-            </a:r>
-            <a:r>
-              <a:rPr lang="en-US" altLang="ko-KR" sz="1400" kern="0" spc="0" dirty="0" err="1">
-                <a:solidFill>
-                  <a:srgbClr val="000000"/>
-                </a:solidFill>
-                <a:effectLst/>
-                <a:latin typeface="+mn-ea"/>
-              </a:rPr>
-              <a:t>sales_list</a:t>
-            </a:r>
-            <a:r>
-              <a:rPr lang="ko-KR" altLang="en-US" sz="1400" kern="0" dirty="0">
-                <a:solidFill>
-                  <a:srgbClr val="000000"/>
-                </a:solidFill>
-                <a:latin typeface="+mn-ea"/>
-              </a:rPr>
-              <a:t>에</a:t>
-            </a:r>
-            <a:r>
-              <a:rPr lang="ko-KR" altLang="en-US" sz="1400" kern="0" spc="0" dirty="0">
-                <a:solidFill>
-                  <a:srgbClr val="000000"/>
-                </a:solidFill>
-                <a:effectLst/>
-                <a:latin typeface="+mn-ea"/>
-              </a:rPr>
-              <a:t> 저장</a:t>
-            </a:r>
-            <a:r>
-              <a:rPr lang="en-US" altLang="ko-KR" sz="1400" kern="0" dirty="0">
-                <a:solidFill>
-                  <a:srgbClr val="000000"/>
-                </a:solidFill>
-                <a:latin typeface="+mn-ea"/>
-              </a:rPr>
-              <a:t>·</a:t>
-            </a:r>
-            <a:r>
-              <a:rPr lang="ko-KR" altLang="en-US" sz="1400" kern="0" spc="0" dirty="0">
-                <a:solidFill>
-                  <a:srgbClr val="000000"/>
-                </a:solidFill>
-                <a:effectLst/>
-                <a:latin typeface="+mn-ea"/>
-              </a:rPr>
-              <a:t>이동</a:t>
-            </a:r>
-            <a:endParaRPr lang="en-US" altLang="ko-KR" sz="1400" kern="0" spc="0" dirty="0">
-              <a:solidFill>
-                <a:srgbClr val="000000"/>
-              </a:solidFill>
-              <a:effectLst/>
-              <a:latin typeface="+mn-ea"/>
-            </a:endParaRPr>
-          </a:p>
         </p:txBody>
       </p:sp>
       <p:sp>
         <p:nvSpPr>
-          <p:cNvPr id="9" name="TextBox 8">
+          <p:cNvPr id="8" name="TextBox 7">
             <a:extLst>
               <a:ext uri="{FF2B5EF4-FFF2-40B4-BE49-F238E27FC236}">
-                <a16:creationId xmlns:a16="http://schemas.microsoft.com/office/drawing/2014/main" id="{6ED9493F-DC4E-1020-BF9A-A547B2DB9447}"/>
+                <a16:creationId xmlns:a16="http://schemas.microsoft.com/office/drawing/2014/main" id="{43A2A7ED-F027-6809-4DE5-A2EBFFF9248E}"/>
               </a:ext>
             </a:extLst>
           </p:cNvPr>
@@ -12245,8 +11037,8 @@
         </p:nvSpPr>
         <p:spPr>
           <a:xfrm>
-            <a:off x="5486402" y="1695644"/>
-            <a:ext cx="341721" cy="369332"/>
+            <a:off x="3689412" y="926022"/>
+            <a:ext cx="332295" cy="369332"/>
           </a:xfrm>
           <a:prstGeom prst="rect">
             <a:avLst/>
@@ -12273,82 +11065,10 @@
           </a:p>
         </p:txBody>
       </p:sp>
-      <p:sp>
-        <p:nvSpPr>
-          <p:cNvPr id="20" name="TextBox 19">
-            <a:extLst>
-              <a:ext uri="{FF2B5EF4-FFF2-40B4-BE49-F238E27FC236}">
-                <a16:creationId xmlns:a16="http://schemas.microsoft.com/office/drawing/2014/main" id="{CA8B04D2-FAE3-71F3-1822-1F9EA3DCB98D}"/>
-              </a:ext>
-            </a:extLst>
-          </p:cNvPr>
-          <p:cNvSpPr txBox="1"/>
-          <p:nvPr/>
-        </p:nvSpPr>
-        <p:spPr>
-          <a:xfrm>
-            <a:off x="5458121" y="3636697"/>
-            <a:ext cx="398282" cy="369332"/>
-          </a:xfrm>
-          <a:prstGeom prst="rect">
-            <a:avLst/>
-          </a:prstGeom>
-          <a:noFill/>
-        </p:spPr>
-        <p:txBody>
-          <a:bodyPr wrap="square">
-            <a:spAutoFit/>
-          </a:bodyPr>
-          <a:lstStyle/>
-          <a:p>
-            <a:r>
-              <a:rPr lang="ko-KR" altLang="en-US" sz="1800" b="1" kern="0" spc="0" dirty="0">
-                <a:solidFill>
-                  <a:srgbClr val="000000"/>
-                </a:solidFill>
-                <a:effectLst/>
-                <a:latin typeface="+mn-ea"/>
-              </a:rPr>
-              <a:t>②</a:t>
-            </a:r>
-            <a:endParaRPr lang="ko-KR" altLang="en-US" b="1" dirty="0"/>
-          </a:p>
-        </p:txBody>
-      </p:sp>
-      <p:pic>
-        <p:nvPicPr>
-          <p:cNvPr id="3" name="Picture 2">
-            <a:extLst>
-              <a:ext uri="{FF2B5EF4-FFF2-40B4-BE49-F238E27FC236}">
-                <a16:creationId xmlns:a16="http://schemas.microsoft.com/office/drawing/2014/main" id="{88E2DF5C-D3E4-FB04-2E91-41AA6E25307D}"/>
-              </a:ext>
-            </a:extLst>
-          </p:cNvPr>
-          <p:cNvPicPr>
-            <a:picLocks noChangeAspect="1"/>
-          </p:cNvPicPr>
-          <p:nvPr/>
-        </p:nvPicPr>
-        <p:blipFill>
-          <a:blip r:embed="rId3"/>
-          <a:stretch>
-            <a:fillRect/>
-          </a:stretch>
-        </p:blipFill>
-        <p:spPr>
-          <a:xfrm>
-            <a:off x="2743200" y="417054"/>
-            <a:ext cx="7162799" cy="4052013"/>
-          </a:xfrm>
-          <a:prstGeom prst="rect">
-            <a:avLst/>
-          </a:prstGeom>
-        </p:spPr>
-      </p:pic>
     </p:spTree>
     <p:extLst>
       <p:ext uri="{BB962C8B-B14F-4D97-AF65-F5344CB8AC3E}">
-        <p14:creationId xmlns:p14="http://schemas.microsoft.com/office/powerpoint/2010/main" val="3386518979"/>
+        <p14:creationId xmlns:p14="http://schemas.microsoft.com/office/powerpoint/2010/main" val="2072658758"/>
       </p:ext>
     </p:extLst>
   </p:cSld>
@@ -12358,7 +11078,7 @@
 </p:sld>
 </file>
 
-<file path=ppt/slides/slide17.xml><?xml version="1.0" encoding="utf-8"?>
+<file path=ppt/slides/slide16.xml><?xml version="1.0" encoding="utf-8"?>
 <p:sld xmlns:a="http://schemas.openxmlformats.org/drawingml/2006/main" xmlns:r="http://schemas.openxmlformats.org/officeDocument/2006/relationships" xmlns:p="http://schemas.openxmlformats.org/presentationml/2006/main">
   <p:cSld>
     <p:spTree>
@@ -12445,7 +11165,7 @@
         <p:spPr>
           <a:xfrm>
             <a:off x="2743201" y="4469067"/>
-            <a:ext cx="7162799" cy="2388931"/>
+            <a:ext cx="7162799" cy="2388933"/>
           </a:xfrm>
           <a:prstGeom prst="rect">
             <a:avLst/>
@@ -12594,19 +11314,23 @@
             <a:lstStyle/>
             <a:p>
               <a:r>
-                <a:rPr lang="ko-KR" altLang="en-US" sz="1200" dirty="0"/>
-                <a:t>ㅁㅈㅁㅈ</a:t>
-              </a:r>
-              <a:endParaRPr lang="en-US" altLang="ko-KR" sz="1200" dirty="0"/>
+                <a:rPr lang="ko-KR" altLang="en-US" sz="1200" b="1" dirty="0"/>
+                <a:t>바이팬</a:t>
+              </a:r>
+              <a:endParaRPr lang="en-US" altLang="ko-KR" sz="1200" b="1" dirty="0"/>
             </a:p>
             <a:p>
               <a:r>
+                <a:rPr lang="ko-KR" altLang="en-US" sz="1200" dirty="0"/>
+                <a:t>연예인의 다양한 사진을</a:t>
+              </a:r>
+              <a:r>
                 <a:rPr lang="en-US" altLang="ko-KR" sz="1200" dirty="0"/>
-                <a:t>- </a:t>
+                <a:t> </a:t>
               </a:r>
               <a:r>
                 <a:rPr lang="ko-KR" altLang="en-US" sz="1200" dirty="0"/>
-                <a:t>좋아하는 연예인의 착용 제품을 찾아주는 쇼핑 플랫폼 </a:t>
+                <a:t>찾아주는 팬 플랫폼 </a:t>
               </a:r>
               <a:endParaRPr lang="en-US" altLang="ko-KR" sz="1200" dirty="0"/>
             </a:p>
@@ -12702,9 +11426,12 @@
             <a:p>
               <a:r>
                 <a:rPr lang="ko-KR" altLang="en-US" sz="1200" dirty="0"/>
-                <a:t>구매내역</a:t>
-              </a:r>
-              <a:endParaRPr lang="en-US" altLang="ko-KR" sz="1200" dirty="0"/>
+                <a:t>저장</a:t>
+              </a:r>
+              <a:r>
+                <a:rPr lang="en-US" altLang="ko-KR" sz="1200" dirty="0"/>
+                <a:t>01</a:t>
+              </a:r>
             </a:p>
           </p:txBody>
         </p:sp>
@@ -12797,10 +11524,9 @@
             <a:lstStyle/>
             <a:p>
               <a:r>
-                <a:rPr lang="en-US" altLang="ko-KR" sz="1200" dirty="0" err="1"/>
-                <a:t>buy_list</a:t>
-              </a:r>
-              <a:endParaRPr lang="en-US" altLang="ko-KR" sz="1200" dirty="0"/>
+                <a:rPr lang="en-US" altLang="ko-KR" sz="1200" dirty="0"/>
+                <a:t>save01</a:t>
+              </a:r>
             </a:p>
           </p:txBody>
         </p:sp>
@@ -13074,53 +11800,28 @@
                   <a:srgbClr val="000000"/>
                 </a:solidFill>
                 <a:effectLst/>
-                <a:latin typeface="+mn-ea"/>
+                <a:latin typeface="맑은 고딕" panose="020B0503020000020004" pitchFamily="50" charset="-127"/>
+                <a:ea typeface="맑은 고딕" panose="020B0503020000020004" pitchFamily="50" charset="-127"/>
               </a:rPr>
-              <a:t>① </a:t>
-            </a:r>
-            <a:r>
-              <a:rPr lang="ko-KR" altLang="en-US" sz="1400" kern="0" spc="0" dirty="0">
-                <a:effectLst/>
-                <a:latin typeface="+mn-ea"/>
-              </a:rPr>
-              <a:t>해당 이미지 상세정보로 이동</a:t>
-            </a:r>
-            <a:r>
-              <a:rPr lang="en-US" altLang="ko-KR" sz="1400" kern="0" spc="0" dirty="0">
-                <a:effectLst/>
-                <a:latin typeface="+mn-ea"/>
-              </a:rPr>
-              <a:t>(ex.buy01</a:t>
-            </a:r>
-            <a:r>
-              <a:rPr lang="ko-KR" altLang="en-US" sz="1400" kern="0" spc="0" dirty="0">
-                <a:effectLst/>
-                <a:latin typeface="+mn-ea"/>
-              </a:rPr>
-              <a:t>로 이동</a:t>
-            </a:r>
-            <a:r>
-              <a:rPr lang="en-US" altLang="ko-KR" sz="1400" kern="0" spc="0" dirty="0">
-                <a:effectLst/>
-                <a:latin typeface="+mn-ea"/>
-              </a:rPr>
-              <a:t>)</a:t>
-            </a:r>
-            <a:endParaRPr lang="en-US" altLang="ko-KR" sz="1400" dirty="0">
+              <a:t>해당 이미지 상세정보 제공</a:t>
+            </a:r>
+            <a:endParaRPr lang="en-US" altLang="ko-KR" sz="1400" kern="0" spc="0" dirty="0">
               <a:solidFill>
-                <a:schemeClr val="tx1"/>
+                <a:srgbClr val="000000"/>
               </a:solidFill>
-              <a:latin typeface="+mn-ea"/>
+              <a:effectLst/>
+              <a:latin typeface="맑은 고딕" panose="020B0503020000020004" pitchFamily="50" charset="-127"/>
+              <a:ea typeface="맑은 고딕" panose="020B0503020000020004" pitchFamily="50" charset="-127"/>
             </a:endParaRPr>
           </a:p>
         </p:txBody>
       </p:sp>
       <p:pic>
         <p:nvPicPr>
-          <p:cNvPr id="3" name="Picture 2">
+          <p:cNvPr id="5" name="Picture 4">
             <a:extLst>
               <a:ext uri="{FF2B5EF4-FFF2-40B4-BE49-F238E27FC236}">
-                <a16:creationId xmlns:a16="http://schemas.microsoft.com/office/drawing/2014/main" id="{73474DFA-5345-C3C6-DE91-BE7DD04C019B}"/>
+                <a16:creationId xmlns:a16="http://schemas.microsoft.com/office/drawing/2014/main" id="{14ADE801-9DB1-7861-3492-690B854F74CF}"/>
               </a:ext>
             </a:extLst>
           </p:cNvPr>
@@ -13137,8 +11838,8 @@
         </p:blipFill>
         <p:spPr>
           <a:xfrm>
-            <a:off x="2743199" y="269846"/>
-            <a:ext cx="7162799" cy="4199222"/>
+            <a:off x="2743201" y="269846"/>
+            <a:ext cx="7162799" cy="4199220"/>
           </a:xfrm>
           <a:prstGeom prst="rect">
             <a:avLst/>
@@ -13148,7 +11849,7 @@
     </p:spTree>
     <p:extLst>
       <p:ext uri="{BB962C8B-B14F-4D97-AF65-F5344CB8AC3E}">
-        <p14:creationId xmlns:p14="http://schemas.microsoft.com/office/powerpoint/2010/main" val="2072658758"/>
+        <p14:creationId xmlns:p14="http://schemas.microsoft.com/office/powerpoint/2010/main" val="3322071379"/>
       </p:ext>
     </p:extLst>
   </p:cSld>
@@ -13158,7 +11859,7 @@
 </p:sld>
 </file>
 
-<file path=ppt/slides/slide18.xml><?xml version="1.0" encoding="utf-8"?>
+<file path=ppt/slides/slide17.xml><?xml version="1.0" encoding="utf-8"?>
 <p:sld xmlns:a="http://schemas.openxmlformats.org/drawingml/2006/main" xmlns:r="http://schemas.openxmlformats.org/officeDocument/2006/relationships" xmlns:p="http://schemas.openxmlformats.org/presentationml/2006/main">
   <p:cSld>
     <p:spTree>
@@ -13190,7 +11891,7 @@
         <p:spPr>
           <a:xfrm>
             <a:off x="0" y="2"/>
-            <a:ext cx="2743201" cy="6857996"/>
+            <a:ext cx="2743201" cy="6857998"/>
           </a:xfrm>
           <a:prstGeom prst="rect">
             <a:avLst/>
@@ -13244,7 +11945,7 @@
         </p:nvSpPr>
         <p:spPr>
           <a:xfrm>
-            <a:off x="2743201" y="4469067"/>
+            <a:off x="2743201" y="4497348"/>
             <a:ext cx="7162799" cy="2388933"/>
           </a:xfrm>
           <a:prstGeom prst="rect">
@@ -13394,19 +12095,23 @@
             <a:lstStyle/>
             <a:p>
               <a:r>
-                <a:rPr lang="ko-KR" altLang="en-US" sz="1200" dirty="0"/>
-                <a:t>ㅁㅈㅁㅈ</a:t>
-              </a:r>
-              <a:endParaRPr lang="en-US" altLang="ko-KR" sz="1200" dirty="0"/>
+                <a:rPr lang="ko-KR" altLang="en-US" sz="1200" b="1" dirty="0"/>
+                <a:t>바이팬</a:t>
+              </a:r>
+              <a:endParaRPr lang="en-US" altLang="ko-KR" sz="1200" b="1" dirty="0"/>
             </a:p>
             <a:p>
               <a:r>
+                <a:rPr lang="ko-KR" altLang="en-US" sz="1200" dirty="0"/>
+                <a:t>연예인의 다양한 사진을</a:t>
+              </a:r>
+              <a:r>
                 <a:rPr lang="en-US" altLang="ko-KR" sz="1200" dirty="0"/>
-                <a:t>- </a:t>
+                <a:t> </a:t>
               </a:r>
               <a:r>
                 <a:rPr lang="ko-KR" altLang="en-US" sz="1200" dirty="0"/>
-                <a:t>좋아하는 연예인의 착용 제품을 찾아주는 쇼핑 플랫폼 </a:t>
+                <a:t>찾아주는 팬 플랫폼 </a:t>
               </a:r>
               <a:endParaRPr lang="en-US" altLang="ko-KR" sz="1200" dirty="0"/>
             </a:p>
@@ -13502,12 +12207,9 @@
             <a:p>
               <a:r>
                 <a:rPr lang="ko-KR" altLang="en-US" sz="1200" dirty="0"/>
-                <a:t>구매</a:t>
-              </a:r>
-              <a:r>
-                <a:rPr lang="en-US" altLang="ko-KR" sz="1200" dirty="0"/>
-                <a:t>01</a:t>
-              </a:r>
+                <a:t>업로드 현황</a:t>
+              </a:r>
+              <a:endParaRPr lang="en-US" altLang="ko-KR" sz="1200" dirty="0"/>
             </a:p>
           </p:txBody>
         </p:sp>
@@ -13600,9 +12302,10 @@
             <a:lstStyle/>
             <a:p>
               <a:r>
-                <a:rPr lang="en-US" altLang="ko-KR" sz="1200" dirty="0"/>
-                <a:t>buy01</a:t>
-              </a:r>
+                <a:rPr lang="en-US" altLang="ko-KR" sz="1200" dirty="0" err="1"/>
+                <a:t>upload_list</a:t>
+              </a:r>
+              <a:endParaRPr lang="en-US" altLang="ko-KR" sz="1200" dirty="0"/>
             </a:p>
           </p:txBody>
         </p:sp>
@@ -13876,28 +12579,39 @@
                   <a:srgbClr val="000000"/>
                 </a:solidFill>
                 <a:effectLst/>
-                <a:latin typeface="맑은 고딕" panose="020B0503020000020004" pitchFamily="50" charset="-127"/>
-                <a:ea typeface="맑은 고딕" panose="020B0503020000020004" pitchFamily="50" charset="-127"/>
+                <a:latin typeface="+mn-ea"/>
               </a:rPr>
-              <a:t>해당 이미지 상세정보 제공</a:t>
-            </a:r>
-            <a:endParaRPr lang="en-US" altLang="ko-KR" sz="1400" kern="0" spc="0" dirty="0">
+              <a:t>① </a:t>
+            </a:r>
+            <a:r>
+              <a:rPr lang="ko-KR" altLang="en-US" sz="1400" kern="0" spc="0" dirty="0">
+                <a:effectLst/>
+                <a:latin typeface="+mn-ea"/>
+              </a:rPr>
+              <a:t>해당 이미지 상세정보로 이동</a:t>
+            </a:r>
+            <a:r>
+              <a:rPr lang="en-US" altLang="ko-KR" sz="1400" kern="0" spc="0" dirty="0">
+                <a:effectLst/>
+                <a:latin typeface="+mn-ea"/>
+              </a:rPr>
+              <a:t>(ex.upload01)</a:t>
+            </a:r>
+            <a:endParaRPr lang="en-US" altLang="ko-KR" sz="1400" dirty="0">
               <a:solidFill>
-                <a:srgbClr val="000000"/>
+                <a:schemeClr val="tx1"/>
               </a:solidFill>
-              <a:effectLst/>
-              <a:latin typeface="맑은 고딕" panose="020B0503020000020004" pitchFamily="50" charset="-127"/>
-              <a:ea typeface="맑은 고딕" panose="020B0503020000020004" pitchFamily="50" charset="-127"/>
+              <a:latin typeface="+mn-ea"/>
             </a:endParaRPr>
           </a:p>
         </p:txBody>
       </p:sp>
       <p:pic>
         <p:nvPicPr>
-          <p:cNvPr id="3" name="Picture 2">
+          <p:cNvPr id="5" name="Picture 4">
             <a:extLst>
               <a:ext uri="{FF2B5EF4-FFF2-40B4-BE49-F238E27FC236}">
-                <a16:creationId xmlns:a16="http://schemas.microsoft.com/office/drawing/2014/main" id="{EABD52D0-46A1-A55F-06F1-37B05D73F1ED}"/>
+                <a16:creationId xmlns:a16="http://schemas.microsoft.com/office/drawing/2014/main" id="{D7426F87-95DD-DF63-391A-E2381D47081C}"/>
               </a:ext>
             </a:extLst>
           </p:cNvPr>
@@ -13914,18 +12628,60 @@
         </p:blipFill>
         <p:spPr>
           <a:xfrm>
-            <a:off x="2743200" y="310143"/>
-            <a:ext cx="7162799" cy="4212496"/>
+            <a:off x="2743199" y="274612"/>
+            <a:ext cx="7162799" cy="4194456"/>
           </a:xfrm>
           <a:prstGeom prst="rect">
             <a:avLst/>
           </a:prstGeom>
         </p:spPr>
       </p:pic>
+      <p:sp>
+        <p:nvSpPr>
+          <p:cNvPr id="8" name="TextBox 7">
+            <a:extLst>
+              <a:ext uri="{FF2B5EF4-FFF2-40B4-BE49-F238E27FC236}">
+                <a16:creationId xmlns:a16="http://schemas.microsoft.com/office/drawing/2014/main" id="{8755E945-B1FA-83CB-A054-F02F40D335A8}"/>
+              </a:ext>
+            </a:extLst>
+          </p:cNvPr>
+          <p:cNvSpPr txBox="1"/>
+          <p:nvPr/>
+        </p:nvSpPr>
+        <p:spPr>
+          <a:xfrm>
+            <a:off x="3567164" y="924088"/>
+            <a:ext cx="341721" cy="369332"/>
+          </a:xfrm>
+          <a:prstGeom prst="rect">
+            <a:avLst/>
+          </a:prstGeom>
+          <a:noFill/>
+        </p:spPr>
+        <p:txBody>
+          <a:bodyPr wrap="square">
+            <a:spAutoFit/>
+          </a:bodyPr>
+          <a:lstStyle/>
+          <a:p>
+            <a:r>
+              <a:rPr lang="ko-KR" altLang="en-US" sz="1800" b="1" kern="0" spc="0" dirty="0">
+                <a:solidFill>
+                  <a:srgbClr val="000000"/>
+                </a:solidFill>
+                <a:effectLst/>
+                <a:latin typeface="+mn-ea"/>
+              </a:rPr>
+              <a:t>①</a:t>
+            </a:r>
+            <a:endParaRPr lang="ko-KR" altLang="en-US" b="1" dirty="0"/>
+          </a:p>
+        </p:txBody>
+      </p:sp>
     </p:spTree>
     <p:extLst>
       <p:ext uri="{BB962C8B-B14F-4D97-AF65-F5344CB8AC3E}">
-        <p14:creationId xmlns:p14="http://schemas.microsoft.com/office/powerpoint/2010/main" val="3322071379"/>
+        <p14:creationId xmlns:p14="http://schemas.microsoft.com/office/powerpoint/2010/main" val="2945903178"/>
       </p:ext>
     </p:extLst>
   </p:cSld>
@@ -13935,7 +12691,7 @@
 </p:sld>
 </file>
 
-<file path=ppt/slides/slide19.xml><?xml version="1.0" encoding="utf-8"?>
+<file path=ppt/slides/slide18.xml><?xml version="1.0" encoding="utf-8"?>
 <p:sld xmlns:a="http://schemas.openxmlformats.org/drawingml/2006/main" xmlns:r="http://schemas.openxmlformats.org/officeDocument/2006/relationships" xmlns:p="http://schemas.openxmlformats.org/presentationml/2006/main">
   <p:cSld>
     <p:spTree>
@@ -13967,7 +12723,7 @@
         <p:spPr>
           <a:xfrm>
             <a:off x="0" y="2"/>
-            <a:ext cx="2743201" cy="6857998"/>
+            <a:ext cx="2743201" cy="6857996"/>
           </a:xfrm>
           <a:prstGeom prst="rect">
             <a:avLst/>
@@ -14021,8 +12777,8 @@
         </p:nvSpPr>
         <p:spPr>
           <a:xfrm>
-            <a:off x="2743201" y="4469067"/>
-            <a:ext cx="7162799" cy="2388933"/>
+            <a:off x="2743201" y="4495615"/>
+            <a:ext cx="7162799" cy="2362384"/>
           </a:xfrm>
           <a:prstGeom prst="rect">
             <a:avLst/>
@@ -14171,19 +12927,23 @@
             <a:lstStyle/>
             <a:p>
               <a:r>
-                <a:rPr lang="ko-KR" altLang="en-US" sz="1200" dirty="0"/>
-                <a:t>ㅁㅈㅁㅈ</a:t>
-              </a:r>
-              <a:endParaRPr lang="en-US" altLang="ko-KR" sz="1200" dirty="0"/>
+                <a:rPr lang="ko-KR" altLang="en-US" sz="1200" b="1" dirty="0"/>
+                <a:t>바이팬</a:t>
+              </a:r>
+              <a:endParaRPr lang="en-US" altLang="ko-KR" sz="1200" b="1" dirty="0"/>
             </a:p>
             <a:p>
               <a:r>
+                <a:rPr lang="ko-KR" altLang="en-US" sz="1200" dirty="0"/>
+                <a:t>연예인의 다양한 사진을</a:t>
+              </a:r>
+              <a:r>
                 <a:rPr lang="en-US" altLang="ko-KR" sz="1200" dirty="0"/>
-                <a:t>- </a:t>
+                <a:t> </a:t>
               </a:r>
               <a:r>
                 <a:rPr lang="ko-KR" altLang="en-US" sz="1200" dirty="0"/>
-                <a:t>좋아하는 연예인의 착용 제품을 찾아주는 쇼핑 플랫폼 </a:t>
+                <a:t>찾아주는 팬 플랫폼 </a:t>
               </a:r>
               <a:endParaRPr lang="en-US" altLang="ko-KR" sz="1200" dirty="0"/>
             </a:p>
@@ -14279,9 +13039,12 @@
             <a:p>
               <a:r>
                 <a:rPr lang="ko-KR" altLang="en-US" sz="1200" dirty="0"/>
-                <a:t>판매내역</a:t>
-              </a:r>
-              <a:endParaRPr lang="en-US" altLang="ko-KR" sz="1200" dirty="0"/>
+                <a:t>업로드</a:t>
+              </a:r>
+              <a:r>
+                <a:rPr lang="en-US" altLang="ko-KR" sz="1200" dirty="0"/>
+                <a:t>01</a:t>
+              </a:r>
             </a:p>
           </p:txBody>
         </p:sp>
@@ -14374,10 +13137,9 @@
             <a:lstStyle/>
             <a:p>
               <a:r>
-                <a:rPr lang="en-US" altLang="ko-KR" sz="1200" dirty="0" err="1"/>
-                <a:t>sales_list</a:t>
-              </a:r>
-              <a:endParaRPr lang="en-US" altLang="ko-KR" sz="1200" dirty="0"/>
+                <a:rPr lang="en-US" altLang="ko-KR" sz="1200" dirty="0"/>
+                <a:t>upload01</a:t>
+              </a:r>
             </a:p>
           </p:txBody>
         </p:sp>
@@ -14651,39 +13413,28 @@
                   <a:srgbClr val="000000"/>
                 </a:solidFill>
                 <a:effectLst/>
-                <a:latin typeface="+mn-ea"/>
+                <a:latin typeface="맑은 고딕" panose="020B0503020000020004" pitchFamily="50" charset="-127"/>
+                <a:ea typeface="맑은 고딕" panose="020B0503020000020004" pitchFamily="50" charset="-127"/>
               </a:rPr>
-              <a:t>① </a:t>
-            </a:r>
-            <a:r>
-              <a:rPr lang="ko-KR" altLang="en-US" sz="1400" kern="0" spc="0" dirty="0">
-                <a:effectLst/>
-                <a:latin typeface="+mn-ea"/>
-              </a:rPr>
-              <a:t>해당 이미지 상세정보로 이동</a:t>
-            </a:r>
-            <a:r>
-              <a:rPr lang="en-US" altLang="ko-KR" sz="1400" kern="0" spc="0" dirty="0">
-                <a:effectLst/>
-                <a:latin typeface="+mn-ea"/>
-              </a:rPr>
-              <a:t>(ex.sales01)</a:t>
-            </a:r>
-            <a:endParaRPr lang="en-US" altLang="ko-KR" sz="1400" dirty="0">
+              <a:t>해당 이미지 상세정보 제공</a:t>
+            </a:r>
+            <a:endParaRPr lang="en-US" altLang="ko-KR" sz="1400" kern="0" spc="0" dirty="0">
               <a:solidFill>
-                <a:schemeClr val="tx1"/>
+                <a:srgbClr val="000000"/>
               </a:solidFill>
-              <a:latin typeface="+mn-ea"/>
+              <a:effectLst/>
+              <a:latin typeface="맑은 고딕" panose="020B0503020000020004" pitchFamily="50" charset="-127"/>
+              <a:ea typeface="맑은 고딕" panose="020B0503020000020004" pitchFamily="50" charset="-127"/>
             </a:endParaRPr>
           </a:p>
         </p:txBody>
       </p:sp>
       <p:pic>
         <p:nvPicPr>
-          <p:cNvPr id="3" name="Picture 2">
+          <p:cNvPr id="5" name="Picture 4">
             <a:extLst>
               <a:ext uri="{FF2B5EF4-FFF2-40B4-BE49-F238E27FC236}">
-                <a16:creationId xmlns:a16="http://schemas.microsoft.com/office/drawing/2014/main" id="{A7A26B08-15AA-4C70-E37D-A258B39D31A1}"/>
+                <a16:creationId xmlns:a16="http://schemas.microsoft.com/office/drawing/2014/main" id="{D930A9FB-645A-5B2F-646C-2FB04CA3732D}"/>
               </a:ext>
             </a:extLst>
           </p:cNvPr>
@@ -14701,7 +13452,7 @@
         <p:spPr>
           <a:xfrm>
             <a:off x="2743201" y="269845"/>
-            <a:ext cx="7162799" cy="4199222"/>
+            <a:ext cx="7162799" cy="4225769"/>
           </a:xfrm>
           <a:prstGeom prst="rect">
             <a:avLst/>
@@ -14711,7 +13462,7 @@
     </p:spTree>
     <p:extLst>
       <p:ext uri="{BB962C8B-B14F-4D97-AF65-F5344CB8AC3E}">
-        <p14:creationId xmlns:p14="http://schemas.microsoft.com/office/powerpoint/2010/main" val="2945903178"/>
+        <p14:creationId xmlns:p14="http://schemas.microsoft.com/office/powerpoint/2010/main" val="3140353938"/>
       </p:ext>
     </p:extLst>
   </p:cSld>
@@ -14721,7 +13472,7 @@
 </p:sld>
 </file>
 
-<file path=ppt/slides/slide2.xml><?xml version="1.0" encoding="utf-8"?>
+<file path=ppt/slides/slide19.xml><?xml version="1.0" encoding="utf-8"?>
 <p:sld xmlns:a="http://schemas.openxmlformats.org/drawingml/2006/main" xmlns:r="http://schemas.openxmlformats.org/officeDocument/2006/relationships" xmlns:p="http://schemas.openxmlformats.org/presentationml/2006/main">
   <p:cSld>
     <p:spTree>
@@ -14740,166 +13491,6 @@
       </p:grpSpPr>
       <p:sp>
         <p:nvSpPr>
-          <p:cNvPr id="4" name="TextBox 3">
-            <a:extLst>
-              <a:ext uri="{FF2B5EF4-FFF2-40B4-BE49-F238E27FC236}">
-                <a16:creationId xmlns:a16="http://schemas.microsoft.com/office/drawing/2014/main" id="{9D5220CB-1091-427B-9C59-0D4A53706EA0}"/>
-              </a:ext>
-            </a:extLst>
-          </p:cNvPr>
-          <p:cNvSpPr txBox="1"/>
-          <p:nvPr/>
-        </p:nvSpPr>
-        <p:spPr>
-          <a:xfrm>
-            <a:off x="422454" y="408446"/>
-            <a:ext cx="2739853" cy="584775"/>
-          </a:xfrm>
-          <a:prstGeom prst="rect">
-            <a:avLst/>
-          </a:prstGeom>
-          <a:noFill/>
-        </p:spPr>
-        <p:txBody>
-          <a:bodyPr wrap="none" rtlCol="0">
-            <a:spAutoFit/>
-          </a:bodyPr>
-          <a:lstStyle/>
-          <a:p>
-            <a:r>
-              <a:rPr lang="ko-KR" altLang="en-US" sz="3200" b="1" dirty="0">
-                <a:solidFill>
-                  <a:schemeClr val="accent1">
-                    <a:lumMod val="40000"/>
-                    <a:lumOff val="60000"/>
-                  </a:schemeClr>
-                </a:solidFill>
-              </a:rPr>
-              <a:t>서비스 흐름도</a:t>
-            </a:r>
-            <a:endParaRPr lang="ko-KR" altLang="en-US" sz="3200" dirty="0">
-              <a:solidFill>
-                <a:schemeClr val="accent1">
-                  <a:lumMod val="40000"/>
-                  <a:lumOff val="60000"/>
-                </a:schemeClr>
-              </a:solidFill>
-            </a:endParaRPr>
-          </a:p>
-        </p:txBody>
-      </p:sp>
-      <p:cxnSp>
-        <p:nvCxnSpPr>
-          <p:cNvPr id="6" name="직선 연결선 5">
-            <a:extLst>
-              <a:ext uri="{FF2B5EF4-FFF2-40B4-BE49-F238E27FC236}">
-                <a16:creationId xmlns:a16="http://schemas.microsoft.com/office/drawing/2014/main" id="{A60F8744-D899-4A3B-8ADA-040679D62E71}"/>
-              </a:ext>
-            </a:extLst>
-          </p:cNvPr>
-          <p:cNvCxnSpPr/>
-          <p:nvPr/>
-        </p:nvCxnSpPr>
-        <p:spPr>
-          <a:xfrm>
-            <a:off x="553673" y="1098958"/>
-            <a:ext cx="8732940" cy="0"/>
-          </a:xfrm>
-          <a:prstGeom prst="line">
-            <a:avLst/>
-          </a:prstGeom>
-          <a:ln w="19050">
-            <a:solidFill>
-              <a:schemeClr val="tx1">
-                <a:lumMod val="50000"/>
-                <a:lumOff val="50000"/>
-              </a:schemeClr>
-            </a:solidFill>
-          </a:ln>
-        </p:spPr>
-        <p:style>
-          <a:lnRef idx="1">
-            <a:schemeClr val="accent1"/>
-          </a:lnRef>
-          <a:fillRef idx="0">
-            <a:schemeClr val="accent1"/>
-          </a:fillRef>
-          <a:effectRef idx="0">
-            <a:schemeClr val="accent1"/>
-          </a:effectRef>
-          <a:fontRef idx="minor">
-            <a:schemeClr val="tx1"/>
-          </a:fontRef>
-        </p:style>
-      </p:cxnSp>
-      <p:pic>
-        <p:nvPicPr>
-          <p:cNvPr id="3" name="Picture 2">
-            <a:extLst>
-              <a:ext uri="{FF2B5EF4-FFF2-40B4-BE49-F238E27FC236}">
-                <a16:creationId xmlns:a16="http://schemas.microsoft.com/office/drawing/2014/main" id="{A70FB884-B3EF-2347-9AF7-151DC4A40F2E}"/>
-              </a:ext>
-            </a:extLst>
-          </p:cNvPr>
-          <p:cNvPicPr>
-            <a:picLocks noChangeAspect="1"/>
-          </p:cNvPicPr>
-          <p:nvPr/>
-        </p:nvPicPr>
-        <p:blipFill>
-          <a:blip r:embed="rId3">
-            <a:extLst>
-              <a:ext uri="{28A0092B-C50C-407E-A947-70E740481C1C}">
-                <a14:useLocalDpi xmlns:a14="http://schemas.microsoft.com/office/drawing/2010/main" val="0"/>
-              </a:ext>
-            </a:extLst>
-          </a:blip>
-          <a:stretch>
-            <a:fillRect/>
-          </a:stretch>
-        </p:blipFill>
-        <p:spPr>
-          <a:xfrm>
-            <a:off x="553673" y="1633348"/>
-            <a:ext cx="8732940" cy="4531782"/>
-          </a:xfrm>
-          <a:prstGeom prst="rect">
-            <a:avLst/>
-          </a:prstGeom>
-        </p:spPr>
-      </p:pic>
-    </p:spTree>
-    <p:extLst>
-      <p:ext uri="{BB962C8B-B14F-4D97-AF65-F5344CB8AC3E}">
-        <p14:creationId xmlns:p14="http://schemas.microsoft.com/office/powerpoint/2010/main" val="853003860"/>
-      </p:ext>
-    </p:extLst>
-  </p:cSld>
-  <p:clrMapOvr>
-    <a:masterClrMapping/>
-  </p:clrMapOvr>
-</p:sld>
-</file>
-
-<file path=ppt/slides/slide20.xml><?xml version="1.0" encoding="utf-8"?>
-<p:sld xmlns:a="http://schemas.openxmlformats.org/drawingml/2006/main" xmlns:r="http://schemas.openxmlformats.org/officeDocument/2006/relationships" xmlns:p="http://schemas.openxmlformats.org/presentationml/2006/main">
-  <p:cSld>
-    <p:spTree>
-      <p:nvGrpSpPr>
-        <p:cNvPr id="1" name=""/>
-        <p:cNvGrpSpPr/>
-        <p:nvPr/>
-      </p:nvGrpSpPr>
-      <p:grpSpPr>
-        <a:xfrm>
-          <a:off x="0" y="0"/>
-          <a:ext cx="0" cy="0"/>
-          <a:chOff x="0" y="0"/>
-          <a:chExt cx="0" cy="0"/>
-        </a:xfrm>
-      </p:grpSpPr>
-      <p:sp>
-        <p:nvSpPr>
           <p:cNvPr id="4" name="직사각형 3">
             <a:extLst>
               <a:ext uri="{FF2B5EF4-FFF2-40B4-BE49-F238E27FC236}">
@@ -14913,7 +13504,7 @@
         <p:spPr>
           <a:xfrm>
             <a:off x="0" y="2"/>
-            <a:ext cx="2743201" cy="6857996"/>
+            <a:ext cx="9906000" cy="6857996"/>
           </a:xfrm>
           <a:prstGeom prst="rect">
             <a:avLst/>
@@ -14949,497 +13540,20 @@
           <a:lstStyle/>
           <a:p>
             <a:pPr algn="ctr"/>
-            <a:endParaRPr lang="ko-KR" altLang="en-US" sz="1600" dirty="0"/>
+            <a:r>
+              <a:rPr lang="en-US" altLang="ko-KR" sz="8000" dirty="0"/>
+              <a:t>THE END</a:t>
+            </a:r>
+            <a:endParaRPr lang="ko-KR" altLang="en-US" sz="8000" dirty="0"/>
           </a:p>
         </p:txBody>
       </p:sp>
       <p:sp>
         <p:nvSpPr>
-          <p:cNvPr id="17" name="직사각형 16">
+          <p:cNvPr id="34" name="TextBox 33">
             <a:extLst>
               <a:ext uri="{FF2B5EF4-FFF2-40B4-BE49-F238E27FC236}">
-                <a16:creationId xmlns:a16="http://schemas.microsoft.com/office/drawing/2014/main" id="{F2EE50EF-1C64-4D24-A8FC-FEB31ECABF02}"/>
-              </a:ext>
-            </a:extLst>
-          </p:cNvPr>
-          <p:cNvSpPr/>
-          <p:nvPr/>
-        </p:nvSpPr>
-        <p:spPr>
-          <a:xfrm>
-            <a:off x="2743201" y="4495615"/>
-            <a:ext cx="7162799" cy="2362384"/>
-          </a:xfrm>
-          <a:prstGeom prst="rect">
-            <a:avLst/>
-          </a:prstGeom>
-          <a:solidFill>
-            <a:schemeClr val="bg1">
-              <a:lumMod val="95000"/>
-            </a:schemeClr>
-          </a:solidFill>
-          <a:ln>
-            <a:noFill/>
-          </a:ln>
-        </p:spPr>
-        <p:style>
-          <a:lnRef idx="2">
-            <a:schemeClr val="accent1">
-              <a:shade val="50000"/>
-            </a:schemeClr>
-          </a:lnRef>
-          <a:fillRef idx="1">
-            <a:schemeClr val="accent1"/>
-          </a:fillRef>
-          <a:effectRef idx="0">
-            <a:schemeClr val="accent1"/>
-          </a:effectRef>
-          <a:fontRef idx="minor">
-            <a:schemeClr val="lt1"/>
-          </a:fontRef>
-        </p:style>
-        <p:txBody>
-          <a:bodyPr rtlCol="0" anchor="ctr"/>
-          <a:lstStyle/>
-          <a:p>
-            <a:endParaRPr lang="en-US" altLang="ko-KR" sz="1200" kern="0" dirty="0">
-              <a:solidFill>
-                <a:srgbClr val="000000"/>
-              </a:solidFill>
-              <a:latin typeface="+mn-ea"/>
-            </a:endParaRPr>
-          </a:p>
-          <a:p>
-            <a:endParaRPr lang="en-US" altLang="ko-KR" sz="1200" kern="0" spc="0" dirty="0">
-              <a:solidFill>
-                <a:srgbClr val="000000"/>
-              </a:solidFill>
-              <a:effectLst/>
-              <a:latin typeface="+mn-ea"/>
-            </a:endParaRPr>
-          </a:p>
-          <a:p>
-            <a:endParaRPr lang="en-US" altLang="ko-KR" sz="1200" kern="0" spc="0" dirty="0">
-              <a:solidFill>
-                <a:srgbClr val="000000"/>
-              </a:solidFill>
-              <a:effectLst/>
-              <a:latin typeface="+mn-ea"/>
-            </a:endParaRPr>
-          </a:p>
-        </p:txBody>
-      </p:sp>
-      <p:grpSp>
-        <p:nvGrpSpPr>
-          <p:cNvPr id="31" name="그룹 30">
-            <a:extLst>
-              <a:ext uri="{FF2B5EF4-FFF2-40B4-BE49-F238E27FC236}">
-                <a16:creationId xmlns:a16="http://schemas.microsoft.com/office/drawing/2014/main" id="{466D0EF9-BADE-427D-91D6-1EF0D4516307}"/>
-              </a:ext>
-            </a:extLst>
-          </p:cNvPr>
-          <p:cNvGrpSpPr/>
-          <p:nvPr/>
-        </p:nvGrpSpPr>
-        <p:grpSpPr>
-          <a:xfrm>
-            <a:off x="276836" y="269845"/>
-            <a:ext cx="2171089" cy="977409"/>
-            <a:chOff x="276836" y="269845"/>
-            <a:chExt cx="2171089" cy="977409"/>
-          </a:xfrm>
-        </p:grpSpPr>
-        <p:sp>
-          <p:nvSpPr>
-            <p:cNvPr id="6" name="TextBox 5">
-              <a:extLst>
-                <a:ext uri="{FF2B5EF4-FFF2-40B4-BE49-F238E27FC236}">
-                  <a16:creationId xmlns:a16="http://schemas.microsoft.com/office/drawing/2014/main" id="{EA58E314-C773-4F36-8C88-B79D5D98B4F8}"/>
-                </a:ext>
-              </a:extLst>
-            </p:cNvPr>
-            <p:cNvSpPr txBox="1"/>
-            <p:nvPr/>
-          </p:nvSpPr>
-          <p:spPr>
-            <a:xfrm>
-              <a:off x="276836" y="269845"/>
-              <a:ext cx="800219" cy="338554"/>
-            </a:xfrm>
-            <a:prstGeom prst="rect">
-              <a:avLst/>
-            </a:prstGeom>
-            <a:noFill/>
-          </p:spPr>
-          <p:txBody>
-            <a:bodyPr wrap="none" rtlCol="0">
-              <a:spAutoFit/>
-            </a:bodyPr>
-            <a:lstStyle/>
-            <a:p>
-              <a:r>
-                <a:rPr lang="ko-KR" altLang="en-US" sz="1600" b="1" dirty="0">
-                  <a:solidFill>
-                    <a:schemeClr val="bg1"/>
-                  </a:solidFill>
-                </a:rPr>
-                <a:t>과제명</a:t>
-              </a:r>
-            </a:p>
-          </p:txBody>
-        </p:sp>
-        <p:sp>
-          <p:nvSpPr>
-            <p:cNvPr id="10" name="TextBox 9">
-              <a:extLst>
-                <a:ext uri="{FF2B5EF4-FFF2-40B4-BE49-F238E27FC236}">
-                  <a16:creationId xmlns:a16="http://schemas.microsoft.com/office/drawing/2014/main" id="{E2FC9F57-DA73-432C-ADB1-4C65C38E146D}"/>
-                </a:ext>
-              </a:extLst>
-            </p:cNvPr>
-            <p:cNvSpPr txBox="1"/>
-            <p:nvPr/>
-          </p:nvSpPr>
-          <p:spPr>
-            <a:xfrm>
-              <a:off x="276836" y="600923"/>
-              <a:ext cx="2171089" cy="646331"/>
-            </a:xfrm>
-            <a:prstGeom prst="rect">
-              <a:avLst/>
-            </a:prstGeom>
-            <a:noFill/>
-          </p:spPr>
-          <p:txBody>
-            <a:bodyPr wrap="square" rtlCol="0">
-              <a:spAutoFit/>
-            </a:bodyPr>
-            <a:lstStyle/>
-            <a:p>
-              <a:r>
-                <a:rPr lang="ko-KR" altLang="en-US" sz="1200" dirty="0"/>
-                <a:t>ㅁㅈㅁㅈ</a:t>
-              </a:r>
-              <a:endParaRPr lang="en-US" altLang="ko-KR" sz="1200" dirty="0"/>
-            </a:p>
-            <a:p>
-              <a:r>
-                <a:rPr lang="en-US" altLang="ko-KR" sz="1200" dirty="0"/>
-                <a:t>- </a:t>
-              </a:r>
-              <a:r>
-                <a:rPr lang="ko-KR" altLang="en-US" sz="1200" dirty="0"/>
-                <a:t>좋아하는 연예인의 착용 제품을 찾아주는 쇼핑 플랫폼 </a:t>
-              </a:r>
-              <a:endParaRPr lang="en-US" altLang="ko-KR" sz="1200" dirty="0"/>
-            </a:p>
-          </p:txBody>
-        </p:sp>
-      </p:grpSp>
-      <p:grpSp>
-        <p:nvGrpSpPr>
-          <p:cNvPr id="30" name="그룹 29">
-            <a:extLst>
-              <a:ext uri="{FF2B5EF4-FFF2-40B4-BE49-F238E27FC236}">
-                <a16:creationId xmlns:a16="http://schemas.microsoft.com/office/drawing/2014/main" id="{956FCDD1-8102-469E-963F-8CF798D512DC}"/>
-              </a:ext>
-            </a:extLst>
-          </p:cNvPr>
-          <p:cNvGrpSpPr/>
-          <p:nvPr/>
-        </p:nvGrpSpPr>
-        <p:grpSpPr>
-          <a:xfrm>
-            <a:off x="276835" y="1456899"/>
-            <a:ext cx="2171089" cy="608077"/>
-            <a:chOff x="276836" y="1474033"/>
-            <a:chExt cx="2171089" cy="608077"/>
-          </a:xfrm>
-        </p:grpSpPr>
-        <p:sp>
-          <p:nvSpPr>
-            <p:cNvPr id="11" name="TextBox 10">
-              <a:extLst>
-                <a:ext uri="{FF2B5EF4-FFF2-40B4-BE49-F238E27FC236}">
-                  <a16:creationId xmlns:a16="http://schemas.microsoft.com/office/drawing/2014/main" id="{A11D4FEC-A08E-42DB-9970-9FD7B36730CB}"/>
-                </a:ext>
-              </a:extLst>
-            </p:cNvPr>
-            <p:cNvSpPr txBox="1"/>
-            <p:nvPr/>
-          </p:nvSpPr>
-          <p:spPr>
-            <a:xfrm>
-              <a:off x="276836" y="1474033"/>
-              <a:ext cx="1005403" cy="338554"/>
-            </a:xfrm>
-            <a:prstGeom prst="rect">
-              <a:avLst/>
-            </a:prstGeom>
-            <a:noFill/>
-          </p:spPr>
-          <p:txBody>
-            <a:bodyPr wrap="none" rtlCol="0">
-              <a:spAutoFit/>
-            </a:bodyPr>
-            <a:lstStyle/>
-            <a:p>
-              <a:r>
-                <a:rPr lang="ko-KR" altLang="en-US" sz="1600" b="1" dirty="0">
-                  <a:solidFill>
-                    <a:schemeClr val="bg1"/>
-                  </a:solidFill>
-                </a:rPr>
-                <a:t>화면이름</a:t>
-              </a:r>
-            </a:p>
-          </p:txBody>
-        </p:sp>
-        <p:sp>
-          <p:nvSpPr>
-            <p:cNvPr id="12" name="TextBox 11">
-              <a:extLst>
-                <a:ext uri="{FF2B5EF4-FFF2-40B4-BE49-F238E27FC236}">
-                  <a16:creationId xmlns:a16="http://schemas.microsoft.com/office/drawing/2014/main" id="{95279311-CDE0-44BF-8410-51979300FD53}"/>
-                </a:ext>
-              </a:extLst>
-            </p:cNvPr>
-            <p:cNvSpPr txBox="1"/>
-            <p:nvPr/>
-          </p:nvSpPr>
-          <p:spPr>
-            <a:xfrm>
-              <a:off x="276836" y="1805111"/>
-              <a:ext cx="2171089" cy="276999"/>
-            </a:xfrm>
-            <a:prstGeom prst="rect">
-              <a:avLst/>
-            </a:prstGeom>
-            <a:noFill/>
-          </p:spPr>
-          <p:txBody>
-            <a:bodyPr wrap="square" rtlCol="0">
-              <a:spAutoFit/>
-            </a:bodyPr>
-            <a:lstStyle/>
-            <a:p>
-              <a:r>
-                <a:rPr lang="ko-KR" altLang="en-US" sz="1200" dirty="0"/>
-                <a:t>판매</a:t>
-              </a:r>
-              <a:r>
-                <a:rPr lang="en-US" altLang="ko-KR" sz="1200" dirty="0"/>
-                <a:t>01</a:t>
-              </a:r>
-            </a:p>
-          </p:txBody>
-        </p:sp>
-      </p:grpSp>
-      <p:grpSp>
-        <p:nvGrpSpPr>
-          <p:cNvPr id="29" name="그룹 28">
-            <a:extLst>
-              <a:ext uri="{FF2B5EF4-FFF2-40B4-BE49-F238E27FC236}">
-                <a16:creationId xmlns:a16="http://schemas.microsoft.com/office/drawing/2014/main" id="{CE8B1C68-700F-45A9-8016-5ED0A02FFBE2}"/>
-              </a:ext>
-            </a:extLst>
-          </p:cNvPr>
-          <p:cNvGrpSpPr/>
-          <p:nvPr/>
-        </p:nvGrpSpPr>
-        <p:grpSpPr>
-          <a:xfrm>
-            <a:off x="276835" y="2297123"/>
-            <a:ext cx="2171089" cy="608077"/>
-            <a:chOff x="276836" y="2678221"/>
-            <a:chExt cx="2171089" cy="608077"/>
-          </a:xfrm>
-        </p:grpSpPr>
-        <p:sp>
-          <p:nvSpPr>
-            <p:cNvPr id="13" name="TextBox 12">
-              <a:extLst>
-                <a:ext uri="{FF2B5EF4-FFF2-40B4-BE49-F238E27FC236}">
-                  <a16:creationId xmlns:a16="http://schemas.microsoft.com/office/drawing/2014/main" id="{8A754930-80DC-40A4-874B-EBE42B054C69}"/>
-                </a:ext>
-              </a:extLst>
-            </p:cNvPr>
-            <p:cNvSpPr txBox="1"/>
-            <p:nvPr/>
-          </p:nvSpPr>
-          <p:spPr>
-            <a:xfrm>
-              <a:off x="276836" y="2678221"/>
-              <a:ext cx="1005403" cy="338554"/>
-            </a:xfrm>
-            <a:prstGeom prst="rect">
-              <a:avLst/>
-            </a:prstGeom>
-            <a:noFill/>
-          </p:spPr>
-          <p:txBody>
-            <a:bodyPr wrap="none" rtlCol="0">
-              <a:spAutoFit/>
-            </a:bodyPr>
-            <a:lstStyle/>
-            <a:p>
-              <a:r>
-                <a:rPr lang="ko-KR" altLang="en-US" sz="1600" b="1" dirty="0">
-                  <a:solidFill>
-                    <a:schemeClr val="bg1"/>
-                  </a:solidFill>
-                </a:rPr>
-                <a:t>화면코드</a:t>
-              </a:r>
-            </a:p>
-          </p:txBody>
-        </p:sp>
-        <p:sp>
-          <p:nvSpPr>
-            <p:cNvPr id="14" name="TextBox 13">
-              <a:extLst>
-                <a:ext uri="{FF2B5EF4-FFF2-40B4-BE49-F238E27FC236}">
-                  <a16:creationId xmlns:a16="http://schemas.microsoft.com/office/drawing/2014/main" id="{A23439F9-C374-4017-AD5C-0C17D06FDD60}"/>
-                </a:ext>
-              </a:extLst>
-            </p:cNvPr>
-            <p:cNvSpPr txBox="1"/>
-            <p:nvPr/>
-          </p:nvSpPr>
-          <p:spPr>
-            <a:xfrm>
-              <a:off x="276836" y="3009299"/>
-              <a:ext cx="2171089" cy="276999"/>
-            </a:xfrm>
-            <a:prstGeom prst="rect">
-              <a:avLst/>
-            </a:prstGeom>
-            <a:noFill/>
-          </p:spPr>
-          <p:txBody>
-            <a:bodyPr wrap="square" rtlCol="0">
-              <a:spAutoFit/>
-            </a:bodyPr>
-            <a:lstStyle/>
-            <a:p>
-              <a:r>
-                <a:rPr lang="en-US" altLang="ko-KR" sz="1200" dirty="0"/>
-                <a:t>sales01</a:t>
-              </a:r>
-            </a:p>
-          </p:txBody>
-        </p:sp>
-      </p:grpSp>
-      <p:grpSp>
-        <p:nvGrpSpPr>
-          <p:cNvPr id="28" name="그룹 27">
-            <a:extLst>
-              <a:ext uri="{FF2B5EF4-FFF2-40B4-BE49-F238E27FC236}">
-                <a16:creationId xmlns:a16="http://schemas.microsoft.com/office/drawing/2014/main" id="{3B60CFA0-0763-417B-8AE3-E4433CBD2755}"/>
-              </a:ext>
-            </a:extLst>
-          </p:cNvPr>
-          <p:cNvGrpSpPr/>
-          <p:nvPr/>
-        </p:nvGrpSpPr>
-        <p:grpSpPr>
-          <a:xfrm>
-            <a:off x="276836" y="3104991"/>
-            <a:ext cx="2171089" cy="608077"/>
-            <a:chOff x="276836" y="3666966"/>
-            <a:chExt cx="2171089" cy="608077"/>
-          </a:xfrm>
-        </p:grpSpPr>
-        <p:sp>
-          <p:nvSpPr>
-            <p:cNvPr id="15" name="TextBox 14">
-              <a:extLst>
-                <a:ext uri="{FF2B5EF4-FFF2-40B4-BE49-F238E27FC236}">
-                  <a16:creationId xmlns:a16="http://schemas.microsoft.com/office/drawing/2014/main" id="{9DBDFEAB-84D3-47DC-AEB0-DD14BE3C3381}"/>
-                </a:ext>
-              </a:extLst>
-            </p:cNvPr>
-            <p:cNvSpPr txBox="1"/>
-            <p:nvPr/>
-          </p:nvSpPr>
-          <p:spPr>
-            <a:xfrm>
-              <a:off x="276836" y="3666966"/>
-              <a:ext cx="800219" cy="338554"/>
-            </a:xfrm>
-            <a:prstGeom prst="rect">
-              <a:avLst/>
-            </a:prstGeom>
-            <a:noFill/>
-          </p:spPr>
-          <p:txBody>
-            <a:bodyPr wrap="none" rtlCol="0">
-              <a:spAutoFit/>
-            </a:bodyPr>
-            <a:lstStyle/>
-            <a:p>
-              <a:r>
-                <a:rPr lang="ko-KR" altLang="en-US" sz="1600" b="1" dirty="0">
-                  <a:solidFill>
-                    <a:schemeClr val="bg1"/>
-                  </a:solidFill>
-                </a:rPr>
-                <a:t>작성자</a:t>
-              </a:r>
-            </a:p>
-          </p:txBody>
-        </p:sp>
-        <p:sp>
-          <p:nvSpPr>
-            <p:cNvPr id="16" name="TextBox 15">
-              <a:extLst>
-                <a:ext uri="{FF2B5EF4-FFF2-40B4-BE49-F238E27FC236}">
-                  <a16:creationId xmlns:a16="http://schemas.microsoft.com/office/drawing/2014/main" id="{AE876C31-DEE5-4929-A872-47CFFD6D977C}"/>
-                </a:ext>
-              </a:extLst>
-            </p:cNvPr>
-            <p:cNvSpPr txBox="1"/>
-            <p:nvPr/>
-          </p:nvSpPr>
-          <p:spPr>
-            <a:xfrm>
-              <a:off x="276836" y="3998044"/>
-              <a:ext cx="2171089" cy="276999"/>
-            </a:xfrm>
-            <a:prstGeom prst="rect">
-              <a:avLst/>
-            </a:prstGeom>
-            <a:noFill/>
-          </p:spPr>
-          <p:txBody>
-            <a:bodyPr wrap="square" rtlCol="0">
-              <a:spAutoFit/>
-            </a:bodyPr>
-            <a:lstStyle/>
-            <a:p>
-              <a:r>
-                <a:rPr lang="ko-KR" altLang="en-US" sz="1200" dirty="0"/>
-                <a:t>팀원</a:t>
-              </a:r>
-              <a:r>
-                <a:rPr lang="en-US" altLang="ko-KR" sz="1200" dirty="0"/>
-                <a:t>: </a:t>
-              </a:r>
-              <a:r>
-                <a:rPr lang="ko-KR" altLang="en-US" sz="1200" dirty="0"/>
-                <a:t>이예지</a:t>
-              </a:r>
-              <a:endParaRPr lang="en-US" altLang="ko-KR" sz="1200" dirty="0"/>
-            </a:p>
-          </p:txBody>
-        </p:sp>
-      </p:grpSp>
-      <p:sp>
-        <p:nvSpPr>
-          <p:cNvPr id="18" name="TextBox 17">
-            <a:extLst>
-              <a:ext uri="{FF2B5EF4-FFF2-40B4-BE49-F238E27FC236}">
-                <a16:creationId xmlns:a16="http://schemas.microsoft.com/office/drawing/2014/main" id="{17EFCDDE-1130-408D-9BF1-4DAA52C217DC}"/>
+                <a16:creationId xmlns:a16="http://schemas.microsoft.com/office/drawing/2014/main" id="{D86AE12A-76EC-49AD-A2BE-EBED9566CBB2}"/>
               </a:ext>
             </a:extLst>
           </p:cNvPr>
@@ -15448,139 +13562,8 @@
         </p:nvSpPr>
         <p:spPr>
           <a:xfrm>
-            <a:off x="2724761" y="4495614"/>
-            <a:ext cx="1005403" cy="338554"/>
-          </a:xfrm>
-          <a:prstGeom prst="rect">
-            <a:avLst/>
-          </a:prstGeom>
-          <a:noFill/>
-        </p:spPr>
-        <p:txBody>
-          <a:bodyPr wrap="none" rtlCol="0">
-            <a:spAutoFit/>
-          </a:bodyPr>
-          <a:lstStyle/>
-          <a:p>
-            <a:r>
-              <a:rPr lang="ko-KR" altLang="en-US" sz="1600" b="1" dirty="0"/>
-              <a:t>화면설명</a:t>
-            </a:r>
-          </a:p>
-        </p:txBody>
-      </p:sp>
-      <p:grpSp>
-        <p:nvGrpSpPr>
-          <p:cNvPr id="32" name="그룹 31">
-            <a:extLst>
-              <a:ext uri="{FF2B5EF4-FFF2-40B4-BE49-F238E27FC236}">
-                <a16:creationId xmlns:a16="http://schemas.microsoft.com/office/drawing/2014/main" id="{CA1DD512-4BF6-481A-95B3-0402591A68BA}"/>
-              </a:ext>
-            </a:extLst>
-          </p:cNvPr>
-          <p:cNvGrpSpPr/>
-          <p:nvPr/>
-        </p:nvGrpSpPr>
-        <p:grpSpPr>
-          <a:xfrm>
-            <a:off x="276836" y="3936433"/>
-            <a:ext cx="2171089" cy="608077"/>
-            <a:chOff x="276836" y="269845"/>
-            <a:chExt cx="2171089" cy="608077"/>
-          </a:xfrm>
-        </p:grpSpPr>
-        <p:sp>
-          <p:nvSpPr>
-            <p:cNvPr id="33" name="TextBox 32">
-              <a:extLst>
-                <a:ext uri="{FF2B5EF4-FFF2-40B4-BE49-F238E27FC236}">
-                  <a16:creationId xmlns:a16="http://schemas.microsoft.com/office/drawing/2014/main" id="{E2C757D1-6594-4C66-81E7-820AE4027158}"/>
-                </a:ext>
-              </a:extLst>
-            </p:cNvPr>
-            <p:cNvSpPr txBox="1"/>
-            <p:nvPr/>
-          </p:nvSpPr>
-          <p:spPr>
-            <a:xfrm>
-              <a:off x="276836" y="269845"/>
-              <a:ext cx="1005403" cy="338554"/>
-            </a:xfrm>
-            <a:prstGeom prst="rect">
-              <a:avLst/>
-            </a:prstGeom>
-            <a:noFill/>
-          </p:spPr>
-          <p:txBody>
-            <a:bodyPr wrap="none" rtlCol="0">
-              <a:spAutoFit/>
-            </a:bodyPr>
-            <a:lstStyle/>
-            <a:p>
-              <a:r>
-                <a:rPr lang="ko-KR" altLang="en-US" sz="1600" b="1" dirty="0">
-                  <a:solidFill>
-                    <a:schemeClr val="bg1"/>
-                  </a:solidFill>
-                </a:rPr>
-                <a:t>유의사항</a:t>
-              </a:r>
-            </a:p>
-          </p:txBody>
-        </p:sp>
-        <p:sp>
-          <p:nvSpPr>
-            <p:cNvPr id="34" name="TextBox 33">
-              <a:extLst>
-                <a:ext uri="{FF2B5EF4-FFF2-40B4-BE49-F238E27FC236}">
-                  <a16:creationId xmlns:a16="http://schemas.microsoft.com/office/drawing/2014/main" id="{D86AE12A-76EC-49AD-A2BE-EBED9566CBB2}"/>
-                </a:ext>
-              </a:extLst>
-            </p:cNvPr>
-            <p:cNvSpPr txBox="1"/>
-            <p:nvPr/>
-          </p:nvSpPr>
-          <p:spPr>
-            <a:xfrm>
-              <a:off x="276836" y="600923"/>
-              <a:ext cx="2171089" cy="276999"/>
-            </a:xfrm>
-            <a:prstGeom prst="rect">
-              <a:avLst/>
-            </a:prstGeom>
-            <a:noFill/>
-          </p:spPr>
-          <p:txBody>
-            <a:bodyPr wrap="square" rtlCol="0">
-              <a:spAutoFit/>
-            </a:bodyPr>
-            <a:lstStyle/>
-            <a:p>
-              <a:endParaRPr lang="en-US" altLang="ko-KR" sz="1200" dirty="0">
-                <a:solidFill>
-                  <a:schemeClr val="bg1"/>
-                </a:solidFill>
-              </a:endParaRPr>
-            </a:p>
-          </p:txBody>
-        </p:sp>
-      </p:grpSp>
-      <p:sp>
-        <p:nvSpPr>
-          <p:cNvPr id="77" name="TextBox 76">
-            <a:extLst>
-              <a:ext uri="{FF2B5EF4-FFF2-40B4-BE49-F238E27FC236}">
-                <a16:creationId xmlns:a16="http://schemas.microsoft.com/office/drawing/2014/main" id="{18FB9613-EB5E-E58D-7CA9-4A2B2C06F199}"/>
-              </a:ext>
-            </a:extLst>
-          </p:cNvPr>
-          <p:cNvSpPr txBox="1"/>
-          <p:nvPr/>
-        </p:nvSpPr>
-        <p:spPr>
-          <a:xfrm>
-            <a:off x="2743201" y="4742801"/>
-            <a:ext cx="7162799" cy="307777"/>
+            <a:off x="276836" y="4267511"/>
+            <a:ext cx="2171089" cy="276999"/>
           </a:xfrm>
           <a:prstGeom prst="rect">
             <a:avLst/>
@@ -15593,62 +13576,18 @@
           </a:bodyPr>
           <a:lstStyle/>
           <a:p>
-            <a:r>
-              <a:rPr lang="ko-KR" altLang="en-US" sz="1400" kern="0" spc="0" dirty="0">
-                <a:solidFill>
-                  <a:srgbClr val="000000"/>
-                </a:solidFill>
-                <a:effectLst/>
-                <a:latin typeface="맑은 고딕" panose="020B0503020000020004" pitchFamily="50" charset="-127"/>
-                <a:ea typeface="맑은 고딕" panose="020B0503020000020004" pitchFamily="50" charset="-127"/>
-              </a:rPr>
-              <a:t>해당 이미지 상세정보 제공</a:t>
-            </a:r>
-            <a:endParaRPr lang="en-US" altLang="ko-KR" sz="1400" kern="0" spc="0" dirty="0">
+            <a:endParaRPr lang="en-US" altLang="ko-KR" sz="1200" dirty="0">
               <a:solidFill>
-                <a:srgbClr val="000000"/>
+                <a:schemeClr val="bg1"/>
               </a:solidFill>
-              <a:effectLst/>
-              <a:latin typeface="맑은 고딕" panose="020B0503020000020004" pitchFamily="50" charset="-127"/>
-              <a:ea typeface="맑은 고딕" panose="020B0503020000020004" pitchFamily="50" charset="-127"/>
             </a:endParaRPr>
           </a:p>
         </p:txBody>
       </p:sp>
-      <p:pic>
-        <p:nvPicPr>
-          <p:cNvPr id="3" name="Picture 2">
-            <a:extLst>
-              <a:ext uri="{FF2B5EF4-FFF2-40B4-BE49-F238E27FC236}">
-                <a16:creationId xmlns:a16="http://schemas.microsoft.com/office/drawing/2014/main" id="{ECD28162-CE06-1BDB-8BC0-F341D67B3E7D}"/>
-              </a:ext>
-            </a:extLst>
-          </p:cNvPr>
-          <p:cNvPicPr>
-            <a:picLocks noChangeAspect="1"/>
-          </p:cNvPicPr>
-          <p:nvPr/>
-        </p:nvPicPr>
-        <p:blipFill>
-          <a:blip r:embed="rId3"/>
-          <a:stretch>
-            <a:fillRect/>
-          </a:stretch>
-        </p:blipFill>
-        <p:spPr>
-          <a:xfrm>
-            <a:off x="2746714" y="269845"/>
-            <a:ext cx="7159285" cy="4267570"/>
-          </a:xfrm>
-          <a:prstGeom prst="rect">
-            <a:avLst/>
-          </a:prstGeom>
-        </p:spPr>
-      </p:pic>
     </p:spTree>
     <p:extLst>
       <p:ext uri="{BB962C8B-B14F-4D97-AF65-F5344CB8AC3E}">
-        <p14:creationId xmlns:p14="http://schemas.microsoft.com/office/powerpoint/2010/main" val="3140353938"/>
+        <p14:creationId xmlns:p14="http://schemas.microsoft.com/office/powerpoint/2010/main" val="2168803400"/>
       </p:ext>
     </p:extLst>
   </p:cSld>
@@ -15658,7 +13597,7 @@
 </p:sld>
 </file>
 
-<file path=ppt/slides/slide21.xml><?xml version="1.0" encoding="utf-8"?>
+<file path=ppt/slides/slide2.xml><?xml version="1.0" encoding="utf-8"?>
 <p:sld xmlns:a="http://schemas.openxmlformats.org/drawingml/2006/main" xmlns:r="http://schemas.openxmlformats.org/officeDocument/2006/relationships" xmlns:p="http://schemas.openxmlformats.org/presentationml/2006/main">
   <p:cSld>
     <p:spTree>
@@ -15677,69 +13616,10 @@
       </p:grpSpPr>
       <p:sp>
         <p:nvSpPr>
-          <p:cNvPr id="4" name="직사각형 3">
+          <p:cNvPr id="4" name="TextBox 3">
             <a:extLst>
               <a:ext uri="{FF2B5EF4-FFF2-40B4-BE49-F238E27FC236}">
-                <a16:creationId xmlns:a16="http://schemas.microsoft.com/office/drawing/2014/main" id="{17CCAA0A-5307-48D3-9858-F46440A1DFFF}"/>
-              </a:ext>
-            </a:extLst>
-          </p:cNvPr>
-          <p:cNvSpPr/>
-          <p:nvPr/>
-        </p:nvSpPr>
-        <p:spPr>
-          <a:xfrm>
-            <a:off x="0" y="2"/>
-            <a:ext cx="9906000" cy="6857996"/>
-          </a:xfrm>
-          <a:prstGeom prst="rect">
-            <a:avLst/>
-          </a:prstGeom>
-          <a:solidFill>
-            <a:schemeClr val="accent1">
-              <a:lumMod val="20000"/>
-              <a:lumOff val="80000"/>
-            </a:schemeClr>
-          </a:solidFill>
-          <a:ln>
-            <a:noFill/>
-          </a:ln>
-        </p:spPr>
-        <p:style>
-          <a:lnRef idx="2">
-            <a:schemeClr val="accent1">
-              <a:shade val="50000"/>
-            </a:schemeClr>
-          </a:lnRef>
-          <a:fillRef idx="1">
-            <a:schemeClr val="accent1"/>
-          </a:fillRef>
-          <a:effectRef idx="0">
-            <a:schemeClr val="accent1"/>
-          </a:effectRef>
-          <a:fontRef idx="minor">
-            <a:schemeClr val="lt1"/>
-          </a:fontRef>
-        </p:style>
-        <p:txBody>
-          <a:bodyPr rtlCol="0" anchor="ctr"/>
-          <a:lstStyle/>
-          <a:p>
-            <a:pPr algn="ctr"/>
-            <a:r>
-              <a:rPr lang="en-US" altLang="ko-KR" sz="8000" dirty="0"/>
-              <a:t>THE END</a:t>
-            </a:r>
-            <a:endParaRPr lang="ko-KR" altLang="en-US" sz="8000" dirty="0"/>
-          </a:p>
-        </p:txBody>
-      </p:sp>
-      <p:sp>
-        <p:nvSpPr>
-          <p:cNvPr id="34" name="TextBox 33">
-            <a:extLst>
-              <a:ext uri="{FF2B5EF4-FFF2-40B4-BE49-F238E27FC236}">
-                <a16:creationId xmlns:a16="http://schemas.microsoft.com/office/drawing/2014/main" id="{D86AE12A-76EC-49AD-A2BE-EBED9566CBB2}"/>
+                <a16:creationId xmlns:a16="http://schemas.microsoft.com/office/drawing/2014/main" id="{9D5220CB-1091-427B-9C59-0D4A53706EA0}"/>
               </a:ext>
             </a:extLst>
           </p:cNvPr>
@@ -15748,74 +13628,8 @@
         </p:nvSpPr>
         <p:spPr>
           <a:xfrm>
-            <a:off x="276836" y="4267511"/>
-            <a:ext cx="2171089" cy="276999"/>
-          </a:xfrm>
-          <a:prstGeom prst="rect">
-            <a:avLst/>
-          </a:prstGeom>
-          <a:noFill/>
-        </p:spPr>
-        <p:txBody>
-          <a:bodyPr wrap="square" rtlCol="0">
-            <a:spAutoFit/>
-          </a:bodyPr>
-          <a:lstStyle/>
-          <a:p>
-            <a:endParaRPr lang="en-US" altLang="ko-KR" sz="1200" dirty="0">
-              <a:solidFill>
-                <a:schemeClr val="bg1"/>
-              </a:solidFill>
-            </a:endParaRPr>
-          </a:p>
-        </p:txBody>
-      </p:sp>
-    </p:spTree>
-    <p:extLst>
-      <p:ext uri="{BB962C8B-B14F-4D97-AF65-F5344CB8AC3E}">
-        <p14:creationId xmlns:p14="http://schemas.microsoft.com/office/powerpoint/2010/main" val="2168803400"/>
-      </p:ext>
-    </p:extLst>
-  </p:cSld>
-  <p:clrMapOvr>
-    <a:masterClrMapping/>
-  </p:clrMapOvr>
-</p:sld>
-</file>
-
-<file path=ppt/slides/slide3.xml><?xml version="1.0" encoding="utf-8"?>
-<p:sld xmlns:a="http://schemas.openxmlformats.org/drawingml/2006/main" xmlns:r="http://schemas.openxmlformats.org/officeDocument/2006/relationships" xmlns:p="http://schemas.openxmlformats.org/presentationml/2006/main">
-  <p:cSld>
-    <p:spTree>
-      <p:nvGrpSpPr>
-        <p:cNvPr id="1" name=""/>
-        <p:cNvGrpSpPr/>
-        <p:nvPr/>
-      </p:nvGrpSpPr>
-      <p:grpSpPr>
-        <a:xfrm>
-          <a:off x="0" y="0"/>
-          <a:ext cx="0" cy="0"/>
-          <a:chOff x="0" y="0"/>
-          <a:chExt cx="0" cy="0"/>
-        </a:xfrm>
-      </p:grpSpPr>
-      <p:sp>
-        <p:nvSpPr>
-          <p:cNvPr id="41" name="TextBox 40">
-            <a:extLst>
-              <a:ext uri="{FF2B5EF4-FFF2-40B4-BE49-F238E27FC236}">
-                <a16:creationId xmlns:a16="http://schemas.microsoft.com/office/drawing/2014/main" id="{DD90209C-56DF-4C97-81D5-7FDA0DFD2D9B}"/>
-              </a:ext>
-            </a:extLst>
-          </p:cNvPr>
-          <p:cNvSpPr txBox="1"/>
-          <p:nvPr/>
-        </p:nvSpPr>
-        <p:spPr>
-          <a:xfrm>
             <a:off x="422454" y="408446"/>
-            <a:ext cx="1919115" cy="584775"/>
+            <a:ext cx="2739853" cy="584775"/>
           </a:xfrm>
           <a:prstGeom prst="rect">
             <a:avLst/>
@@ -15837,7 +13651,7 @@
                   </a:schemeClr>
                 </a:solidFill>
               </a:rPr>
-              <a:t>메뉴 구성</a:t>
+              <a:t>서비스 흐름도</a:t>
             </a:r>
             <a:endParaRPr lang="ko-KR" altLang="en-US" sz="3200" dirty="0">
               <a:solidFill>
@@ -15852,10 +13666,10 @@
       </p:sp>
       <p:cxnSp>
         <p:nvCxnSpPr>
-          <p:cNvPr id="42" name="직선 연결선 41">
+          <p:cNvPr id="6" name="직선 연결선 5">
             <a:extLst>
               <a:ext uri="{FF2B5EF4-FFF2-40B4-BE49-F238E27FC236}">
-                <a16:creationId xmlns:a16="http://schemas.microsoft.com/office/drawing/2014/main" id="{6266C6A5-3908-4920-BDF3-166795DE92EB}"/>
+                <a16:creationId xmlns:a16="http://schemas.microsoft.com/office/drawing/2014/main" id="{A60F8744-D899-4A3B-8ADA-040679D62E71}"/>
               </a:ext>
             </a:extLst>
           </p:cNvPr>
@@ -15896,10 +13710,10 @@
       </p:cxnSp>
       <p:pic>
         <p:nvPicPr>
-          <p:cNvPr id="3" name="Picture 2">
+          <p:cNvPr id="5" name="Picture 4">
             <a:extLst>
               <a:ext uri="{FF2B5EF4-FFF2-40B4-BE49-F238E27FC236}">
-                <a16:creationId xmlns:a16="http://schemas.microsoft.com/office/drawing/2014/main" id="{A5059231-EF4B-B1DE-D5DF-B2B0A54A4790}"/>
+                <a16:creationId xmlns:a16="http://schemas.microsoft.com/office/drawing/2014/main" id="{2CE45E03-CAC0-DEF1-D908-441CE1DCC3BF}"/>
               </a:ext>
             </a:extLst>
           </p:cNvPr>
@@ -15922,8 +13736,168 @@
         </p:blipFill>
         <p:spPr>
           <a:xfrm>
-            <a:off x="1644191" y="1837294"/>
-            <a:ext cx="6617617" cy="4295775"/>
+            <a:off x="819483" y="1498128"/>
+            <a:ext cx="8201320" cy="4827258"/>
+          </a:xfrm>
+          <a:prstGeom prst="rect">
+            <a:avLst/>
+          </a:prstGeom>
+        </p:spPr>
+      </p:pic>
+    </p:spTree>
+    <p:extLst>
+      <p:ext uri="{BB962C8B-B14F-4D97-AF65-F5344CB8AC3E}">
+        <p14:creationId xmlns:p14="http://schemas.microsoft.com/office/powerpoint/2010/main" val="853003860"/>
+      </p:ext>
+    </p:extLst>
+  </p:cSld>
+  <p:clrMapOvr>
+    <a:masterClrMapping/>
+  </p:clrMapOvr>
+</p:sld>
+</file>
+
+<file path=ppt/slides/slide3.xml><?xml version="1.0" encoding="utf-8"?>
+<p:sld xmlns:a="http://schemas.openxmlformats.org/drawingml/2006/main" xmlns:r="http://schemas.openxmlformats.org/officeDocument/2006/relationships" xmlns:p="http://schemas.openxmlformats.org/presentationml/2006/main">
+  <p:cSld>
+    <p:spTree>
+      <p:nvGrpSpPr>
+        <p:cNvPr id="1" name=""/>
+        <p:cNvGrpSpPr/>
+        <p:nvPr/>
+      </p:nvGrpSpPr>
+      <p:grpSpPr>
+        <a:xfrm>
+          <a:off x="0" y="0"/>
+          <a:ext cx="0" cy="0"/>
+          <a:chOff x="0" y="0"/>
+          <a:chExt cx="0" cy="0"/>
+        </a:xfrm>
+      </p:grpSpPr>
+      <p:sp>
+        <p:nvSpPr>
+          <p:cNvPr id="41" name="TextBox 40">
+            <a:extLst>
+              <a:ext uri="{FF2B5EF4-FFF2-40B4-BE49-F238E27FC236}">
+                <a16:creationId xmlns:a16="http://schemas.microsoft.com/office/drawing/2014/main" id="{DD90209C-56DF-4C97-81D5-7FDA0DFD2D9B}"/>
+              </a:ext>
+            </a:extLst>
+          </p:cNvPr>
+          <p:cNvSpPr txBox="1"/>
+          <p:nvPr/>
+        </p:nvSpPr>
+        <p:spPr>
+          <a:xfrm>
+            <a:off x="422454" y="408446"/>
+            <a:ext cx="1919115" cy="584775"/>
+          </a:xfrm>
+          <a:prstGeom prst="rect">
+            <a:avLst/>
+          </a:prstGeom>
+          <a:noFill/>
+        </p:spPr>
+        <p:txBody>
+          <a:bodyPr wrap="none" rtlCol="0">
+            <a:spAutoFit/>
+          </a:bodyPr>
+          <a:lstStyle/>
+          <a:p>
+            <a:r>
+              <a:rPr lang="ko-KR" altLang="en-US" sz="3200" b="1" dirty="0">
+                <a:solidFill>
+                  <a:schemeClr val="accent1">
+                    <a:lumMod val="40000"/>
+                    <a:lumOff val="60000"/>
+                  </a:schemeClr>
+                </a:solidFill>
+              </a:rPr>
+              <a:t>메뉴 구성</a:t>
+            </a:r>
+            <a:endParaRPr lang="ko-KR" altLang="en-US" sz="3200" dirty="0">
+              <a:solidFill>
+                <a:schemeClr val="accent1">
+                  <a:lumMod val="40000"/>
+                  <a:lumOff val="60000"/>
+                </a:schemeClr>
+              </a:solidFill>
+            </a:endParaRPr>
+          </a:p>
+        </p:txBody>
+      </p:sp>
+      <p:cxnSp>
+        <p:nvCxnSpPr>
+          <p:cNvPr id="42" name="직선 연결선 41">
+            <a:extLst>
+              <a:ext uri="{FF2B5EF4-FFF2-40B4-BE49-F238E27FC236}">
+                <a16:creationId xmlns:a16="http://schemas.microsoft.com/office/drawing/2014/main" id="{6266C6A5-3908-4920-BDF3-166795DE92EB}"/>
+              </a:ext>
+            </a:extLst>
+          </p:cNvPr>
+          <p:cNvCxnSpPr/>
+          <p:nvPr/>
+        </p:nvCxnSpPr>
+        <p:spPr>
+          <a:xfrm>
+            <a:off x="553673" y="1098958"/>
+            <a:ext cx="8732940" cy="0"/>
+          </a:xfrm>
+          <a:prstGeom prst="line">
+            <a:avLst/>
+          </a:prstGeom>
+          <a:ln w="19050">
+            <a:solidFill>
+              <a:schemeClr val="tx1">
+                <a:lumMod val="50000"/>
+                <a:lumOff val="50000"/>
+              </a:schemeClr>
+            </a:solidFill>
+          </a:ln>
+        </p:spPr>
+        <p:style>
+          <a:lnRef idx="1">
+            <a:schemeClr val="accent1"/>
+          </a:lnRef>
+          <a:fillRef idx="0">
+            <a:schemeClr val="accent1"/>
+          </a:fillRef>
+          <a:effectRef idx="0">
+            <a:schemeClr val="accent1"/>
+          </a:effectRef>
+          <a:fontRef idx="minor">
+            <a:schemeClr val="tx1"/>
+          </a:fontRef>
+        </p:style>
+      </p:cxnSp>
+      <p:pic>
+        <p:nvPicPr>
+          <p:cNvPr id="4" name="Picture 3">
+            <a:extLst>
+              <a:ext uri="{FF2B5EF4-FFF2-40B4-BE49-F238E27FC236}">
+                <a16:creationId xmlns:a16="http://schemas.microsoft.com/office/drawing/2014/main" id="{3826B1D3-A69D-C227-88FA-8AA339E5B209}"/>
+              </a:ext>
+            </a:extLst>
+          </p:cNvPr>
+          <p:cNvPicPr>
+            <a:picLocks noChangeAspect="1"/>
+          </p:cNvPicPr>
+          <p:nvPr/>
+        </p:nvPicPr>
+        <p:blipFill>
+          <a:blip r:embed="rId3">
+            <a:extLst>
+              <a:ext uri="{28A0092B-C50C-407E-A947-70E740481C1C}">
+                <a14:useLocalDpi xmlns:a14="http://schemas.microsoft.com/office/drawing/2010/main" val="0"/>
+              </a:ext>
+            </a:extLst>
+          </a:blip>
+          <a:stretch>
+            <a:fillRect/>
+          </a:stretch>
+        </p:blipFill>
+        <p:spPr>
+          <a:xfrm>
+            <a:off x="1517067" y="1648757"/>
+            <a:ext cx="6806151" cy="4295775"/>
           </a:xfrm>
           <a:prstGeom prst="rect">
             <a:avLst/>
@@ -15962,10 +13936,10 @@
       </p:grpSpPr>
       <p:pic>
         <p:nvPicPr>
-          <p:cNvPr id="47" name="Picture 46">
+          <p:cNvPr id="5" name="Picture 4">
             <a:extLst>
               <a:ext uri="{FF2B5EF4-FFF2-40B4-BE49-F238E27FC236}">
-                <a16:creationId xmlns:a16="http://schemas.microsoft.com/office/drawing/2014/main" id="{90B8A392-76B3-38D8-D148-F3DB05186D1C}"/>
+                <a16:creationId xmlns:a16="http://schemas.microsoft.com/office/drawing/2014/main" id="{E250B54C-F8DD-C6C9-EEAA-EB4D24BD9F9C}"/>
               </a:ext>
             </a:extLst>
           </p:cNvPr>
@@ -15982,8 +13956,8 @@
         </p:blipFill>
         <p:spPr>
           <a:xfrm>
-            <a:off x="2744926" y="269845"/>
-            <a:ext cx="7161073" cy="4195563"/>
+            <a:off x="2724759" y="269845"/>
+            <a:ext cx="7181241" cy="4195563"/>
           </a:xfrm>
           <a:prstGeom prst="rect">
             <a:avLst/>
@@ -16209,19 +14183,23 @@
             <a:lstStyle/>
             <a:p>
               <a:r>
-                <a:rPr lang="ko-KR" altLang="en-US" sz="1200" dirty="0"/>
-                <a:t>ㅁㅈㅁㅈ</a:t>
-              </a:r>
-              <a:endParaRPr lang="en-US" altLang="ko-KR" sz="1200" dirty="0"/>
+                <a:rPr lang="ko-KR" altLang="en-US" sz="1200" b="1" dirty="0"/>
+                <a:t>바이팬</a:t>
+              </a:r>
+              <a:endParaRPr lang="en-US" altLang="ko-KR" sz="1200" b="1" dirty="0"/>
             </a:p>
             <a:p>
               <a:r>
+                <a:rPr lang="ko-KR" altLang="en-US" sz="1200" dirty="0"/>
+                <a:t>연예인의 다양한 사진을</a:t>
+              </a:r>
+              <a:r>
                 <a:rPr lang="en-US" altLang="ko-KR" sz="1200" dirty="0"/>
-                <a:t>- </a:t>
+                <a:t> </a:t>
               </a:r>
               <a:r>
                 <a:rPr lang="ko-KR" altLang="en-US" sz="1200" dirty="0"/>
-                <a:t>좋아하는 연예인의 착용 제품을 찾아주는 쇼핑 플랫폼 </a:t>
+                <a:t>찾아주는 팬 플랫폼 </a:t>
               </a:r>
               <a:endParaRPr lang="en-US" altLang="ko-KR" sz="1200" dirty="0"/>
             </a:p>
@@ -16760,7 +14738,7 @@
                 <a:effectLst/>
                 <a:latin typeface="+mn-ea"/>
               </a:rPr>
-              <a:t>③ 비로그인 시 </a:t>
+              <a:t>③ </a:t>
             </a:r>
             <a:r>
               <a:rPr lang="en-US" altLang="ko-KR" sz="1400" kern="0" dirty="0">
@@ -16806,7 +14784,7 @@
                 </a:solidFill>
                 <a:latin typeface="+mn-ea"/>
               </a:rPr>
-              <a:t>ask</a:t>
+              <a:t>contact</a:t>
             </a:r>
             <a:r>
               <a:rPr lang="ko-KR" altLang="en-US" sz="1400" kern="0" dirty="0">
@@ -16880,15 +14858,14 @@
               <a:t>⑥ </a:t>
             </a:r>
             <a:r>
-              <a:rPr lang="en-US" altLang="ko-KR" sz="1400" kern="0" spc="0" dirty="0" err="1">
+              <a:rPr lang="en-US" altLang="ko-KR" sz="1400" kern="0" dirty="0">
                 <a:solidFill>
                   <a:srgbClr val="000000"/>
                 </a:solidFill>
-                <a:effectLst/>
                 <a:latin typeface="맑은 고딕" panose="020B0503020000020004" pitchFamily="50" charset="-127"/>
                 <a:ea typeface="맑은 고딕" panose="020B0503020000020004" pitchFamily="50" charset="-127"/>
               </a:rPr>
-              <a:t>sign_up</a:t>
+              <a:t>join</a:t>
             </a:r>
             <a:r>
               <a:rPr lang="ko-KR" altLang="en-US" sz="1400" kern="0" spc="0" dirty="0">
@@ -16936,7 +14913,7 @@
         </p:nvSpPr>
         <p:spPr>
           <a:xfrm>
-            <a:off x="2538017" y="160663"/>
+            <a:off x="2678316" y="159239"/>
             <a:ext cx="341721" cy="369332"/>
           </a:xfrm>
           <a:prstGeom prst="rect">
@@ -17381,6 +15358,36 @@
           <a:chExt cx="0" cy="0"/>
         </a:xfrm>
       </p:grpSpPr>
+      <p:pic>
+        <p:nvPicPr>
+          <p:cNvPr id="25" name="Picture 24">
+            <a:extLst>
+              <a:ext uri="{FF2B5EF4-FFF2-40B4-BE49-F238E27FC236}">
+                <a16:creationId xmlns:a16="http://schemas.microsoft.com/office/drawing/2014/main" id="{FF648E1F-A07D-C375-5161-13934D64104F}"/>
+              </a:ext>
+            </a:extLst>
+          </p:cNvPr>
+          <p:cNvPicPr>
+            <a:picLocks noChangeAspect="1"/>
+          </p:cNvPicPr>
+          <p:nvPr/>
+        </p:nvPicPr>
+        <p:blipFill>
+          <a:blip r:embed="rId3"/>
+          <a:stretch>
+            <a:fillRect/>
+          </a:stretch>
+        </p:blipFill>
+        <p:spPr>
+          <a:xfrm>
+            <a:off x="2743200" y="269845"/>
+            <a:ext cx="7162799" cy="4210583"/>
+          </a:xfrm>
+          <a:prstGeom prst="rect">
+            <a:avLst/>
+          </a:prstGeom>
+        </p:spPr>
+      </p:pic>
       <p:sp>
         <p:nvSpPr>
           <p:cNvPr id="4" name="직사각형 3">
@@ -17600,19 +15607,23 @@
             <a:lstStyle/>
             <a:p>
               <a:r>
-                <a:rPr lang="ko-KR" altLang="en-US" sz="1200" dirty="0"/>
-                <a:t>ㅁㅈㅁㅈ</a:t>
-              </a:r>
-              <a:endParaRPr lang="en-US" altLang="ko-KR" sz="1200" dirty="0"/>
+                <a:rPr lang="ko-KR" altLang="en-US" sz="1200" b="1" dirty="0"/>
+                <a:t>바이팬</a:t>
+              </a:r>
+              <a:endParaRPr lang="en-US" altLang="ko-KR" sz="1200" b="1" dirty="0"/>
             </a:p>
             <a:p>
               <a:r>
+                <a:rPr lang="ko-KR" altLang="en-US" sz="1200" dirty="0"/>
+                <a:t>연예인의 다양한 사진을</a:t>
+              </a:r>
+              <a:r>
                 <a:rPr lang="en-US" altLang="ko-KR" sz="1200" dirty="0"/>
-                <a:t>- </a:t>
+                <a:t> </a:t>
               </a:r>
               <a:r>
                 <a:rPr lang="ko-KR" altLang="en-US" sz="1200" dirty="0"/>
-                <a:t>좋아하는 연예인의 착용 제품을 찾아주는 쇼핑 플랫폼 </a:t>
+                <a:t>찾아주는 팬 플랫폼 </a:t>
               </a:r>
               <a:endParaRPr lang="en-US" altLang="ko-KR" sz="1200" dirty="0"/>
             </a:p>
@@ -17708,7 +15719,7 @@
             <a:p>
               <a:r>
                 <a:rPr lang="ko-KR" altLang="en-US" sz="1200" dirty="0"/>
-                <a:t>메인화면</a:t>
+                <a:t>메인페이지</a:t>
               </a:r>
               <a:endParaRPr lang="en-US" altLang="ko-KR" sz="1200" dirty="0"/>
             </a:p>
@@ -18036,11 +16047,19 @@
             </a:bodyPr>
             <a:lstStyle/>
             <a:p>
-              <a:endParaRPr lang="en-US" altLang="ko-KR" sz="1200" dirty="0">
-                <a:solidFill>
-                  <a:schemeClr val="bg1"/>
-                </a:solidFill>
-              </a:endParaRPr>
+              <a:r>
+                <a:rPr lang="ko-KR" altLang="en-US" sz="1200" dirty="0"/>
+                <a:t>비로그인 시 ①</a:t>
+              </a:r>
+              <a:r>
+                <a:rPr lang="en-US" altLang="ko-KR" sz="1200" dirty="0"/>
+                <a:t>~</a:t>
+              </a:r>
+              <a:r>
+                <a:rPr lang="ko-KR" altLang="en-US" sz="1200" dirty="0"/>
+                <a:t>④ 이용불가</a:t>
+              </a:r>
+              <a:endParaRPr lang="en-US" altLang="ko-KR" sz="1200" dirty="0"/>
             </a:p>
           </p:txBody>
         </p:sp>
@@ -18060,7 +16079,7 @@
         <p:spPr>
           <a:xfrm>
             <a:off x="2743201" y="4742801"/>
-            <a:ext cx="7162799" cy="738664"/>
+            <a:ext cx="7162799" cy="1384995"/>
           </a:xfrm>
           <a:prstGeom prst="rect">
             <a:avLst/>
@@ -18081,14 +16100,115 @@
                 <a:effectLst/>
                 <a:latin typeface="+mn-ea"/>
               </a:rPr>
-              <a:t>①</a:t>
-            </a:r>
-            <a:r>
-              <a:rPr lang="en-US" altLang="ko-KR" sz="1400" dirty="0">
+              <a:t>① </a:t>
+            </a:r>
+            <a:r>
+              <a:rPr lang="en-US" altLang="ko-KR" sz="1400" kern="0" spc="0" dirty="0" err="1">
+                <a:solidFill>
+                  <a:srgbClr val="000000"/>
+                </a:solidFill>
+                <a:effectLst/>
                 <a:latin typeface="+mn-ea"/>
               </a:rPr>
-              <a:t>~</a:t>
-            </a:r>
+              <a:t>mypage</a:t>
+            </a:r>
+            <a:r>
+              <a:rPr lang="ko-KR" altLang="en-US" sz="1400" kern="0" spc="0" dirty="0">
+                <a:solidFill>
+                  <a:srgbClr val="000000"/>
+                </a:solidFill>
+                <a:effectLst/>
+                <a:latin typeface="+mn-ea"/>
+              </a:rPr>
+              <a:t>로 이동</a:t>
+            </a:r>
+            <a:endParaRPr lang="en-US" altLang="ko-KR" sz="1400" kern="0" spc="0" dirty="0">
+              <a:solidFill>
+                <a:srgbClr val="000000"/>
+              </a:solidFill>
+              <a:effectLst/>
+              <a:latin typeface="+mn-ea"/>
+            </a:endParaRPr>
+          </a:p>
+          <a:p>
+            <a:r>
+              <a:rPr lang="ko-KR" altLang="en-US" sz="1400" kern="0" spc="0" dirty="0">
+                <a:solidFill>
+                  <a:srgbClr val="000000"/>
+                </a:solidFill>
+                <a:effectLst/>
+                <a:latin typeface="+mn-ea"/>
+              </a:rPr>
+              <a:t>② </a:t>
+            </a:r>
+            <a:r>
+              <a:rPr lang="en-US" altLang="ko-KR" sz="1400" kern="0" spc="0" dirty="0">
+                <a:solidFill>
+                  <a:srgbClr val="000000"/>
+                </a:solidFill>
+                <a:effectLst/>
+                <a:latin typeface="+mn-ea"/>
+              </a:rPr>
+              <a:t>upload</a:t>
+            </a:r>
+            <a:r>
+              <a:rPr lang="ko-KR" altLang="en-US" sz="1400" kern="0" spc="0" dirty="0">
+                <a:solidFill>
+                  <a:srgbClr val="000000"/>
+                </a:solidFill>
+                <a:effectLst/>
+                <a:latin typeface="+mn-ea"/>
+              </a:rPr>
+              <a:t>로 이동</a:t>
+            </a:r>
+            <a:endParaRPr lang="en-US" altLang="ko-KR" sz="1400" kern="0" spc="0" dirty="0">
+              <a:solidFill>
+                <a:srgbClr val="000000"/>
+              </a:solidFill>
+              <a:effectLst/>
+              <a:latin typeface="+mn-ea"/>
+            </a:endParaRPr>
+          </a:p>
+          <a:p>
+            <a:r>
+              <a:rPr lang="ko-KR" altLang="en-US" sz="1400" kern="0" spc="0" dirty="0">
+                <a:solidFill>
+                  <a:srgbClr val="000000"/>
+                </a:solidFill>
+                <a:effectLst/>
+                <a:latin typeface="+mn-ea"/>
+              </a:rPr>
+              <a:t>③ </a:t>
+            </a:r>
+            <a:r>
+              <a:rPr lang="en-US" altLang="ko-KR" sz="1400" kern="0" spc="0" dirty="0" err="1">
+                <a:solidFill>
+                  <a:srgbClr val="000000"/>
+                </a:solidFill>
+                <a:effectLst/>
+                <a:latin typeface="+mn-ea"/>
+              </a:rPr>
+              <a:t>save_list</a:t>
+            </a:r>
+            <a:r>
+              <a:rPr lang="ko-KR" altLang="en-US" sz="1400" kern="0" spc="0" dirty="0">
+                <a:solidFill>
+                  <a:srgbClr val="000000"/>
+                </a:solidFill>
+                <a:effectLst/>
+                <a:latin typeface="+mn-ea"/>
+              </a:rPr>
+              <a:t>로 이동</a:t>
+            </a:r>
+            <a:endParaRPr lang="en-US" altLang="ko-KR" sz="1400" kern="0" spc="0" dirty="0">
+              <a:solidFill>
+                <a:srgbClr val="000000"/>
+              </a:solidFill>
+              <a:effectLst/>
+              <a:latin typeface="+mn-ea"/>
+            </a:endParaRPr>
+          </a:p>
+          <a:p>
             <a:r>
               <a:rPr lang="ko-KR" altLang="en-US" sz="1400" kern="0" dirty="0">
                 <a:solidFill>
@@ -18096,7 +16216,34 @@
                 </a:solidFill>
                 <a:latin typeface="+mn-ea"/>
               </a:rPr>
-              <a:t>④ 동일</a:t>
+              <a:t>④</a:t>
+            </a:r>
+            <a:r>
+              <a:rPr lang="en-US" altLang="ko-KR" sz="1400" kern="0" dirty="0">
+                <a:solidFill>
+                  <a:srgbClr val="000000"/>
+                </a:solidFill>
+                <a:latin typeface="+mn-ea"/>
+              </a:rPr>
+              <a:t> </a:t>
+            </a:r>
+            <a:r>
+              <a:rPr lang="en-US" altLang="ko-KR" sz="1400" kern="0" dirty="0" err="1">
+                <a:solidFill>
+                  <a:srgbClr val="000000"/>
+                </a:solidFill>
+                <a:latin typeface="+mn-ea"/>
+              </a:rPr>
+              <a:t>upload_list</a:t>
+            </a:r>
+            <a:r>
+              <a:rPr lang="ko-KR" altLang="en-US" sz="1400" kern="0" dirty="0">
+                <a:solidFill>
+                  <a:srgbClr val="000000"/>
+                </a:solidFill>
+                <a:latin typeface="+mn-ea"/>
+              </a:rPr>
+              <a:t>로 이동</a:t>
             </a:r>
             <a:endParaRPr lang="en-US" altLang="ko-KR" sz="1400" kern="0" dirty="0">
               <a:solidFill>
@@ -18191,42 +16338,12 @@
           </a:p>
         </p:txBody>
       </p:sp>
-      <p:pic>
-        <p:nvPicPr>
-          <p:cNvPr id="5" name="Picture 4">
+      <p:sp>
+        <p:nvSpPr>
+          <p:cNvPr id="7" name="TextBox 6">
             <a:extLst>
               <a:ext uri="{FF2B5EF4-FFF2-40B4-BE49-F238E27FC236}">
-                <a16:creationId xmlns:a16="http://schemas.microsoft.com/office/drawing/2014/main" id="{AB56EF15-D6AB-7B1D-CCB6-BB5E336FFBA0}"/>
-              </a:ext>
-            </a:extLst>
-          </p:cNvPr>
-          <p:cNvPicPr>
-            <a:picLocks noChangeAspect="1"/>
-          </p:cNvPicPr>
-          <p:nvPr/>
-        </p:nvPicPr>
-        <p:blipFill>
-          <a:blip r:embed="rId3"/>
-          <a:stretch>
-            <a:fillRect/>
-          </a:stretch>
-        </p:blipFill>
-        <p:spPr>
-          <a:xfrm>
-            <a:off x="2743201" y="269846"/>
-            <a:ext cx="7162798" cy="4199221"/>
-          </a:xfrm>
-          <a:prstGeom prst="rect">
-            <a:avLst/>
-          </a:prstGeom>
-        </p:spPr>
-      </p:pic>
-      <p:sp>
-        <p:nvSpPr>
-          <p:cNvPr id="8" name="TextBox 7">
-            <a:extLst>
-              <a:ext uri="{FF2B5EF4-FFF2-40B4-BE49-F238E27FC236}">
-                <a16:creationId xmlns:a16="http://schemas.microsoft.com/office/drawing/2014/main" id="{81587F2B-9BF5-15D0-28A4-A0C123F9A669}"/>
+                <a16:creationId xmlns:a16="http://schemas.microsoft.com/office/drawing/2014/main" id="{A4DE86B6-7506-2502-F3E9-D3CA7EAFC156}"/>
               </a:ext>
             </a:extLst>
           </p:cNvPr>
@@ -18235,8 +16352,8 @@
         </p:nvSpPr>
         <p:spPr>
           <a:xfrm>
-            <a:off x="8274378" y="231591"/>
-            <a:ext cx="379429" cy="369332"/>
+            <a:off x="4892703" y="389711"/>
+            <a:ext cx="370002" cy="369332"/>
           </a:xfrm>
           <a:prstGeom prst="rect">
             <a:avLst/>
@@ -18255,10 +16372,9 @@
                   <a:srgbClr val="000000"/>
                 </a:solidFill>
                 <a:effectLst/>
-                <a:latin typeface="맑은 고딕" panose="020B0503020000020004" pitchFamily="50" charset="-127"/>
-                <a:ea typeface="맑은 고딕" panose="020B0503020000020004" pitchFamily="50" charset="-127"/>
+                <a:latin typeface="+mn-ea"/>
               </a:rPr>
-              <a:t>⑤</a:t>
+              <a:t>①</a:t>
             </a:r>
             <a:endParaRPr lang="ko-KR" altLang="en-US" b="1" dirty="0"/>
           </a:p>
@@ -18266,10 +16382,10 @@
       </p:sp>
       <p:sp>
         <p:nvSpPr>
-          <p:cNvPr id="20" name="TextBox 19">
+          <p:cNvPr id="9" name="TextBox 8">
             <a:extLst>
               <a:ext uri="{FF2B5EF4-FFF2-40B4-BE49-F238E27FC236}">
-                <a16:creationId xmlns:a16="http://schemas.microsoft.com/office/drawing/2014/main" id="{31F8940E-D3BF-10BE-BFFE-E24105A7903B}"/>
+                <a16:creationId xmlns:a16="http://schemas.microsoft.com/office/drawing/2014/main" id="{A289C205-ACB0-CB73-DCFD-49F8EA430E30}"/>
               </a:ext>
             </a:extLst>
           </p:cNvPr>
@@ -18278,7 +16394,7 @@
         </p:nvSpPr>
         <p:spPr>
           <a:xfrm>
-            <a:off x="8949083" y="231591"/>
+            <a:off x="4902083" y="542550"/>
             <a:ext cx="341721" cy="369332"/>
           </a:xfrm>
           <a:prstGeom prst="rect">
@@ -18298,10 +16414,9 @@
                   <a:srgbClr val="000000"/>
                 </a:solidFill>
                 <a:effectLst/>
-                <a:latin typeface="맑은 고딕" panose="020B0503020000020004" pitchFamily="50" charset="-127"/>
-                <a:ea typeface="맑은 고딕" panose="020B0503020000020004" pitchFamily="50" charset="-127"/>
+                <a:latin typeface="+mn-ea"/>
               </a:rPr>
-              <a:t>⑥</a:t>
+              <a:t>②</a:t>
             </a:r>
             <a:endParaRPr lang="ko-KR" altLang="en-US" b="1" dirty="0"/>
           </a:p>
@@ -18309,10 +16424,10 @@
       </p:sp>
       <p:sp>
         <p:nvSpPr>
-          <p:cNvPr id="24" name="TextBox 23">
+          <p:cNvPr id="20" name="TextBox 19">
             <a:extLst>
               <a:ext uri="{FF2B5EF4-FFF2-40B4-BE49-F238E27FC236}">
-                <a16:creationId xmlns:a16="http://schemas.microsoft.com/office/drawing/2014/main" id="{09EDE544-C490-6CB8-47C4-57423C5553A5}"/>
+                <a16:creationId xmlns:a16="http://schemas.microsoft.com/office/drawing/2014/main" id="{61206064-95DF-5A0A-1654-483ABC198242}"/>
               </a:ext>
             </a:extLst>
           </p:cNvPr>
@@ -18321,8 +16436,8 @@
         </p:nvSpPr>
         <p:spPr>
           <a:xfrm>
-            <a:off x="2709077" y="182859"/>
-            <a:ext cx="341721" cy="369332"/>
+            <a:off x="4901687" y="689768"/>
+            <a:ext cx="379429" cy="369332"/>
           </a:xfrm>
           <a:prstGeom prst="rect">
             <a:avLst/>
@@ -18343,7 +16458,7 @@
                 <a:effectLst/>
                 <a:latin typeface="+mn-ea"/>
               </a:rPr>
-              <a:t>①</a:t>
+              <a:t>③</a:t>
             </a:r>
             <a:endParaRPr lang="ko-KR" altLang="en-US" b="1" dirty="0"/>
           </a:p>
@@ -18351,10 +16466,10 @@
       </p:sp>
       <p:sp>
         <p:nvSpPr>
-          <p:cNvPr id="36" name="TextBox 35">
+          <p:cNvPr id="22" name="TextBox 21">
             <a:extLst>
               <a:ext uri="{FF2B5EF4-FFF2-40B4-BE49-F238E27FC236}">
-                <a16:creationId xmlns:a16="http://schemas.microsoft.com/office/drawing/2014/main" id="{B01F75D1-1DE9-8B1B-E372-6BD67B032BB0}"/>
+                <a16:creationId xmlns:a16="http://schemas.microsoft.com/office/drawing/2014/main" id="{DD56B0FF-6120-A586-2719-FCF380F2C420}"/>
               </a:ext>
             </a:extLst>
           </p:cNvPr>
@@ -18363,8 +16478,8 @@
         </p:nvSpPr>
         <p:spPr>
           <a:xfrm>
-            <a:off x="4864814" y="182859"/>
-            <a:ext cx="370002" cy="369332"/>
+            <a:off x="4902107" y="855842"/>
+            <a:ext cx="351148" cy="369332"/>
           </a:xfrm>
           <a:prstGeom prst="rect">
             <a:avLst/>
@@ -18378,26 +16493,24 @@
           <a:lstStyle/>
           <a:p>
             <a:r>
-              <a:rPr lang="ko-KR" altLang="en-US" sz="1800" b="1" kern="0" spc="0" dirty="0">
+              <a:rPr lang="ko-KR" altLang="en-US" sz="1800" b="1" kern="0" dirty="0">
                 <a:solidFill>
                   <a:srgbClr val="000000"/>
                 </a:solidFill>
-                <a:effectLst/>
-                <a:latin typeface="맑은 고딕" panose="020B0503020000020004" pitchFamily="50" charset="-127"/>
-                <a:ea typeface="맑은 고딕" panose="020B0503020000020004" pitchFamily="50" charset="-127"/>
+                <a:latin typeface="+mn-ea"/>
               </a:rPr>
-              <a:t>②</a:t>
-            </a:r>
-            <a:endParaRPr lang="ko-KR" altLang="en-US" dirty="0"/>
+              <a:t>④</a:t>
+            </a:r>
+            <a:endParaRPr lang="ko-KR" altLang="en-US" b="1" dirty="0"/>
           </a:p>
         </p:txBody>
       </p:sp>
       <p:sp>
         <p:nvSpPr>
-          <p:cNvPr id="40" name="TextBox 39">
+          <p:cNvPr id="19" name="TextBox 18">
             <a:extLst>
               <a:ext uri="{FF2B5EF4-FFF2-40B4-BE49-F238E27FC236}">
-                <a16:creationId xmlns:a16="http://schemas.microsoft.com/office/drawing/2014/main" id="{C3D4C21D-F043-132D-906C-073ED7F9FDED}"/>
+                <a16:creationId xmlns:a16="http://schemas.microsoft.com/office/drawing/2014/main" id="{89F74E88-307F-DE76-9019-D228CA948FE0}"/>
               </a:ext>
             </a:extLst>
           </p:cNvPr>
@@ -18406,7 +16519,7 @@
         </p:nvSpPr>
         <p:spPr>
           <a:xfrm>
-            <a:off x="5939877" y="182859"/>
+            <a:off x="8312085" y="184579"/>
             <a:ext cx="341721" cy="369332"/>
           </a:xfrm>
           <a:prstGeom prst="rect">
@@ -18429,18 +16542,18 @@
                 <a:latin typeface="맑은 고딕" panose="020B0503020000020004" pitchFamily="50" charset="-127"/>
                 <a:ea typeface="맑은 고딕" panose="020B0503020000020004" pitchFamily="50" charset="-127"/>
               </a:rPr>
-              <a:t>③</a:t>
-            </a:r>
-            <a:endParaRPr lang="ko-KR" altLang="en-US" dirty="0"/>
+              <a:t>⑤</a:t>
+            </a:r>
+            <a:endParaRPr lang="ko-KR" altLang="en-US" b="1" dirty="0"/>
           </a:p>
         </p:txBody>
       </p:sp>
       <p:sp>
         <p:nvSpPr>
-          <p:cNvPr id="45" name="TextBox 44">
+          <p:cNvPr id="23" name="TextBox 22">
             <a:extLst>
               <a:ext uri="{FF2B5EF4-FFF2-40B4-BE49-F238E27FC236}">
-                <a16:creationId xmlns:a16="http://schemas.microsoft.com/office/drawing/2014/main" id="{48EC00B6-7355-595E-F5B7-80045E5C46F2}"/>
+                <a16:creationId xmlns:a16="http://schemas.microsoft.com/office/drawing/2014/main" id="{7A997EB8-F2A9-27E3-DF1E-27FA76E9D333}"/>
               </a:ext>
             </a:extLst>
           </p:cNvPr>
@@ -18449,8 +16562,8 @@
         </p:nvSpPr>
         <p:spPr>
           <a:xfrm>
-            <a:off x="6720674" y="182859"/>
-            <a:ext cx="360575" cy="369332"/>
+            <a:off x="9037948" y="173218"/>
+            <a:ext cx="332295" cy="369332"/>
           </a:xfrm>
           <a:prstGeom prst="rect">
             <a:avLst/>
@@ -18472,186 +16585,16 @@
                 <a:latin typeface="맑은 고딕" panose="020B0503020000020004" pitchFamily="50" charset="-127"/>
                 <a:ea typeface="맑은 고딕" panose="020B0503020000020004" pitchFamily="50" charset="-127"/>
               </a:rPr>
-              <a:t>④</a:t>
-            </a:r>
-            <a:endParaRPr lang="ko-KR" altLang="en-US" dirty="0"/>
-          </a:p>
-        </p:txBody>
-      </p:sp>
-      <p:sp>
-        <p:nvSpPr>
-          <p:cNvPr id="52" name="TextBox 51">
-            <a:extLst>
-              <a:ext uri="{FF2B5EF4-FFF2-40B4-BE49-F238E27FC236}">
-                <a16:creationId xmlns:a16="http://schemas.microsoft.com/office/drawing/2014/main" id="{222B1CDB-F339-007E-8E5D-AC58ABF2450B}"/>
-              </a:ext>
-            </a:extLst>
-          </p:cNvPr>
-          <p:cNvSpPr txBox="1"/>
-          <p:nvPr/>
-        </p:nvSpPr>
-        <p:spPr>
-          <a:xfrm>
-            <a:off x="5598156" y="1626176"/>
-            <a:ext cx="341721" cy="369332"/>
-          </a:xfrm>
-          <a:prstGeom prst="rect">
-            <a:avLst/>
-          </a:prstGeom>
-          <a:noFill/>
-        </p:spPr>
-        <p:txBody>
-          <a:bodyPr wrap="square">
-            <a:spAutoFit/>
-          </a:bodyPr>
-          <a:lstStyle/>
-          <a:p>
-            <a:r>
-              <a:rPr lang="ko-KR" altLang="en-US" sz="1800" b="1" kern="0" spc="0" dirty="0">
-                <a:solidFill>
-                  <a:srgbClr val="000000"/>
-                </a:solidFill>
-                <a:effectLst/>
-                <a:latin typeface="+mn-ea"/>
-              </a:rPr>
-              <a:t>③</a:t>
+              <a:t>⑥</a:t>
             </a:r>
             <a:endParaRPr lang="ko-KR" altLang="en-US" b="1" dirty="0"/>
-          </a:p>
-        </p:txBody>
-      </p:sp>
-      <p:sp>
-        <p:nvSpPr>
-          <p:cNvPr id="54" name="TextBox 53">
-            <a:extLst>
-              <a:ext uri="{FF2B5EF4-FFF2-40B4-BE49-F238E27FC236}">
-                <a16:creationId xmlns:a16="http://schemas.microsoft.com/office/drawing/2014/main" id="{52B27838-CFCE-B1A8-0040-9F978FA9E2C2}"/>
-              </a:ext>
-            </a:extLst>
-          </p:cNvPr>
-          <p:cNvSpPr txBox="1"/>
-          <p:nvPr/>
-        </p:nvSpPr>
-        <p:spPr>
-          <a:xfrm>
-            <a:off x="3248522" y="3452438"/>
-            <a:ext cx="341721" cy="369332"/>
-          </a:xfrm>
-          <a:prstGeom prst="rect">
-            <a:avLst/>
-          </a:prstGeom>
-          <a:noFill/>
-        </p:spPr>
-        <p:txBody>
-          <a:bodyPr wrap="square">
-            <a:spAutoFit/>
-          </a:bodyPr>
-          <a:lstStyle/>
-          <a:p>
-            <a:r>
-              <a:rPr lang="ko-KR" altLang="en-US" sz="1800" b="1" kern="0" spc="0" dirty="0">
-                <a:solidFill>
-                  <a:srgbClr val="000000"/>
-                </a:solidFill>
-                <a:effectLst/>
-                <a:latin typeface="+mn-ea"/>
-              </a:rPr>
-              <a:t>③</a:t>
-            </a:r>
-            <a:endParaRPr lang="ko-KR" altLang="en-US" b="1" dirty="0"/>
-          </a:p>
-        </p:txBody>
-      </p:sp>
-      <p:sp>
-        <p:nvSpPr>
-          <p:cNvPr id="56" name="TextBox 55">
-            <a:extLst>
-              <a:ext uri="{FF2B5EF4-FFF2-40B4-BE49-F238E27FC236}">
-                <a16:creationId xmlns:a16="http://schemas.microsoft.com/office/drawing/2014/main" id="{1BC8BA7D-4881-9223-DFF3-4F19CA46C8B0}"/>
-              </a:ext>
-            </a:extLst>
-          </p:cNvPr>
-          <p:cNvSpPr txBox="1"/>
-          <p:nvPr/>
-        </p:nvSpPr>
-        <p:spPr>
-          <a:xfrm>
-            <a:off x="5559357" y="3454906"/>
-            <a:ext cx="341721" cy="369332"/>
-          </a:xfrm>
-          <a:prstGeom prst="rect">
-            <a:avLst/>
-          </a:prstGeom>
-          <a:noFill/>
-        </p:spPr>
-        <p:txBody>
-          <a:bodyPr wrap="square">
-            <a:spAutoFit/>
-          </a:bodyPr>
-          <a:lstStyle/>
-          <a:p>
-            <a:r>
-              <a:rPr lang="ko-KR" altLang="en-US" sz="1800" b="1" kern="0" spc="0">
-                <a:solidFill>
-                  <a:srgbClr val="000000"/>
-                </a:solidFill>
-                <a:effectLst/>
-                <a:latin typeface="맑은 고딕" panose="020B0503020000020004" pitchFamily="50" charset="-127"/>
-                <a:ea typeface="맑은 고딕" panose="020B0503020000020004" pitchFamily="50" charset="-127"/>
-              </a:rPr>
-              <a:t>④</a:t>
-            </a:r>
-            <a:endParaRPr lang="ko-KR" altLang="en-US" dirty="0"/>
-          </a:p>
-        </p:txBody>
-      </p:sp>
-      <p:sp>
-        <p:nvSpPr>
-          <p:cNvPr id="58" name="TextBox 57">
-            <a:extLst>
-              <a:ext uri="{FF2B5EF4-FFF2-40B4-BE49-F238E27FC236}">
-                <a16:creationId xmlns:a16="http://schemas.microsoft.com/office/drawing/2014/main" id="{2ED0B496-825D-4AA6-6F57-95452EAEE3EE}"/>
-              </a:ext>
-            </a:extLst>
-          </p:cNvPr>
-          <p:cNvSpPr txBox="1"/>
-          <p:nvPr/>
-        </p:nvSpPr>
-        <p:spPr>
-          <a:xfrm>
-            <a:off x="8019854" y="3445479"/>
-            <a:ext cx="341721" cy="369332"/>
-          </a:xfrm>
-          <a:prstGeom prst="rect">
-            <a:avLst/>
-          </a:prstGeom>
-          <a:noFill/>
-        </p:spPr>
-        <p:txBody>
-          <a:bodyPr wrap="square">
-            <a:spAutoFit/>
-          </a:bodyPr>
-          <a:lstStyle/>
-          <a:p>
-            <a:r>
-              <a:rPr lang="ko-KR" altLang="en-US" sz="1800" b="1" kern="0" spc="0" dirty="0">
-                <a:solidFill>
-                  <a:srgbClr val="000000"/>
-                </a:solidFill>
-                <a:effectLst/>
-                <a:latin typeface="맑은 고딕" panose="020B0503020000020004" pitchFamily="50" charset="-127"/>
-                <a:ea typeface="맑은 고딕" panose="020B0503020000020004" pitchFamily="50" charset="-127"/>
-              </a:rPr>
-              <a:t>④</a:t>
-            </a:r>
-            <a:endParaRPr lang="ko-KR" altLang="en-US" dirty="0"/>
           </a:p>
         </p:txBody>
       </p:sp>
     </p:spTree>
     <p:extLst>
       <p:ext uri="{BB962C8B-B14F-4D97-AF65-F5344CB8AC3E}">
-        <p14:creationId xmlns:p14="http://schemas.microsoft.com/office/powerpoint/2010/main" val="1094784313"/>
+        <p14:creationId xmlns:p14="http://schemas.microsoft.com/office/powerpoint/2010/main" val="2083839826"/>
       </p:ext>
     </p:extLst>
   </p:cSld>
@@ -18927,19 +16870,23 @@
             <a:lstStyle/>
             <a:p>
               <a:r>
-                <a:rPr lang="ko-KR" altLang="en-US" sz="1200" dirty="0"/>
-                <a:t>ㅁㅈㅁㅈ</a:t>
-              </a:r>
-              <a:endParaRPr lang="en-US" altLang="ko-KR" sz="1200" dirty="0"/>
+                <a:rPr lang="ko-KR" altLang="en-US" sz="1200" b="1" dirty="0"/>
+                <a:t>바이팬</a:t>
+              </a:r>
+              <a:endParaRPr lang="en-US" altLang="ko-KR" sz="1200" b="1" dirty="0"/>
             </a:p>
             <a:p>
               <a:r>
+                <a:rPr lang="ko-KR" altLang="en-US" sz="1200" dirty="0"/>
+                <a:t>연예인의 다양한 사진을</a:t>
+              </a:r>
+              <a:r>
                 <a:rPr lang="en-US" altLang="ko-KR" sz="1200" dirty="0"/>
-                <a:t>- </a:t>
+                <a:t> </a:t>
               </a:r>
               <a:r>
                 <a:rPr lang="ko-KR" altLang="en-US" sz="1200" dirty="0"/>
-                <a:t>좋아하는 연예인의 착용 제품을 찾아주는 쇼핑 플랫폼 </a:t>
+                <a:t>찾아주는 팬 플랫폼 </a:t>
               </a:r>
               <a:endParaRPr lang="en-US" altLang="ko-KR" sz="1200" dirty="0"/>
             </a:p>
@@ -19130,10 +17077,9 @@
             <a:lstStyle/>
             <a:p>
               <a:r>
-                <a:rPr lang="en-US" altLang="ko-KR" sz="1200" dirty="0" err="1"/>
-                <a:t>sign_up</a:t>
-              </a:r>
-              <a:endParaRPr lang="en-US" altLang="ko-KR" sz="1200" dirty="0"/>
+                <a:rPr lang="en-US" altLang="ko-KR" sz="1200" dirty="0"/>
+                <a:t>join</a:t>
+              </a:r>
             </a:p>
           </p:txBody>
         </p:sp>
@@ -19438,7 +17384,7 @@
                 <a:effectLst/>
                 <a:latin typeface="+mn-ea"/>
               </a:rPr>
-              <a:t>index</a:t>
+              <a:t>login</a:t>
             </a:r>
             <a:r>
               <a:rPr lang="ko-KR" altLang="en-US" sz="1400" kern="0" spc="0" dirty="0">
@@ -19448,7 +17394,7 @@
                 <a:effectLst/>
                 <a:latin typeface="+mn-ea"/>
               </a:rPr>
-              <a:t>로 이동</a:t>
+              <a:t>으로 이동</a:t>
             </a:r>
             <a:endParaRPr lang="en-US" altLang="ko-KR" sz="1400" kern="0" spc="0" dirty="0">
               <a:solidFill>
@@ -20087,19 +18033,23 @@
             <a:lstStyle/>
             <a:p>
               <a:r>
-                <a:rPr lang="ko-KR" altLang="en-US" sz="1200" dirty="0"/>
-                <a:t>ㅁㅈㅁㅈ</a:t>
-              </a:r>
-              <a:endParaRPr lang="en-US" altLang="ko-KR" sz="1200" dirty="0"/>
+                <a:rPr lang="ko-KR" altLang="en-US" sz="1200" b="1" dirty="0"/>
+                <a:t>바이팬</a:t>
+              </a:r>
+              <a:endParaRPr lang="en-US" altLang="ko-KR" sz="1200" b="1" dirty="0"/>
             </a:p>
             <a:p>
               <a:r>
+                <a:rPr lang="ko-KR" altLang="en-US" sz="1200" dirty="0"/>
+                <a:t>연예인의 다양한 사진을</a:t>
+              </a:r>
+              <a:r>
                 <a:rPr lang="en-US" altLang="ko-KR" sz="1200" dirty="0"/>
-                <a:t>- </a:t>
+                <a:t> </a:t>
               </a:r>
               <a:r>
                 <a:rPr lang="ko-KR" altLang="en-US" sz="1200" dirty="0"/>
-                <a:t>좋아하는 연예인의 착용 제품을 찾아주는 쇼핑 플랫폼 </a:t>
+                <a:t>찾아주는 팬 플랫폼 </a:t>
               </a:r>
               <a:endParaRPr lang="en-US" altLang="ko-KR" sz="1200" dirty="0"/>
             </a:p>
@@ -20714,13 +18664,13 @@
               <a:t>④ </a:t>
             </a:r>
             <a:r>
-              <a:rPr lang="en-US" altLang="ko-KR" sz="1400" kern="0" dirty="0" err="1">
+              <a:rPr lang="en-US" altLang="ko-KR" sz="1400" kern="0" dirty="0">
                 <a:solidFill>
                   <a:srgbClr val="000000"/>
                 </a:solidFill>
                 <a:latin typeface="+mn-ea"/>
               </a:rPr>
-              <a:t>sign_up</a:t>
+              <a:t>join</a:t>
             </a:r>
             <a:r>
               <a:rPr lang="ko-KR" altLang="en-US" sz="1400" kern="0" dirty="0">
@@ -21272,19 +19222,23 @@
             <a:lstStyle/>
             <a:p>
               <a:r>
-                <a:rPr lang="ko-KR" altLang="en-US" sz="1200" dirty="0"/>
-                <a:t>ㅁㅈㅁㅈ</a:t>
-              </a:r>
-              <a:endParaRPr lang="en-US" altLang="ko-KR" sz="1200" dirty="0"/>
+                <a:rPr lang="ko-KR" altLang="en-US" sz="1200" b="1" dirty="0"/>
+                <a:t>바이팬</a:t>
+              </a:r>
+              <a:endParaRPr lang="en-US" altLang="ko-KR" sz="1200" b="1" dirty="0"/>
             </a:p>
             <a:p>
               <a:r>
+                <a:rPr lang="ko-KR" altLang="en-US" sz="1200" dirty="0"/>
+                <a:t>연예인의 다양한 사진을</a:t>
+              </a:r>
+              <a:r>
                 <a:rPr lang="en-US" altLang="ko-KR" sz="1200" dirty="0"/>
-                <a:t>- </a:t>
+                <a:t> </a:t>
               </a:r>
               <a:r>
                 <a:rPr lang="ko-KR" altLang="en-US" sz="1200" dirty="0"/>
-                <a:t>좋아하는 연예인의 착용 제품을 찾아주는 쇼핑 플랫폼 </a:t>
+                <a:t>찾아주는 팬 플랫폼 </a:t>
               </a:r>
               <a:endParaRPr lang="en-US" altLang="ko-KR" sz="1200" dirty="0"/>
             </a:p>
@@ -21757,24 +19711,13 @@
               <a:t>① </a:t>
             </a:r>
             <a:r>
-              <a:rPr lang="en-US" altLang="ko-KR" sz="1400" b="0" i="0" dirty="0">
+              <a:rPr lang="ko-KR" altLang="en-US" sz="1400" kern="0" dirty="0">
                 <a:solidFill>
-                  <a:srgbClr val="333333"/>
+                  <a:srgbClr val="000000"/>
                 </a:solidFill>
-                <a:effectLst/>
-                <a:latin typeface="-apple-system"/>
+                <a:latin typeface="+mn-ea"/>
               </a:rPr>
-              <a:t>modify</a:t>
-            </a:r>
-            <a:r>
-              <a:rPr lang="ko-KR" altLang="en-US" sz="1400" b="0" i="0" dirty="0">
-                <a:solidFill>
-                  <a:srgbClr val="333333"/>
-                </a:solidFill>
-                <a:effectLst/>
-                <a:latin typeface="-apple-system"/>
-              </a:rPr>
-              <a:t>로 이동</a:t>
+              <a:t>가입한 비밀번호 제공</a:t>
             </a:r>
             <a:endParaRPr lang="en-US" altLang="ko-KR" sz="1400" kern="0" spc="0" dirty="0">
               <a:solidFill>
@@ -21941,10 +19884,10 @@
       </p:grpSpPr>
       <p:pic>
         <p:nvPicPr>
-          <p:cNvPr id="3" name="Picture 2">
+          <p:cNvPr id="5" name="Picture 4">
             <a:extLst>
               <a:ext uri="{FF2B5EF4-FFF2-40B4-BE49-F238E27FC236}">
-                <a16:creationId xmlns:a16="http://schemas.microsoft.com/office/drawing/2014/main" id="{FAD78C15-FCA9-DFAC-E120-9EF7F0A75939}"/>
+                <a16:creationId xmlns:a16="http://schemas.microsoft.com/office/drawing/2014/main" id="{0F0D8EA3-197B-A3E3-B012-1D24ADEFB272}"/>
               </a:ext>
             </a:extLst>
           </p:cNvPr>
@@ -21961,8 +19904,8 @@
         </p:blipFill>
         <p:spPr>
           <a:xfrm>
-            <a:off x="2743201" y="266868"/>
-            <a:ext cx="7162799" cy="4202199"/>
+            <a:off x="2724758" y="273077"/>
+            <a:ext cx="7181241" cy="4195988"/>
           </a:xfrm>
           <a:prstGeom prst="rect">
             <a:avLst/>
@@ -21984,7 +19927,7 @@
         <p:spPr>
           <a:xfrm>
             <a:off x="0" y="2"/>
-            <a:ext cx="2743201" cy="6857996"/>
+            <a:ext cx="2743201" cy="6857998"/>
           </a:xfrm>
           <a:prstGeom prst="rect">
             <a:avLst/>
@@ -22188,19 +20131,23 @@
             <a:lstStyle/>
             <a:p>
               <a:r>
-                <a:rPr lang="ko-KR" altLang="en-US" sz="1200" dirty="0"/>
-                <a:t>ㅁㅈㅁㅈ</a:t>
-              </a:r>
-              <a:endParaRPr lang="en-US" altLang="ko-KR" sz="1200" dirty="0"/>
+                <a:rPr lang="ko-KR" altLang="en-US" sz="1200" b="1" dirty="0"/>
+                <a:t>바이팬</a:t>
+              </a:r>
+              <a:endParaRPr lang="en-US" altLang="ko-KR" sz="1200" b="1" dirty="0"/>
             </a:p>
             <a:p>
               <a:r>
+                <a:rPr lang="ko-KR" altLang="en-US" sz="1200" dirty="0"/>
+                <a:t>연예인의 다양한 사진을</a:t>
+              </a:r>
+              <a:r>
                 <a:rPr lang="en-US" altLang="ko-KR" sz="1200" dirty="0"/>
-                <a:t>- </a:t>
+                <a:t> </a:t>
               </a:r>
               <a:r>
                 <a:rPr lang="ko-KR" altLang="en-US" sz="1200" dirty="0"/>
-                <a:t>좋아하는 연예인의 착용 제품을 찾아주는 쇼핑 플랫폼 </a:t>
+                <a:t>찾아주는 팬 플랫폼 </a:t>
               </a:r>
               <a:endParaRPr lang="en-US" altLang="ko-KR" sz="1200" dirty="0"/>
             </a:p>
@@ -22296,7 +20243,7 @@
             <a:p>
               <a:r>
                 <a:rPr lang="ko-KR" altLang="en-US" sz="1200" dirty="0"/>
-                <a:t>비밀번호 수정</a:t>
+                <a:t>검색</a:t>
               </a:r>
               <a:endParaRPr lang="en-US" altLang="ko-KR" sz="1200" dirty="0"/>
             </a:p>
@@ -22392,7 +20339,7 @@
             <a:p>
               <a:r>
                 <a:rPr lang="en-US" altLang="ko-KR" sz="1200" dirty="0"/>
-                <a:t>modify</a:t>
+                <a:t>service</a:t>
               </a:r>
             </a:p>
           </p:txBody>
@@ -22669,37 +20616,7 @@
                 <a:effectLst/>
                 <a:latin typeface="+mn-ea"/>
               </a:rPr>
-              <a:t>① </a:t>
-            </a:r>
-            <a:r>
-              <a:rPr lang="en-US" altLang="ko-KR" sz="1400" kern="0" spc="0" dirty="0">
-                <a:solidFill>
-                  <a:srgbClr val="000000"/>
-                </a:solidFill>
-                <a:effectLst/>
-                <a:latin typeface="+mn-ea"/>
-              </a:rPr>
-              <a:t>login</a:t>
-            </a:r>
-            <a:r>
-              <a:rPr lang="ko-KR" altLang="en-US" sz="1400" kern="0" spc="0" dirty="0">
-                <a:solidFill>
-                  <a:srgbClr val="000000"/>
-                </a:solidFill>
-                <a:effectLst/>
-                <a:latin typeface="+mn-ea"/>
-              </a:rPr>
-              <a:t>으</a:t>
-            </a:r>
-            <a:r>
-              <a:rPr lang="ko-KR" altLang="en-US" sz="1400" b="0" i="0" dirty="0">
-                <a:solidFill>
-                  <a:srgbClr val="333333"/>
-                </a:solidFill>
-                <a:effectLst/>
-                <a:latin typeface="-apple-system"/>
-              </a:rPr>
-              <a:t>로 이동</a:t>
+              <a:t>① 파일 첨부하기</a:t>
             </a:r>
             <a:endParaRPr lang="en-US" altLang="ko-KR" sz="1400" kern="0" spc="0" dirty="0">
               <a:solidFill>
@@ -22721,14 +20638,14 @@
               <a:t>② </a:t>
             </a:r>
             <a:r>
-              <a:rPr lang="en-US" altLang="ko-KR" sz="1400" kern="0" dirty="0">
+              <a:rPr lang="en-US" altLang="ko-KR" sz="1400" kern="0" spc="0" dirty="0">
                 <a:solidFill>
-                  <a:srgbClr val="333333"/>
+                  <a:srgbClr val="000000"/>
                 </a:solidFill>
                 <a:effectLst/>
-                <a:latin typeface="-apple-system"/>
+                <a:latin typeface="+mn-ea"/>
               </a:rPr>
-              <a:t>index</a:t>
+              <a:t>result</a:t>
             </a:r>
             <a:r>
               <a:rPr lang="ko-KR" altLang="en-US" sz="1400" kern="0" spc="0" dirty="0">
@@ -22752,10 +20669,10 @@
       </p:sp>
       <p:sp>
         <p:nvSpPr>
-          <p:cNvPr id="9" name="TextBox 8">
+          <p:cNvPr id="7" name="TextBox 6">
             <a:extLst>
               <a:ext uri="{FF2B5EF4-FFF2-40B4-BE49-F238E27FC236}">
-                <a16:creationId xmlns:a16="http://schemas.microsoft.com/office/drawing/2014/main" id="{5CB973A6-06C5-E52A-3D21-F7C74ED48343}"/>
+                <a16:creationId xmlns:a16="http://schemas.microsoft.com/office/drawing/2014/main" id="{79AF0221-DA43-C3DA-54E1-53B5FFB7B912}"/>
               </a:ext>
             </a:extLst>
           </p:cNvPr>
@@ -22764,7 +20681,7 @@
         </p:nvSpPr>
         <p:spPr>
           <a:xfrm>
-            <a:off x="5486402" y="2507758"/>
+            <a:off x="5301401" y="2112457"/>
             <a:ext cx="370002" cy="369332"/>
           </a:xfrm>
           <a:prstGeom prst="rect">
@@ -22794,10 +20711,10 @@
       </p:sp>
       <p:sp>
         <p:nvSpPr>
-          <p:cNvPr id="20" name="TextBox 19">
+          <p:cNvPr id="9" name="TextBox 8">
             <a:extLst>
               <a:ext uri="{FF2B5EF4-FFF2-40B4-BE49-F238E27FC236}">
-                <a16:creationId xmlns:a16="http://schemas.microsoft.com/office/drawing/2014/main" id="{00BC6D5B-9CB2-91AB-8F72-7229A83F0EAA}"/>
+                <a16:creationId xmlns:a16="http://schemas.microsoft.com/office/drawing/2014/main" id="{A38A6470-411E-7DCD-9099-24EBCC87921A}"/>
               </a:ext>
             </a:extLst>
           </p:cNvPr>
@@ -22806,8 +20723,8 @@
         </p:nvSpPr>
         <p:spPr>
           <a:xfrm>
-            <a:off x="4772712" y="2877090"/>
-            <a:ext cx="360575" cy="369332"/>
+            <a:off x="5671403" y="3443545"/>
+            <a:ext cx="341721" cy="369332"/>
           </a:xfrm>
           <a:prstGeom prst="rect">
             <a:avLst/>
@@ -22837,7 +20754,7 @@
     </p:spTree>
     <p:extLst>
       <p:ext uri="{BB962C8B-B14F-4D97-AF65-F5344CB8AC3E}">
-        <p14:creationId xmlns:p14="http://schemas.microsoft.com/office/powerpoint/2010/main" val="2723560188"/>
+        <p14:creationId xmlns:p14="http://schemas.microsoft.com/office/powerpoint/2010/main" val="1476473981"/>
       </p:ext>
     </p:extLst>
   </p:cSld>

--- a/1. 산출문서/화면설계서(실전)/화면설계서_서식(1조. HappyVirus) (실전).pptx
+++ b/1. 산출문서/화면설계서(실전)/화면설계서_서식(1조. HappyVirus) (실전).pptx
@@ -215,7 +215,7 @@
           <a:p>
             <a:fld id="{A7E5D514-4841-4DBD-89D8-5BD5E2EF99F8}" type="datetimeFigureOut">
               <a:rPr lang="ko-KR" altLang="en-US" smtClean="0"/>
-              <a:t>2023-01-30</a:t>
+              <a:t>2023-02-20</a:t>
             </a:fld>
             <a:endParaRPr lang="ko-KR" altLang="en-US"/>
           </a:p>
@@ -2745,7 +2745,7 @@
           <a:p>
             <a:fld id="{C0F51B65-CB5E-424A-A210-7B3C910D82A4}" type="datetimeFigureOut">
               <a:rPr lang="ko-KR" altLang="en-US" smtClean="0"/>
-              <a:t>2023-01-30</a:t>
+              <a:t>2023-02-20</a:t>
             </a:fld>
             <a:endParaRPr lang="ko-KR" altLang="en-US"/>
           </a:p>
@@ -2915,7 +2915,7 @@
           <a:p>
             <a:fld id="{C0F51B65-CB5E-424A-A210-7B3C910D82A4}" type="datetimeFigureOut">
               <a:rPr lang="ko-KR" altLang="en-US" smtClean="0"/>
-              <a:t>2023-01-30</a:t>
+              <a:t>2023-02-20</a:t>
             </a:fld>
             <a:endParaRPr lang="ko-KR" altLang="en-US"/>
           </a:p>
@@ -3095,7 +3095,7 @@
           <a:p>
             <a:fld id="{C0F51B65-CB5E-424A-A210-7B3C910D82A4}" type="datetimeFigureOut">
               <a:rPr lang="ko-KR" altLang="en-US" smtClean="0"/>
-              <a:t>2023-01-30</a:t>
+              <a:t>2023-02-20</a:t>
             </a:fld>
             <a:endParaRPr lang="ko-KR" altLang="en-US"/>
           </a:p>
@@ -3265,7 +3265,7 @@
           <a:p>
             <a:fld id="{C0F51B65-CB5E-424A-A210-7B3C910D82A4}" type="datetimeFigureOut">
               <a:rPr lang="ko-KR" altLang="en-US" smtClean="0"/>
-              <a:t>2023-01-30</a:t>
+              <a:t>2023-02-20</a:t>
             </a:fld>
             <a:endParaRPr lang="ko-KR" altLang="en-US"/>
           </a:p>
@@ -3509,7 +3509,7 @@
           <a:p>
             <a:fld id="{C0F51B65-CB5E-424A-A210-7B3C910D82A4}" type="datetimeFigureOut">
               <a:rPr lang="ko-KR" altLang="en-US" smtClean="0"/>
-              <a:t>2023-01-30</a:t>
+              <a:t>2023-02-20</a:t>
             </a:fld>
             <a:endParaRPr lang="ko-KR" altLang="en-US"/>
           </a:p>
@@ -3741,7 +3741,7 @@
           <a:p>
             <a:fld id="{C0F51B65-CB5E-424A-A210-7B3C910D82A4}" type="datetimeFigureOut">
               <a:rPr lang="ko-KR" altLang="en-US" smtClean="0"/>
-              <a:t>2023-01-30</a:t>
+              <a:t>2023-02-20</a:t>
             </a:fld>
             <a:endParaRPr lang="ko-KR" altLang="en-US"/>
           </a:p>
@@ -4108,7 +4108,7 @@
           <a:p>
             <a:fld id="{C0F51B65-CB5E-424A-A210-7B3C910D82A4}" type="datetimeFigureOut">
               <a:rPr lang="ko-KR" altLang="en-US" smtClean="0"/>
-              <a:t>2023-01-30</a:t>
+              <a:t>2023-02-20</a:t>
             </a:fld>
             <a:endParaRPr lang="ko-KR" altLang="en-US"/>
           </a:p>
@@ -4226,7 +4226,7 @@
           <a:p>
             <a:fld id="{C0F51B65-CB5E-424A-A210-7B3C910D82A4}" type="datetimeFigureOut">
               <a:rPr lang="ko-KR" altLang="en-US" smtClean="0"/>
-              <a:t>2023-01-30</a:t>
+              <a:t>2023-02-20</a:t>
             </a:fld>
             <a:endParaRPr lang="ko-KR" altLang="en-US"/>
           </a:p>
@@ -4321,7 +4321,7 @@
           <a:p>
             <a:fld id="{C0F51B65-CB5E-424A-A210-7B3C910D82A4}" type="datetimeFigureOut">
               <a:rPr lang="ko-KR" altLang="en-US" smtClean="0"/>
-              <a:t>2023-01-30</a:t>
+              <a:t>2023-02-20</a:t>
             </a:fld>
             <a:endParaRPr lang="ko-KR" altLang="en-US"/>
           </a:p>
@@ -4598,7 +4598,7 @@
           <a:p>
             <a:fld id="{C0F51B65-CB5E-424A-A210-7B3C910D82A4}" type="datetimeFigureOut">
               <a:rPr lang="ko-KR" altLang="en-US" smtClean="0"/>
-              <a:t>2023-01-30</a:t>
+              <a:t>2023-02-20</a:t>
             </a:fld>
             <a:endParaRPr lang="ko-KR" altLang="en-US"/>
           </a:p>
@@ -4855,7 +4855,7 @@
           <a:p>
             <a:fld id="{C0F51B65-CB5E-424A-A210-7B3C910D82A4}" type="datetimeFigureOut">
               <a:rPr lang="ko-KR" altLang="en-US" smtClean="0"/>
-              <a:t>2023-01-30</a:t>
+              <a:t>2023-02-20</a:t>
             </a:fld>
             <a:endParaRPr lang="ko-KR" altLang="en-US"/>
           </a:p>
@@ -5068,7 +5068,7 @@
           <a:p>
             <a:fld id="{C0F51B65-CB5E-424A-A210-7B3C910D82A4}" type="datetimeFigureOut">
               <a:rPr lang="ko-KR" altLang="en-US" smtClean="0"/>
-              <a:t>2023-01-30</a:t>
+              <a:t>2023-02-20</a:t>
             </a:fld>
             <a:endParaRPr lang="ko-KR" altLang="en-US"/>
           </a:p>
@@ -13710,10 +13710,10 @@
       </p:cxnSp>
       <p:pic>
         <p:nvPicPr>
-          <p:cNvPr id="5" name="Picture 4">
+          <p:cNvPr id="3" name="Picture 2">
             <a:extLst>
               <a:ext uri="{FF2B5EF4-FFF2-40B4-BE49-F238E27FC236}">
-                <a16:creationId xmlns:a16="http://schemas.microsoft.com/office/drawing/2014/main" id="{2CE45E03-CAC0-DEF1-D908-441CE1DCC3BF}"/>
+                <a16:creationId xmlns:a16="http://schemas.microsoft.com/office/drawing/2014/main" id="{08FA9DB1-BB2A-4232-FE55-6E7503243FB8}"/>
               </a:ext>
             </a:extLst>
           </p:cNvPr>
@@ -13736,8 +13736,8 @@
         </p:blipFill>
         <p:spPr>
           <a:xfrm>
-            <a:off x="819483" y="1498128"/>
-            <a:ext cx="8201320" cy="4827258"/>
+            <a:off x="553673" y="1491724"/>
+            <a:ext cx="8732940" cy="4607418"/>
           </a:xfrm>
           <a:prstGeom prst="rect">
             <a:avLst/>
@@ -13870,10 +13870,10 @@
       </p:cxnSp>
       <p:pic>
         <p:nvPicPr>
-          <p:cNvPr id="4" name="Picture 3">
+          <p:cNvPr id="3" name="Picture 2">
             <a:extLst>
               <a:ext uri="{FF2B5EF4-FFF2-40B4-BE49-F238E27FC236}">
-                <a16:creationId xmlns:a16="http://schemas.microsoft.com/office/drawing/2014/main" id="{3826B1D3-A69D-C227-88FA-8AA339E5B209}"/>
+                <a16:creationId xmlns:a16="http://schemas.microsoft.com/office/drawing/2014/main" id="{59E481E0-3EF8-3D6A-2514-3A8A1C151C32}"/>
               </a:ext>
             </a:extLst>
           </p:cNvPr>
@@ -13896,8 +13896,8 @@
         </p:blipFill>
         <p:spPr>
           <a:xfrm>
-            <a:off x="1517067" y="1648757"/>
-            <a:ext cx="6806151" cy="4295775"/>
+            <a:off x="1519237" y="1461155"/>
+            <a:ext cx="6867525" cy="4194927"/>
           </a:xfrm>
           <a:prstGeom prst="rect">
             <a:avLst/>
